--- a/O3652-5 Deep Dive into SharePoint Hosted Apps/O3652-5 Deep Dive into SharePoint Hosted Apps.pptx
+++ b/O3652-5 Deep Dive into SharePoint Hosted Apps/O3652-5 Deep Dive into SharePoint Hosted Apps.pptx
@@ -6,10 +6,10 @@
     <p:sldMasterId id="2147484046" r:id="rId5"/>
   </p:sldMasterIdLst>
   <p:notesMasterIdLst>
-    <p:notesMasterId r:id="rId51"/>
+    <p:notesMasterId r:id="rId44"/>
   </p:notesMasterIdLst>
   <p:handoutMasterIdLst>
-    <p:handoutMasterId r:id="rId52"/>
+    <p:handoutMasterId r:id="rId45"/>
   </p:handoutMasterIdLst>
   <p:sldIdLst>
     <p:sldId id="778" r:id="rId6"/>
@@ -18,45 +18,38 @@
     <p:sldId id="788" r:id="rId9"/>
     <p:sldId id="783" r:id="rId10"/>
     <p:sldId id="854" r:id="rId11"/>
-    <p:sldId id="856" r:id="rId12"/>
-    <p:sldId id="873" r:id="rId13"/>
-    <p:sldId id="871" r:id="rId14"/>
-    <p:sldId id="855" r:id="rId15"/>
-    <p:sldId id="852" r:id="rId16"/>
-    <p:sldId id="857" r:id="rId17"/>
-    <p:sldId id="865" r:id="rId18"/>
-    <p:sldId id="866" r:id="rId19"/>
-    <p:sldId id="867" r:id="rId20"/>
-    <p:sldId id="868" r:id="rId21"/>
-    <p:sldId id="869" r:id="rId22"/>
-    <p:sldId id="870" r:id="rId23"/>
-    <p:sldId id="858" r:id="rId24"/>
-    <p:sldId id="859" r:id="rId25"/>
-    <p:sldId id="872" r:id="rId26"/>
-    <p:sldId id="874" r:id="rId27"/>
-    <p:sldId id="875" r:id="rId28"/>
-    <p:sldId id="876" r:id="rId29"/>
-    <p:sldId id="877" r:id="rId30"/>
-    <p:sldId id="878" r:id="rId31"/>
-    <p:sldId id="860" r:id="rId32"/>
-    <p:sldId id="861" r:id="rId33"/>
-    <p:sldId id="879" r:id="rId34"/>
-    <p:sldId id="880" r:id="rId35"/>
-    <p:sldId id="881" r:id="rId36"/>
-    <p:sldId id="882" r:id="rId37"/>
-    <p:sldId id="862" r:id="rId38"/>
-    <p:sldId id="863" r:id="rId39"/>
-    <p:sldId id="883" r:id="rId40"/>
-    <p:sldId id="884" r:id="rId41"/>
-    <p:sldId id="887" r:id="rId42"/>
-    <p:sldId id="885" r:id="rId43"/>
-    <p:sldId id="888" r:id="rId44"/>
-    <p:sldId id="889" r:id="rId45"/>
-    <p:sldId id="886" r:id="rId46"/>
-    <p:sldId id="890" r:id="rId47"/>
-    <p:sldId id="864" r:id="rId48"/>
-    <p:sldId id="853" r:id="rId49"/>
-    <p:sldId id="654" r:id="rId50"/>
+    <p:sldId id="891" r:id="rId12"/>
+    <p:sldId id="892" r:id="rId13"/>
+    <p:sldId id="873" r:id="rId14"/>
+    <p:sldId id="893" r:id="rId15"/>
+    <p:sldId id="855" r:id="rId16"/>
+    <p:sldId id="852" r:id="rId17"/>
+    <p:sldId id="859" r:id="rId18"/>
+    <p:sldId id="894" r:id="rId19"/>
+    <p:sldId id="895" r:id="rId20"/>
+    <p:sldId id="874" r:id="rId21"/>
+    <p:sldId id="876" r:id="rId22"/>
+    <p:sldId id="877" r:id="rId23"/>
+    <p:sldId id="878" r:id="rId24"/>
+    <p:sldId id="860" r:id="rId25"/>
+    <p:sldId id="861" r:id="rId26"/>
+    <p:sldId id="879" r:id="rId27"/>
+    <p:sldId id="880" r:id="rId28"/>
+    <p:sldId id="881" r:id="rId29"/>
+    <p:sldId id="882" r:id="rId30"/>
+    <p:sldId id="862" r:id="rId31"/>
+    <p:sldId id="863" r:id="rId32"/>
+    <p:sldId id="883" r:id="rId33"/>
+    <p:sldId id="884" r:id="rId34"/>
+    <p:sldId id="887" r:id="rId35"/>
+    <p:sldId id="885" r:id="rId36"/>
+    <p:sldId id="888" r:id="rId37"/>
+    <p:sldId id="889" r:id="rId38"/>
+    <p:sldId id="886" r:id="rId39"/>
+    <p:sldId id="890" r:id="rId40"/>
+    <p:sldId id="864" r:id="rId41"/>
+    <p:sldId id="853" r:id="rId42"/>
+    <p:sldId id="654" r:id="rId43"/>
   </p:sldIdLst>
   <p:sldSz cx="12188825" cy="6858000"/>
   <p:notesSz cx="6858000" cy="9144000"/>
@@ -359,7 +352,7 @@
           <a:p>
             <a:fld id="{DE219B1A-AE41-483B-A766-69B9363DDA6A}" type="datetimeFigureOut">
               <a:rPr lang="en-US" smtClean="0"/>
-              <a:t>8/4/2014</a:t>
+              <a:t>8/5/2014</a:t>
             </a:fld>
             <a:endParaRPr lang="en-US"/>
           </a:p>
@@ -641,7 +634,7 @@
           <a:p>
             <a:fld id="{D51B1278-D92B-4AF3-A9C1-71DD298190CE}" type="datetimeFigureOut">
               <a:rPr lang="en-US" smtClean="0"/>
-              <a:t>8/4/2014</a:t>
+              <a:t>8/5/2014</a:t>
             </a:fld>
             <a:endParaRPr lang="en-US"/>
           </a:p>
@@ -1202,31 +1195,8 @@
           <a:lstStyle/>
           <a:p>
             <a:r>
-              <a:rPr lang="en-US" dirty="0" err="1" smtClean="0"/>
-              <a:t>SharePointAcsContext</a:t>
-            </a:r>
-            <a:r>
               <a:rPr lang="en-US" dirty="0" smtClean="0"/>
-              <a:t> and </a:t>
-            </a:r>
-            <a:r>
-              <a:rPr lang="en-US" dirty="0" err="1" smtClean="0"/>
-              <a:t>SharePointHightTrustContext</a:t>
-            </a:r>
-            <a:r>
-              <a:rPr lang="en-US" dirty="0" smtClean="0"/>
-              <a:t> both inherit from </a:t>
-            </a:r>
-            <a:r>
-              <a:rPr lang="en-US" dirty="0" err="1" smtClean="0"/>
-              <a:t>SharePointContext</a:t>
-            </a:r>
-            <a:endParaRPr lang="en-US" dirty="0" smtClean="0"/>
-          </a:p>
-          <a:p>
-            <a:r>
-              <a:rPr lang="en-US" dirty="0" smtClean="0"/>
-              <a:t>This means that the same code works in both cloud and on-premises environments</a:t>
+              <a:t>When calling the host web, you must switch the context</a:t>
             </a:r>
             <a:endParaRPr lang="en-US" dirty="0"/>
           </a:p>
@@ -1247,9 +1217,9 @@
           <a:bodyPr/>
           <a:lstStyle/>
           <a:p>
-            <a:fld id="{978E40F9-06EC-432F-9301-2E07F244FD92}" type="datetime1">
+            <a:fld id="{64C927B8-48AC-4209-AA95-18D990AB88E8}" type="datetime1">
               <a:rPr lang="en-US" smtClean="0"/>
-              <a:t>8/4/2014</a:t>
+              <a:t>8/5/2014</a:t>
             </a:fld>
             <a:endParaRPr lang="en-US"/>
           </a:p>
@@ -1272,7 +1242,7 @@
           <a:p>
             <a:fld id="{B4008EB6-D09E-4580-8CD6-DDB14511944F}" type="slidenum">
               <a:rPr lang="en-US" smtClean="0"/>
-              <a:t>15</a:t>
+              <a:t>18</a:t>
             </a:fld>
             <a:endParaRPr lang="en-US" dirty="0"/>
           </a:p>
@@ -1380,7 +1350,7 @@
     </p:spTree>
     <p:extLst>
       <p:ext uri="{BB962C8B-B14F-4D97-AF65-F5344CB8AC3E}">
-        <p14:creationId xmlns:p14="http://schemas.microsoft.com/office/powerpoint/2010/main" val="1314518799"/>
+        <p14:creationId xmlns:p14="http://schemas.microsoft.com/office/powerpoint/2010/main" val="279782320"/>
       </p:ext>
     </p:extLst>
   </p:cSld>
@@ -1434,18 +1404,29 @@
           <a:bodyPr/>
           <a:lstStyle/>
           <a:p>
+            <a:pPr marL="0" marR="0" indent="0" algn="l" defTabSz="914363" rtl="0" eaLnBrk="1" fontAlgn="auto" latinLnBrk="0" hangingPunct="1">
+              <a:lnSpc>
+                <a:spcPct val="90000"/>
+              </a:lnSpc>
+              <a:spcBef>
+                <a:spcPts val="0"/>
+              </a:spcBef>
+              <a:spcAft>
+                <a:spcPts val="333"/>
+              </a:spcAft>
+              <a:buClrTx/>
+              <a:buSzTx/>
+              <a:buFontTx/>
+              <a:buNone/>
+              <a:tabLst/>
+              <a:defRPr/>
+            </a:pPr>
             <a:r>
               <a:rPr lang="en-US" dirty="0" smtClean="0"/>
-              <a:t>The </a:t>
-            </a:r>
-            <a:r>
-              <a:rPr lang="en-US" dirty="0" err="1" smtClean="0"/>
-              <a:t>SharePointContext</a:t>
-            </a:r>
-            <a:r>
-              <a:rPr lang="en-US" baseline="0" dirty="0" smtClean="0"/>
-              <a:t> makes it easy to get the tokens you need</a:t>
-            </a:r>
+              <a:t>When calling the host web, you must switch the context</a:t>
+            </a:r>
+          </a:p>
+          <a:p>
             <a:endParaRPr lang="en-US" dirty="0"/>
           </a:p>
         </p:txBody>
@@ -1465,9 +1446,9 @@
           <a:bodyPr/>
           <a:lstStyle/>
           <a:p>
-            <a:fld id="{20E03D06-7C91-4981-946C-5F87F4FCF9AD}" type="datetime1">
+            <a:fld id="{BC8BD616-3C53-4769-B049-3FE930DDEF97}" type="datetime1">
               <a:rPr lang="en-US" smtClean="0"/>
-              <a:t>8/4/2014</a:t>
+              <a:t>8/5/2014</a:t>
             </a:fld>
             <a:endParaRPr lang="en-US"/>
           </a:p>
@@ -1490,7 +1471,7 @@
           <a:p>
             <a:fld id="{B4008EB6-D09E-4580-8CD6-DDB14511944F}" type="slidenum">
               <a:rPr lang="en-US" smtClean="0"/>
-              <a:t>16</a:t>
+              <a:t>19</a:t>
             </a:fld>
             <a:endParaRPr lang="en-US" dirty="0"/>
           </a:p>
@@ -1598,7 +1579,7 @@
     </p:spTree>
     <p:extLst>
       <p:ext uri="{BB962C8B-B14F-4D97-AF65-F5344CB8AC3E}">
-        <p14:creationId xmlns:p14="http://schemas.microsoft.com/office/powerpoint/2010/main" val="1364623966"/>
+        <p14:creationId xmlns:p14="http://schemas.microsoft.com/office/powerpoint/2010/main" val="3143704054"/>
       </p:ext>
     </p:extLst>
   </p:cSld>
@@ -1671,9 +1652,9 @@
           <a:bodyPr/>
           <a:lstStyle/>
           <a:p>
-            <a:fld id="{94EE102F-BBA5-47B5-B3E7-AF35CCCF9F4D}" type="datetime1">
+            <a:fld id="{6DFBD1BE-6A4F-4D98-BF0B-ADDB5A85FBE3}" type="datetime1">
               <a:rPr lang="en-US" smtClean="0"/>
-              <a:t>8/4/2014</a:t>
+              <a:t>8/5/2014</a:t>
             </a:fld>
             <a:endParaRPr lang="en-US"/>
           </a:p>
@@ -1696,7 +1677,7 @@
           <a:p>
             <a:fld id="{B4008EB6-D09E-4580-8CD6-DDB14511944F}" type="slidenum">
               <a:rPr lang="en-US" smtClean="0"/>
-              <a:t>18</a:t>
+              <a:t>20</a:t>
             </a:fld>
             <a:endParaRPr lang="en-US" dirty="0"/>
           </a:p>
@@ -1804,7 +1785,7 @@
     </p:spTree>
     <p:extLst>
       <p:ext uri="{BB962C8B-B14F-4D97-AF65-F5344CB8AC3E}">
-        <p14:creationId xmlns:p14="http://schemas.microsoft.com/office/powerpoint/2010/main" val="1113436874"/>
+        <p14:creationId xmlns:p14="http://schemas.microsoft.com/office/powerpoint/2010/main" val="483350293"/>
       </p:ext>
     </p:extLst>
   </p:cSld>
@@ -1858,6 +1839,20 @@
           <a:bodyPr/>
           <a:lstStyle/>
           <a:p>
+            <a:r>
+              <a:rPr lang="en-US" dirty="0" smtClean="0"/>
+              <a:t>When you create a remote web, it’s nice to have it borrow some of the characteristics of the host web</a:t>
+            </a:r>
+          </a:p>
+          <a:p>
+            <a:r>
+              <a:rPr lang="en-US" dirty="0" smtClean="0"/>
+              <a:t>This way, it doesn’t surprise</a:t>
+            </a:r>
+            <a:r>
+              <a:rPr lang="en-US" baseline="0" dirty="0" smtClean="0"/>
+              <a:t> the user by changing the UI drastically</a:t>
+            </a:r>
             <a:endParaRPr lang="en-US" dirty="0"/>
           </a:p>
         </p:txBody>
@@ -1877,9 +1872,9 @@
           <a:bodyPr/>
           <a:lstStyle/>
           <a:p>
-            <a:fld id="{6DFBD1BE-6A4F-4D98-BF0B-ADDB5A85FBE3}" type="datetime1">
+            <a:fld id="{14FCA8DF-D437-4F44-A7FA-1D633C225705}" type="datetime1">
               <a:rPr lang="en-US" smtClean="0"/>
-              <a:t>8/4/2014</a:t>
+              <a:t>8/5/2014</a:t>
             </a:fld>
             <a:endParaRPr lang="en-US"/>
           </a:p>
@@ -1902,7 +1897,7 @@
           <a:p>
             <a:fld id="{B4008EB6-D09E-4580-8CD6-DDB14511944F}" type="slidenum">
               <a:rPr lang="en-US" smtClean="0"/>
-              <a:t>19</a:t>
+              <a:t>22</a:t>
             </a:fld>
             <a:endParaRPr lang="en-US" dirty="0"/>
           </a:p>
@@ -2010,7 +2005,7 @@
     </p:spTree>
     <p:extLst>
       <p:ext uri="{BB962C8B-B14F-4D97-AF65-F5344CB8AC3E}">
-        <p14:creationId xmlns:p14="http://schemas.microsoft.com/office/powerpoint/2010/main" val="3703688786"/>
+        <p14:creationId xmlns:p14="http://schemas.microsoft.com/office/powerpoint/2010/main" val="1296623883"/>
       </p:ext>
     </p:extLst>
   </p:cSld>
@@ -2066,29 +2061,35 @@
           <a:p>
             <a:r>
               <a:rPr lang="en-US" dirty="0" smtClean="0"/>
-              <a:t>This is an optional component</a:t>
+              <a:t>Create a div tag</a:t>
             </a:r>
           </a:p>
           <a:p>
             <a:r>
               <a:rPr lang="en-US" dirty="0" smtClean="0"/>
-              <a:t>You could also use HTML5 to build your own cache</a:t>
-            </a:r>
-          </a:p>
-          <a:p>
+              <a:t>Use the attributes data-</a:t>
+            </a:r>
+            <a:r>
+              <a:rPr lang="en-US" dirty="0" err="1" smtClean="0"/>
+              <a:t>ms</a:t>
+            </a:r>
             <a:r>
               <a:rPr lang="en-US" dirty="0" smtClean="0"/>
-              <a:t>But you really need to save the standard tokens because you will</a:t>
-            </a:r>
-            <a:r>
-              <a:rPr lang="en-US" baseline="0" dirty="0" smtClean="0"/>
-              <a:t> need them on other pages in the app</a:t>
-            </a:r>
-          </a:p>
-          <a:p>
-            <a:r>
-              <a:rPr lang="en-US" baseline="0" dirty="0" smtClean="0"/>
-              <a:t>That’s the basic problem: you need the standard tokens in many places, so you can cache them or pass them along</a:t>
+              <a:t>-control and data-</a:t>
+            </a:r>
+            <a:r>
+              <a:rPr lang="en-US" dirty="0" err="1" smtClean="0"/>
+              <a:t>ms</a:t>
+            </a:r>
+            <a:r>
+              <a:rPr lang="en-US" dirty="0" smtClean="0"/>
+              <a:t>-options</a:t>
+            </a:r>
+          </a:p>
+          <a:p>
+            <a:r>
+              <a:rPr lang="en-US" dirty="0" smtClean="0"/>
+              <a:t>The chrome control will look for these attributes and render itself in this div</a:t>
             </a:r>
             <a:endParaRPr lang="en-US" dirty="0"/>
           </a:p>
@@ -2109,9 +2110,9 @@
           <a:bodyPr/>
           <a:lstStyle/>
           <a:p>
-            <a:fld id="{5CA12F01-F32E-42E6-9812-70BEA5DBCFD4}" type="datetime1">
+            <a:fld id="{A889F05F-80B9-41D3-BF23-A8E444F74255}" type="datetime1">
               <a:rPr lang="en-US" smtClean="0"/>
-              <a:t>8/4/2014</a:t>
+              <a:t>8/5/2014</a:t>
             </a:fld>
             <a:endParaRPr lang="en-US"/>
           </a:p>
@@ -2134,7 +2135,7 @@
           <a:p>
             <a:fld id="{B4008EB6-D09E-4580-8CD6-DDB14511944F}" type="slidenum">
               <a:rPr lang="en-US" smtClean="0"/>
-              <a:t>21</a:t>
+              <a:t>24</a:t>
             </a:fld>
             <a:endParaRPr lang="en-US" dirty="0"/>
           </a:p>
@@ -2242,7 +2243,7 @@
     </p:spTree>
     <p:extLst>
       <p:ext uri="{BB962C8B-B14F-4D97-AF65-F5344CB8AC3E}">
-        <p14:creationId xmlns:p14="http://schemas.microsoft.com/office/powerpoint/2010/main" val="834101685"/>
+        <p14:creationId xmlns:p14="http://schemas.microsoft.com/office/powerpoint/2010/main" val="557417589"/>
       </p:ext>
     </p:extLst>
   </p:cSld>
@@ -2298,7 +2299,23 @@
           <a:p>
             <a:r>
               <a:rPr lang="en-US" dirty="0" smtClean="0"/>
-              <a:t>Makes it possible to call the app web or host web from JavaScript in the remote web</a:t>
+              <a:t>Here a new chrome control is created in code</a:t>
+            </a:r>
+          </a:p>
+          <a:p>
+            <a:r>
+              <a:rPr lang="en-US" dirty="0" smtClean="0"/>
+              <a:t>When created, it</a:t>
+            </a:r>
+            <a:r>
+              <a:rPr lang="en-US" baseline="0" dirty="0" smtClean="0"/>
+              <a:t> expects you to supply the options and the ID of the div where it should render</a:t>
+            </a:r>
+          </a:p>
+          <a:p>
+            <a:r>
+              <a:rPr lang="en-US" baseline="0" dirty="0" smtClean="0"/>
+              <a:t>Then it renders itself in the div</a:t>
             </a:r>
             <a:endParaRPr lang="en-US" dirty="0"/>
           </a:p>
@@ -2319,9 +2336,9 @@
           <a:bodyPr/>
           <a:lstStyle/>
           <a:p>
-            <a:fld id="{4ADE35DD-7265-41C6-9E2A-205ADF0B08D5}" type="datetime1">
+            <a:fld id="{312D89D2-8BAD-4162-8E57-B687236DD4F5}" type="datetime1">
               <a:rPr lang="en-US" smtClean="0"/>
-              <a:t>8/4/2014</a:t>
+              <a:t>8/5/2014</a:t>
             </a:fld>
             <a:endParaRPr lang="en-US"/>
           </a:p>
@@ -2344,7 +2361,7 @@
           <a:p>
             <a:fld id="{B4008EB6-D09E-4580-8CD6-DDB14511944F}" type="slidenum">
               <a:rPr lang="en-US" smtClean="0"/>
-              <a:t>22</a:t>
+              <a:t>25</a:t>
             </a:fld>
             <a:endParaRPr lang="en-US" dirty="0"/>
           </a:p>
@@ -2452,7 +2469,7 @@
     </p:spTree>
     <p:extLst>
       <p:ext uri="{BB962C8B-B14F-4D97-AF65-F5344CB8AC3E}">
-        <p14:creationId xmlns:p14="http://schemas.microsoft.com/office/powerpoint/2010/main" val="2842563969"/>
+        <p14:creationId xmlns:p14="http://schemas.microsoft.com/office/powerpoint/2010/main" val="2775110973"/>
       </p:ext>
     </p:extLst>
   </p:cSld>
@@ -2506,82 +2523,6 @@
           <a:bodyPr/>
           <a:lstStyle/>
           <a:p>
-            <a:pPr marL="228600" indent="-228600">
-              <a:buAutoNum type="arabicPeriod"/>
-            </a:pPr>
-            <a:r>
-              <a:rPr lang="en-US" dirty="0" smtClean="0"/>
-              <a:t>The remote web loads the SPRequestExecutor.js library</a:t>
-            </a:r>
-          </a:p>
-          <a:p>
-            <a:pPr marL="228600" indent="-228600">
-              <a:buAutoNum type="arabicPeriod"/>
-            </a:pPr>
-            <a:r>
-              <a:rPr lang="en-US" dirty="0" smtClean="0"/>
-              <a:t>The remote web create a new </a:t>
-            </a:r>
-            <a:r>
-              <a:rPr lang="en-US" dirty="0" err="1" smtClean="0"/>
-              <a:t>SP.RequestExecutor</a:t>
-            </a:r>
-            <a:r>
-              <a:rPr lang="en-US" dirty="0" smtClean="0"/>
-              <a:t> object, initializing it with the URL of the app web</a:t>
-            </a:r>
-          </a:p>
-          <a:p>
-            <a:pPr marL="228600" indent="-228600">
-              <a:buAutoNum type="arabicPeriod"/>
-            </a:pPr>
-            <a:r>
-              <a:rPr lang="en-US" dirty="0" smtClean="0"/>
-              <a:t>This causes a hidden IFRAME to be created, which loads APPWebProxy.aspx from the LAYOUTS directory</a:t>
-            </a:r>
-          </a:p>
-          <a:p>
-            <a:pPr marL="228600" indent="-228600">
-              <a:buAutoNum type="arabicPeriod"/>
-            </a:pPr>
-            <a:r>
-              <a:rPr lang="en-US" dirty="0" smtClean="0"/>
-              <a:t>The </a:t>
-            </a:r>
-            <a:r>
-              <a:rPr lang="en-US" dirty="0" err="1" smtClean="0"/>
-              <a:t>SP.RequestExecutor</a:t>
-            </a:r>
-            <a:r>
-              <a:rPr lang="en-US" dirty="0" smtClean="0"/>
-              <a:t> object uses the HTML5 </a:t>
-            </a:r>
-            <a:r>
-              <a:rPr lang="en-US" dirty="0" err="1" smtClean="0"/>
-              <a:t>postmessage</a:t>
-            </a:r>
-            <a:r>
-              <a:rPr lang="en-US" dirty="0" smtClean="0"/>
-              <a:t> command to send requests from the remote web</a:t>
-            </a:r>
-          </a:p>
-          <a:p>
-            <a:pPr marL="228600" indent="-228600">
-              <a:buAutoNum type="arabicPeriod"/>
-            </a:pPr>
-            <a:r>
-              <a:rPr lang="en-US" dirty="0" smtClean="0"/>
-              <a:t>The request is executed by the AppWebProxy.aspx page</a:t>
-            </a:r>
-          </a:p>
-          <a:p>
-            <a:pPr marL="228600" indent="-228600">
-              <a:buAutoNum type="arabicPeriod"/>
-            </a:pPr>
-            <a:r>
-              <a:rPr lang="en-US" dirty="0" smtClean="0"/>
-              <a:t>The response is returned</a:t>
-            </a:r>
             <a:endParaRPr lang="en-US" dirty="0"/>
           </a:p>
         </p:txBody>
@@ -2601,9 +2542,9 @@
           <a:bodyPr/>
           <a:lstStyle/>
           <a:p>
-            <a:fld id="{011330EA-3A2F-4AA6-9551-59328781FD06}" type="datetime1">
+            <a:fld id="{6DFBD1BE-6A4F-4D98-BF0B-ADDB5A85FBE3}" type="datetime1">
               <a:rPr lang="en-US" smtClean="0"/>
-              <a:t>8/4/2014</a:t>
+              <a:t>8/5/2014</a:t>
             </a:fld>
             <a:endParaRPr lang="en-US"/>
           </a:p>
@@ -2626,7 +2567,7 @@
           <a:p>
             <a:fld id="{B4008EB6-D09E-4580-8CD6-DDB14511944F}" type="slidenum">
               <a:rPr lang="en-US" smtClean="0"/>
-              <a:t>24</a:t>
+              <a:t>26</a:t>
             </a:fld>
             <a:endParaRPr lang="en-US" dirty="0"/>
           </a:p>
@@ -2734,7 +2675,7 @@
     </p:spTree>
     <p:extLst>
       <p:ext uri="{BB962C8B-B14F-4D97-AF65-F5344CB8AC3E}">
-        <p14:creationId xmlns:p14="http://schemas.microsoft.com/office/powerpoint/2010/main" val="1504649696"/>
+        <p14:creationId xmlns:p14="http://schemas.microsoft.com/office/powerpoint/2010/main" val="2667516962"/>
       </p:ext>
     </p:extLst>
   </p:cSld>
@@ -2790,7 +2731,45 @@
           <a:p>
             <a:r>
               <a:rPr lang="en-US" dirty="0" smtClean="0"/>
-              <a:t>When calling the host web, you must switch the context</a:t>
+              <a:t>The event handler infrastructure follows the same pattern as</a:t>
+            </a:r>
+            <a:r>
+              <a:rPr lang="en-US" baseline="0" dirty="0" smtClean="0"/>
+              <a:t> the in-process handlers of old</a:t>
+            </a:r>
+          </a:p>
+          <a:p>
+            <a:r>
+              <a:rPr lang="en-US" baseline="0" dirty="0" smtClean="0"/>
+              <a:t>We have both “before” and “after” event</a:t>
+            </a:r>
+          </a:p>
+          <a:p>
+            <a:r>
+              <a:rPr lang="en-US" baseline="0" dirty="0" smtClean="0"/>
+              <a:t>These are also known as “ING” and “ED” events like “</a:t>
+            </a:r>
+            <a:r>
+              <a:rPr lang="en-US" baseline="0" dirty="0" err="1" smtClean="0"/>
+              <a:t>ItemAdding</a:t>
+            </a:r>
+            <a:r>
+              <a:rPr lang="en-US" baseline="0" dirty="0" smtClean="0"/>
+              <a:t>” and “</a:t>
+            </a:r>
+            <a:r>
+              <a:rPr lang="en-US" baseline="0" dirty="0" err="1" smtClean="0"/>
+              <a:t>ItemAdded</a:t>
+            </a:r>
+            <a:r>
+              <a:rPr lang="en-US" baseline="0" dirty="0" smtClean="0"/>
+              <a:t>”</a:t>
+            </a:r>
+          </a:p>
+          <a:p>
+            <a:r>
+              <a:rPr lang="en-US" baseline="0" dirty="0" smtClean="0"/>
+              <a:t>Two-way events are synchronous</a:t>
             </a:r>
             <a:endParaRPr lang="en-US" dirty="0"/>
           </a:p>
@@ -2811,9 +2790,9 @@
           <a:bodyPr/>
           <a:lstStyle/>
           <a:p>
-            <a:fld id="{64C927B8-48AC-4209-AA95-18D990AB88E8}" type="datetime1">
+            <a:fld id="{381A498E-1F91-490C-B0FC-CB0211CC8B4D}" type="datetime1">
               <a:rPr lang="en-US" smtClean="0"/>
-              <a:t>8/4/2014</a:t>
+              <a:t>8/5/2014</a:t>
             </a:fld>
             <a:endParaRPr lang="en-US"/>
           </a:p>
@@ -2836,7 +2815,7 @@
           <a:p>
             <a:fld id="{B4008EB6-D09E-4580-8CD6-DDB14511944F}" type="slidenum">
               <a:rPr lang="en-US" smtClean="0"/>
-              <a:t>25</a:t>
+              <a:t>28</a:t>
             </a:fld>
             <a:endParaRPr lang="en-US" dirty="0"/>
           </a:p>
@@ -2944,7 +2923,7 @@
     </p:spTree>
     <p:extLst>
       <p:ext uri="{BB962C8B-B14F-4D97-AF65-F5344CB8AC3E}">
-        <p14:creationId xmlns:p14="http://schemas.microsoft.com/office/powerpoint/2010/main" val="279782320"/>
+        <p14:creationId xmlns:p14="http://schemas.microsoft.com/office/powerpoint/2010/main" val="2772282231"/>
       </p:ext>
     </p:extLst>
   </p:cSld>
@@ -2998,29 +2977,6 @@
           <a:bodyPr/>
           <a:lstStyle/>
           <a:p>
-            <a:pPr marL="0" marR="0" indent="0" algn="l" defTabSz="914363" rtl="0" eaLnBrk="1" fontAlgn="auto" latinLnBrk="0" hangingPunct="1">
-              <a:lnSpc>
-                <a:spcPct val="90000"/>
-              </a:lnSpc>
-              <a:spcBef>
-                <a:spcPts val="0"/>
-              </a:spcBef>
-              <a:spcAft>
-                <a:spcPts val="333"/>
-              </a:spcAft>
-              <a:buClrTx/>
-              <a:buSzTx/>
-              <a:buFontTx/>
-              <a:buNone/>
-              <a:tabLst/>
-              <a:defRPr/>
-            </a:pPr>
-            <a:r>
-              <a:rPr lang="en-US" dirty="0" smtClean="0"/>
-              <a:t>When calling the host web, you must switch the context</a:t>
-            </a:r>
-          </a:p>
-          <a:p>
             <a:endParaRPr lang="en-US" dirty="0"/>
           </a:p>
         </p:txBody>
@@ -3040,9 +2996,9 @@
           <a:bodyPr/>
           <a:lstStyle/>
           <a:p>
-            <a:fld id="{BC8BD616-3C53-4769-B049-3FE930DDEF97}" type="datetime1">
+            <a:fld id="{6DFBD1BE-6A4F-4D98-BF0B-ADDB5A85FBE3}" type="datetime1">
               <a:rPr lang="en-US" smtClean="0"/>
-              <a:t>8/4/2014</a:t>
+              <a:t>8/5/2014</a:t>
             </a:fld>
             <a:endParaRPr lang="en-US"/>
           </a:p>
@@ -3065,7 +3021,7 @@
           <a:p>
             <a:fld id="{B4008EB6-D09E-4580-8CD6-DDB14511944F}" type="slidenum">
               <a:rPr lang="en-US" smtClean="0"/>
-              <a:t>26</a:t>
+              <a:t>36</a:t>
             </a:fld>
             <a:endParaRPr lang="en-US" dirty="0"/>
           </a:p>
@@ -3173,7 +3129,7 @@
     </p:spTree>
     <p:extLst>
       <p:ext uri="{BB962C8B-B14F-4D97-AF65-F5344CB8AC3E}">
-        <p14:creationId xmlns:p14="http://schemas.microsoft.com/office/powerpoint/2010/main" val="3143704054"/>
+        <p14:creationId xmlns:p14="http://schemas.microsoft.com/office/powerpoint/2010/main" val="4086493756"/>
       </p:ext>
     </p:extLst>
   </p:cSld>
@@ -3246,9 +3202,9 @@
           <a:bodyPr/>
           <a:lstStyle/>
           <a:p>
-            <a:fld id="{6DFBD1BE-6A4F-4D98-BF0B-ADDB5A85FBE3}" type="datetime1">
+            <a:fld id="{1EEDE84A-98EC-4D75-9A7A-DFF39A931950}" type="datetime1">
               <a:rPr lang="en-US" smtClean="0"/>
-              <a:t>8/4/2014</a:t>
+              <a:t>8/5/2014</a:t>
             </a:fld>
             <a:endParaRPr lang="en-US"/>
           </a:p>
@@ -3271,7 +3227,7 @@
           <a:p>
             <a:fld id="{B4008EB6-D09E-4580-8CD6-DDB14511944F}" type="slidenum">
               <a:rPr lang="en-US" smtClean="0"/>
-              <a:t>27</a:t>
+              <a:t>37</a:t>
             </a:fld>
             <a:endParaRPr lang="en-US" dirty="0"/>
           </a:p>
@@ -3379,7 +3335,7 @@
     </p:spTree>
     <p:extLst>
       <p:ext uri="{BB962C8B-B14F-4D97-AF65-F5344CB8AC3E}">
-        <p14:creationId xmlns:p14="http://schemas.microsoft.com/office/powerpoint/2010/main" val="483350293"/>
+        <p14:creationId xmlns:p14="http://schemas.microsoft.com/office/powerpoint/2010/main" val="2924451877"/>
       </p:ext>
     </p:extLst>
   </p:cSld>
@@ -3508,7 +3464,7 @@
           <a:p>
             <a:fld id="{B079C3B8-7366-4A44-A34B-3977080C19E7}" type="datetime1">
               <a:rPr lang="en-US" smtClean="0"/>
-              <a:t>8/4/2014</a:t>
+              <a:t>8/5/2014</a:t>
             </a:fld>
             <a:endParaRPr lang="en-US" dirty="0"/>
           </a:p>
@@ -3618,1350 +3574,6 @@
           <a:bodyPr/>
           <a:lstStyle/>
           <a:p>
-            <a:r>
-              <a:rPr lang="en-US" dirty="0" smtClean="0"/>
-              <a:t>When you create a remote web, it’s nice to have it borrow some of the characteristics of the host web</a:t>
-            </a:r>
-          </a:p>
-          <a:p>
-            <a:r>
-              <a:rPr lang="en-US" dirty="0" smtClean="0"/>
-              <a:t>This way, it doesn’t surprise</a:t>
-            </a:r>
-            <a:r>
-              <a:rPr lang="en-US" baseline="0" dirty="0" smtClean="0"/>
-              <a:t> the user by changing the UI drastically</a:t>
-            </a:r>
-            <a:endParaRPr lang="en-US" dirty="0"/>
-          </a:p>
-        </p:txBody>
-      </p:sp>
-      <p:sp>
-        <p:nvSpPr>
-          <p:cNvPr id="4" name="Date Placeholder 3"/>
-          <p:cNvSpPr>
-            <a:spLocks noGrp="1"/>
-          </p:cNvSpPr>
-          <p:nvPr>
-            <p:ph type="dt" idx="10"/>
-          </p:nvPr>
-        </p:nvSpPr>
-        <p:spPr/>
-        <p:txBody>
-          <a:bodyPr/>
-          <a:lstStyle/>
-          <a:p>
-            <a:fld id="{14FCA8DF-D437-4F44-A7FA-1D633C225705}" type="datetime1">
-              <a:rPr lang="en-US" smtClean="0"/>
-              <a:t>8/4/2014</a:t>
-            </a:fld>
-            <a:endParaRPr lang="en-US"/>
-          </a:p>
-        </p:txBody>
-      </p:sp>
-      <p:sp>
-        <p:nvSpPr>
-          <p:cNvPr id="5" name="Slide Number Placeholder 4"/>
-          <p:cNvSpPr>
-            <a:spLocks noGrp="1"/>
-          </p:cNvSpPr>
-          <p:nvPr>
-            <p:ph type="sldNum" sz="quarter" idx="11"/>
-          </p:nvPr>
-        </p:nvSpPr>
-        <p:spPr/>
-        <p:txBody>
-          <a:bodyPr/>
-          <a:lstStyle/>
-          <a:p>
-            <a:fld id="{B4008EB6-D09E-4580-8CD6-DDB14511944F}" type="slidenum">
-              <a:rPr lang="en-US" smtClean="0"/>
-              <a:t>29</a:t>
-            </a:fld>
-            <a:endParaRPr lang="en-US" dirty="0"/>
-          </a:p>
-        </p:txBody>
-      </p:sp>
-      <p:sp>
-        <p:nvSpPr>
-          <p:cNvPr id="6" name="Header Placeholder 5"/>
-          <p:cNvSpPr>
-            <a:spLocks noGrp="1"/>
-          </p:cNvSpPr>
-          <p:nvPr>
-            <p:ph type="hdr" sz="quarter" idx="12"/>
-          </p:nvPr>
-        </p:nvSpPr>
-        <p:spPr/>
-        <p:txBody>
-          <a:bodyPr/>
-          <a:lstStyle/>
-          <a:p>
-            <a:r>
-              <a:rPr lang="en-US" smtClean="0"/>
-              <a:t>Microsoft Office</a:t>
-            </a:r>
-            <a:endParaRPr lang="en-US" dirty="0"/>
-          </a:p>
-        </p:txBody>
-      </p:sp>
-      <p:sp>
-        <p:nvSpPr>
-          <p:cNvPr id="7" name="Footer Placeholder 6"/>
-          <p:cNvSpPr>
-            <a:spLocks noGrp="1"/>
-          </p:cNvSpPr>
-          <p:nvPr>
-            <p:ph type="ftr" sz="quarter" idx="13"/>
-          </p:nvPr>
-        </p:nvSpPr>
-        <p:spPr/>
-        <p:txBody>
-          <a:bodyPr/>
-          <a:lstStyle/>
-          <a:p>
-            <a:pPr marL="231775" defTabSz="914099" eaLnBrk="0" hangingPunct="0"/>
-            <a:r>
-              <a:rPr lang="en-US" sz="500" smtClean="0">
-                <a:gradFill>
-                  <a:gsLst>
-                    <a:gs pos="0">
-                      <a:schemeClr val="tx1"/>
-                    </a:gs>
-                    <a:gs pos="100000">
-                      <a:schemeClr val="tx1"/>
-                    </a:gs>
-                  </a:gsLst>
-                  <a:lin ang="5400000" scaled="0"/>
-                </a:gradFill>
-                <a:latin typeface="Segoe UI" pitchFamily="34" charset="0"/>
-                <a:ea typeface="Segoe UI" pitchFamily="34" charset="0"/>
-                <a:cs typeface="Segoe UI" pitchFamily="34" charset="0"/>
-              </a:rPr>
-              <a:t>© 2012 Microsoft Corporation. All rights reserved. Microsoft, Windows, and other product names are or may be registered trademarks and/or trademarks in the U.S. and/or other countries.</a:t>
-            </a:r>
-          </a:p>
-          <a:p>
-            <a:pPr marL="231775" defTabSz="914099" eaLnBrk="0" hangingPunct="0"/>
-            <a:r>
-              <a:rPr lang="en-US" sz="500" smtClean="0">
-                <a:gradFill>
-                  <a:gsLst>
-                    <a:gs pos="0">
-                      <a:schemeClr val="tx1"/>
-                    </a:gs>
-                    <a:gs pos="100000">
-                      <a:schemeClr val="tx1"/>
-                    </a:gs>
-                  </a:gsLst>
-                  <a:lin ang="5400000" scaled="0"/>
-                </a:gradFill>
-                <a:latin typeface="Segoe UI" pitchFamily="34" charset="0"/>
-                <a:ea typeface="Segoe UI" pitchFamily="34" charset="0"/>
-                <a:cs typeface="Segoe UI" pitchFamily="34" charset="0"/>
-              </a:rPr>
-              <a:t>The information herein is for informational purposes only and represents the current view of Microsoft Corporation as of the date of this presentation.  Because Microsoft must respond to changing market conditions, it should not be interpreted to be a commitment on the part of Microsoft, and Microsoft cannot guarantee the accuracy of any information provided after the date of this presentation.  MICROSOFT MAKES NO WARRANTIES, EXPRESS, IMPLIED OR STATUTORY, AS TO THE INFORMATION IN THIS PRESENTATION.</a:t>
-            </a:r>
-            <a:endParaRPr lang="en-US" sz="500" dirty="0">
-              <a:gradFill>
-                <a:gsLst>
-                  <a:gs pos="0">
-                    <a:schemeClr val="tx1"/>
-                  </a:gs>
-                  <a:gs pos="100000">
-                    <a:schemeClr val="tx1"/>
-                  </a:gs>
-                </a:gsLst>
-                <a:lin ang="5400000" scaled="0"/>
-              </a:gradFill>
-              <a:latin typeface="Segoe UI" pitchFamily="34" charset="0"/>
-              <a:ea typeface="Segoe UI" pitchFamily="34" charset="0"/>
-              <a:cs typeface="Segoe UI" pitchFamily="34" charset="0"/>
-            </a:endParaRPr>
-          </a:p>
-        </p:txBody>
-      </p:sp>
-    </p:spTree>
-    <p:extLst>
-      <p:ext uri="{BB962C8B-B14F-4D97-AF65-F5344CB8AC3E}">
-        <p14:creationId xmlns:p14="http://schemas.microsoft.com/office/powerpoint/2010/main" val="1296623883"/>
-      </p:ext>
-    </p:extLst>
-  </p:cSld>
-  <p:clrMapOvr>
-    <a:masterClrMapping/>
-  </p:clrMapOvr>
-</p:notes>
-</file>
-
-<file path=ppt/notesSlides/notesSlide21.xml><?xml version="1.0" encoding="utf-8"?>
-<p:notes xmlns:a="http://schemas.openxmlformats.org/drawingml/2006/main" xmlns:r="http://schemas.openxmlformats.org/officeDocument/2006/relationships" xmlns:p="http://schemas.openxmlformats.org/presentationml/2006/main">
-  <p:cSld>
-    <p:spTree>
-      <p:nvGrpSpPr>
-        <p:cNvPr id="1" name=""/>
-        <p:cNvGrpSpPr/>
-        <p:nvPr/>
-      </p:nvGrpSpPr>
-      <p:grpSpPr>
-        <a:xfrm>
-          <a:off x="0" y="0"/>
-          <a:ext cx="0" cy="0"/>
-          <a:chOff x="0" y="0"/>
-          <a:chExt cx="0" cy="0"/>
-        </a:xfrm>
-      </p:grpSpPr>
-      <p:sp>
-        <p:nvSpPr>
-          <p:cNvPr id="2" name="Slide Image Placeholder 1"/>
-          <p:cNvSpPr>
-            <a:spLocks noGrp="1" noRot="1" noChangeAspect="1"/>
-          </p:cNvSpPr>
-          <p:nvPr>
-            <p:ph type="sldImg"/>
-          </p:nvPr>
-        </p:nvSpPr>
-        <p:spPr/>
-      </p:sp>
-      <p:sp>
-        <p:nvSpPr>
-          <p:cNvPr id="3" name="Notes Placeholder 2"/>
-          <p:cNvSpPr>
-            <a:spLocks noGrp="1"/>
-          </p:cNvSpPr>
-          <p:nvPr>
-            <p:ph type="body" idx="1"/>
-          </p:nvPr>
-        </p:nvSpPr>
-        <p:spPr/>
-        <p:txBody>
-          <a:bodyPr/>
-          <a:lstStyle/>
-          <a:p>
-            <a:r>
-              <a:rPr lang="en-US" dirty="0" smtClean="0"/>
-              <a:t>Create a div tag</a:t>
-            </a:r>
-          </a:p>
-          <a:p>
-            <a:r>
-              <a:rPr lang="en-US" dirty="0" smtClean="0"/>
-              <a:t>Use the attributes data-</a:t>
-            </a:r>
-            <a:r>
-              <a:rPr lang="en-US" dirty="0" err="1" smtClean="0"/>
-              <a:t>ms</a:t>
-            </a:r>
-            <a:r>
-              <a:rPr lang="en-US" dirty="0" smtClean="0"/>
-              <a:t>-control and data-</a:t>
-            </a:r>
-            <a:r>
-              <a:rPr lang="en-US" dirty="0" err="1" smtClean="0"/>
-              <a:t>ms</a:t>
-            </a:r>
-            <a:r>
-              <a:rPr lang="en-US" dirty="0" smtClean="0"/>
-              <a:t>-options</a:t>
-            </a:r>
-          </a:p>
-          <a:p>
-            <a:r>
-              <a:rPr lang="en-US" dirty="0" smtClean="0"/>
-              <a:t>The chrome control will look for these attributes and render itself in this div</a:t>
-            </a:r>
-            <a:endParaRPr lang="en-US" dirty="0"/>
-          </a:p>
-        </p:txBody>
-      </p:sp>
-      <p:sp>
-        <p:nvSpPr>
-          <p:cNvPr id="4" name="Date Placeholder 3"/>
-          <p:cNvSpPr>
-            <a:spLocks noGrp="1"/>
-          </p:cNvSpPr>
-          <p:nvPr>
-            <p:ph type="dt" idx="10"/>
-          </p:nvPr>
-        </p:nvSpPr>
-        <p:spPr/>
-        <p:txBody>
-          <a:bodyPr/>
-          <a:lstStyle/>
-          <a:p>
-            <a:fld id="{A889F05F-80B9-41D3-BF23-A8E444F74255}" type="datetime1">
-              <a:rPr lang="en-US" smtClean="0"/>
-              <a:t>8/4/2014</a:t>
-            </a:fld>
-            <a:endParaRPr lang="en-US"/>
-          </a:p>
-        </p:txBody>
-      </p:sp>
-      <p:sp>
-        <p:nvSpPr>
-          <p:cNvPr id="5" name="Slide Number Placeholder 4"/>
-          <p:cNvSpPr>
-            <a:spLocks noGrp="1"/>
-          </p:cNvSpPr>
-          <p:nvPr>
-            <p:ph type="sldNum" sz="quarter" idx="11"/>
-          </p:nvPr>
-        </p:nvSpPr>
-        <p:spPr/>
-        <p:txBody>
-          <a:bodyPr/>
-          <a:lstStyle/>
-          <a:p>
-            <a:fld id="{B4008EB6-D09E-4580-8CD6-DDB14511944F}" type="slidenum">
-              <a:rPr lang="en-US" smtClean="0"/>
-              <a:t>31</a:t>
-            </a:fld>
-            <a:endParaRPr lang="en-US" dirty="0"/>
-          </a:p>
-        </p:txBody>
-      </p:sp>
-      <p:sp>
-        <p:nvSpPr>
-          <p:cNvPr id="6" name="Header Placeholder 5"/>
-          <p:cNvSpPr>
-            <a:spLocks noGrp="1"/>
-          </p:cNvSpPr>
-          <p:nvPr>
-            <p:ph type="hdr" sz="quarter" idx="12"/>
-          </p:nvPr>
-        </p:nvSpPr>
-        <p:spPr/>
-        <p:txBody>
-          <a:bodyPr/>
-          <a:lstStyle/>
-          <a:p>
-            <a:r>
-              <a:rPr lang="en-US" smtClean="0"/>
-              <a:t>Microsoft Office</a:t>
-            </a:r>
-            <a:endParaRPr lang="en-US" dirty="0"/>
-          </a:p>
-        </p:txBody>
-      </p:sp>
-      <p:sp>
-        <p:nvSpPr>
-          <p:cNvPr id="7" name="Footer Placeholder 6"/>
-          <p:cNvSpPr>
-            <a:spLocks noGrp="1"/>
-          </p:cNvSpPr>
-          <p:nvPr>
-            <p:ph type="ftr" sz="quarter" idx="13"/>
-          </p:nvPr>
-        </p:nvSpPr>
-        <p:spPr/>
-        <p:txBody>
-          <a:bodyPr/>
-          <a:lstStyle/>
-          <a:p>
-            <a:pPr marL="231775" defTabSz="914099" eaLnBrk="0" hangingPunct="0"/>
-            <a:r>
-              <a:rPr lang="en-US" sz="500" smtClean="0">
-                <a:gradFill>
-                  <a:gsLst>
-                    <a:gs pos="0">
-                      <a:schemeClr val="tx1"/>
-                    </a:gs>
-                    <a:gs pos="100000">
-                      <a:schemeClr val="tx1"/>
-                    </a:gs>
-                  </a:gsLst>
-                  <a:lin ang="5400000" scaled="0"/>
-                </a:gradFill>
-                <a:latin typeface="Segoe UI" pitchFamily="34" charset="0"/>
-                <a:ea typeface="Segoe UI" pitchFamily="34" charset="0"/>
-                <a:cs typeface="Segoe UI" pitchFamily="34" charset="0"/>
-              </a:rPr>
-              <a:t>© 2012 Microsoft Corporation. All rights reserved. Microsoft, Windows, and other product names are or may be registered trademarks and/or trademarks in the U.S. and/or other countries.</a:t>
-            </a:r>
-          </a:p>
-          <a:p>
-            <a:pPr marL="231775" defTabSz="914099" eaLnBrk="0" hangingPunct="0"/>
-            <a:r>
-              <a:rPr lang="en-US" sz="500" smtClean="0">
-                <a:gradFill>
-                  <a:gsLst>
-                    <a:gs pos="0">
-                      <a:schemeClr val="tx1"/>
-                    </a:gs>
-                    <a:gs pos="100000">
-                      <a:schemeClr val="tx1"/>
-                    </a:gs>
-                  </a:gsLst>
-                  <a:lin ang="5400000" scaled="0"/>
-                </a:gradFill>
-                <a:latin typeface="Segoe UI" pitchFamily="34" charset="0"/>
-                <a:ea typeface="Segoe UI" pitchFamily="34" charset="0"/>
-                <a:cs typeface="Segoe UI" pitchFamily="34" charset="0"/>
-              </a:rPr>
-              <a:t>The information herein is for informational purposes only and represents the current view of Microsoft Corporation as of the date of this presentation.  Because Microsoft must respond to changing market conditions, it should not be interpreted to be a commitment on the part of Microsoft, and Microsoft cannot guarantee the accuracy of any information provided after the date of this presentation.  MICROSOFT MAKES NO WARRANTIES, EXPRESS, IMPLIED OR STATUTORY, AS TO THE INFORMATION IN THIS PRESENTATION.</a:t>
-            </a:r>
-            <a:endParaRPr lang="en-US" sz="500" dirty="0">
-              <a:gradFill>
-                <a:gsLst>
-                  <a:gs pos="0">
-                    <a:schemeClr val="tx1"/>
-                  </a:gs>
-                  <a:gs pos="100000">
-                    <a:schemeClr val="tx1"/>
-                  </a:gs>
-                </a:gsLst>
-                <a:lin ang="5400000" scaled="0"/>
-              </a:gradFill>
-              <a:latin typeface="Segoe UI" pitchFamily="34" charset="0"/>
-              <a:ea typeface="Segoe UI" pitchFamily="34" charset="0"/>
-              <a:cs typeface="Segoe UI" pitchFamily="34" charset="0"/>
-            </a:endParaRPr>
-          </a:p>
-        </p:txBody>
-      </p:sp>
-    </p:spTree>
-    <p:extLst>
-      <p:ext uri="{BB962C8B-B14F-4D97-AF65-F5344CB8AC3E}">
-        <p14:creationId xmlns:p14="http://schemas.microsoft.com/office/powerpoint/2010/main" val="557417589"/>
-      </p:ext>
-    </p:extLst>
-  </p:cSld>
-  <p:clrMapOvr>
-    <a:masterClrMapping/>
-  </p:clrMapOvr>
-</p:notes>
-</file>
-
-<file path=ppt/notesSlides/notesSlide22.xml><?xml version="1.0" encoding="utf-8"?>
-<p:notes xmlns:a="http://schemas.openxmlformats.org/drawingml/2006/main" xmlns:r="http://schemas.openxmlformats.org/officeDocument/2006/relationships" xmlns:p="http://schemas.openxmlformats.org/presentationml/2006/main">
-  <p:cSld>
-    <p:spTree>
-      <p:nvGrpSpPr>
-        <p:cNvPr id="1" name=""/>
-        <p:cNvGrpSpPr/>
-        <p:nvPr/>
-      </p:nvGrpSpPr>
-      <p:grpSpPr>
-        <a:xfrm>
-          <a:off x="0" y="0"/>
-          <a:ext cx="0" cy="0"/>
-          <a:chOff x="0" y="0"/>
-          <a:chExt cx="0" cy="0"/>
-        </a:xfrm>
-      </p:grpSpPr>
-      <p:sp>
-        <p:nvSpPr>
-          <p:cNvPr id="2" name="Slide Image Placeholder 1"/>
-          <p:cNvSpPr>
-            <a:spLocks noGrp="1" noRot="1" noChangeAspect="1"/>
-          </p:cNvSpPr>
-          <p:nvPr>
-            <p:ph type="sldImg"/>
-          </p:nvPr>
-        </p:nvSpPr>
-        <p:spPr/>
-      </p:sp>
-      <p:sp>
-        <p:nvSpPr>
-          <p:cNvPr id="3" name="Notes Placeholder 2"/>
-          <p:cNvSpPr>
-            <a:spLocks noGrp="1"/>
-          </p:cNvSpPr>
-          <p:nvPr>
-            <p:ph type="body" idx="1"/>
-          </p:nvPr>
-        </p:nvSpPr>
-        <p:spPr/>
-        <p:txBody>
-          <a:bodyPr/>
-          <a:lstStyle/>
-          <a:p>
-            <a:r>
-              <a:rPr lang="en-US" dirty="0" smtClean="0"/>
-              <a:t>Here a new chrome control is created in code</a:t>
-            </a:r>
-          </a:p>
-          <a:p>
-            <a:r>
-              <a:rPr lang="en-US" dirty="0" smtClean="0"/>
-              <a:t>When created, it</a:t>
-            </a:r>
-            <a:r>
-              <a:rPr lang="en-US" baseline="0" dirty="0" smtClean="0"/>
-              <a:t> expects you to supply the options and the ID of the div where it should render</a:t>
-            </a:r>
-          </a:p>
-          <a:p>
-            <a:r>
-              <a:rPr lang="en-US" baseline="0" dirty="0" smtClean="0"/>
-              <a:t>Then it renders itself in the div</a:t>
-            </a:r>
-            <a:endParaRPr lang="en-US" dirty="0"/>
-          </a:p>
-        </p:txBody>
-      </p:sp>
-      <p:sp>
-        <p:nvSpPr>
-          <p:cNvPr id="4" name="Date Placeholder 3"/>
-          <p:cNvSpPr>
-            <a:spLocks noGrp="1"/>
-          </p:cNvSpPr>
-          <p:nvPr>
-            <p:ph type="dt" idx="10"/>
-          </p:nvPr>
-        </p:nvSpPr>
-        <p:spPr/>
-        <p:txBody>
-          <a:bodyPr/>
-          <a:lstStyle/>
-          <a:p>
-            <a:fld id="{312D89D2-8BAD-4162-8E57-B687236DD4F5}" type="datetime1">
-              <a:rPr lang="en-US" smtClean="0"/>
-              <a:t>8/4/2014</a:t>
-            </a:fld>
-            <a:endParaRPr lang="en-US"/>
-          </a:p>
-        </p:txBody>
-      </p:sp>
-      <p:sp>
-        <p:nvSpPr>
-          <p:cNvPr id="5" name="Slide Number Placeholder 4"/>
-          <p:cNvSpPr>
-            <a:spLocks noGrp="1"/>
-          </p:cNvSpPr>
-          <p:nvPr>
-            <p:ph type="sldNum" sz="quarter" idx="11"/>
-          </p:nvPr>
-        </p:nvSpPr>
-        <p:spPr/>
-        <p:txBody>
-          <a:bodyPr/>
-          <a:lstStyle/>
-          <a:p>
-            <a:fld id="{B4008EB6-D09E-4580-8CD6-DDB14511944F}" type="slidenum">
-              <a:rPr lang="en-US" smtClean="0"/>
-              <a:t>32</a:t>
-            </a:fld>
-            <a:endParaRPr lang="en-US" dirty="0"/>
-          </a:p>
-        </p:txBody>
-      </p:sp>
-      <p:sp>
-        <p:nvSpPr>
-          <p:cNvPr id="6" name="Header Placeholder 5"/>
-          <p:cNvSpPr>
-            <a:spLocks noGrp="1"/>
-          </p:cNvSpPr>
-          <p:nvPr>
-            <p:ph type="hdr" sz="quarter" idx="12"/>
-          </p:nvPr>
-        </p:nvSpPr>
-        <p:spPr/>
-        <p:txBody>
-          <a:bodyPr/>
-          <a:lstStyle/>
-          <a:p>
-            <a:r>
-              <a:rPr lang="en-US" smtClean="0"/>
-              <a:t>Microsoft Office</a:t>
-            </a:r>
-            <a:endParaRPr lang="en-US" dirty="0"/>
-          </a:p>
-        </p:txBody>
-      </p:sp>
-      <p:sp>
-        <p:nvSpPr>
-          <p:cNvPr id="7" name="Footer Placeholder 6"/>
-          <p:cNvSpPr>
-            <a:spLocks noGrp="1"/>
-          </p:cNvSpPr>
-          <p:nvPr>
-            <p:ph type="ftr" sz="quarter" idx="13"/>
-          </p:nvPr>
-        </p:nvSpPr>
-        <p:spPr/>
-        <p:txBody>
-          <a:bodyPr/>
-          <a:lstStyle/>
-          <a:p>
-            <a:pPr marL="231775" defTabSz="914099" eaLnBrk="0" hangingPunct="0"/>
-            <a:r>
-              <a:rPr lang="en-US" sz="500" smtClean="0">
-                <a:gradFill>
-                  <a:gsLst>
-                    <a:gs pos="0">
-                      <a:schemeClr val="tx1"/>
-                    </a:gs>
-                    <a:gs pos="100000">
-                      <a:schemeClr val="tx1"/>
-                    </a:gs>
-                  </a:gsLst>
-                  <a:lin ang="5400000" scaled="0"/>
-                </a:gradFill>
-                <a:latin typeface="Segoe UI" pitchFamily="34" charset="0"/>
-                <a:ea typeface="Segoe UI" pitchFamily="34" charset="0"/>
-                <a:cs typeface="Segoe UI" pitchFamily="34" charset="0"/>
-              </a:rPr>
-              <a:t>© 2012 Microsoft Corporation. All rights reserved. Microsoft, Windows, and other product names are or may be registered trademarks and/or trademarks in the U.S. and/or other countries.</a:t>
-            </a:r>
-          </a:p>
-          <a:p>
-            <a:pPr marL="231775" defTabSz="914099" eaLnBrk="0" hangingPunct="0"/>
-            <a:r>
-              <a:rPr lang="en-US" sz="500" smtClean="0">
-                <a:gradFill>
-                  <a:gsLst>
-                    <a:gs pos="0">
-                      <a:schemeClr val="tx1"/>
-                    </a:gs>
-                    <a:gs pos="100000">
-                      <a:schemeClr val="tx1"/>
-                    </a:gs>
-                  </a:gsLst>
-                  <a:lin ang="5400000" scaled="0"/>
-                </a:gradFill>
-                <a:latin typeface="Segoe UI" pitchFamily="34" charset="0"/>
-                <a:ea typeface="Segoe UI" pitchFamily="34" charset="0"/>
-                <a:cs typeface="Segoe UI" pitchFamily="34" charset="0"/>
-              </a:rPr>
-              <a:t>The information herein is for informational purposes only and represents the current view of Microsoft Corporation as of the date of this presentation.  Because Microsoft must respond to changing market conditions, it should not be interpreted to be a commitment on the part of Microsoft, and Microsoft cannot guarantee the accuracy of any information provided after the date of this presentation.  MICROSOFT MAKES NO WARRANTIES, EXPRESS, IMPLIED OR STATUTORY, AS TO THE INFORMATION IN THIS PRESENTATION.</a:t>
-            </a:r>
-            <a:endParaRPr lang="en-US" sz="500" dirty="0">
-              <a:gradFill>
-                <a:gsLst>
-                  <a:gs pos="0">
-                    <a:schemeClr val="tx1"/>
-                  </a:gs>
-                  <a:gs pos="100000">
-                    <a:schemeClr val="tx1"/>
-                  </a:gs>
-                </a:gsLst>
-                <a:lin ang="5400000" scaled="0"/>
-              </a:gradFill>
-              <a:latin typeface="Segoe UI" pitchFamily="34" charset="0"/>
-              <a:ea typeface="Segoe UI" pitchFamily="34" charset="0"/>
-              <a:cs typeface="Segoe UI" pitchFamily="34" charset="0"/>
-            </a:endParaRPr>
-          </a:p>
-        </p:txBody>
-      </p:sp>
-    </p:spTree>
-    <p:extLst>
-      <p:ext uri="{BB962C8B-B14F-4D97-AF65-F5344CB8AC3E}">
-        <p14:creationId xmlns:p14="http://schemas.microsoft.com/office/powerpoint/2010/main" val="2775110973"/>
-      </p:ext>
-    </p:extLst>
-  </p:cSld>
-  <p:clrMapOvr>
-    <a:masterClrMapping/>
-  </p:clrMapOvr>
-</p:notes>
-</file>
-
-<file path=ppt/notesSlides/notesSlide23.xml><?xml version="1.0" encoding="utf-8"?>
-<p:notes xmlns:a="http://schemas.openxmlformats.org/drawingml/2006/main" xmlns:r="http://schemas.openxmlformats.org/officeDocument/2006/relationships" xmlns:p="http://schemas.openxmlformats.org/presentationml/2006/main">
-  <p:cSld>
-    <p:spTree>
-      <p:nvGrpSpPr>
-        <p:cNvPr id="1" name=""/>
-        <p:cNvGrpSpPr/>
-        <p:nvPr/>
-      </p:nvGrpSpPr>
-      <p:grpSpPr>
-        <a:xfrm>
-          <a:off x="0" y="0"/>
-          <a:ext cx="0" cy="0"/>
-          <a:chOff x="0" y="0"/>
-          <a:chExt cx="0" cy="0"/>
-        </a:xfrm>
-      </p:grpSpPr>
-      <p:sp>
-        <p:nvSpPr>
-          <p:cNvPr id="2" name="Slide Image Placeholder 1"/>
-          <p:cNvSpPr>
-            <a:spLocks noGrp="1" noRot="1" noChangeAspect="1"/>
-          </p:cNvSpPr>
-          <p:nvPr>
-            <p:ph type="sldImg"/>
-          </p:nvPr>
-        </p:nvSpPr>
-        <p:spPr/>
-      </p:sp>
-      <p:sp>
-        <p:nvSpPr>
-          <p:cNvPr id="3" name="Notes Placeholder 2"/>
-          <p:cNvSpPr>
-            <a:spLocks noGrp="1"/>
-          </p:cNvSpPr>
-          <p:nvPr>
-            <p:ph type="body" idx="1"/>
-          </p:nvPr>
-        </p:nvSpPr>
-        <p:spPr/>
-        <p:txBody>
-          <a:bodyPr/>
-          <a:lstStyle/>
-          <a:p>
-            <a:endParaRPr lang="en-US" dirty="0"/>
-          </a:p>
-        </p:txBody>
-      </p:sp>
-      <p:sp>
-        <p:nvSpPr>
-          <p:cNvPr id="4" name="Date Placeholder 3"/>
-          <p:cNvSpPr>
-            <a:spLocks noGrp="1"/>
-          </p:cNvSpPr>
-          <p:nvPr>
-            <p:ph type="dt" idx="10"/>
-          </p:nvPr>
-        </p:nvSpPr>
-        <p:spPr/>
-        <p:txBody>
-          <a:bodyPr/>
-          <a:lstStyle/>
-          <a:p>
-            <a:fld id="{6DFBD1BE-6A4F-4D98-BF0B-ADDB5A85FBE3}" type="datetime1">
-              <a:rPr lang="en-US" smtClean="0"/>
-              <a:t>8/4/2014</a:t>
-            </a:fld>
-            <a:endParaRPr lang="en-US"/>
-          </a:p>
-        </p:txBody>
-      </p:sp>
-      <p:sp>
-        <p:nvSpPr>
-          <p:cNvPr id="5" name="Slide Number Placeholder 4"/>
-          <p:cNvSpPr>
-            <a:spLocks noGrp="1"/>
-          </p:cNvSpPr>
-          <p:nvPr>
-            <p:ph type="sldNum" sz="quarter" idx="11"/>
-          </p:nvPr>
-        </p:nvSpPr>
-        <p:spPr/>
-        <p:txBody>
-          <a:bodyPr/>
-          <a:lstStyle/>
-          <a:p>
-            <a:fld id="{B4008EB6-D09E-4580-8CD6-DDB14511944F}" type="slidenum">
-              <a:rPr lang="en-US" smtClean="0"/>
-              <a:t>33</a:t>
-            </a:fld>
-            <a:endParaRPr lang="en-US" dirty="0"/>
-          </a:p>
-        </p:txBody>
-      </p:sp>
-      <p:sp>
-        <p:nvSpPr>
-          <p:cNvPr id="6" name="Header Placeholder 5"/>
-          <p:cNvSpPr>
-            <a:spLocks noGrp="1"/>
-          </p:cNvSpPr>
-          <p:nvPr>
-            <p:ph type="hdr" sz="quarter" idx="12"/>
-          </p:nvPr>
-        </p:nvSpPr>
-        <p:spPr/>
-        <p:txBody>
-          <a:bodyPr/>
-          <a:lstStyle/>
-          <a:p>
-            <a:r>
-              <a:rPr lang="en-US" smtClean="0"/>
-              <a:t>Microsoft Office</a:t>
-            </a:r>
-            <a:endParaRPr lang="en-US" dirty="0"/>
-          </a:p>
-        </p:txBody>
-      </p:sp>
-      <p:sp>
-        <p:nvSpPr>
-          <p:cNvPr id="7" name="Footer Placeholder 6"/>
-          <p:cNvSpPr>
-            <a:spLocks noGrp="1"/>
-          </p:cNvSpPr>
-          <p:nvPr>
-            <p:ph type="ftr" sz="quarter" idx="13"/>
-          </p:nvPr>
-        </p:nvSpPr>
-        <p:spPr/>
-        <p:txBody>
-          <a:bodyPr/>
-          <a:lstStyle/>
-          <a:p>
-            <a:pPr marL="231775" defTabSz="914099" eaLnBrk="0" hangingPunct="0"/>
-            <a:r>
-              <a:rPr lang="en-US" sz="500" smtClean="0">
-                <a:gradFill>
-                  <a:gsLst>
-                    <a:gs pos="0">
-                      <a:schemeClr val="tx1"/>
-                    </a:gs>
-                    <a:gs pos="100000">
-                      <a:schemeClr val="tx1"/>
-                    </a:gs>
-                  </a:gsLst>
-                  <a:lin ang="5400000" scaled="0"/>
-                </a:gradFill>
-                <a:latin typeface="Segoe UI" pitchFamily="34" charset="0"/>
-                <a:ea typeface="Segoe UI" pitchFamily="34" charset="0"/>
-                <a:cs typeface="Segoe UI" pitchFamily="34" charset="0"/>
-              </a:rPr>
-              <a:t>© 2012 Microsoft Corporation. All rights reserved. Microsoft, Windows, and other product names are or may be registered trademarks and/or trademarks in the U.S. and/or other countries.</a:t>
-            </a:r>
-          </a:p>
-          <a:p>
-            <a:pPr marL="231775" defTabSz="914099" eaLnBrk="0" hangingPunct="0"/>
-            <a:r>
-              <a:rPr lang="en-US" sz="500" smtClean="0">
-                <a:gradFill>
-                  <a:gsLst>
-                    <a:gs pos="0">
-                      <a:schemeClr val="tx1"/>
-                    </a:gs>
-                    <a:gs pos="100000">
-                      <a:schemeClr val="tx1"/>
-                    </a:gs>
-                  </a:gsLst>
-                  <a:lin ang="5400000" scaled="0"/>
-                </a:gradFill>
-                <a:latin typeface="Segoe UI" pitchFamily="34" charset="0"/>
-                <a:ea typeface="Segoe UI" pitchFamily="34" charset="0"/>
-                <a:cs typeface="Segoe UI" pitchFamily="34" charset="0"/>
-              </a:rPr>
-              <a:t>The information herein is for informational purposes only and represents the current view of Microsoft Corporation as of the date of this presentation.  Because Microsoft must respond to changing market conditions, it should not be interpreted to be a commitment on the part of Microsoft, and Microsoft cannot guarantee the accuracy of any information provided after the date of this presentation.  MICROSOFT MAKES NO WARRANTIES, EXPRESS, IMPLIED OR STATUTORY, AS TO THE INFORMATION IN THIS PRESENTATION.</a:t>
-            </a:r>
-            <a:endParaRPr lang="en-US" sz="500" dirty="0">
-              <a:gradFill>
-                <a:gsLst>
-                  <a:gs pos="0">
-                    <a:schemeClr val="tx1"/>
-                  </a:gs>
-                  <a:gs pos="100000">
-                    <a:schemeClr val="tx1"/>
-                  </a:gs>
-                </a:gsLst>
-                <a:lin ang="5400000" scaled="0"/>
-              </a:gradFill>
-              <a:latin typeface="Segoe UI" pitchFamily="34" charset="0"/>
-              <a:ea typeface="Segoe UI" pitchFamily="34" charset="0"/>
-              <a:cs typeface="Segoe UI" pitchFamily="34" charset="0"/>
-            </a:endParaRPr>
-          </a:p>
-        </p:txBody>
-      </p:sp>
-    </p:spTree>
-    <p:extLst>
-      <p:ext uri="{BB962C8B-B14F-4D97-AF65-F5344CB8AC3E}">
-        <p14:creationId xmlns:p14="http://schemas.microsoft.com/office/powerpoint/2010/main" val="2667516962"/>
-      </p:ext>
-    </p:extLst>
-  </p:cSld>
-  <p:clrMapOvr>
-    <a:masterClrMapping/>
-  </p:clrMapOvr>
-</p:notes>
-</file>
-
-<file path=ppt/notesSlides/notesSlide24.xml><?xml version="1.0" encoding="utf-8"?>
-<p:notes xmlns:a="http://schemas.openxmlformats.org/drawingml/2006/main" xmlns:r="http://schemas.openxmlformats.org/officeDocument/2006/relationships" xmlns:p="http://schemas.openxmlformats.org/presentationml/2006/main">
-  <p:cSld>
-    <p:spTree>
-      <p:nvGrpSpPr>
-        <p:cNvPr id="1" name=""/>
-        <p:cNvGrpSpPr/>
-        <p:nvPr/>
-      </p:nvGrpSpPr>
-      <p:grpSpPr>
-        <a:xfrm>
-          <a:off x="0" y="0"/>
-          <a:ext cx="0" cy="0"/>
-          <a:chOff x="0" y="0"/>
-          <a:chExt cx="0" cy="0"/>
-        </a:xfrm>
-      </p:grpSpPr>
-      <p:sp>
-        <p:nvSpPr>
-          <p:cNvPr id="2" name="Slide Image Placeholder 1"/>
-          <p:cNvSpPr>
-            <a:spLocks noGrp="1" noRot="1" noChangeAspect="1"/>
-          </p:cNvSpPr>
-          <p:nvPr>
-            <p:ph type="sldImg"/>
-          </p:nvPr>
-        </p:nvSpPr>
-        <p:spPr/>
-      </p:sp>
-      <p:sp>
-        <p:nvSpPr>
-          <p:cNvPr id="3" name="Notes Placeholder 2"/>
-          <p:cNvSpPr>
-            <a:spLocks noGrp="1"/>
-          </p:cNvSpPr>
-          <p:nvPr>
-            <p:ph type="body" idx="1"/>
-          </p:nvPr>
-        </p:nvSpPr>
-        <p:spPr/>
-        <p:txBody>
-          <a:bodyPr/>
-          <a:lstStyle/>
-          <a:p>
-            <a:r>
-              <a:rPr lang="en-US" dirty="0" smtClean="0"/>
-              <a:t>The event handler infrastructure follows the same pattern as</a:t>
-            </a:r>
-            <a:r>
-              <a:rPr lang="en-US" baseline="0" dirty="0" smtClean="0"/>
-              <a:t> the in-process handlers of old</a:t>
-            </a:r>
-          </a:p>
-          <a:p>
-            <a:r>
-              <a:rPr lang="en-US" baseline="0" dirty="0" smtClean="0"/>
-              <a:t>We have both “before” and “after” event</a:t>
-            </a:r>
-          </a:p>
-          <a:p>
-            <a:r>
-              <a:rPr lang="en-US" baseline="0" dirty="0" smtClean="0"/>
-              <a:t>These are also known as “ING” and “ED” events like “</a:t>
-            </a:r>
-            <a:r>
-              <a:rPr lang="en-US" baseline="0" dirty="0" err="1" smtClean="0"/>
-              <a:t>ItemAdding</a:t>
-            </a:r>
-            <a:r>
-              <a:rPr lang="en-US" baseline="0" dirty="0" smtClean="0"/>
-              <a:t>” and “</a:t>
-            </a:r>
-            <a:r>
-              <a:rPr lang="en-US" baseline="0" dirty="0" err="1" smtClean="0"/>
-              <a:t>ItemAdded</a:t>
-            </a:r>
-            <a:r>
-              <a:rPr lang="en-US" baseline="0" dirty="0" smtClean="0"/>
-              <a:t>”</a:t>
-            </a:r>
-          </a:p>
-          <a:p>
-            <a:r>
-              <a:rPr lang="en-US" baseline="0" dirty="0" smtClean="0"/>
-              <a:t>Two-way events are synchronous</a:t>
-            </a:r>
-            <a:endParaRPr lang="en-US" dirty="0"/>
-          </a:p>
-        </p:txBody>
-      </p:sp>
-      <p:sp>
-        <p:nvSpPr>
-          <p:cNvPr id="4" name="Date Placeholder 3"/>
-          <p:cNvSpPr>
-            <a:spLocks noGrp="1"/>
-          </p:cNvSpPr>
-          <p:nvPr>
-            <p:ph type="dt" idx="10"/>
-          </p:nvPr>
-        </p:nvSpPr>
-        <p:spPr/>
-        <p:txBody>
-          <a:bodyPr/>
-          <a:lstStyle/>
-          <a:p>
-            <a:fld id="{381A498E-1F91-490C-B0FC-CB0211CC8B4D}" type="datetime1">
-              <a:rPr lang="en-US" smtClean="0"/>
-              <a:t>8/4/2014</a:t>
-            </a:fld>
-            <a:endParaRPr lang="en-US"/>
-          </a:p>
-        </p:txBody>
-      </p:sp>
-      <p:sp>
-        <p:nvSpPr>
-          <p:cNvPr id="5" name="Slide Number Placeholder 4"/>
-          <p:cNvSpPr>
-            <a:spLocks noGrp="1"/>
-          </p:cNvSpPr>
-          <p:nvPr>
-            <p:ph type="sldNum" sz="quarter" idx="11"/>
-          </p:nvPr>
-        </p:nvSpPr>
-        <p:spPr/>
-        <p:txBody>
-          <a:bodyPr/>
-          <a:lstStyle/>
-          <a:p>
-            <a:fld id="{B4008EB6-D09E-4580-8CD6-DDB14511944F}" type="slidenum">
-              <a:rPr lang="en-US" smtClean="0"/>
-              <a:t>35</a:t>
-            </a:fld>
-            <a:endParaRPr lang="en-US" dirty="0"/>
-          </a:p>
-        </p:txBody>
-      </p:sp>
-      <p:sp>
-        <p:nvSpPr>
-          <p:cNvPr id="6" name="Header Placeholder 5"/>
-          <p:cNvSpPr>
-            <a:spLocks noGrp="1"/>
-          </p:cNvSpPr>
-          <p:nvPr>
-            <p:ph type="hdr" sz="quarter" idx="12"/>
-          </p:nvPr>
-        </p:nvSpPr>
-        <p:spPr/>
-        <p:txBody>
-          <a:bodyPr/>
-          <a:lstStyle/>
-          <a:p>
-            <a:r>
-              <a:rPr lang="en-US" smtClean="0"/>
-              <a:t>Microsoft Office</a:t>
-            </a:r>
-            <a:endParaRPr lang="en-US" dirty="0"/>
-          </a:p>
-        </p:txBody>
-      </p:sp>
-      <p:sp>
-        <p:nvSpPr>
-          <p:cNvPr id="7" name="Footer Placeholder 6"/>
-          <p:cNvSpPr>
-            <a:spLocks noGrp="1"/>
-          </p:cNvSpPr>
-          <p:nvPr>
-            <p:ph type="ftr" sz="quarter" idx="13"/>
-          </p:nvPr>
-        </p:nvSpPr>
-        <p:spPr/>
-        <p:txBody>
-          <a:bodyPr/>
-          <a:lstStyle/>
-          <a:p>
-            <a:pPr marL="231775" defTabSz="914099" eaLnBrk="0" hangingPunct="0"/>
-            <a:r>
-              <a:rPr lang="en-US" sz="500" smtClean="0">
-                <a:gradFill>
-                  <a:gsLst>
-                    <a:gs pos="0">
-                      <a:schemeClr val="tx1"/>
-                    </a:gs>
-                    <a:gs pos="100000">
-                      <a:schemeClr val="tx1"/>
-                    </a:gs>
-                  </a:gsLst>
-                  <a:lin ang="5400000" scaled="0"/>
-                </a:gradFill>
-                <a:latin typeface="Segoe UI" pitchFamily="34" charset="0"/>
-                <a:ea typeface="Segoe UI" pitchFamily="34" charset="0"/>
-                <a:cs typeface="Segoe UI" pitchFamily="34" charset="0"/>
-              </a:rPr>
-              <a:t>© 2012 Microsoft Corporation. All rights reserved. Microsoft, Windows, and other product names are or may be registered trademarks and/or trademarks in the U.S. and/or other countries.</a:t>
-            </a:r>
-          </a:p>
-          <a:p>
-            <a:pPr marL="231775" defTabSz="914099" eaLnBrk="0" hangingPunct="0"/>
-            <a:r>
-              <a:rPr lang="en-US" sz="500" smtClean="0">
-                <a:gradFill>
-                  <a:gsLst>
-                    <a:gs pos="0">
-                      <a:schemeClr val="tx1"/>
-                    </a:gs>
-                    <a:gs pos="100000">
-                      <a:schemeClr val="tx1"/>
-                    </a:gs>
-                  </a:gsLst>
-                  <a:lin ang="5400000" scaled="0"/>
-                </a:gradFill>
-                <a:latin typeface="Segoe UI" pitchFamily="34" charset="0"/>
-                <a:ea typeface="Segoe UI" pitchFamily="34" charset="0"/>
-                <a:cs typeface="Segoe UI" pitchFamily="34" charset="0"/>
-              </a:rPr>
-              <a:t>The information herein is for informational purposes only and represents the current view of Microsoft Corporation as of the date of this presentation.  Because Microsoft must respond to changing market conditions, it should not be interpreted to be a commitment on the part of Microsoft, and Microsoft cannot guarantee the accuracy of any information provided after the date of this presentation.  MICROSOFT MAKES NO WARRANTIES, EXPRESS, IMPLIED OR STATUTORY, AS TO THE INFORMATION IN THIS PRESENTATION.</a:t>
-            </a:r>
-            <a:endParaRPr lang="en-US" sz="500" dirty="0">
-              <a:gradFill>
-                <a:gsLst>
-                  <a:gs pos="0">
-                    <a:schemeClr val="tx1"/>
-                  </a:gs>
-                  <a:gs pos="100000">
-                    <a:schemeClr val="tx1"/>
-                  </a:gs>
-                </a:gsLst>
-                <a:lin ang="5400000" scaled="0"/>
-              </a:gradFill>
-              <a:latin typeface="Segoe UI" pitchFamily="34" charset="0"/>
-              <a:ea typeface="Segoe UI" pitchFamily="34" charset="0"/>
-              <a:cs typeface="Segoe UI" pitchFamily="34" charset="0"/>
-            </a:endParaRPr>
-          </a:p>
-        </p:txBody>
-      </p:sp>
-    </p:spTree>
-    <p:extLst>
-      <p:ext uri="{BB962C8B-B14F-4D97-AF65-F5344CB8AC3E}">
-        <p14:creationId xmlns:p14="http://schemas.microsoft.com/office/powerpoint/2010/main" val="2772282231"/>
-      </p:ext>
-    </p:extLst>
-  </p:cSld>
-  <p:clrMapOvr>
-    <a:masterClrMapping/>
-  </p:clrMapOvr>
-</p:notes>
-</file>
-
-<file path=ppt/notesSlides/notesSlide25.xml><?xml version="1.0" encoding="utf-8"?>
-<p:notes xmlns:a="http://schemas.openxmlformats.org/drawingml/2006/main" xmlns:r="http://schemas.openxmlformats.org/officeDocument/2006/relationships" xmlns:p="http://schemas.openxmlformats.org/presentationml/2006/main">
-  <p:cSld>
-    <p:spTree>
-      <p:nvGrpSpPr>
-        <p:cNvPr id="1" name=""/>
-        <p:cNvGrpSpPr/>
-        <p:nvPr/>
-      </p:nvGrpSpPr>
-      <p:grpSpPr>
-        <a:xfrm>
-          <a:off x="0" y="0"/>
-          <a:ext cx="0" cy="0"/>
-          <a:chOff x="0" y="0"/>
-          <a:chExt cx="0" cy="0"/>
-        </a:xfrm>
-      </p:grpSpPr>
-      <p:sp>
-        <p:nvSpPr>
-          <p:cNvPr id="2" name="Slide Image Placeholder 1"/>
-          <p:cNvSpPr>
-            <a:spLocks noGrp="1" noRot="1" noChangeAspect="1"/>
-          </p:cNvSpPr>
-          <p:nvPr>
-            <p:ph type="sldImg"/>
-          </p:nvPr>
-        </p:nvSpPr>
-        <p:spPr/>
-      </p:sp>
-      <p:sp>
-        <p:nvSpPr>
-          <p:cNvPr id="3" name="Notes Placeholder 2"/>
-          <p:cNvSpPr>
-            <a:spLocks noGrp="1"/>
-          </p:cNvSpPr>
-          <p:nvPr>
-            <p:ph type="body" idx="1"/>
-          </p:nvPr>
-        </p:nvSpPr>
-        <p:spPr/>
-        <p:txBody>
-          <a:bodyPr/>
-          <a:lstStyle/>
-          <a:p>
-            <a:endParaRPr lang="en-US" dirty="0"/>
-          </a:p>
-        </p:txBody>
-      </p:sp>
-      <p:sp>
-        <p:nvSpPr>
-          <p:cNvPr id="4" name="Date Placeholder 3"/>
-          <p:cNvSpPr>
-            <a:spLocks noGrp="1"/>
-          </p:cNvSpPr>
-          <p:nvPr>
-            <p:ph type="dt" idx="10"/>
-          </p:nvPr>
-        </p:nvSpPr>
-        <p:spPr/>
-        <p:txBody>
-          <a:bodyPr/>
-          <a:lstStyle/>
-          <a:p>
-            <a:fld id="{6DFBD1BE-6A4F-4D98-BF0B-ADDB5A85FBE3}" type="datetime1">
-              <a:rPr lang="en-US" smtClean="0"/>
-              <a:t>8/4/2014</a:t>
-            </a:fld>
-            <a:endParaRPr lang="en-US"/>
-          </a:p>
-        </p:txBody>
-      </p:sp>
-      <p:sp>
-        <p:nvSpPr>
-          <p:cNvPr id="5" name="Slide Number Placeholder 4"/>
-          <p:cNvSpPr>
-            <a:spLocks noGrp="1"/>
-          </p:cNvSpPr>
-          <p:nvPr>
-            <p:ph type="sldNum" sz="quarter" idx="11"/>
-          </p:nvPr>
-        </p:nvSpPr>
-        <p:spPr/>
-        <p:txBody>
-          <a:bodyPr/>
-          <a:lstStyle/>
-          <a:p>
-            <a:fld id="{B4008EB6-D09E-4580-8CD6-DDB14511944F}" type="slidenum">
-              <a:rPr lang="en-US" smtClean="0"/>
-              <a:t>43</a:t>
-            </a:fld>
-            <a:endParaRPr lang="en-US" dirty="0"/>
-          </a:p>
-        </p:txBody>
-      </p:sp>
-      <p:sp>
-        <p:nvSpPr>
-          <p:cNvPr id="6" name="Header Placeholder 5"/>
-          <p:cNvSpPr>
-            <a:spLocks noGrp="1"/>
-          </p:cNvSpPr>
-          <p:nvPr>
-            <p:ph type="hdr" sz="quarter" idx="12"/>
-          </p:nvPr>
-        </p:nvSpPr>
-        <p:spPr/>
-        <p:txBody>
-          <a:bodyPr/>
-          <a:lstStyle/>
-          <a:p>
-            <a:r>
-              <a:rPr lang="en-US" smtClean="0"/>
-              <a:t>Microsoft Office</a:t>
-            </a:r>
-            <a:endParaRPr lang="en-US" dirty="0"/>
-          </a:p>
-        </p:txBody>
-      </p:sp>
-      <p:sp>
-        <p:nvSpPr>
-          <p:cNvPr id="7" name="Footer Placeholder 6"/>
-          <p:cNvSpPr>
-            <a:spLocks noGrp="1"/>
-          </p:cNvSpPr>
-          <p:nvPr>
-            <p:ph type="ftr" sz="quarter" idx="13"/>
-          </p:nvPr>
-        </p:nvSpPr>
-        <p:spPr/>
-        <p:txBody>
-          <a:bodyPr/>
-          <a:lstStyle/>
-          <a:p>
-            <a:pPr marL="231775" defTabSz="914099" eaLnBrk="0" hangingPunct="0"/>
-            <a:r>
-              <a:rPr lang="en-US" sz="500" smtClean="0">
-                <a:gradFill>
-                  <a:gsLst>
-                    <a:gs pos="0">
-                      <a:schemeClr val="tx1"/>
-                    </a:gs>
-                    <a:gs pos="100000">
-                      <a:schemeClr val="tx1"/>
-                    </a:gs>
-                  </a:gsLst>
-                  <a:lin ang="5400000" scaled="0"/>
-                </a:gradFill>
-                <a:latin typeface="Segoe UI" pitchFamily="34" charset="0"/>
-                <a:ea typeface="Segoe UI" pitchFamily="34" charset="0"/>
-                <a:cs typeface="Segoe UI" pitchFamily="34" charset="0"/>
-              </a:rPr>
-              <a:t>© 2012 Microsoft Corporation. All rights reserved. Microsoft, Windows, and other product names are or may be registered trademarks and/or trademarks in the U.S. and/or other countries.</a:t>
-            </a:r>
-          </a:p>
-          <a:p>
-            <a:pPr marL="231775" defTabSz="914099" eaLnBrk="0" hangingPunct="0"/>
-            <a:r>
-              <a:rPr lang="en-US" sz="500" smtClean="0">
-                <a:gradFill>
-                  <a:gsLst>
-                    <a:gs pos="0">
-                      <a:schemeClr val="tx1"/>
-                    </a:gs>
-                    <a:gs pos="100000">
-                      <a:schemeClr val="tx1"/>
-                    </a:gs>
-                  </a:gsLst>
-                  <a:lin ang="5400000" scaled="0"/>
-                </a:gradFill>
-                <a:latin typeface="Segoe UI" pitchFamily="34" charset="0"/>
-                <a:ea typeface="Segoe UI" pitchFamily="34" charset="0"/>
-                <a:cs typeface="Segoe UI" pitchFamily="34" charset="0"/>
-              </a:rPr>
-              <a:t>The information herein is for informational purposes only and represents the current view of Microsoft Corporation as of the date of this presentation.  Because Microsoft must respond to changing market conditions, it should not be interpreted to be a commitment on the part of Microsoft, and Microsoft cannot guarantee the accuracy of any information provided after the date of this presentation.  MICROSOFT MAKES NO WARRANTIES, EXPRESS, IMPLIED OR STATUTORY, AS TO THE INFORMATION IN THIS PRESENTATION.</a:t>
-            </a:r>
-            <a:endParaRPr lang="en-US" sz="500" dirty="0">
-              <a:gradFill>
-                <a:gsLst>
-                  <a:gs pos="0">
-                    <a:schemeClr val="tx1"/>
-                  </a:gs>
-                  <a:gs pos="100000">
-                    <a:schemeClr val="tx1"/>
-                  </a:gs>
-                </a:gsLst>
-                <a:lin ang="5400000" scaled="0"/>
-              </a:gradFill>
-              <a:latin typeface="Segoe UI" pitchFamily="34" charset="0"/>
-              <a:ea typeface="Segoe UI" pitchFamily="34" charset="0"/>
-              <a:cs typeface="Segoe UI" pitchFamily="34" charset="0"/>
-            </a:endParaRPr>
-          </a:p>
-        </p:txBody>
-      </p:sp>
-    </p:spTree>
-    <p:extLst>
-      <p:ext uri="{BB962C8B-B14F-4D97-AF65-F5344CB8AC3E}">
-        <p14:creationId xmlns:p14="http://schemas.microsoft.com/office/powerpoint/2010/main" val="4086493756"/>
-      </p:ext>
-    </p:extLst>
-  </p:cSld>
-  <p:clrMapOvr>
-    <a:masterClrMapping/>
-  </p:clrMapOvr>
-</p:notes>
-</file>
-
-<file path=ppt/notesSlides/notesSlide26.xml><?xml version="1.0" encoding="utf-8"?>
-<p:notes xmlns:a="http://schemas.openxmlformats.org/drawingml/2006/main" xmlns:r="http://schemas.openxmlformats.org/officeDocument/2006/relationships" xmlns:p="http://schemas.openxmlformats.org/presentationml/2006/main">
-  <p:cSld>
-    <p:spTree>
-      <p:nvGrpSpPr>
-        <p:cNvPr id="1" name=""/>
-        <p:cNvGrpSpPr/>
-        <p:nvPr/>
-      </p:nvGrpSpPr>
-      <p:grpSpPr>
-        <a:xfrm>
-          <a:off x="0" y="0"/>
-          <a:ext cx="0" cy="0"/>
-          <a:chOff x="0" y="0"/>
-          <a:chExt cx="0" cy="0"/>
-        </a:xfrm>
-      </p:grpSpPr>
-      <p:sp>
-        <p:nvSpPr>
-          <p:cNvPr id="2" name="Slide Image Placeholder 1"/>
-          <p:cNvSpPr>
-            <a:spLocks noGrp="1" noRot="1" noChangeAspect="1"/>
-          </p:cNvSpPr>
-          <p:nvPr>
-            <p:ph type="sldImg"/>
-          </p:nvPr>
-        </p:nvSpPr>
-        <p:spPr/>
-      </p:sp>
-      <p:sp>
-        <p:nvSpPr>
-          <p:cNvPr id="3" name="Notes Placeholder 2"/>
-          <p:cNvSpPr>
-            <a:spLocks noGrp="1"/>
-          </p:cNvSpPr>
-          <p:nvPr>
-            <p:ph type="body" idx="1"/>
-          </p:nvPr>
-        </p:nvSpPr>
-        <p:spPr/>
-        <p:txBody>
-          <a:bodyPr/>
-          <a:lstStyle/>
-          <a:p>
             <a:endParaRPr lang="en-US"/>
           </a:p>
         </p:txBody>
@@ -5094,7 +3706,7 @@
           <a:p>
             <a:fld id="{0BB6559B-C68D-49B4-97AE-9BB74C417927}" type="datetime1">
               <a:rPr lang="en-US" smtClean="0"/>
-              <a:t>8/4/2014</a:t>
+              <a:t>8/5/2014</a:t>
             </a:fld>
             <a:endParaRPr lang="en-US"/>
           </a:p>
@@ -5117,7 +3729,7 @@
           <a:p>
             <a:fld id="{B4008EB6-D09E-4580-8CD6-DDB14511944F}" type="slidenum">
               <a:rPr lang="en-US" smtClean="0"/>
-              <a:t>45</a:t>
+              <a:t>38</a:t>
             </a:fld>
             <a:endParaRPr lang="en-US" dirty="0"/>
           </a:p>
@@ -5182,47 +3794,43 @@
           <a:p>
             <a:r>
               <a:rPr lang="en-US" dirty="0" smtClean="0"/>
-              <a:t>Remote web is deployed on separate infrastructure</a:t>
+              <a:t>App Web is a sub web under the host web</a:t>
             </a:r>
           </a:p>
           <a:p>
             <a:r>
               <a:rPr lang="en-US" dirty="0" smtClean="0"/>
-              <a:t>Typically this is Azure web sites, but can be anything</a:t>
+              <a:t>App web is a separate domain</a:t>
             </a:r>
           </a:p>
           <a:p>
             <a:r>
               <a:rPr lang="en-US" dirty="0" smtClean="0"/>
-              <a:t>Solution may or may not have an App Web depending upon whether anything is deployed (like</a:t>
-            </a:r>
-            <a:r>
-              <a:rPr lang="en-US" baseline="0" dirty="0" smtClean="0"/>
-              <a:t> lists or libraries in the App Web)</a:t>
-            </a:r>
-          </a:p>
-          <a:p>
-            <a:r>
-              <a:rPr lang="en-US" baseline="0" dirty="0" smtClean="0"/>
-              <a:t>Host web can be accessed by remote web using </a:t>
-            </a:r>
-            <a:r>
-              <a:rPr lang="en-US" baseline="0" dirty="0" err="1" smtClean="0"/>
-              <a:t>OAuth</a:t>
-            </a:r>
-            <a:r>
-              <a:rPr lang="en-US" baseline="0" dirty="0" smtClean="0"/>
-              <a:t> or cross-domain library</a:t>
+              <a:t>App web is created during app installation process</a:t>
             </a:r>
           </a:p>
           <a:p>
             <a:r>
               <a:rPr lang="en-US" dirty="0" smtClean="0"/>
-              <a:t>Additional assets like SQL Azure</a:t>
-            </a:r>
-            <a:r>
-              <a:rPr lang="en-US" baseline="0" dirty="0" smtClean="0"/>
-              <a:t> or web-based REST services can be accessed from the remote web and incorporated into the solution</a:t>
+              <a:t>App web contains pages and other declarative SharePoint artifacts</a:t>
+            </a:r>
+          </a:p>
+          <a:p>
+            <a:r>
+              <a:rPr lang="en-US" dirty="0" smtClean="0"/>
+              <a:t>App web is limited to JavaScript</a:t>
+            </a:r>
+          </a:p>
+          <a:p>
+            <a:r>
+              <a:rPr lang="en-US" dirty="0" smtClean="0"/>
+              <a:t>App web can access host web as long as it has appropriate permissions</a:t>
+            </a:r>
+          </a:p>
+          <a:p>
+            <a:r>
+              <a:rPr lang="en-US" dirty="0" smtClean="0"/>
+              <a:t>May call to other cross-domain resources using appropriate techniques such as cross-origin resource sharing (CORS) or a web proxy</a:t>
             </a:r>
             <a:endParaRPr lang="en-US" dirty="0"/>
           </a:p>
@@ -5245,7 +3853,7 @@
           <a:p>
             <a:fld id="{0C3C20F7-22CF-4B06-A2C4-710BBA74F6A5}" type="datetime1">
               <a:rPr lang="en-US" smtClean="0"/>
-              <a:t>8/4/2014</a:t>
+              <a:t>8/5/2014</a:t>
             </a:fld>
             <a:endParaRPr lang="en-US"/>
           </a:p>
@@ -5432,39 +4040,7 @@
           <a:p>
             <a:r>
               <a:rPr lang="en-US" dirty="0" smtClean="0"/>
-              <a:t>Remote web is deployed on separate infrastructure</a:t>
-            </a:r>
-          </a:p>
-          <a:p>
-            <a:r>
-              <a:rPr lang="en-US" dirty="0" smtClean="0"/>
-              <a:t>Typically this is IIS, but can be anything</a:t>
-            </a:r>
-          </a:p>
-          <a:p>
-            <a:r>
-              <a:rPr lang="en-US" dirty="0" smtClean="0"/>
-              <a:t>Solution may or may not have an App Web depending upon whether anything is deployed (like</a:t>
-            </a:r>
-            <a:r>
-              <a:rPr lang="en-US" baseline="0" dirty="0" smtClean="0"/>
-              <a:t> lists or libraries in the App Web)</a:t>
-            </a:r>
-          </a:p>
-          <a:p>
-            <a:r>
-              <a:rPr lang="en-US" baseline="0" dirty="0" smtClean="0"/>
-              <a:t>Host web can be accessed by remote web using Server-to-Server High Trust or cross-domain library</a:t>
-            </a:r>
-          </a:p>
-          <a:p>
-            <a:r>
-              <a:rPr lang="en-US" dirty="0" smtClean="0"/>
-              <a:t>Additional assets like SQL databases </a:t>
-            </a:r>
-            <a:r>
-              <a:rPr lang="en-US" baseline="0" dirty="0" smtClean="0"/>
-              <a:t>or web services can be accessed from the remote web and incorporated into the solution</a:t>
+              <a:t>Each app web is isolated in a unique domain</a:t>
             </a:r>
             <a:endParaRPr lang="en-US" dirty="0"/>
           </a:p>
@@ -5485,9 +4061,9 @@
           <a:bodyPr/>
           <a:lstStyle/>
           <a:p>
-            <a:fld id="{0C3C20F7-22CF-4B06-A2C4-710BBA74F6A5}" type="datetime1">
+            <a:fld id="{70210F0F-1244-4C73-AF4A-4072D1118C71}" type="datetime1">
               <a:rPr lang="en-US" smtClean="0"/>
-              <a:t>8/4/2014</a:t>
+              <a:t>8/5/2014</a:t>
             </a:fld>
             <a:endParaRPr lang="en-US"/>
           </a:p>
@@ -5618,7 +4194,7 @@
     </p:spTree>
     <p:extLst>
       <p:ext uri="{BB962C8B-B14F-4D97-AF65-F5344CB8AC3E}">
-        <p14:creationId xmlns:p14="http://schemas.microsoft.com/office/powerpoint/2010/main" val="1972100336"/>
+        <p14:creationId xmlns:p14="http://schemas.microsoft.com/office/powerpoint/2010/main" val="3116737758"/>
       </p:ext>
     </p:extLst>
   </p:cSld>
@@ -5672,6 +4248,106 @@
           <a:bodyPr/>
           <a:lstStyle/>
           <a:p>
+            <a:r>
+              <a:rPr lang="en-US" dirty="0" smtClean="0"/>
+              <a:t>{</a:t>
+            </a:r>
+            <a:r>
+              <a:rPr lang="en-US" dirty="0" err="1" smtClean="0"/>
+              <a:t>StandardTokens</a:t>
+            </a:r>
+            <a:r>
+              <a:rPr lang="en-US" dirty="0" smtClean="0"/>
+              <a:t>} combines five other tokens. It initially resolves to </a:t>
+            </a:r>
+            <a:r>
+              <a:rPr lang="en-US" dirty="0" err="1" smtClean="0"/>
+              <a:t>SPHostUrl</a:t>
+            </a:r>
+            <a:r>
+              <a:rPr lang="en-US" dirty="0" smtClean="0"/>
+              <a:t>={</a:t>
+            </a:r>
+            <a:r>
+              <a:rPr lang="en-US" dirty="0" err="1" smtClean="0"/>
+              <a:t>HostUrl</a:t>
+            </a:r>
+            <a:r>
+              <a:rPr lang="en-US" dirty="0" smtClean="0"/>
+              <a:t>}&amp;</a:t>
+            </a:r>
+            <a:r>
+              <a:rPr lang="en-US" dirty="0" err="1" smtClean="0"/>
+              <a:t>SPAppWebUrl</a:t>
+            </a:r>
+            <a:r>
+              <a:rPr lang="en-US" dirty="0" smtClean="0"/>
+              <a:t>={</a:t>
+            </a:r>
+            <a:r>
+              <a:rPr lang="en-US" dirty="0" err="1" smtClean="0"/>
+              <a:t>AppWebUrl</a:t>
+            </a:r>
+            <a:r>
+              <a:rPr lang="en-US" dirty="0" smtClean="0"/>
+              <a:t>}&amp;</a:t>
+            </a:r>
+            <a:r>
+              <a:rPr lang="en-US" dirty="0" err="1" smtClean="0"/>
+              <a:t>SPLanguage</a:t>
+            </a:r>
+            <a:r>
+              <a:rPr lang="en-US" dirty="0" smtClean="0"/>
+              <a:t>={Language}&amp;</a:t>
+            </a:r>
+            <a:r>
+              <a:rPr lang="en-US" dirty="0" err="1" smtClean="0"/>
+              <a:t>SPClientTag</a:t>
+            </a:r>
+            <a:r>
+              <a:rPr lang="en-US" dirty="0" smtClean="0"/>
+              <a:t>={</a:t>
+            </a:r>
+            <a:r>
+              <a:rPr lang="en-US" dirty="0" err="1" smtClean="0"/>
+              <a:t>ClientTag</a:t>
+            </a:r>
+            <a:r>
+              <a:rPr lang="en-US" dirty="0" smtClean="0"/>
+              <a:t>}&amp;</a:t>
+            </a:r>
+            <a:r>
+              <a:rPr lang="en-US" dirty="0" err="1" smtClean="0"/>
+              <a:t>SPProductNumber</a:t>
+            </a:r>
+            <a:r>
+              <a:rPr lang="en-US" dirty="0" smtClean="0"/>
+              <a:t>={</a:t>
+            </a:r>
+            <a:r>
+              <a:rPr lang="en-US" dirty="0" err="1" smtClean="0"/>
+              <a:t>ProductNumber</a:t>
+            </a:r>
+            <a:r>
+              <a:rPr lang="en-US" dirty="0" smtClean="0"/>
+              <a:t>}. Then each of these tokens resolves. If there is no app web, the portion &amp;</a:t>
+            </a:r>
+            <a:r>
+              <a:rPr lang="en-US" dirty="0" err="1" smtClean="0"/>
+              <a:t>SPAppWebUrl</a:t>
+            </a:r>
+            <a:r>
+              <a:rPr lang="en-US" dirty="0" smtClean="0"/>
+              <a:t>={</a:t>
+            </a:r>
+            <a:r>
+              <a:rPr lang="en-US" dirty="0" err="1" smtClean="0"/>
+              <a:t>AppWebUrl</a:t>
+            </a:r>
+            <a:r>
+              <a:rPr lang="en-US" dirty="0" smtClean="0"/>
+              <a:t>} is not present.</a:t>
+            </a:r>
             <a:endParaRPr lang="en-US" dirty="0"/>
           </a:p>
         </p:txBody>
@@ -5691,9 +4367,9 @@
           <a:bodyPr/>
           <a:lstStyle/>
           <a:p>
-            <a:fld id="{6E50E453-F0F1-4F28-9386-D0CC835A3436}" type="datetime1">
+            <a:fld id="{AE9AEF2E-5E0F-470C-8AB5-948C2A6F0374}" type="datetime1">
               <a:rPr lang="en-US" smtClean="0"/>
-              <a:t>8/4/2014</a:t>
+              <a:t>8/5/2014</a:t>
             </a:fld>
             <a:endParaRPr lang="en-US"/>
           </a:p>
@@ -5824,7 +4500,7 @@
     </p:spTree>
     <p:extLst>
       <p:ext uri="{BB962C8B-B14F-4D97-AF65-F5344CB8AC3E}">
-        <p14:creationId xmlns:p14="http://schemas.microsoft.com/office/powerpoint/2010/main" val="1819557652"/>
+        <p14:creationId xmlns:p14="http://schemas.microsoft.com/office/powerpoint/2010/main" val="1885367881"/>
       </p:ext>
     </p:extLst>
   </p:cSld>
@@ -5878,26 +4554,6 @@
           <a:bodyPr/>
           <a:lstStyle/>
           <a:p>
-            <a:r>
-              <a:rPr lang="en-US" dirty="0" smtClean="0"/>
-              <a:t>Provider-hosted</a:t>
-            </a:r>
-            <a:r>
-              <a:rPr lang="en-US" baseline="0" dirty="0" smtClean="0"/>
-              <a:t> apps can use “app only” permissions</a:t>
-            </a:r>
-          </a:p>
-          <a:p>
-            <a:r>
-              <a:rPr lang="en-US" baseline="0" dirty="0" smtClean="0"/>
-              <a:t>Update the App manifest to indicate this is OK</a:t>
-            </a:r>
-          </a:p>
-          <a:p>
-            <a:r>
-              <a:rPr lang="en-US" baseline="0" dirty="0" smtClean="0"/>
-              <a:t>Then you need an app-only token in code</a:t>
-            </a:r>
             <a:endParaRPr lang="en-US" dirty="0"/>
           </a:p>
         </p:txBody>
@@ -5917,9 +4573,9 @@
           <a:bodyPr/>
           <a:lstStyle/>
           <a:p>
-            <a:fld id="{C032A2CD-423F-467E-9AF6-DEA41E45D21C}" type="datetime1">
+            <a:fld id="{6E50E453-F0F1-4F28-9386-D0CC835A3436}" type="datetime1">
               <a:rPr lang="en-US" smtClean="0"/>
-              <a:t>8/4/2014</a:t>
+              <a:t>8/5/2014</a:t>
             </a:fld>
             <a:endParaRPr lang="en-US"/>
           </a:p>
@@ -6050,7 +4706,7 @@
     </p:spTree>
     <p:extLst>
       <p:ext uri="{BB962C8B-B14F-4D97-AF65-F5344CB8AC3E}">
-        <p14:creationId xmlns:p14="http://schemas.microsoft.com/office/powerpoint/2010/main" val="3529177867"/>
+        <p14:creationId xmlns:p14="http://schemas.microsoft.com/office/powerpoint/2010/main" val="1819557652"/>
       </p:ext>
     </p:extLst>
   </p:cSld>
@@ -6106,26 +4762,25 @@
           <a:p>
             <a:r>
               <a:rPr lang="en-US" dirty="0" smtClean="0"/>
-              <a:t>Visual</a:t>
+              <a:t>SharePoint-Hosted</a:t>
             </a:r>
             <a:r>
               <a:rPr lang="en-US" baseline="0" dirty="0" smtClean="0"/>
-              <a:t> Studio supports both ASP.NET Web Forms and MVC5</a:t>
-            </a:r>
-          </a:p>
-          <a:p>
-            <a:endParaRPr lang="en-US" baseline="0" dirty="0" smtClean="0"/>
+              <a:t> apps can be built on ASPX or HTML pages</a:t>
+            </a:r>
           </a:p>
           <a:p>
             <a:r>
               <a:rPr lang="en-US" baseline="0" dirty="0" smtClean="0"/>
-              <a:t>On-premises authorization uses S2S</a:t>
-            </a:r>
-          </a:p>
-          <a:p>
+              <a:t>The authorization is always done with “Internal” </a:t>
+            </a:r>
+            <a:r>
+              <a:rPr lang="en-US" baseline="0" dirty="0" err="1" smtClean="0"/>
+              <a:t>auth</a:t>
+            </a:r>
             <a:r>
               <a:rPr lang="en-US" baseline="0" dirty="0" smtClean="0"/>
-              <a:t>Cloud authorization uses </a:t>
+              <a:t>, meaning no </a:t>
             </a:r>
             <a:r>
               <a:rPr lang="en-US" baseline="0" dirty="0" err="1" smtClean="0"/>
@@ -6133,56 +4788,19 @@
             </a:r>
             <a:r>
               <a:rPr lang="en-US" baseline="0" dirty="0" smtClean="0"/>
-              <a:t> </a:t>
-            </a:r>
-          </a:p>
-          <a:p>
-            <a:endParaRPr lang="en-US" dirty="0" smtClean="0"/>
-          </a:p>
-          <a:p>
-            <a:r>
-              <a:rPr lang="en-US" dirty="0" smtClean="0"/>
-              <a:t>The </a:t>
-            </a:r>
-            <a:r>
-              <a:rPr lang="en-US" dirty="0" err="1" smtClean="0"/>
-              <a:t>SharePointContextProvider</a:t>
-            </a:r>
-            <a:r>
-              <a:rPr lang="en-US" dirty="0" smtClean="0"/>
-              <a:t> simplifies token management</a:t>
-            </a:r>
-          </a:p>
-          <a:p>
-            <a:r>
-              <a:rPr lang="en-US" dirty="0" smtClean="0"/>
-              <a:t>Managed</a:t>
-            </a:r>
+              <a:t> tokens</a:t>
+            </a:r>
+          </a:p>
+          <a:p>
             <a:r>
               <a:rPr lang="en-US" baseline="0" dirty="0" smtClean="0"/>
-              <a:t> </a:t>
-            </a:r>
-            <a:r>
-              <a:rPr lang="en-US" baseline="0" dirty="0" err="1" smtClean="0"/>
-              <a:t>CSOm</a:t>
-            </a:r>
+              <a:t>Programmability is always JavaScript</a:t>
+            </a:r>
+          </a:p>
+          <a:p>
             <a:r>
               <a:rPr lang="en-US" baseline="0" dirty="0" smtClean="0"/>
-              <a:t> and </a:t>
-            </a:r>
-            <a:r>
-              <a:rPr lang="en-US" baseline="0" dirty="0" err="1" smtClean="0"/>
-              <a:t>RESt</a:t>
-            </a:r>
-            <a:r>
-              <a:rPr lang="en-US" baseline="0" dirty="0" smtClean="0"/>
-              <a:t> can be used directly from the server side</a:t>
-            </a:r>
-          </a:p>
-          <a:p>
-            <a:r>
-              <a:rPr lang="en-US" baseline="0" dirty="0" smtClean="0"/>
-              <a:t>The cross-domain library can be used from JavaScript</a:t>
+              <a:t>You can use CSOM, REST, cross-domain library, or web proxy in your solution</a:t>
             </a:r>
             <a:endParaRPr lang="en-US" dirty="0"/>
           </a:p>
@@ -6205,7 +4823,7 @@
           <a:p>
             <a:fld id="{09D58FB4-9AD0-481B-8C84-A17E43C7859F}" type="datetime1">
               <a:rPr lang="en-US" smtClean="0"/>
-              <a:t>8/4/2014</a:t>
+              <a:t>8/5/2014</a:t>
             </a:fld>
             <a:endParaRPr lang="en-US"/>
           </a:p>
@@ -6228,7 +4846,7 @@
           <a:p>
             <a:fld id="{B4008EB6-D09E-4580-8CD6-DDB14511944F}" type="slidenum">
               <a:rPr lang="en-US" smtClean="0"/>
-              <a:t>10</a:t>
+              <a:t>11</a:t>
             </a:fld>
             <a:endParaRPr lang="en-US" dirty="0"/>
           </a:p>
@@ -6392,39 +5010,19 @@
           <a:p>
             <a:r>
               <a:rPr lang="en-US" dirty="0" smtClean="0"/>
-              <a:t>The </a:t>
-            </a:r>
-            <a:r>
-              <a:rPr lang="en-US" dirty="0" err="1" smtClean="0"/>
-              <a:t>SharePointContext</a:t>
-            </a:r>
-            <a:r>
-              <a:rPr lang="en-US" baseline="0" dirty="0" err="1" smtClean="0"/>
-              <a:t>Provider</a:t>
-            </a:r>
-            <a:r>
-              <a:rPr lang="en-US" baseline="0" dirty="0" smtClean="0"/>
-              <a:t> simplifies the management of context, and tokens</a:t>
-            </a:r>
-          </a:p>
-          <a:p>
+              <a:t>Makes it possible to call the </a:t>
+            </a:r>
             <a:r>
               <a:rPr lang="en-US" dirty="0" smtClean="0"/>
-              <a:t>It uses a cookie to store the </a:t>
-            </a:r>
-            <a:r>
-              <a:rPr lang="en-US" dirty="0" err="1" smtClean="0"/>
-              <a:t>CacheKey</a:t>
+              <a:t>host </a:t>
             </a:r>
             <a:r>
               <a:rPr lang="en-US" dirty="0" smtClean="0"/>
-              <a:t>, and stores the actual token in session state on the server referenced by the cache key</a:t>
-            </a:r>
-          </a:p>
-          <a:p>
+              <a:t>web from JavaScript in the </a:t>
+            </a:r>
             <a:r>
               <a:rPr lang="en-US" dirty="0" smtClean="0"/>
-              <a:t>All of this improves performance and makes programming easier</a:t>
+              <a:t>app web</a:t>
             </a:r>
             <a:endParaRPr lang="en-US" dirty="0"/>
           </a:p>
@@ -6445,9 +5043,9 @@
           <a:bodyPr/>
           <a:lstStyle/>
           <a:p>
-            <a:fld id="{89BD0C63-4500-46F0-B671-0411AD55F261}" type="datetime1">
+            <a:fld id="{4ADE35DD-7265-41C6-9E2A-205ADF0B08D5}" type="datetime1">
               <a:rPr lang="en-US" smtClean="0"/>
-              <a:t>8/4/2014</a:t>
+              <a:t>8/5/2014</a:t>
             </a:fld>
             <a:endParaRPr lang="en-US"/>
           </a:p>
@@ -6470,7 +5068,7 @@
           <a:p>
             <a:fld id="{B4008EB6-D09E-4580-8CD6-DDB14511944F}" type="slidenum">
               <a:rPr lang="en-US" smtClean="0"/>
-              <a:t>13</a:t>
+              <a:t>16</a:t>
             </a:fld>
             <a:endParaRPr lang="en-US" dirty="0"/>
           </a:p>
@@ -6578,7 +5176,7 @@
     </p:spTree>
     <p:extLst>
       <p:ext uri="{BB962C8B-B14F-4D97-AF65-F5344CB8AC3E}">
-        <p14:creationId xmlns:p14="http://schemas.microsoft.com/office/powerpoint/2010/main" val="835942355"/>
+        <p14:creationId xmlns:p14="http://schemas.microsoft.com/office/powerpoint/2010/main" val="2842563969"/>
       </p:ext>
     </p:extLst>
   </p:cSld>
@@ -6632,42 +5230,81 @@
           <a:bodyPr/>
           <a:lstStyle/>
           <a:p>
+            <a:pPr marL="228600" indent="-228600">
+              <a:buAutoNum type="arabicPeriod"/>
+            </a:pPr>
             <a:r>
               <a:rPr lang="en-US" dirty="0" smtClean="0"/>
-              <a:t>ASP.NET Web Forms uses the </a:t>
+              <a:t>The remote web loads the SPRequestExecutor.js library</a:t>
+            </a:r>
+          </a:p>
+          <a:p>
+            <a:pPr marL="228600" indent="-228600">
+              <a:buAutoNum type="arabicPeriod"/>
+            </a:pPr>
+            <a:r>
+              <a:rPr lang="en-US" dirty="0" smtClean="0"/>
+              <a:t>The remote web create a new </a:t>
             </a:r>
             <a:r>
               <a:rPr lang="en-US" dirty="0" err="1" smtClean="0"/>
-              <a:t>PreInit</a:t>
+              <a:t>SP.RequestExecutor</a:t>
             </a:r>
             <a:r>
               <a:rPr lang="en-US" dirty="0" smtClean="0"/>
-              <a:t> method to validate the Context Token</a:t>
-            </a:r>
-          </a:p>
-          <a:p>
+              <a:t> object, initializing it with the URL of the app web</a:t>
+            </a:r>
+          </a:p>
+          <a:p>
+            <a:pPr marL="228600" indent="-228600">
+              <a:buAutoNum type="arabicPeriod"/>
+            </a:pPr>
             <a:r>
               <a:rPr lang="en-US" dirty="0" smtClean="0"/>
-              <a:t>Notice how it will redirect if the token is not valid</a:t>
-            </a:r>
-          </a:p>
-          <a:p>
-            <a:endParaRPr lang="en-US" dirty="0" smtClean="0"/>
-          </a:p>
-          <a:p>
+              <a:t>This causes a hidden IFRAME to be created, which loads APPWebProxy.aspx from the LAYOUTS directory</a:t>
+            </a:r>
+          </a:p>
+          <a:p>
+            <a:pPr marL="228600" indent="-228600">
+              <a:buAutoNum type="arabicPeriod"/>
+            </a:pPr>
             <a:r>
               <a:rPr lang="en-US" dirty="0" smtClean="0"/>
-              <a:t>ASP.NET MVC 5 uses a filter to run essentially the same code</a:t>
-            </a:r>
-          </a:p>
-          <a:p>
+              <a:t>The </a:t>
+            </a:r>
+            <a:r>
+              <a:rPr lang="en-US" dirty="0" err="1" smtClean="0"/>
+              <a:t>SP.RequestExecutor</a:t>
+            </a:r>
             <a:r>
               <a:rPr lang="en-US" dirty="0" smtClean="0"/>
-              <a:t>Notice how the</a:t>
-            </a:r>
-            <a:r>
-              <a:rPr lang="en-US" baseline="0" dirty="0" smtClean="0"/>
-              <a:t> filter attribute is applied to the controller</a:t>
+              <a:t> object uses the HTML5 </a:t>
+            </a:r>
+            <a:r>
+              <a:rPr lang="en-US" dirty="0" err="1" smtClean="0"/>
+              <a:t>postmessage</a:t>
+            </a:r>
+            <a:r>
+              <a:rPr lang="en-US" dirty="0" smtClean="0"/>
+              <a:t> command to send requests from the remote web</a:t>
+            </a:r>
+          </a:p>
+          <a:p>
+            <a:pPr marL="228600" indent="-228600">
+              <a:buAutoNum type="arabicPeriod"/>
+            </a:pPr>
+            <a:r>
+              <a:rPr lang="en-US" dirty="0" smtClean="0"/>
+              <a:t>The request is executed by the AppWebProxy.aspx page</a:t>
+            </a:r>
+          </a:p>
+          <a:p>
+            <a:pPr marL="228600" indent="-228600">
+              <a:buAutoNum type="arabicPeriod"/>
+            </a:pPr>
+            <a:r>
+              <a:rPr lang="en-US" dirty="0" smtClean="0"/>
+              <a:t>The response is returned</a:t>
             </a:r>
             <a:endParaRPr lang="en-US" dirty="0"/>
           </a:p>
@@ -6688,9 +5325,9 @@
           <a:bodyPr/>
           <a:lstStyle/>
           <a:p>
-            <a:fld id="{71F2E3B6-EB4C-45C4-A447-56FB08D12314}" type="datetime1">
+            <a:fld id="{011330EA-3A2F-4AA6-9551-59328781FD06}" type="datetime1">
               <a:rPr lang="en-US" smtClean="0"/>
-              <a:t>8/4/2014</a:t>
+              <a:t>8/5/2014</a:t>
             </a:fld>
             <a:endParaRPr lang="en-US"/>
           </a:p>
@@ -6713,7 +5350,7 @@
           <a:p>
             <a:fld id="{B4008EB6-D09E-4580-8CD6-DDB14511944F}" type="slidenum">
               <a:rPr lang="en-US" smtClean="0"/>
-              <a:t>14</a:t>
+              <a:t>17</a:t>
             </a:fld>
             <a:endParaRPr lang="en-US" dirty="0"/>
           </a:p>
@@ -6821,7 +5458,7 @@
     </p:spTree>
     <p:extLst>
       <p:ext uri="{BB962C8B-B14F-4D97-AF65-F5344CB8AC3E}">
-        <p14:creationId xmlns:p14="http://schemas.microsoft.com/office/powerpoint/2010/main" val="2863341221"/>
+        <p14:creationId xmlns:p14="http://schemas.microsoft.com/office/powerpoint/2010/main" val="1504649696"/>
       </p:ext>
     </p:extLst>
   </p:cSld>
@@ -16986,8 +15623,8 @@
         </p:nvSpPr>
         <p:spPr>
           <a:xfrm>
-            <a:off x="519111" y="1212148"/>
-            <a:ext cx="11149013" cy="4951758"/>
+            <a:off x="519112" y="1447799"/>
+            <a:ext cx="11149013" cy="4433712"/>
           </a:xfrm>
         </p:spPr>
         <p:txBody>
@@ -16996,72 +15633,69 @@
           <a:p>
             <a:r>
               <a:rPr lang="en-US" dirty="0" smtClean="0"/>
-              <a:t>Web Project</a:t>
+              <a:t>Full Page</a:t>
             </a:r>
           </a:p>
           <a:p>
             <a:pPr lvl="1"/>
             <a:r>
               <a:rPr lang="en-US" dirty="0" smtClean="0"/>
-              <a:t>ASP.NET Web Forms</a:t>
+              <a:t>Required for all apps</a:t>
             </a:r>
           </a:p>
           <a:p>
             <a:pPr lvl="1"/>
             <a:r>
               <a:rPr lang="en-US" dirty="0" smtClean="0"/>
-              <a:t>MVC 5</a:t>
+              <a:t>Experienced when an app is launched from the contents page</a:t>
             </a:r>
           </a:p>
           <a:p>
             <a:r>
               <a:rPr lang="en-US" dirty="0" smtClean="0"/>
-              <a:t>Authorization</a:t>
+              <a:t>App Part</a:t>
             </a:r>
           </a:p>
           <a:p>
             <a:pPr lvl="1"/>
             <a:r>
-              <a:rPr lang="en-US" dirty="0"/>
-              <a:t>Azure Access Control Services</a:t>
+              <a:rPr lang="en-US" dirty="0" smtClean="0"/>
+              <a:t>Optional</a:t>
             </a:r>
           </a:p>
           <a:p>
             <a:pPr lvl="1"/>
             <a:r>
               <a:rPr lang="en-US" dirty="0" smtClean="0"/>
-              <a:t>Server-to-Server High Trust</a:t>
-            </a:r>
-          </a:p>
-          <a:p>
+              <a:t>Allows an app to be hosted in an </a:t>
+            </a:r>
+            <a:r>
+              <a:rPr lang="en-US" dirty="0" err="1" smtClean="0"/>
+              <a:t>IFrame</a:t>
+            </a:r>
             <a:r>
               <a:rPr lang="en-US" dirty="0" smtClean="0"/>
-              <a:t>Programmability</a:t>
+              <a:t> on the host web</a:t>
+            </a:r>
+          </a:p>
+          <a:p>
+            <a:r>
+              <a:rPr lang="en-US" dirty="0" smtClean="0"/>
+              <a:t>UI Custom Action</a:t>
             </a:r>
           </a:p>
           <a:p>
             <a:pPr lvl="1"/>
             <a:r>
-              <a:rPr lang="en-US" dirty="0" err="1" smtClean="0"/>
-              <a:t>SharePointContextProvider</a:t>
-            </a:r>
-            <a:r>
               <a:rPr lang="en-US" dirty="0" smtClean="0"/>
-              <a:t> class</a:t>
+              <a:t>Optional</a:t>
             </a:r>
           </a:p>
           <a:p>
             <a:pPr lvl="1"/>
             <a:r>
               <a:rPr lang="en-US" dirty="0" smtClean="0"/>
-              <a:t>Managed CSOM or REST</a:t>
-            </a:r>
-          </a:p>
-          <a:p>
-            <a:pPr lvl="1"/>
-            <a:r>
-              <a:rPr lang="en-US" dirty="0" smtClean="0"/>
-              <a:t>JavaScript Cross-Domain Library</a:t>
+              <a:t>Allows an app to be launched from the ribbon or Edit Control Block(ECB)</a:t>
             </a:r>
             <a:endParaRPr lang="en-US" dirty="0"/>
           </a:p>
@@ -17084,7 +15718,7 @@
           <a:p>
             <a:r>
               <a:rPr lang="en-US" dirty="0" smtClean="0"/>
-              <a:t>Creating Provider-Hosted Apps</a:t>
+              <a:t>App Shapes</a:t>
             </a:r>
             <a:endParaRPr lang="en-US" dirty="0"/>
           </a:p>
@@ -17117,7 +15751,7 @@
     </p:spTree>
     <p:extLst>
       <p:ext uri="{BB962C8B-B14F-4D97-AF65-F5344CB8AC3E}">
-        <p14:creationId xmlns:p14="http://schemas.microsoft.com/office/powerpoint/2010/main" val="306890160"/>
+        <p14:creationId xmlns:p14="http://schemas.microsoft.com/office/powerpoint/2010/main" val="3267894391"/>
       </p:ext>
     </p:extLst>
   </p:cSld>
@@ -17127,13 +15761,6 @@
   <p:transition>
     <p:fade/>
   </p:transition>
-  <p:timing>
-    <p:tnLst>
-      <p:par>
-        <p:cTn id="1" dur="indefinite" restart="never" nodeType="tmRoot"/>
-      </p:par>
-    </p:tnLst>
-  </p:timing>
 </p:sld>
 </file>
 
@@ -17156,22 +15783,93 @@
       </p:grpSpPr>
       <p:sp>
         <p:nvSpPr>
-          <p:cNvPr id="4" name="Subtitle 3"/>
-          <p:cNvSpPr>
-            <a:spLocks noGrp="1"/>
-          </p:cNvSpPr>
-          <p:nvPr>
-            <p:ph type="subTitle" idx="1"/>
-          </p:nvPr>
-        </p:nvSpPr>
-        <p:spPr/>
+          <p:cNvPr id="2" name="Text Placeholder 1"/>
+          <p:cNvSpPr>
+            <a:spLocks noGrp="1"/>
+          </p:cNvSpPr>
+          <p:nvPr>
+            <p:ph type="body" sz="quarter" idx="10"/>
+          </p:nvPr>
+        </p:nvSpPr>
+        <p:spPr>
+          <a:xfrm>
+            <a:off x="519111" y="1212148"/>
+            <a:ext cx="11149013" cy="4951758"/>
+          </a:xfrm>
+        </p:spPr>
         <p:txBody>
           <a:bodyPr/>
           <a:lstStyle/>
           <a:p>
             <a:r>
               <a:rPr lang="en-US" dirty="0" smtClean="0"/>
-              <a:t>Creating a Provider-Hosted App</a:t>
+              <a:t>Pages</a:t>
+            </a:r>
+            <a:endParaRPr lang="en-US" dirty="0" smtClean="0"/>
+          </a:p>
+          <a:p>
+            <a:pPr lvl="1"/>
+            <a:r>
+              <a:rPr lang="en-US" dirty="0" smtClean="0"/>
+              <a:t>ASPX</a:t>
+            </a:r>
+            <a:endParaRPr lang="en-US" dirty="0" smtClean="0"/>
+          </a:p>
+          <a:p>
+            <a:pPr lvl="1"/>
+            <a:r>
+              <a:rPr lang="en-US" dirty="0" smtClean="0"/>
+              <a:t>HTML</a:t>
+            </a:r>
+            <a:endParaRPr lang="en-US" dirty="0" smtClean="0"/>
+          </a:p>
+          <a:p>
+            <a:r>
+              <a:rPr lang="en-US" dirty="0" smtClean="0"/>
+              <a:t>Authorization</a:t>
+            </a:r>
+          </a:p>
+          <a:p>
+            <a:pPr lvl="1"/>
+            <a:r>
+              <a:rPr lang="en-US" dirty="0" smtClean="0"/>
+              <a:t>Internal</a:t>
+            </a:r>
+            <a:endParaRPr lang="en-US" dirty="0" smtClean="0"/>
+          </a:p>
+          <a:p>
+            <a:r>
+              <a:rPr lang="en-US" dirty="0" smtClean="0"/>
+              <a:t>Programmability</a:t>
+            </a:r>
+          </a:p>
+          <a:p>
+            <a:pPr lvl="1"/>
+            <a:r>
+              <a:rPr lang="en-US" dirty="0" smtClean="0"/>
+              <a:t>JavaScript REST or CSOM</a:t>
+            </a:r>
+          </a:p>
+          <a:p>
+            <a:pPr lvl="1"/>
+            <a:r>
+              <a:rPr lang="en-US" dirty="0" smtClean="0"/>
+              <a:t>JavaScript </a:t>
+            </a:r>
+            <a:r>
+              <a:rPr lang="en-US" dirty="0" smtClean="0"/>
+              <a:t>Cross-Domain </a:t>
+            </a:r>
+            <a:r>
+              <a:rPr lang="en-US" dirty="0" smtClean="0"/>
+              <a:t>Library</a:t>
+            </a:r>
+          </a:p>
+          <a:p>
+            <a:pPr lvl="1"/>
+            <a:r>
+              <a:rPr lang="en-US" dirty="0" smtClean="0"/>
+              <a:t>Web Proxy</a:t>
             </a:r>
             <a:endParaRPr lang="en-US" dirty="0"/>
           </a:p>
@@ -17179,12 +15877,12 @@
       </p:sp>
       <p:sp>
         <p:nvSpPr>
-          <p:cNvPr id="2" name="Text Placeholder 1"/>
-          <p:cNvSpPr>
-            <a:spLocks noGrp="1"/>
-          </p:cNvSpPr>
-          <p:nvPr>
-            <p:ph type="body" sz="quarter" idx="10"/>
+          <p:cNvPr id="3" name="Title 2"/>
+          <p:cNvSpPr>
+            <a:spLocks noGrp="1"/>
+          </p:cNvSpPr>
+          <p:nvPr>
+            <p:ph type="title"/>
           </p:nvPr>
         </p:nvSpPr>
         <p:spPr/>
@@ -17192,13 +15890,42 @@
           <a:bodyPr/>
           <a:lstStyle/>
           <a:p>
-            <a:pPr marL="0" indent="0">
-              <a:buNone/>
-            </a:pPr>
             <a:r>
               <a:rPr lang="en-US" dirty="0" smtClean="0"/>
-              <a:t>demo</a:t>
-            </a:r>
+              <a:t>Creating </a:t>
+            </a:r>
+            <a:r>
+              <a:rPr lang="en-US" dirty="0" smtClean="0"/>
+              <a:t>SharePoint-Hosted </a:t>
+            </a:r>
+            <a:r>
+              <a:rPr lang="en-US" dirty="0" smtClean="0"/>
+              <a:t>Apps</a:t>
+            </a:r>
+            <a:endParaRPr lang="en-US" dirty="0"/>
+          </a:p>
+        </p:txBody>
+      </p:sp>
+      <p:sp>
+        <p:nvSpPr>
+          <p:cNvPr id="4" name="Slide Number Placeholder 3"/>
+          <p:cNvSpPr>
+            <a:spLocks noGrp="1"/>
+          </p:cNvSpPr>
+          <p:nvPr>
+            <p:ph type="sldNum" sz="quarter" idx="12"/>
+          </p:nvPr>
+        </p:nvSpPr>
+        <p:spPr/>
+        <p:txBody>
+          <a:bodyPr/>
+          <a:lstStyle/>
+          <a:p>
+            <a:fld id="{727B4C2D-45E2-4621-8491-2995EB46A674}" type="slidenum">
+              <a:rPr lang="en-US" smtClean="0"/>
+              <a:pPr/>
+              <a:t>11</a:t>
+            </a:fld>
             <a:endParaRPr lang="en-US" dirty="0"/>
           </a:p>
         </p:txBody>
@@ -17206,7 +15933,7 @@
     </p:spTree>
     <p:extLst>
       <p:ext uri="{BB962C8B-B14F-4D97-AF65-F5344CB8AC3E}">
-        <p14:creationId xmlns:p14="http://schemas.microsoft.com/office/powerpoint/2010/main" val="3974773602"/>
+        <p14:creationId xmlns:p14="http://schemas.microsoft.com/office/powerpoint/2010/main" val="306890160"/>
       </p:ext>
     </p:extLst>
   </p:cSld>
@@ -17245,12 +15972,12 @@
       </p:grpSpPr>
       <p:sp>
         <p:nvSpPr>
-          <p:cNvPr id="4" name="Title 3"/>
-          <p:cNvSpPr>
-            <a:spLocks noGrp="1"/>
-          </p:cNvSpPr>
-          <p:nvPr>
-            <p:ph type="ctrTitle"/>
+          <p:cNvPr id="4" name="Subtitle 3"/>
+          <p:cNvSpPr>
+            <a:spLocks noGrp="1"/>
+          </p:cNvSpPr>
+          <p:nvPr>
+            <p:ph type="subTitle" idx="1"/>
           </p:nvPr>
         </p:nvSpPr>
         <p:spPr/>
@@ -17260,7 +15987,11 @@
           <a:p>
             <a:r>
               <a:rPr lang="en-US" dirty="0" smtClean="0"/>
-              <a:t>Programming in C#</a:t>
+              <a:t>Creating a </a:t>
+            </a:r>
+            <a:r>
+              <a:rPr lang="en-US" dirty="0" smtClean="0"/>
+              <a:t>SharePoint-Hosted App</a:t>
             </a:r>
             <a:endParaRPr lang="en-US" dirty="0"/>
           </a:p>
@@ -17268,12 +15999,12 @@
       </p:sp>
       <p:sp>
         <p:nvSpPr>
-          <p:cNvPr id="9" name="Subtitle 4"/>
-          <p:cNvSpPr>
-            <a:spLocks noGrp="1"/>
-          </p:cNvSpPr>
-          <p:nvPr>
-            <p:ph type="subTitle" idx="1"/>
+          <p:cNvPr id="2" name="Text Placeholder 1"/>
+          <p:cNvSpPr>
+            <a:spLocks noGrp="1"/>
+          </p:cNvSpPr>
+          <p:nvPr>
+            <p:ph type="body" sz="quarter" idx="10"/>
           </p:nvPr>
         </p:nvSpPr>
         <p:spPr/>
@@ -17281,7 +16012,13 @@
           <a:bodyPr/>
           <a:lstStyle/>
           <a:p>
-            <a:pPr lvl="0"/>
+            <a:pPr marL="0" indent="0">
+              <a:buNone/>
+            </a:pPr>
+            <a:r>
+              <a:rPr lang="en-US" dirty="0" smtClean="0"/>
+              <a:t>demo</a:t>
+            </a:r>
             <a:endParaRPr lang="en-US" dirty="0"/>
           </a:p>
         </p:txBody>
@@ -17289,7 +16026,7 @@
     </p:spTree>
     <p:extLst>
       <p:ext uri="{BB962C8B-B14F-4D97-AF65-F5344CB8AC3E}">
-        <p14:creationId xmlns:p14="http://schemas.microsoft.com/office/powerpoint/2010/main" val="1268031970"/>
+        <p14:creationId xmlns:p14="http://schemas.microsoft.com/office/powerpoint/2010/main" val="3974773602"/>
       </p:ext>
     </p:extLst>
   </p:cSld>
@@ -17328,67 +16065,22 @@
       </p:grpSpPr>
       <p:sp>
         <p:nvSpPr>
-          <p:cNvPr id="2" name="Text Placeholder 1"/>
-          <p:cNvSpPr>
-            <a:spLocks noGrp="1"/>
-          </p:cNvSpPr>
-          <p:nvPr>
-            <p:ph type="body" sz="quarter" idx="10"/>
-          </p:nvPr>
-        </p:nvSpPr>
-        <p:spPr>
-          <a:xfrm>
-            <a:off x="519112" y="1447798"/>
-            <a:ext cx="11149013" cy="4380245"/>
-          </a:xfrm>
-        </p:spPr>
+          <p:cNvPr id="4" name="Title 3"/>
+          <p:cNvSpPr>
+            <a:spLocks noGrp="1"/>
+          </p:cNvSpPr>
+          <p:nvPr>
+            <p:ph type="ctrTitle"/>
+          </p:nvPr>
+        </p:nvSpPr>
+        <p:spPr/>
         <p:txBody>
           <a:bodyPr/>
           <a:lstStyle/>
           <a:p>
             <a:r>
               <a:rPr lang="en-US" dirty="0" smtClean="0"/>
-              <a:t>Checks for valid Context Token</a:t>
-            </a:r>
-          </a:p>
-          <a:p>
-            <a:pPr lvl="1"/>
-            <a:r>
-              <a:rPr lang="en-US" dirty="0" smtClean="0"/>
-              <a:t>Redirects if it does not exist</a:t>
-            </a:r>
-          </a:p>
-          <a:p>
-            <a:r>
-              <a:rPr lang="en-US" dirty="0" smtClean="0"/>
-              <a:t>Simplifies the management of context</a:t>
-            </a:r>
-          </a:p>
-          <a:p>
-            <a:pPr lvl="1"/>
-            <a:r>
-              <a:rPr lang="en-US" dirty="0" smtClean="0"/>
-              <a:t>Provides an ACS or STS context</a:t>
-            </a:r>
-          </a:p>
-          <a:p>
-            <a:pPr lvl="1"/>
-            <a:r>
-              <a:rPr lang="en-US" dirty="0" smtClean="0"/>
-              <a:t>Context exposes properties for key values like Host Web URL</a:t>
-            </a:r>
-          </a:p>
-          <a:p>
-            <a:r>
-              <a:rPr lang="en-US" dirty="0" smtClean="0"/>
-              <a:t>Simplifies the management of tokens</a:t>
-            </a:r>
-          </a:p>
-          <a:p>
-            <a:pPr lvl="1"/>
-            <a:r>
-              <a:rPr lang="en-US" dirty="0" smtClean="0"/>
-              <a:t>Context exposes methods to retrieve tokens</a:t>
+              <a:t>Programming in JavaScript</a:t>
             </a:r>
             <a:endParaRPr lang="en-US" dirty="0"/>
           </a:p>
@@ -17396,12 +16088,12 @@
       </p:sp>
       <p:sp>
         <p:nvSpPr>
-          <p:cNvPr id="3" name="Title 2"/>
-          <p:cNvSpPr>
-            <a:spLocks noGrp="1"/>
-          </p:cNvSpPr>
-          <p:nvPr>
-            <p:ph type="title"/>
+          <p:cNvPr id="9" name="Subtitle 4"/>
+          <p:cNvSpPr>
+            <a:spLocks noGrp="1"/>
+          </p:cNvSpPr>
+          <p:nvPr>
+            <p:ph type="subTitle" idx="1"/>
           </p:nvPr>
         </p:nvSpPr>
         <p:spPr/>
@@ -17409,38 +16101,7 @@
           <a:bodyPr/>
           <a:lstStyle/>
           <a:p>
-            <a:r>
-              <a:rPr lang="en-US" dirty="0" err="1" smtClean="0"/>
-              <a:t>SharePointContextProvider</a:t>
-            </a:r>
-            <a:r>
-              <a:rPr lang="en-US" dirty="0" smtClean="0"/>
-              <a:t> Class</a:t>
-            </a:r>
-            <a:endParaRPr lang="en-US" dirty="0"/>
-          </a:p>
-        </p:txBody>
-      </p:sp>
-      <p:sp>
-        <p:nvSpPr>
-          <p:cNvPr id="4" name="Slide Number Placeholder 3"/>
-          <p:cNvSpPr>
-            <a:spLocks noGrp="1"/>
-          </p:cNvSpPr>
-          <p:nvPr>
-            <p:ph type="sldNum" sz="quarter" idx="12"/>
-          </p:nvPr>
-        </p:nvSpPr>
-        <p:spPr/>
-        <p:txBody>
-          <a:bodyPr/>
-          <a:lstStyle/>
-          <a:p>
-            <a:fld id="{727B4C2D-45E2-4621-8491-2995EB46A674}" type="slidenum">
-              <a:rPr lang="en-US" smtClean="0"/>
-              <a:pPr/>
-              <a:t>13</a:t>
-            </a:fld>
+            <a:pPr lvl="0"/>
             <a:endParaRPr lang="en-US" dirty="0"/>
           </a:p>
         </p:txBody>
@@ -17448,7 +16109,7 @@
     </p:spTree>
     <p:extLst>
       <p:ext uri="{BB962C8B-B14F-4D97-AF65-F5344CB8AC3E}">
-        <p14:creationId xmlns:p14="http://schemas.microsoft.com/office/powerpoint/2010/main" val="3623862502"/>
+        <p14:creationId xmlns:p14="http://schemas.microsoft.com/office/powerpoint/2010/main" val="4022113090"/>
       </p:ext>
     </p:extLst>
   </p:cSld>
@@ -17487,22 +16148,46 @@
       </p:grpSpPr>
       <p:sp>
         <p:nvSpPr>
-          <p:cNvPr id="2" name="Title 1"/>
-          <p:cNvSpPr>
-            <a:spLocks noGrp="1"/>
-          </p:cNvSpPr>
-          <p:nvPr>
-            <p:ph type="title"/>
-          </p:nvPr>
-        </p:nvSpPr>
-        <p:spPr/>
+          <p:cNvPr id="2" name="Text Placeholder 1"/>
+          <p:cNvSpPr>
+            <a:spLocks noGrp="1"/>
+          </p:cNvSpPr>
+          <p:nvPr>
+            <p:ph type="body" sz="quarter" idx="10"/>
+          </p:nvPr>
+        </p:nvSpPr>
+        <p:spPr>
+          <a:xfrm>
+            <a:off x="519112" y="1447799"/>
+            <a:ext cx="11149013" cy="4377268"/>
+          </a:xfrm>
+        </p:spPr>
         <p:txBody>
           <a:bodyPr/>
           <a:lstStyle/>
           <a:p>
+            <a:endParaRPr lang="en-US"/>
+          </a:p>
+        </p:txBody>
+      </p:sp>
+      <p:sp>
+        <p:nvSpPr>
+          <p:cNvPr id="3" name="Title 2"/>
+          <p:cNvSpPr>
+            <a:spLocks noGrp="1"/>
+          </p:cNvSpPr>
+          <p:nvPr>
+            <p:ph type="title"/>
+          </p:nvPr>
+        </p:nvSpPr>
+        <p:spPr/>
+        <p:txBody>
+          <a:bodyPr/>
+          <a:lstStyle/>
+          <a:p>
             <a:r>
               <a:rPr lang="en-US" dirty="0" smtClean="0"/>
-              <a:t>Validating Context Token</a:t>
+              <a:t>Using the REST API</a:t>
             </a:r>
             <a:endParaRPr lang="en-US" dirty="0"/>
           </a:p>
@@ -17510,7 +16195,7 @@
       </p:sp>
       <p:sp>
         <p:nvSpPr>
-          <p:cNvPr id="3" name="Slide Number Placeholder 2"/>
+          <p:cNvPr id="4" name="Slide Number Placeholder 3"/>
           <p:cNvSpPr>
             <a:spLocks noGrp="1"/>
           </p:cNvSpPr>
@@ -17532,146 +16217,10 @@
           </a:p>
         </p:txBody>
       </p:sp>
-      <p:pic>
-        <p:nvPicPr>
-          <p:cNvPr id="6" name="Picture 5"/>
-          <p:cNvPicPr>
-            <a:picLocks noChangeAspect="1"/>
-          </p:cNvPicPr>
-          <p:nvPr/>
-        </p:nvPicPr>
-        <p:blipFill>
-          <a:blip r:embed="rId3">
-            <a:extLst>
-              <a:ext uri="{28A0092B-C50C-407E-A947-70E740481C1C}">
-                <a14:useLocalDpi xmlns:a14="http://schemas.microsoft.com/office/drawing/2010/main" val="0"/>
-              </a:ext>
-            </a:extLst>
-          </a:blip>
-          <a:stretch>
-            <a:fillRect/>
-          </a:stretch>
-        </p:blipFill>
-        <p:spPr>
-          <a:xfrm>
-            <a:off x="519112" y="1763064"/>
-            <a:ext cx="6858594" cy="2667231"/>
-          </a:xfrm>
-          <a:prstGeom prst="rect">
-            <a:avLst/>
-          </a:prstGeom>
-          <a:ln>
-            <a:solidFill>
-              <a:schemeClr val="tx1"/>
-            </a:solidFill>
-          </a:ln>
-        </p:spPr>
-      </p:pic>
-      <p:sp>
-        <p:nvSpPr>
-          <p:cNvPr id="9" name="TextBox 8"/>
-          <p:cNvSpPr txBox="1"/>
-          <p:nvPr/>
-        </p:nvSpPr>
-        <p:spPr>
-          <a:xfrm>
-            <a:off x="5874036" y="1341880"/>
-            <a:ext cx="1458156" cy="369332"/>
-          </a:xfrm>
-          <a:prstGeom prst="rect">
-            <a:avLst/>
-          </a:prstGeom>
-          <a:noFill/>
-        </p:spPr>
-        <p:txBody>
-          <a:bodyPr wrap="none" lIns="0" tIns="0" rIns="0" bIns="0" rtlCol="0">
-            <a:spAutoFit/>
-          </a:bodyPr>
-          <a:lstStyle/>
-          <a:p>
-            <a:r>
-              <a:rPr lang="en-US" sz="2400" spc="-70" dirty="0" smtClean="0">
-                <a:solidFill>
-                  <a:srgbClr val="C00000"/>
-                </a:solidFill>
-              </a:rPr>
-              <a:t>Web Forms</a:t>
-            </a:r>
-          </a:p>
-        </p:txBody>
-      </p:sp>
-      <p:sp>
-        <p:nvSpPr>
-          <p:cNvPr id="10" name="TextBox 9"/>
-          <p:cNvSpPr txBox="1"/>
-          <p:nvPr/>
-        </p:nvSpPr>
-        <p:spPr>
-          <a:xfrm>
-            <a:off x="6474650" y="4708735"/>
-            <a:ext cx="857542" cy="369332"/>
-          </a:xfrm>
-          <a:prstGeom prst="rect">
-            <a:avLst/>
-          </a:prstGeom>
-          <a:noFill/>
-        </p:spPr>
-        <p:txBody>
-          <a:bodyPr wrap="none" lIns="0" tIns="0" rIns="0" bIns="0" rtlCol="0">
-            <a:spAutoFit/>
-          </a:bodyPr>
-          <a:lstStyle/>
-          <a:p>
-            <a:r>
-              <a:rPr lang="en-US" sz="2400" spc="-70" dirty="0" smtClean="0">
-                <a:solidFill>
-                  <a:srgbClr val="C00000"/>
-                </a:solidFill>
-              </a:rPr>
-              <a:t>MVC 5</a:t>
-            </a:r>
-          </a:p>
-        </p:txBody>
-      </p:sp>
-      <p:pic>
-        <p:nvPicPr>
-          <p:cNvPr id="11" name="Picture 10"/>
-          <p:cNvPicPr>
-            <a:picLocks noChangeAspect="1"/>
-          </p:cNvPicPr>
-          <p:nvPr/>
-        </p:nvPicPr>
-        <p:blipFill>
-          <a:blip r:embed="rId4">
-            <a:extLst>
-              <a:ext uri="{28A0092B-C50C-407E-A947-70E740481C1C}">
-                <a14:useLocalDpi xmlns:a14="http://schemas.microsoft.com/office/drawing/2010/main" val="0"/>
-              </a:ext>
-            </a:extLst>
-          </a:blip>
-          <a:stretch>
-            <a:fillRect/>
-          </a:stretch>
-        </p:blipFill>
-        <p:spPr>
-          <a:xfrm>
-            <a:off x="1982488" y="5104452"/>
-            <a:ext cx="5349704" cy="929721"/>
-          </a:xfrm>
-          <a:prstGeom prst="rect">
-            <a:avLst/>
-          </a:prstGeom>
-          <a:ln>
-            <a:solidFill>
-              <a:schemeClr val="tx1"/>
-            </a:solidFill>
-          </a:ln>
-        </p:spPr>
-      </p:pic>
     </p:spTree>
     <p:extLst>
       <p:ext uri="{BB962C8B-B14F-4D97-AF65-F5344CB8AC3E}">
-        <p14:creationId xmlns:p14="http://schemas.microsoft.com/office/powerpoint/2010/main" val="3016886186"/>
+        <p14:creationId xmlns:p14="http://schemas.microsoft.com/office/powerpoint/2010/main" val="2711992107"/>
       </p:ext>
     </p:extLst>
   </p:cSld>
@@ -17681,13 +16230,6 @@
   <p:transition>
     <p:fade/>
   </p:transition>
-  <p:timing>
-    <p:tnLst>
-      <p:par>
-        <p:cTn id="1" dur="indefinite" restart="never" nodeType="tmRoot"/>
-      </p:par>
-    </p:tnLst>
-  </p:timing>
 </p:sld>
 </file>
 
@@ -17718,105 +16260,12 @@
             <p:ph type="body" sz="quarter" idx="10"/>
           </p:nvPr>
         </p:nvSpPr>
-        <p:spPr>
-          <a:xfrm>
-            <a:off x="519112" y="1447798"/>
-            <a:ext cx="11149013" cy="4330003"/>
-          </a:xfrm>
-        </p:spPr>
+        <p:spPr/>
         <p:txBody>
           <a:bodyPr/>
           <a:lstStyle/>
           <a:p>
-            <a:r>
-              <a:rPr lang="en-US" dirty="0" err="1" smtClean="0"/>
-              <a:t>SharePointContextProvider</a:t>
-            </a:r>
-            <a:r>
-              <a:rPr lang="en-US" dirty="0" smtClean="0"/>
-              <a:t> </a:t>
-            </a:r>
-            <a:r>
-              <a:rPr lang="en-US" dirty="0" err="1" smtClean="0"/>
-              <a:t>GetSharePointContext</a:t>
-            </a:r>
-            <a:endParaRPr lang="en-US" dirty="0" smtClean="0"/>
-          </a:p>
-          <a:p>
-            <a:pPr lvl="1"/>
-            <a:r>
-              <a:rPr lang="en-US" dirty="0" smtClean="0"/>
-              <a:t>Returns </a:t>
-            </a:r>
-            <a:r>
-              <a:rPr lang="en-US" dirty="0" err="1" smtClean="0"/>
-              <a:t>SharePointAcsContext</a:t>
-            </a:r>
-            <a:r>
-              <a:rPr lang="en-US" dirty="0" smtClean="0"/>
-              <a:t> in cloud</a:t>
-            </a:r>
-          </a:p>
-          <a:p>
-            <a:pPr lvl="1"/>
-            <a:r>
-              <a:rPr lang="en-US" dirty="0" smtClean="0"/>
-              <a:t>Returns </a:t>
-            </a:r>
-            <a:r>
-              <a:rPr lang="en-US" dirty="0" err="1" smtClean="0"/>
-              <a:t>SharePointHighTrustContext</a:t>
-            </a:r>
-            <a:r>
-              <a:rPr lang="en-US" dirty="0" smtClean="0"/>
-              <a:t> on premises</a:t>
-            </a:r>
-          </a:p>
-          <a:p>
-            <a:r>
-              <a:rPr lang="en-US" dirty="0" smtClean="0"/>
-              <a:t>Properties</a:t>
-            </a:r>
-          </a:p>
-          <a:p>
-            <a:pPr lvl="1"/>
-            <a:r>
-              <a:rPr lang="en-US" dirty="0" err="1" smtClean="0"/>
-              <a:t>SPAppWebUrl</a:t>
-            </a:r>
-            <a:endParaRPr lang="en-US" dirty="0" smtClean="0"/>
-          </a:p>
-          <a:p>
-            <a:pPr lvl="1"/>
-            <a:r>
-              <a:rPr lang="en-US" dirty="0" err="1" smtClean="0"/>
-              <a:t>SPClientTag</a:t>
-            </a:r>
-            <a:endParaRPr lang="en-US" dirty="0" smtClean="0"/>
-          </a:p>
-          <a:p>
-            <a:pPr lvl="1"/>
-            <a:r>
-              <a:rPr lang="en-US" dirty="0" err="1" smtClean="0"/>
-              <a:t>SPHostUrl</a:t>
-            </a:r>
-            <a:endParaRPr lang="en-US" dirty="0" smtClean="0"/>
-          </a:p>
-          <a:p>
-            <a:pPr lvl="1"/>
-            <a:r>
-              <a:rPr lang="en-US" dirty="0" err="1" smtClean="0"/>
-              <a:t>SPLanguage</a:t>
-            </a:r>
-            <a:endParaRPr lang="en-US" dirty="0" smtClean="0"/>
-          </a:p>
-          <a:p>
-            <a:pPr lvl="1"/>
-            <a:r>
-              <a:rPr lang="en-US" dirty="0" err="1" smtClean="0"/>
-              <a:t>SPProductNumber</a:t>
-            </a:r>
-            <a:endParaRPr lang="en-US" dirty="0"/>
+            <a:endParaRPr lang="en-US"/>
           </a:p>
         </p:txBody>
       </p:sp>
@@ -17837,7 +16286,7 @@
           <a:p>
             <a:r>
               <a:rPr lang="en-US" dirty="0" smtClean="0"/>
-              <a:t>Managing SharePoint Context</a:t>
+              <a:t>Using the CSOM API</a:t>
             </a:r>
             <a:endParaRPr lang="en-US" dirty="0"/>
           </a:p>
@@ -17870,7 +16319,7 @@
     </p:spTree>
     <p:extLst>
       <p:ext uri="{BB962C8B-B14F-4D97-AF65-F5344CB8AC3E}">
-        <p14:creationId xmlns:p14="http://schemas.microsoft.com/office/powerpoint/2010/main" val="3519928957"/>
+        <p14:creationId xmlns:p14="http://schemas.microsoft.com/office/powerpoint/2010/main" val="2643147986"/>
       </p:ext>
     </p:extLst>
   </p:cSld>
@@ -17880,13 +16329,6 @@
   <p:transition>
     <p:fade/>
   </p:transition>
-  <p:timing>
-    <p:tnLst>
-      <p:par>
-        <p:cTn id="1" dur="indefinite" restart="never" nodeType="tmRoot"/>
-      </p:par>
-    </p:tnLst>
-  </p:timing>
 </p:sld>
 </file>
 
@@ -17920,7 +16362,7 @@
         <p:spPr>
           <a:xfrm>
             <a:off x="519112" y="1447799"/>
-            <a:ext cx="11149013" cy="4762082"/>
+            <a:ext cx="11149013" cy="5171214"/>
           </a:xfrm>
         </p:spPr>
         <p:txBody>
@@ -17929,78 +16371,48 @@
           <a:p>
             <a:r>
               <a:rPr lang="en-US" dirty="0" smtClean="0"/>
-              <a:t>CSOM</a:t>
+              <a:t>Same-domain policy prevents JavaScript from making direct calls to </a:t>
+            </a:r>
+            <a:r>
+              <a:rPr lang="en-US" dirty="0" smtClean="0"/>
+              <a:t>the host web</a:t>
+            </a:r>
+          </a:p>
+          <a:p>
+            <a:r>
+              <a:rPr lang="en-US" dirty="0"/>
+              <a:t>SP.RequestExecutor.js located in LAYOUTS </a:t>
+            </a:r>
+            <a:r>
+              <a:rPr lang="en-US" dirty="0" smtClean="0"/>
+              <a:t>directory</a:t>
             </a:r>
           </a:p>
           <a:p>
             <a:pPr lvl="1"/>
             <a:r>
-              <a:rPr lang="en-US" dirty="0" err="1" smtClean="0"/>
-              <a:t>CreateAppOnlyClientContextForSPAppWeb</a:t>
-            </a:r>
+              <a:rPr lang="en-US" dirty="0" smtClean="0"/>
+              <a:t>Option 1: Reference directly</a:t>
+            </a:r>
+          </a:p>
+          <a:p>
+            <a:pPr lvl="1"/>
+            <a:endParaRPr lang="en-US" dirty="0"/>
+          </a:p>
+          <a:p>
+            <a:pPr lvl="1"/>
             <a:endParaRPr lang="en-US" dirty="0" smtClean="0"/>
           </a:p>
           <a:p>
             <a:pPr lvl="1"/>
             <a:r>
-              <a:rPr lang="en-US" dirty="0" err="1" smtClean="0"/>
-              <a:t>CreateAppOnlyClientContextForSPHost</a:t>
-            </a:r>
+              <a:rPr lang="en-US" dirty="0" smtClean="0"/>
+              <a:t>Option 2: Load dynamically</a:t>
+            </a:r>
+            <a:endParaRPr lang="en-US" dirty="0"/>
+          </a:p>
+          <a:p>
             <a:endParaRPr lang="en-US" dirty="0" smtClean="0"/>
-          </a:p>
-          <a:p>
-            <a:pPr lvl="1"/>
-            <a:r>
-              <a:rPr lang="en-US" dirty="0" err="1" smtClean="0"/>
-              <a:t>CreateUserClientContextForSPAppWeb</a:t>
-            </a:r>
-            <a:endParaRPr lang="en-US" dirty="0" smtClean="0"/>
-          </a:p>
-          <a:p>
-            <a:pPr lvl="1"/>
-            <a:r>
-              <a:rPr lang="en-US" dirty="0" err="1" smtClean="0"/>
-              <a:t>CreateUserClientContextForSPHost</a:t>
-            </a:r>
-            <a:endParaRPr lang="en-US" dirty="0" smtClean="0"/>
-          </a:p>
-          <a:p>
-            <a:r>
-              <a:rPr lang="en-US" dirty="0" smtClean="0"/>
-              <a:t>REST</a:t>
-            </a:r>
-          </a:p>
-          <a:p>
-            <a:pPr lvl="1"/>
-            <a:r>
-              <a:rPr lang="en-US" dirty="0" err="1" smtClean="0"/>
-              <a:t>AppOnlyAccessTokenForSPAppWeb</a:t>
-            </a:r>
-            <a:endParaRPr lang="en-US" dirty="0" smtClean="0"/>
-          </a:p>
-          <a:p>
-            <a:pPr lvl="1"/>
-            <a:r>
-              <a:rPr lang="en-US" dirty="0" err="1" smtClean="0"/>
-              <a:t>AppOnlyAccessTokenForSPHost</a:t>
-            </a:r>
-            <a:endParaRPr lang="en-US" dirty="0" smtClean="0"/>
-          </a:p>
-          <a:p>
-            <a:pPr lvl="1"/>
-            <a:r>
-              <a:rPr lang="en-US" dirty="0" err="1" smtClean="0"/>
-              <a:t>UserAccessTokenForSPAppWeb</a:t>
-            </a:r>
-            <a:endParaRPr lang="en-US" dirty="0" smtClean="0"/>
-          </a:p>
-          <a:p>
-            <a:pPr lvl="1"/>
-            <a:r>
-              <a:rPr lang="en-US" dirty="0" err="1" smtClean="0"/>
-              <a:t>UserAccessTokenForSPHost</a:t>
-            </a:r>
-            <a:endParaRPr lang="en-US" dirty="0"/>
           </a:p>
         </p:txBody>
       </p:sp>
@@ -18021,7 +16433,7 @@
           <a:p>
             <a:r>
               <a:rPr lang="en-US" dirty="0" smtClean="0"/>
-              <a:t>Managing Security Tokens</a:t>
+              <a:t>Cross Domain Library</a:t>
             </a:r>
             <a:endParaRPr lang="en-US" dirty="0"/>
           </a:p>
@@ -18051,10 +16463,70 @@
           </a:p>
         </p:txBody>
       </p:sp>
+      <p:pic>
+        <p:nvPicPr>
+          <p:cNvPr id="5" name="Picture 4"/>
+          <p:cNvPicPr>
+            <a:picLocks noChangeAspect="1"/>
+          </p:cNvPicPr>
+          <p:nvPr/>
+        </p:nvPicPr>
+        <p:blipFill>
+          <a:blip r:embed="rId3">
+            <a:extLst>
+              <a:ext uri="{28A0092B-C50C-407E-A947-70E740481C1C}">
+                <a14:useLocalDpi xmlns:a14="http://schemas.microsoft.com/office/drawing/2010/main" val="0"/>
+              </a:ext>
+            </a:extLst>
+          </a:blip>
+          <a:stretch>
+            <a:fillRect/>
+          </a:stretch>
+        </p:blipFill>
+        <p:spPr>
+          <a:xfrm>
+            <a:off x="943998" y="3705903"/>
+            <a:ext cx="8662846" cy="661675"/>
+          </a:xfrm>
+          <a:prstGeom prst="rect">
+            <a:avLst/>
+          </a:prstGeom>
+        </p:spPr>
+      </p:pic>
+      <p:pic>
+        <p:nvPicPr>
+          <p:cNvPr id="6" name="Picture 5"/>
+          <p:cNvPicPr>
+            <a:picLocks noChangeAspect="1"/>
+          </p:cNvPicPr>
+          <p:nvPr/>
+        </p:nvPicPr>
+        <p:blipFill>
+          <a:blip r:embed="rId4">
+            <a:extLst>
+              <a:ext uri="{28A0092B-C50C-407E-A947-70E740481C1C}">
+                <a14:useLocalDpi xmlns:a14="http://schemas.microsoft.com/office/drawing/2010/main" val="0"/>
+              </a:ext>
+            </a:extLst>
+          </a:blip>
+          <a:stretch>
+            <a:fillRect/>
+          </a:stretch>
+        </p:blipFill>
+        <p:spPr>
+          <a:xfrm>
+            <a:off x="1081386" y="4825399"/>
+            <a:ext cx="7245264" cy="1683886"/>
+          </a:xfrm>
+          <a:prstGeom prst="rect">
+            <a:avLst/>
+          </a:prstGeom>
+        </p:spPr>
+      </p:pic>
     </p:spTree>
     <p:extLst>
       <p:ext uri="{BB962C8B-B14F-4D97-AF65-F5344CB8AC3E}">
-        <p14:creationId xmlns:p14="http://schemas.microsoft.com/office/powerpoint/2010/main" val="3855201056"/>
+        <p14:creationId xmlns:p14="http://schemas.microsoft.com/office/powerpoint/2010/main" val="3156014083"/>
       </p:ext>
     </p:extLst>
   </p:cSld>
@@ -18108,7 +16580,7 @@
           <a:p>
             <a:r>
               <a:rPr lang="en-US" dirty="0" smtClean="0"/>
-              <a:t>Managed CSOM</a:t>
+              <a:t>Cross-Domain Library Architecture</a:t>
             </a:r>
             <a:endParaRPr lang="en-US" dirty="0"/>
           </a:p>
@@ -18133,1232 +16605,6 @@
               <a:rPr lang="en-US" smtClean="0"/>
               <a:pPr/>
               <a:t>17</a:t>
-            </a:fld>
-            <a:endParaRPr lang="en-US" dirty="0"/>
-          </a:p>
-        </p:txBody>
-      </p:sp>
-      <p:pic>
-        <p:nvPicPr>
-          <p:cNvPr id="5" name="Picture 4"/>
-          <p:cNvPicPr>
-            <a:picLocks noChangeAspect="1"/>
-          </p:cNvPicPr>
-          <p:nvPr/>
-        </p:nvPicPr>
-        <p:blipFill>
-          <a:blip r:embed="rId2">
-            <a:extLst>
-              <a:ext uri="{28A0092B-C50C-407E-A947-70E740481C1C}">
-                <a14:useLocalDpi xmlns:a14="http://schemas.microsoft.com/office/drawing/2010/main" val="0"/>
-              </a:ext>
-            </a:extLst>
-          </a:blip>
-          <a:stretch>
-            <a:fillRect/>
-          </a:stretch>
-        </p:blipFill>
-        <p:spPr>
-          <a:xfrm>
-            <a:off x="1081386" y="1283049"/>
-            <a:ext cx="8323871" cy="5116508"/>
-          </a:xfrm>
-          <a:prstGeom prst="rect">
-            <a:avLst/>
-          </a:prstGeom>
-        </p:spPr>
-      </p:pic>
-    </p:spTree>
-    <p:extLst>
-      <p:ext uri="{BB962C8B-B14F-4D97-AF65-F5344CB8AC3E}">
-        <p14:creationId xmlns:p14="http://schemas.microsoft.com/office/powerpoint/2010/main" val="4204991688"/>
-      </p:ext>
-    </p:extLst>
-  </p:cSld>
-  <p:clrMapOvr>
-    <a:masterClrMapping/>
-  </p:clrMapOvr>
-  <p:transition>
-    <p:fade/>
-  </p:transition>
-  <p:timing>
-    <p:tnLst>
-      <p:par>
-        <p:cTn id="1" dur="indefinite" restart="never" nodeType="tmRoot"/>
-      </p:par>
-    </p:tnLst>
-  </p:timing>
-</p:sld>
-</file>
-
-<file path=ppt/slides/slide18.xml><?xml version="1.0" encoding="utf-8"?>
-<p:sld xmlns:a="http://schemas.openxmlformats.org/drawingml/2006/main" xmlns:r="http://schemas.openxmlformats.org/officeDocument/2006/relationships" xmlns:p="http://schemas.openxmlformats.org/presentationml/2006/main">
-  <p:cSld>
-    <p:spTree>
-      <p:nvGrpSpPr>
-        <p:cNvPr id="1" name=""/>
-        <p:cNvGrpSpPr/>
-        <p:nvPr/>
-      </p:nvGrpSpPr>
-      <p:grpSpPr>
-        <a:xfrm>
-          <a:off x="0" y="0"/>
-          <a:ext cx="0" cy="0"/>
-          <a:chOff x="0" y="0"/>
-          <a:chExt cx="0" cy="0"/>
-        </a:xfrm>
-      </p:grpSpPr>
-      <p:sp>
-        <p:nvSpPr>
-          <p:cNvPr id="2" name="Title 1"/>
-          <p:cNvSpPr>
-            <a:spLocks noGrp="1"/>
-          </p:cNvSpPr>
-          <p:nvPr>
-            <p:ph type="title"/>
-          </p:nvPr>
-        </p:nvSpPr>
-        <p:spPr/>
-        <p:txBody>
-          <a:bodyPr/>
-          <a:lstStyle/>
-          <a:p>
-            <a:r>
-              <a:rPr lang="en-US" dirty="0" smtClean="0"/>
-              <a:t>Managed REST</a:t>
-            </a:r>
-            <a:endParaRPr lang="en-US" dirty="0"/>
-          </a:p>
-        </p:txBody>
-      </p:sp>
-      <p:sp>
-        <p:nvSpPr>
-          <p:cNvPr id="3" name="Slide Number Placeholder 2"/>
-          <p:cNvSpPr>
-            <a:spLocks noGrp="1"/>
-          </p:cNvSpPr>
-          <p:nvPr>
-            <p:ph type="sldNum" sz="quarter" idx="12"/>
-          </p:nvPr>
-        </p:nvSpPr>
-        <p:spPr/>
-        <p:txBody>
-          <a:bodyPr/>
-          <a:lstStyle/>
-          <a:p>
-            <a:fld id="{727B4C2D-45E2-4621-8491-2995EB46A674}" type="slidenum">
-              <a:rPr lang="en-US" smtClean="0"/>
-              <a:pPr/>
-              <a:t>18</a:t>
-            </a:fld>
-            <a:endParaRPr lang="en-US" dirty="0"/>
-          </a:p>
-        </p:txBody>
-      </p:sp>
-      <p:pic>
-        <p:nvPicPr>
-          <p:cNvPr id="5" name="Picture 4"/>
-          <p:cNvPicPr>
-            <a:picLocks noChangeAspect="1"/>
-          </p:cNvPicPr>
-          <p:nvPr/>
-        </p:nvPicPr>
-        <p:blipFill>
-          <a:blip r:embed="rId3">
-            <a:extLst>
-              <a:ext uri="{28A0092B-C50C-407E-A947-70E740481C1C}">
-                <a14:useLocalDpi xmlns:a14="http://schemas.microsoft.com/office/drawing/2010/main" val="0"/>
-              </a:ext>
-            </a:extLst>
-          </a:blip>
-          <a:stretch>
-            <a:fillRect/>
-          </a:stretch>
-        </p:blipFill>
-        <p:spPr>
-          <a:xfrm>
-            <a:off x="922078" y="1648607"/>
-            <a:ext cx="9837220" cy="4029704"/>
-          </a:xfrm>
-          <a:prstGeom prst="rect">
-            <a:avLst/>
-          </a:prstGeom>
-        </p:spPr>
-      </p:pic>
-    </p:spTree>
-    <p:extLst>
-      <p:ext uri="{BB962C8B-B14F-4D97-AF65-F5344CB8AC3E}">
-        <p14:creationId xmlns:p14="http://schemas.microsoft.com/office/powerpoint/2010/main" val="2386450483"/>
-      </p:ext>
-    </p:extLst>
-  </p:cSld>
-  <p:clrMapOvr>
-    <a:masterClrMapping/>
-  </p:clrMapOvr>
-  <p:transition>
-    <p:fade/>
-  </p:transition>
-  <p:timing>
-    <p:tnLst>
-      <p:par>
-        <p:cTn id="1" dur="indefinite" restart="never" nodeType="tmRoot"/>
-      </p:par>
-    </p:tnLst>
-  </p:timing>
-</p:sld>
-</file>
-
-<file path=ppt/slides/slide19.xml><?xml version="1.0" encoding="utf-8"?>
-<p:sld xmlns:a="http://schemas.openxmlformats.org/drawingml/2006/main" xmlns:r="http://schemas.openxmlformats.org/officeDocument/2006/relationships" xmlns:p="http://schemas.openxmlformats.org/presentationml/2006/main">
-  <p:cSld>
-    <p:spTree>
-      <p:nvGrpSpPr>
-        <p:cNvPr id="1" name=""/>
-        <p:cNvGrpSpPr/>
-        <p:nvPr/>
-      </p:nvGrpSpPr>
-      <p:grpSpPr>
-        <a:xfrm>
-          <a:off x="0" y="0"/>
-          <a:ext cx="0" cy="0"/>
-          <a:chOff x="0" y="0"/>
-          <a:chExt cx="0" cy="0"/>
-        </a:xfrm>
-      </p:grpSpPr>
-      <p:sp>
-        <p:nvSpPr>
-          <p:cNvPr id="4" name="Subtitle 3"/>
-          <p:cNvSpPr>
-            <a:spLocks noGrp="1"/>
-          </p:cNvSpPr>
-          <p:nvPr>
-            <p:ph type="subTitle" idx="1"/>
-          </p:nvPr>
-        </p:nvSpPr>
-        <p:spPr/>
-        <p:txBody>
-          <a:bodyPr/>
-          <a:lstStyle/>
-          <a:p>
-            <a:r>
-              <a:rPr lang="en-US" dirty="0" smtClean="0"/>
-              <a:t>C# Code in a Provider-Hosted App</a:t>
-            </a:r>
-            <a:endParaRPr lang="en-US" dirty="0"/>
-          </a:p>
-        </p:txBody>
-      </p:sp>
-      <p:sp>
-        <p:nvSpPr>
-          <p:cNvPr id="2" name="Text Placeholder 1"/>
-          <p:cNvSpPr>
-            <a:spLocks noGrp="1"/>
-          </p:cNvSpPr>
-          <p:nvPr>
-            <p:ph type="body" sz="quarter" idx="10"/>
-          </p:nvPr>
-        </p:nvSpPr>
-        <p:spPr/>
-        <p:txBody>
-          <a:bodyPr/>
-          <a:lstStyle/>
-          <a:p>
-            <a:pPr marL="0" indent="0">
-              <a:buNone/>
-            </a:pPr>
-            <a:r>
-              <a:rPr lang="en-US" dirty="0" smtClean="0"/>
-              <a:t>demo</a:t>
-            </a:r>
-            <a:endParaRPr lang="en-US" dirty="0"/>
-          </a:p>
-        </p:txBody>
-      </p:sp>
-    </p:spTree>
-    <p:extLst>
-      <p:ext uri="{BB962C8B-B14F-4D97-AF65-F5344CB8AC3E}">
-        <p14:creationId xmlns:p14="http://schemas.microsoft.com/office/powerpoint/2010/main" val="3536787970"/>
-      </p:ext>
-    </p:extLst>
-  </p:cSld>
-  <p:clrMapOvr>
-    <a:masterClrMapping/>
-  </p:clrMapOvr>
-  <p:transition>
-    <p:fade/>
-  </p:transition>
-  <p:timing>
-    <p:tnLst>
-      <p:par>
-        <p:cTn id="1" dur="indefinite" restart="never" nodeType="tmRoot"/>
-      </p:par>
-    </p:tnLst>
-  </p:timing>
-</p:sld>
-</file>
-
-<file path=ppt/slides/slide2.xml><?xml version="1.0" encoding="utf-8"?>
-<p:sld xmlns:a="http://schemas.openxmlformats.org/drawingml/2006/main" xmlns:r="http://schemas.openxmlformats.org/officeDocument/2006/relationships" xmlns:p="http://schemas.openxmlformats.org/presentationml/2006/main">
-  <p:cSld>
-    <p:spTree>
-      <p:nvGrpSpPr>
-        <p:cNvPr id="1" name=""/>
-        <p:cNvGrpSpPr/>
-        <p:nvPr/>
-      </p:nvGrpSpPr>
-      <p:grpSpPr>
-        <a:xfrm>
-          <a:off x="0" y="0"/>
-          <a:ext cx="0" cy="0"/>
-          <a:chOff x="0" y="0"/>
-          <a:chExt cx="0" cy="0"/>
-        </a:xfrm>
-      </p:grpSpPr>
-      <p:sp>
-        <p:nvSpPr>
-          <p:cNvPr id="5" name="Title 4"/>
-          <p:cNvSpPr>
-            <a:spLocks noGrp="1"/>
-          </p:cNvSpPr>
-          <p:nvPr>
-            <p:ph type="title"/>
-          </p:nvPr>
-        </p:nvSpPr>
-        <p:spPr/>
-        <p:txBody>
-          <a:bodyPr/>
-          <a:lstStyle/>
-          <a:p>
-            <a:r>
-              <a:rPr lang="en-US" dirty="0" smtClean="0"/>
-              <a:t>Course Agenda</a:t>
-            </a:r>
-            <a:endParaRPr lang="en-US" dirty="0"/>
-          </a:p>
-        </p:txBody>
-      </p:sp>
-      <p:graphicFrame>
-        <p:nvGraphicFramePr>
-          <p:cNvPr id="10" name="Content Placeholder 9"/>
-          <p:cNvGraphicFramePr>
-            <a:graphicFrameLocks noGrp="1"/>
-          </p:cNvGraphicFramePr>
-          <p:nvPr>
-            <p:ph sz="quarter" idx="10"/>
-            <p:extLst>
-              <p:ext uri="{D42A27DB-BD31-4B8C-83A1-F6EECF244321}">
-                <p14:modId xmlns:p14="http://schemas.microsoft.com/office/powerpoint/2010/main" val="1045235148"/>
-              </p:ext>
-            </p:extLst>
-          </p:nvPr>
-        </p:nvGraphicFramePr>
-        <p:xfrm>
-          <a:off x="438838" y="1244303"/>
-          <a:ext cx="11225057" cy="4087289"/>
-        </p:xfrm>
-        <a:graphic>
-          <a:graphicData uri="http://schemas.openxmlformats.org/drawingml/2006/table">
-            <a:tbl>
-              <a:tblPr firstRow="1" bandRow="1">
-                <a:tableStyleId>{5C22544A-7EE6-4342-B048-85BDC9FD1C3A}</a:tableStyleId>
-              </a:tblPr>
-              <a:tblGrid>
-                <a:gridCol w="11225057">
-                  <a:extLst>
-                    <a:ext uri="{9D8B030D-6E8A-4147-A177-3AD203B41FA5}">
-                      <a16:colId xmlns="" xmlns:a16="http://schemas.microsoft.com/office/drawing/2014/main" val="1253488153"/>
-                    </a:ext>
-                  </a:extLst>
-                </a:gridCol>
-              </a:tblGrid>
-              <a:tr h="1047037">
-                <a:tc>
-                  <a:txBody>
-                    <a:bodyPr/>
-                    <a:lstStyle/>
-                    <a:p>
-                      <a:r>
-                        <a:rPr lang="en-US" sz="2400" dirty="0" smtClean="0"/>
-                        <a:t>Introduction</a:t>
-                      </a:r>
-                      <a:r>
-                        <a:rPr lang="en-US" sz="2400" baseline="0" dirty="0" smtClean="0"/>
-                        <a:t> to </a:t>
-                      </a:r>
-                      <a:r>
-                        <a:rPr lang="en-US" sz="2400" dirty="0" smtClean="0"/>
-                        <a:t>Office 365 Development</a:t>
-                      </a:r>
-                      <a:endParaRPr lang="en-US" sz="2400" dirty="0"/>
-                    </a:p>
-                  </a:txBody>
-                  <a:tcPr marL="91403" marR="91403" marT="45701" marB="45701" anchor="ctr"/>
-                </a:tc>
-                <a:extLst>
-                  <a:ext uri="{0D108BD9-81ED-4DB2-BD59-A6C34878D82A}">
-                    <a16:rowId xmlns="" xmlns:a16="http://schemas.microsoft.com/office/drawing/2014/main" val="829859176"/>
-                  </a:ext>
-                </a:extLst>
-              </a:tr>
-              <a:tr h="360260">
-                <a:tc>
-                  <a:txBody>
-                    <a:bodyPr/>
-                    <a:lstStyle/>
-                    <a:p>
-                      <a:r>
-                        <a:rPr lang="en-US" sz="1800" b="0" dirty="0" smtClean="0"/>
-                        <a:t>Module 1: Deep Dive Apps for Office in Outlook</a:t>
-                      </a:r>
-                      <a:endParaRPr lang="en-US" sz="1800" b="0" baseline="0" dirty="0" smtClean="0"/>
-                    </a:p>
-                  </a:txBody>
-                  <a:tcPr marL="91403" marR="91403" marT="45701" marB="45701" anchor="ctr"/>
-                </a:tc>
-                <a:extLst>
-                  <a:ext uri="{0D108BD9-81ED-4DB2-BD59-A6C34878D82A}">
-                    <a16:rowId xmlns="" xmlns:a16="http://schemas.microsoft.com/office/drawing/2014/main" val="1946132611"/>
-                  </a:ext>
-                </a:extLst>
-              </a:tr>
-              <a:tr h="360260">
-                <a:tc>
-                  <a:txBody>
-                    <a:bodyPr/>
-                    <a:lstStyle/>
-                    <a:p>
-                      <a:pPr marL="0" marR="0" indent="0" algn="l" defTabSz="932559" rtl="0" eaLnBrk="1" fontAlgn="auto" latinLnBrk="0" hangingPunct="1">
-                        <a:lnSpc>
-                          <a:spcPct val="100000"/>
-                        </a:lnSpc>
-                        <a:spcBef>
-                          <a:spcPts val="0"/>
-                        </a:spcBef>
-                        <a:spcAft>
-                          <a:spcPts val="0"/>
-                        </a:spcAft>
-                        <a:buClrTx/>
-                        <a:buSzTx/>
-                        <a:buFontTx/>
-                        <a:buNone/>
-                        <a:tabLst/>
-                        <a:defRPr/>
-                      </a:pPr>
-                      <a:r>
-                        <a:rPr lang="en-US" sz="1800" b="0" dirty="0" smtClean="0"/>
-                        <a:t>Module 2: Deep Dive Apps for Office in Word</a:t>
-                      </a:r>
-                    </a:p>
-                  </a:txBody>
-                  <a:tcPr marL="91403" marR="91403" marT="45701" marB="45701" anchor="ctr"/>
-                </a:tc>
-                <a:extLst>
-                  <a:ext uri="{0D108BD9-81ED-4DB2-BD59-A6C34878D82A}">
-                    <a16:rowId xmlns="" xmlns:a16="http://schemas.microsoft.com/office/drawing/2014/main" val="3204002662"/>
-                  </a:ext>
-                </a:extLst>
-              </a:tr>
-              <a:tr h="387386">
-                <a:tc>
-                  <a:txBody>
-                    <a:bodyPr/>
-                    <a:lstStyle/>
-                    <a:p>
-                      <a:pPr marL="0" marR="0" indent="0" algn="l" defTabSz="914363" rtl="0" eaLnBrk="1" fontAlgn="auto" latinLnBrk="0" hangingPunct="1">
-                        <a:lnSpc>
-                          <a:spcPct val="100000"/>
-                        </a:lnSpc>
-                        <a:spcBef>
-                          <a:spcPts val="0"/>
-                        </a:spcBef>
-                        <a:spcAft>
-                          <a:spcPts val="0"/>
-                        </a:spcAft>
-                        <a:buClrTx/>
-                        <a:buSzTx/>
-                        <a:buFontTx/>
-                        <a:buNone/>
-                        <a:tabLst/>
-                        <a:defRPr/>
-                      </a:pPr>
-                      <a:r>
-                        <a:rPr lang="en-US" sz="1800" dirty="0" smtClean="0"/>
-                        <a:t>Module 3: </a:t>
-                      </a:r>
-                      <a:r>
-                        <a:rPr lang="en-US" sz="1800" b="0" dirty="0" smtClean="0"/>
-                        <a:t>Deep Dive Apps for Office in PowerPoint</a:t>
-                      </a:r>
-                    </a:p>
-                  </a:txBody>
-                  <a:tcPr marL="91403" marR="91403" marT="45701" marB="45701" anchor="ctr"/>
-                </a:tc>
-                <a:extLst>
-                  <a:ext uri="{0D108BD9-81ED-4DB2-BD59-A6C34878D82A}">
-                    <a16:rowId xmlns="" xmlns:a16="http://schemas.microsoft.com/office/drawing/2014/main" val="4266278162"/>
-                  </a:ext>
-                </a:extLst>
-              </a:tr>
-              <a:tr h="458534">
-                <a:tc>
-                  <a:txBody>
-                    <a:bodyPr/>
-                    <a:lstStyle/>
-                    <a:p>
-                      <a:pPr marL="0" marR="0" indent="0" algn="l" defTabSz="914363" rtl="0" eaLnBrk="1" fontAlgn="auto" latinLnBrk="0" hangingPunct="1">
-                        <a:lnSpc>
-                          <a:spcPct val="100000"/>
-                        </a:lnSpc>
-                        <a:spcBef>
-                          <a:spcPts val="0"/>
-                        </a:spcBef>
-                        <a:spcAft>
-                          <a:spcPts val="0"/>
-                        </a:spcAft>
-                        <a:buClrTx/>
-                        <a:buSzTx/>
-                        <a:buFontTx/>
-                        <a:buNone/>
-                        <a:tabLst/>
-                        <a:defRPr/>
-                      </a:pPr>
-                      <a:r>
-                        <a:rPr lang="en-US" sz="1800" b="0" dirty="0" smtClean="0"/>
-                        <a:t>Module 4: Deep Dive Apps for Office in Excel</a:t>
-                      </a:r>
-                      <a:endParaRPr lang="en-US" sz="1800" b="1" dirty="0" smtClean="0"/>
-                    </a:p>
-                  </a:txBody>
-                  <a:tcPr marL="91403" marR="91403" marT="45701" marB="45701" anchor="ctr"/>
-                </a:tc>
-              </a:tr>
-              <a:tr h="360260">
-                <a:tc>
-                  <a:txBody>
-                    <a:bodyPr/>
-                    <a:lstStyle/>
-                    <a:p>
-                      <a:pPr marL="0" marR="0" indent="0" algn="l" defTabSz="914363" rtl="0" eaLnBrk="1" fontAlgn="auto" latinLnBrk="0" hangingPunct="1">
-                        <a:lnSpc>
-                          <a:spcPct val="100000"/>
-                        </a:lnSpc>
-                        <a:spcBef>
-                          <a:spcPts val="0"/>
-                        </a:spcBef>
-                        <a:spcAft>
-                          <a:spcPts val="0"/>
-                        </a:spcAft>
-                        <a:buClrTx/>
-                        <a:buSzTx/>
-                        <a:buFontTx/>
-                        <a:buNone/>
-                        <a:tabLst/>
-                        <a:defRPr/>
-                      </a:pPr>
-                      <a:r>
-                        <a:rPr lang="en-US" sz="1800" b="0" dirty="0" smtClean="0"/>
-                        <a:t>Module 5:</a:t>
-                      </a:r>
-                      <a:r>
-                        <a:rPr lang="en-US" sz="1800" b="0" baseline="0" dirty="0" smtClean="0"/>
-                        <a:t> Deep Dive into SharePoint Hosted Apps</a:t>
-                      </a:r>
-                      <a:endParaRPr lang="en-US" sz="1800" b="0" dirty="0" smtClean="0"/>
-                    </a:p>
-                  </a:txBody>
-                  <a:tcPr marL="91403" marR="91403" marT="45701" marB="45701" anchor="ctr"/>
-                </a:tc>
-              </a:tr>
-              <a:tr h="304623">
-                <a:tc>
-                  <a:txBody>
-                    <a:bodyPr/>
-                    <a:lstStyle/>
-                    <a:p>
-                      <a:pPr marL="0" marR="0" indent="0" algn="l" defTabSz="914363" rtl="0" eaLnBrk="1" fontAlgn="auto" latinLnBrk="0" hangingPunct="1">
-                        <a:lnSpc>
-                          <a:spcPct val="100000"/>
-                        </a:lnSpc>
-                        <a:spcBef>
-                          <a:spcPts val="0"/>
-                        </a:spcBef>
-                        <a:spcAft>
-                          <a:spcPts val="0"/>
-                        </a:spcAft>
-                        <a:buClrTx/>
-                        <a:buSzTx/>
-                        <a:buFontTx/>
-                        <a:buNone/>
-                        <a:tabLst/>
-                        <a:defRPr/>
-                      </a:pPr>
-                      <a:r>
-                        <a:rPr lang="en-US" sz="1800" b="1" dirty="0" smtClean="0"/>
-                        <a:t>Module 6: Deep Dive into Provider Hosted Apps</a:t>
-                      </a:r>
-                    </a:p>
-                  </a:txBody>
-                  <a:tcPr marL="91403" marR="91403" marT="45701" marB="45701" anchor="ctr"/>
-                </a:tc>
-              </a:tr>
-              <a:tr h="360260">
-                <a:tc>
-                  <a:txBody>
-                    <a:bodyPr/>
-                    <a:lstStyle/>
-                    <a:p>
-                      <a:pPr marL="0" marR="0" indent="0" algn="l" defTabSz="914363" rtl="0" eaLnBrk="1" fontAlgn="auto" latinLnBrk="0" hangingPunct="1">
-                        <a:lnSpc>
-                          <a:spcPct val="100000"/>
-                        </a:lnSpc>
-                        <a:spcBef>
-                          <a:spcPts val="0"/>
-                        </a:spcBef>
-                        <a:spcAft>
-                          <a:spcPts val="0"/>
-                        </a:spcAft>
-                        <a:buClrTx/>
-                        <a:buSzTx/>
-                        <a:buFontTx/>
-                        <a:buNone/>
-                        <a:tabLst/>
-                        <a:defRPr/>
-                      </a:pPr>
-                      <a:r>
-                        <a:rPr lang="en-US" sz="1800" b="0" dirty="0" smtClean="0"/>
-                        <a:t>Module 7: Deep Dive into Security and </a:t>
-                      </a:r>
-                      <a:r>
-                        <a:rPr lang="en-US" sz="1800" b="0" dirty="0" err="1" smtClean="0"/>
-                        <a:t>OAuth</a:t>
-                      </a:r>
-                      <a:endParaRPr lang="en-US" sz="1800" b="0" dirty="0" smtClean="0"/>
-                    </a:p>
-                  </a:txBody>
-                  <a:tcPr marL="91403" marR="91403" marT="45701" marB="45701" anchor="ctr"/>
-                </a:tc>
-              </a:tr>
-              <a:tr h="360260">
-                <a:tc>
-                  <a:txBody>
-                    <a:bodyPr/>
-                    <a:lstStyle/>
-                    <a:p>
-                      <a:pPr marL="0" marR="0" indent="0" algn="l" defTabSz="914363" rtl="0" eaLnBrk="1" fontAlgn="auto" latinLnBrk="0" hangingPunct="1">
-                        <a:lnSpc>
-                          <a:spcPct val="100000"/>
-                        </a:lnSpc>
-                        <a:spcBef>
-                          <a:spcPts val="0"/>
-                        </a:spcBef>
-                        <a:spcAft>
-                          <a:spcPts val="0"/>
-                        </a:spcAft>
-                        <a:buClrTx/>
-                        <a:buSzTx/>
-                        <a:buFontTx/>
-                        <a:buNone/>
-                        <a:tabLst/>
-                        <a:defRPr/>
-                      </a:pPr>
-                      <a:r>
-                        <a:rPr lang="en-US" sz="1800" b="0" dirty="0" smtClean="0"/>
-                        <a:t>Module 8: App Lifecycle Management</a:t>
-                      </a:r>
-                    </a:p>
-                  </a:txBody>
-                  <a:tcPr marL="91403" marR="91403" marT="45701" marB="45701" anchor="ctr"/>
-                </a:tc>
-              </a:tr>
-            </a:tbl>
-          </a:graphicData>
-        </a:graphic>
-      </p:graphicFrame>
-    </p:spTree>
-    <p:extLst>
-      <p:ext uri="{BB962C8B-B14F-4D97-AF65-F5344CB8AC3E}">
-        <p14:creationId xmlns:p14="http://schemas.microsoft.com/office/powerpoint/2010/main" val="2536830214"/>
-      </p:ext>
-    </p:extLst>
-  </p:cSld>
-  <p:clrMapOvr>
-    <a:masterClrMapping/>
-  </p:clrMapOvr>
-  <p:transition>
-    <p:fade/>
-  </p:transition>
-  <p:timing>
-    <p:tnLst>
-      <p:par>
-        <p:cTn id="1" dur="indefinite" restart="never" nodeType="tmRoot"/>
-      </p:par>
-    </p:tnLst>
-  </p:timing>
-</p:sld>
-</file>
-
-<file path=ppt/slides/slide20.xml><?xml version="1.0" encoding="utf-8"?>
-<p:sld xmlns:a="http://schemas.openxmlformats.org/drawingml/2006/main" xmlns:r="http://schemas.openxmlformats.org/officeDocument/2006/relationships" xmlns:p="http://schemas.openxmlformats.org/presentationml/2006/main">
-  <p:cSld>
-    <p:spTree>
-      <p:nvGrpSpPr>
-        <p:cNvPr id="1" name=""/>
-        <p:cNvGrpSpPr/>
-        <p:nvPr/>
-      </p:nvGrpSpPr>
-      <p:grpSpPr>
-        <a:xfrm>
-          <a:off x="0" y="0"/>
-          <a:ext cx="0" cy="0"/>
-          <a:chOff x="0" y="0"/>
-          <a:chExt cx="0" cy="0"/>
-        </a:xfrm>
-      </p:grpSpPr>
-      <p:sp>
-        <p:nvSpPr>
-          <p:cNvPr id="4" name="Title 3"/>
-          <p:cNvSpPr>
-            <a:spLocks noGrp="1"/>
-          </p:cNvSpPr>
-          <p:nvPr>
-            <p:ph type="ctrTitle"/>
-          </p:nvPr>
-        </p:nvSpPr>
-        <p:spPr/>
-        <p:txBody>
-          <a:bodyPr/>
-          <a:lstStyle/>
-          <a:p>
-            <a:r>
-              <a:rPr lang="en-US" dirty="0" smtClean="0"/>
-              <a:t>Programming in JavaScript</a:t>
-            </a:r>
-            <a:endParaRPr lang="en-US" dirty="0"/>
-          </a:p>
-        </p:txBody>
-      </p:sp>
-      <p:sp>
-        <p:nvSpPr>
-          <p:cNvPr id="9" name="Subtitle 4"/>
-          <p:cNvSpPr>
-            <a:spLocks noGrp="1"/>
-          </p:cNvSpPr>
-          <p:nvPr>
-            <p:ph type="subTitle" idx="1"/>
-          </p:nvPr>
-        </p:nvSpPr>
-        <p:spPr/>
-        <p:txBody>
-          <a:bodyPr/>
-          <a:lstStyle/>
-          <a:p>
-            <a:pPr lvl="0"/>
-            <a:endParaRPr lang="en-US" dirty="0"/>
-          </a:p>
-        </p:txBody>
-      </p:sp>
-    </p:spTree>
-    <p:extLst>
-      <p:ext uri="{BB962C8B-B14F-4D97-AF65-F5344CB8AC3E}">
-        <p14:creationId xmlns:p14="http://schemas.microsoft.com/office/powerpoint/2010/main" val="4022113090"/>
-      </p:ext>
-    </p:extLst>
-  </p:cSld>
-  <p:clrMapOvr>
-    <a:masterClrMapping/>
-  </p:clrMapOvr>
-  <p:transition>
-    <p:fade/>
-  </p:transition>
-  <p:timing>
-    <p:tnLst>
-      <p:par>
-        <p:cTn id="1" dur="indefinite" restart="never" nodeType="tmRoot"/>
-      </p:par>
-    </p:tnLst>
-  </p:timing>
-</p:sld>
-</file>
-
-<file path=ppt/slides/slide21.xml><?xml version="1.0" encoding="utf-8"?>
-<p:sld xmlns:a="http://schemas.openxmlformats.org/drawingml/2006/main" xmlns:r="http://schemas.openxmlformats.org/officeDocument/2006/relationships" xmlns:p="http://schemas.openxmlformats.org/presentationml/2006/main">
-  <p:cSld>
-    <p:spTree>
-      <p:nvGrpSpPr>
-        <p:cNvPr id="1" name=""/>
-        <p:cNvGrpSpPr/>
-        <p:nvPr/>
-      </p:nvGrpSpPr>
-      <p:grpSpPr>
-        <a:xfrm>
-          <a:off x="0" y="0"/>
-          <a:ext cx="0" cy="0"/>
-          <a:chOff x="0" y="0"/>
-          <a:chExt cx="0" cy="0"/>
-        </a:xfrm>
-      </p:grpSpPr>
-      <p:sp>
-        <p:nvSpPr>
-          <p:cNvPr id="2" name="Text Placeholder 1"/>
-          <p:cNvSpPr>
-            <a:spLocks noGrp="1"/>
-          </p:cNvSpPr>
-          <p:nvPr>
-            <p:ph type="body" sz="quarter" idx="10"/>
-          </p:nvPr>
-        </p:nvSpPr>
-        <p:spPr>
-          <a:xfrm>
-            <a:off x="519112" y="1447799"/>
-            <a:ext cx="11149013" cy="4400342"/>
-          </a:xfrm>
-        </p:spPr>
-        <p:txBody>
-          <a:bodyPr/>
-          <a:lstStyle/>
-          <a:p>
-            <a:r>
-              <a:rPr lang="en-US" dirty="0" smtClean="0"/>
-              <a:t>SPContext.js Library part of project template</a:t>
-            </a:r>
-          </a:p>
-          <a:p>
-            <a:r>
-              <a:rPr lang="en-US" dirty="0"/>
-              <a:t>Appends </a:t>
-            </a:r>
-            <a:r>
-              <a:rPr lang="en-US" dirty="0" err="1"/>
-              <a:t>SPHostUrl</a:t>
-            </a:r>
-            <a:r>
-              <a:rPr lang="en-US" dirty="0"/>
-              <a:t> as query string to all the links which point to current </a:t>
-            </a:r>
-            <a:r>
-              <a:rPr lang="en-US" dirty="0" smtClean="0"/>
-              <a:t>domain</a:t>
-            </a:r>
-          </a:p>
-          <a:p>
-            <a:endParaRPr lang="en-US" dirty="0"/>
-          </a:p>
-        </p:txBody>
-      </p:sp>
-      <p:sp>
-        <p:nvSpPr>
-          <p:cNvPr id="3" name="Title 2"/>
-          <p:cNvSpPr>
-            <a:spLocks noGrp="1"/>
-          </p:cNvSpPr>
-          <p:nvPr>
-            <p:ph type="title"/>
-          </p:nvPr>
-        </p:nvSpPr>
-        <p:spPr/>
-        <p:txBody>
-          <a:bodyPr/>
-          <a:lstStyle/>
-          <a:p>
-            <a:r>
-              <a:rPr lang="en-US" dirty="0" smtClean="0"/>
-              <a:t>Managing SharePoint Context</a:t>
-            </a:r>
-            <a:endParaRPr lang="en-US" dirty="0"/>
-          </a:p>
-        </p:txBody>
-      </p:sp>
-      <p:sp>
-        <p:nvSpPr>
-          <p:cNvPr id="4" name="Slide Number Placeholder 3"/>
-          <p:cNvSpPr>
-            <a:spLocks noGrp="1"/>
-          </p:cNvSpPr>
-          <p:nvPr>
-            <p:ph type="sldNum" sz="quarter" idx="12"/>
-          </p:nvPr>
-        </p:nvSpPr>
-        <p:spPr/>
-        <p:txBody>
-          <a:bodyPr/>
-          <a:lstStyle/>
-          <a:p>
-            <a:fld id="{727B4C2D-45E2-4621-8491-2995EB46A674}" type="slidenum">
-              <a:rPr lang="en-US" smtClean="0"/>
-              <a:pPr/>
-              <a:t>21</a:t>
-            </a:fld>
-            <a:endParaRPr lang="en-US" dirty="0"/>
-          </a:p>
-        </p:txBody>
-      </p:sp>
-    </p:spTree>
-    <p:extLst>
-      <p:ext uri="{BB962C8B-B14F-4D97-AF65-F5344CB8AC3E}">
-        <p14:creationId xmlns:p14="http://schemas.microsoft.com/office/powerpoint/2010/main" val="1490276436"/>
-      </p:ext>
-    </p:extLst>
-  </p:cSld>
-  <p:clrMapOvr>
-    <a:masterClrMapping/>
-  </p:clrMapOvr>
-  <p:transition>
-    <p:fade/>
-  </p:transition>
-  <p:timing>
-    <p:tnLst>
-      <p:par>
-        <p:cTn id="1" dur="indefinite" restart="never" nodeType="tmRoot"/>
-      </p:par>
-    </p:tnLst>
-  </p:timing>
-</p:sld>
-</file>
-
-<file path=ppt/slides/slide22.xml><?xml version="1.0" encoding="utf-8"?>
-<p:sld xmlns:a="http://schemas.openxmlformats.org/drawingml/2006/main" xmlns:r="http://schemas.openxmlformats.org/officeDocument/2006/relationships" xmlns:p="http://schemas.openxmlformats.org/presentationml/2006/main">
-  <p:cSld>
-    <p:spTree>
-      <p:nvGrpSpPr>
-        <p:cNvPr id="1" name=""/>
-        <p:cNvGrpSpPr/>
-        <p:nvPr/>
-      </p:nvGrpSpPr>
-      <p:grpSpPr>
-        <a:xfrm>
-          <a:off x="0" y="0"/>
-          <a:ext cx="0" cy="0"/>
-          <a:chOff x="0" y="0"/>
-          <a:chExt cx="0" cy="0"/>
-        </a:xfrm>
-      </p:grpSpPr>
-      <p:sp>
-        <p:nvSpPr>
-          <p:cNvPr id="2" name="Text Placeholder 1"/>
-          <p:cNvSpPr>
-            <a:spLocks noGrp="1"/>
-          </p:cNvSpPr>
-          <p:nvPr>
-            <p:ph type="body" sz="quarter" idx="10"/>
-          </p:nvPr>
-        </p:nvSpPr>
-        <p:spPr>
-          <a:xfrm>
-            <a:off x="519112" y="1447799"/>
-            <a:ext cx="11149013" cy="4741986"/>
-          </a:xfrm>
-        </p:spPr>
-        <p:txBody>
-          <a:bodyPr/>
-          <a:lstStyle/>
-          <a:p>
-            <a:r>
-              <a:rPr lang="en-US" dirty="0" smtClean="0"/>
-              <a:t>Same-domain policy prevents JavaScript from making direct calls to either the app web or host web from the remote web</a:t>
-            </a:r>
-          </a:p>
-          <a:p>
-            <a:r>
-              <a:rPr lang="en-US" dirty="0" smtClean="0"/>
-              <a:t>Required to make JavaScript calls to both the </a:t>
-            </a:r>
-            <a:br>
-              <a:rPr lang="en-US" dirty="0" smtClean="0"/>
-            </a:br>
-            <a:r>
-              <a:rPr lang="en-US" dirty="0" smtClean="0"/>
-              <a:t>app web and host web</a:t>
-            </a:r>
-            <a:endParaRPr lang="en-US" dirty="0"/>
-          </a:p>
-        </p:txBody>
-      </p:sp>
-      <p:sp>
-        <p:nvSpPr>
-          <p:cNvPr id="3" name="Title 2"/>
-          <p:cNvSpPr>
-            <a:spLocks noGrp="1"/>
-          </p:cNvSpPr>
-          <p:nvPr>
-            <p:ph type="title"/>
-          </p:nvPr>
-        </p:nvSpPr>
-        <p:spPr/>
-        <p:txBody>
-          <a:bodyPr/>
-          <a:lstStyle/>
-          <a:p>
-            <a:r>
-              <a:rPr lang="en-US" dirty="0" smtClean="0"/>
-              <a:t>Cross Domain Library</a:t>
-            </a:r>
-            <a:endParaRPr lang="en-US" dirty="0"/>
-          </a:p>
-        </p:txBody>
-      </p:sp>
-      <p:sp>
-        <p:nvSpPr>
-          <p:cNvPr id="4" name="Slide Number Placeholder 3"/>
-          <p:cNvSpPr>
-            <a:spLocks noGrp="1"/>
-          </p:cNvSpPr>
-          <p:nvPr>
-            <p:ph type="sldNum" sz="quarter" idx="12"/>
-          </p:nvPr>
-        </p:nvSpPr>
-        <p:spPr/>
-        <p:txBody>
-          <a:bodyPr/>
-          <a:lstStyle/>
-          <a:p>
-            <a:fld id="{727B4C2D-45E2-4621-8491-2995EB46A674}" type="slidenum">
-              <a:rPr lang="en-US" smtClean="0"/>
-              <a:pPr/>
-              <a:t>22</a:t>
-            </a:fld>
-            <a:endParaRPr lang="en-US" dirty="0"/>
-          </a:p>
-        </p:txBody>
-      </p:sp>
-    </p:spTree>
-    <p:extLst>
-      <p:ext uri="{BB962C8B-B14F-4D97-AF65-F5344CB8AC3E}">
-        <p14:creationId xmlns:p14="http://schemas.microsoft.com/office/powerpoint/2010/main" val="3156014083"/>
-      </p:ext>
-    </p:extLst>
-  </p:cSld>
-  <p:clrMapOvr>
-    <a:masterClrMapping/>
-  </p:clrMapOvr>
-  <p:transition>
-    <p:fade/>
-  </p:transition>
-  <p:timing>
-    <p:tnLst>
-      <p:par>
-        <p:cTn id="1" dur="indefinite" restart="never" nodeType="tmRoot"/>
-      </p:par>
-    </p:tnLst>
-  </p:timing>
-</p:sld>
-</file>
-
-<file path=ppt/slides/slide23.xml><?xml version="1.0" encoding="utf-8"?>
-<p:sld xmlns:a="http://schemas.openxmlformats.org/drawingml/2006/main" xmlns:r="http://schemas.openxmlformats.org/officeDocument/2006/relationships" xmlns:p="http://schemas.openxmlformats.org/presentationml/2006/main">
-  <p:cSld>
-    <p:spTree>
-      <p:nvGrpSpPr>
-        <p:cNvPr id="1" name=""/>
-        <p:cNvGrpSpPr/>
-        <p:nvPr/>
-      </p:nvGrpSpPr>
-      <p:grpSpPr>
-        <a:xfrm>
-          <a:off x="0" y="0"/>
-          <a:ext cx="0" cy="0"/>
-          <a:chOff x="0" y="0"/>
-          <a:chExt cx="0" cy="0"/>
-        </a:xfrm>
-      </p:grpSpPr>
-      <p:sp>
-        <p:nvSpPr>
-          <p:cNvPr id="2" name="Text Placeholder 1"/>
-          <p:cNvSpPr>
-            <a:spLocks noGrp="1"/>
-          </p:cNvSpPr>
-          <p:nvPr>
-            <p:ph type="body" sz="quarter" idx="10"/>
-          </p:nvPr>
-        </p:nvSpPr>
-        <p:spPr>
-          <a:xfrm>
-            <a:off x="519112" y="1447799"/>
-            <a:ext cx="11149013" cy="2501204"/>
-          </a:xfrm>
-        </p:spPr>
-        <p:txBody>
-          <a:bodyPr/>
-          <a:lstStyle/>
-          <a:p>
-            <a:r>
-              <a:rPr lang="en-US" dirty="0" smtClean="0"/>
-              <a:t>SP.RequestExecutor.js located in LAYOUTS directory</a:t>
-            </a:r>
-          </a:p>
-          <a:p>
-            <a:r>
-              <a:rPr lang="en-US" dirty="0" smtClean="0"/>
-              <a:t>Option 1: Copy and include directly in your app</a:t>
-            </a:r>
-          </a:p>
-          <a:p>
-            <a:r>
-              <a:rPr lang="en-US" dirty="0" smtClean="0"/>
-              <a:t>Option 2: Load Dynamically using jQuery</a:t>
-            </a:r>
-            <a:endParaRPr lang="en-US" dirty="0"/>
-          </a:p>
-        </p:txBody>
-      </p:sp>
-      <p:sp>
-        <p:nvSpPr>
-          <p:cNvPr id="3" name="Title 2"/>
-          <p:cNvSpPr>
-            <a:spLocks noGrp="1"/>
-          </p:cNvSpPr>
-          <p:nvPr>
-            <p:ph type="title"/>
-          </p:nvPr>
-        </p:nvSpPr>
-        <p:spPr/>
-        <p:txBody>
-          <a:bodyPr/>
-          <a:lstStyle/>
-          <a:p>
-            <a:r>
-              <a:rPr lang="en-US" dirty="0" smtClean="0"/>
-              <a:t>Loading the Cross-Domain Library</a:t>
-            </a:r>
-            <a:endParaRPr lang="en-US" dirty="0"/>
-          </a:p>
-        </p:txBody>
-      </p:sp>
-      <p:sp>
-        <p:nvSpPr>
-          <p:cNvPr id="4" name="Slide Number Placeholder 3"/>
-          <p:cNvSpPr>
-            <a:spLocks noGrp="1"/>
-          </p:cNvSpPr>
-          <p:nvPr>
-            <p:ph type="sldNum" sz="quarter" idx="12"/>
-          </p:nvPr>
-        </p:nvSpPr>
-        <p:spPr/>
-        <p:txBody>
-          <a:bodyPr/>
-          <a:lstStyle/>
-          <a:p>
-            <a:fld id="{727B4C2D-45E2-4621-8491-2995EB46A674}" type="slidenum">
-              <a:rPr lang="en-US" smtClean="0"/>
-              <a:pPr/>
-              <a:t>23</a:t>
-            </a:fld>
-            <a:endParaRPr lang="en-US" dirty="0"/>
-          </a:p>
-        </p:txBody>
-      </p:sp>
-      <p:pic>
-        <p:nvPicPr>
-          <p:cNvPr id="5" name="Picture 4"/>
-          <p:cNvPicPr>
-            <a:picLocks noChangeAspect="1"/>
-          </p:cNvPicPr>
-          <p:nvPr/>
-        </p:nvPicPr>
-        <p:blipFill>
-          <a:blip r:embed="rId2">
-            <a:extLst>
-              <a:ext uri="{28A0092B-C50C-407E-A947-70E740481C1C}">
-                <a14:useLocalDpi xmlns:a14="http://schemas.microsoft.com/office/drawing/2010/main" val="0"/>
-              </a:ext>
-            </a:extLst>
-          </a:blip>
-          <a:stretch>
-            <a:fillRect/>
-          </a:stretch>
-        </p:blipFill>
-        <p:spPr>
-          <a:xfrm>
-            <a:off x="1343120" y="3949002"/>
-            <a:ext cx="8819953" cy="2049863"/>
-          </a:xfrm>
-          <a:prstGeom prst="rect">
-            <a:avLst/>
-          </a:prstGeom>
-        </p:spPr>
-      </p:pic>
-    </p:spTree>
-    <p:extLst>
-      <p:ext uri="{BB962C8B-B14F-4D97-AF65-F5344CB8AC3E}">
-        <p14:creationId xmlns:p14="http://schemas.microsoft.com/office/powerpoint/2010/main" val="428979660"/>
-      </p:ext>
-    </p:extLst>
-  </p:cSld>
-  <p:clrMapOvr>
-    <a:masterClrMapping/>
-  </p:clrMapOvr>
-  <p:transition>
-    <p:fade/>
-  </p:transition>
-  <p:timing>
-    <p:tnLst>
-      <p:par>
-        <p:cTn id="1" dur="indefinite" restart="never" nodeType="tmRoot"/>
-      </p:par>
-    </p:tnLst>
-  </p:timing>
-</p:sld>
-</file>
-
-<file path=ppt/slides/slide24.xml><?xml version="1.0" encoding="utf-8"?>
-<p:sld xmlns:a="http://schemas.openxmlformats.org/drawingml/2006/main" xmlns:r="http://schemas.openxmlformats.org/officeDocument/2006/relationships" xmlns:p="http://schemas.openxmlformats.org/presentationml/2006/main">
-  <p:cSld>
-    <p:spTree>
-      <p:nvGrpSpPr>
-        <p:cNvPr id="1" name=""/>
-        <p:cNvGrpSpPr/>
-        <p:nvPr/>
-      </p:nvGrpSpPr>
-      <p:grpSpPr>
-        <a:xfrm>
-          <a:off x="0" y="0"/>
-          <a:ext cx="0" cy="0"/>
-          <a:chOff x="0" y="0"/>
-          <a:chExt cx="0" cy="0"/>
-        </a:xfrm>
-      </p:grpSpPr>
-      <p:sp>
-        <p:nvSpPr>
-          <p:cNvPr id="2" name="Title 1"/>
-          <p:cNvSpPr>
-            <a:spLocks noGrp="1"/>
-          </p:cNvSpPr>
-          <p:nvPr>
-            <p:ph type="title"/>
-          </p:nvPr>
-        </p:nvSpPr>
-        <p:spPr/>
-        <p:txBody>
-          <a:bodyPr/>
-          <a:lstStyle/>
-          <a:p>
-            <a:r>
-              <a:rPr lang="en-US" dirty="0" smtClean="0"/>
-              <a:t>Cross-Domain Library Architecture</a:t>
-            </a:r>
-            <a:endParaRPr lang="en-US" dirty="0"/>
-          </a:p>
-        </p:txBody>
-      </p:sp>
-      <p:sp>
-        <p:nvSpPr>
-          <p:cNvPr id="3" name="Slide Number Placeholder 2"/>
-          <p:cNvSpPr>
-            <a:spLocks noGrp="1"/>
-          </p:cNvSpPr>
-          <p:nvPr>
-            <p:ph type="sldNum" sz="quarter" idx="12"/>
-          </p:nvPr>
-        </p:nvSpPr>
-        <p:spPr/>
-        <p:txBody>
-          <a:bodyPr/>
-          <a:lstStyle/>
-          <a:p>
-            <a:fld id="{727B4C2D-45E2-4621-8491-2995EB46A674}" type="slidenum">
-              <a:rPr lang="en-US" smtClean="0"/>
-              <a:pPr/>
-              <a:t>24</a:t>
             </a:fld>
             <a:endParaRPr lang="en-US" dirty="0"/>
           </a:p>
@@ -20515,7 +17761,7 @@
 </p:sld>
 </file>
 
-<file path=ppt/slides/slide25.xml><?xml version="1.0" encoding="utf-8"?>
+<file path=ppt/slides/slide18.xml><?xml version="1.0" encoding="utf-8"?>
 <p:sld xmlns:a="http://schemas.openxmlformats.org/drawingml/2006/main" xmlns:r="http://schemas.openxmlformats.org/officeDocument/2006/relationships" xmlns:p="http://schemas.openxmlformats.org/presentationml/2006/main">
   <p:cSld>
     <p:spTree>
@@ -20573,7 +17819,7 @@
             <a:fld id="{727B4C2D-45E2-4621-8491-2995EB46A674}" type="slidenum">
               <a:rPr lang="en-US" smtClean="0"/>
               <a:pPr/>
-              <a:t>25</a:t>
+              <a:t>18</a:t>
             </a:fld>
             <a:endParaRPr lang="en-US" dirty="0"/>
           </a:p>
@@ -20754,7 +18000,7 @@
 </p:sld>
 </file>
 
-<file path=ppt/slides/slide26.xml><?xml version="1.0" encoding="utf-8"?>
+<file path=ppt/slides/slide19.xml><?xml version="1.0" encoding="utf-8"?>
 <p:sld xmlns:a="http://schemas.openxmlformats.org/drawingml/2006/main" xmlns:r="http://schemas.openxmlformats.org/officeDocument/2006/relationships" xmlns:p="http://schemas.openxmlformats.org/presentationml/2006/main">
   <p:cSld>
     <p:spTree>
@@ -20812,7 +18058,7 @@
             <a:fld id="{727B4C2D-45E2-4621-8491-2995EB46A674}" type="slidenum">
               <a:rPr lang="en-US" smtClean="0"/>
               <a:pPr/>
-              <a:t>26</a:t>
+              <a:t>19</a:t>
             </a:fld>
             <a:endParaRPr lang="en-US" dirty="0"/>
           </a:p>
@@ -20993,7 +18239,407 @@
 </p:sld>
 </file>
 
-<file path=ppt/slides/slide27.xml><?xml version="1.0" encoding="utf-8"?>
+<file path=ppt/slides/slide2.xml><?xml version="1.0" encoding="utf-8"?>
+<p:sld xmlns:a="http://schemas.openxmlformats.org/drawingml/2006/main" xmlns:r="http://schemas.openxmlformats.org/officeDocument/2006/relationships" xmlns:p="http://schemas.openxmlformats.org/presentationml/2006/main">
+  <p:cSld>
+    <p:spTree>
+      <p:nvGrpSpPr>
+        <p:cNvPr id="1" name=""/>
+        <p:cNvGrpSpPr/>
+        <p:nvPr/>
+      </p:nvGrpSpPr>
+      <p:grpSpPr>
+        <a:xfrm>
+          <a:off x="0" y="0"/>
+          <a:ext cx="0" cy="0"/>
+          <a:chOff x="0" y="0"/>
+          <a:chExt cx="0" cy="0"/>
+        </a:xfrm>
+      </p:grpSpPr>
+      <p:sp>
+        <p:nvSpPr>
+          <p:cNvPr id="5" name="Title 4"/>
+          <p:cNvSpPr>
+            <a:spLocks noGrp="1"/>
+          </p:cNvSpPr>
+          <p:nvPr>
+            <p:ph type="title"/>
+          </p:nvPr>
+        </p:nvSpPr>
+        <p:spPr/>
+        <p:txBody>
+          <a:bodyPr/>
+          <a:lstStyle/>
+          <a:p>
+            <a:r>
+              <a:rPr lang="en-US" dirty="0" smtClean="0"/>
+              <a:t>Course Agenda</a:t>
+            </a:r>
+            <a:endParaRPr lang="en-US" dirty="0"/>
+          </a:p>
+        </p:txBody>
+      </p:sp>
+      <p:graphicFrame>
+        <p:nvGraphicFramePr>
+          <p:cNvPr id="10" name="Content Placeholder 9"/>
+          <p:cNvGraphicFramePr>
+            <a:graphicFrameLocks noGrp="1"/>
+          </p:cNvGraphicFramePr>
+          <p:nvPr>
+            <p:ph sz="quarter" idx="10"/>
+            <p:extLst>
+              <p:ext uri="{D42A27DB-BD31-4B8C-83A1-F6EECF244321}">
+                <p14:modId xmlns:p14="http://schemas.microsoft.com/office/powerpoint/2010/main" val="963724347"/>
+              </p:ext>
+            </p:extLst>
+          </p:nvPr>
+        </p:nvGraphicFramePr>
+        <p:xfrm>
+          <a:off x="438838" y="1244303"/>
+          <a:ext cx="11225057" cy="4087289"/>
+        </p:xfrm>
+        <a:graphic>
+          <a:graphicData uri="http://schemas.openxmlformats.org/drawingml/2006/table">
+            <a:tbl>
+              <a:tblPr firstRow="1" bandRow="1">
+                <a:tableStyleId>{5C22544A-7EE6-4342-B048-85BDC9FD1C3A}</a:tableStyleId>
+              </a:tblPr>
+              <a:tblGrid>
+                <a:gridCol w="11225057">
+                  <a:extLst>
+                    <a:ext uri="{9D8B030D-6E8A-4147-A177-3AD203B41FA5}">
+                      <a16:colId xmlns:a16="http://schemas.microsoft.com/office/drawing/2014/main" xmlns="" val="1253488153"/>
+                    </a:ext>
+                  </a:extLst>
+                </a:gridCol>
+              </a:tblGrid>
+              <a:tr h="1047037">
+                <a:tc>
+                  <a:txBody>
+                    <a:bodyPr/>
+                    <a:lstStyle/>
+                    <a:p>
+                      <a:r>
+                        <a:rPr lang="en-US" sz="2400" dirty="0" smtClean="0"/>
+                        <a:t>Introduction</a:t>
+                      </a:r>
+                      <a:r>
+                        <a:rPr lang="en-US" sz="2400" baseline="0" dirty="0" smtClean="0"/>
+                        <a:t> to </a:t>
+                      </a:r>
+                      <a:r>
+                        <a:rPr lang="en-US" sz="2400" dirty="0" smtClean="0"/>
+                        <a:t>Office 365 Development</a:t>
+                      </a:r>
+                      <a:endParaRPr lang="en-US" sz="2400" dirty="0"/>
+                    </a:p>
+                  </a:txBody>
+                  <a:tcPr marL="91403" marR="91403" marT="45701" marB="45701" anchor="ctr"/>
+                </a:tc>
+                <a:extLst>
+                  <a:ext uri="{0D108BD9-81ED-4DB2-BD59-A6C34878D82A}">
+                    <a16:rowId xmlns:a16="http://schemas.microsoft.com/office/drawing/2014/main" xmlns="" val="829859176"/>
+                  </a:ext>
+                </a:extLst>
+              </a:tr>
+              <a:tr h="360260">
+                <a:tc>
+                  <a:txBody>
+                    <a:bodyPr/>
+                    <a:lstStyle/>
+                    <a:p>
+                      <a:r>
+                        <a:rPr lang="en-US" sz="1800" b="0" dirty="0" smtClean="0"/>
+                        <a:t>Module 1: Deep Dive Apps for Office in Outlook</a:t>
+                      </a:r>
+                      <a:endParaRPr lang="en-US" sz="1800" b="0" baseline="0" dirty="0" smtClean="0"/>
+                    </a:p>
+                  </a:txBody>
+                  <a:tcPr marL="91403" marR="91403" marT="45701" marB="45701" anchor="ctr"/>
+                </a:tc>
+                <a:extLst>
+                  <a:ext uri="{0D108BD9-81ED-4DB2-BD59-A6C34878D82A}">
+                    <a16:rowId xmlns:a16="http://schemas.microsoft.com/office/drawing/2014/main" xmlns="" val="1946132611"/>
+                  </a:ext>
+                </a:extLst>
+              </a:tr>
+              <a:tr h="360260">
+                <a:tc>
+                  <a:txBody>
+                    <a:bodyPr/>
+                    <a:lstStyle/>
+                    <a:p>
+                      <a:pPr marL="0" marR="0" indent="0" algn="l" defTabSz="932559" rtl="0" eaLnBrk="1" fontAlgn="auto" latinLnBrk="0" hangingPunct="1">
+                        <a:lnSpc>
+                          <a:spcPct val="100000"/>
+                        </a:lnSpc>
+                        <a:spcBef>
+                          <a:spcPts val="0"/>
+                        </a:spcBef>
+                        <a:spcAft>
+                          <a:spcPts val="0"/>
+                        </a:spcAft>
+                        <a:buClrTx/>
+                        <a:buSzTx/>
+                        <a:buFontTx/>
+                        <a:buNone/>
+                        <a:tabLst/>
+                        <a:defRPr/>
+                      </a:pPr>
+                      <a:r>
+                        <a:rPr lang="en-US" sz="1800" b="0" dirty="0" smtClean="0"/>
+                        <a:t>Module 2: Deep Dive Apps for Office in Word</a:t>
+                      </a:r>
+                    </a:p>
+                  </a:txBody>
+                  <a:tcPr marL="91403" marR="91403" marT="45701" marB="45701" anchor="ctr"/>
+                </a:tc>
+                <a:extLst>
+                  <a:ext uri="{0D108BD9-81ED-4DB2-BD59-A6C34878D82A}">
+                    <a16:rowId xmlns:a16="http://schemas.microsoft.com/office/drawing/2014/main" xmlns="" val="3204002662"/>
+                  </a:ext>
+                </a:extLst>
+              </a:tr>
+              <a:tr h="387386">
+                <a:tc>
+                  <a:txBody>
+                    <a:bodyPr/>
+                    <a:lstStyle/>
+                    <a:p>
+                      <a:pPr marL="0" marR="0" indent="0" algn="l" defTabSz="914363" rtl="0" eaLnBrk="1" fontAlgn="auto" latinLnBrk="0" hangingPunct="1">
+                        <a:lnSpc>
+                          <a:spcPct val="100000"/>
+                        </a:lnSpc>
+                        <a:spcBef>
+                          <a:spcPts val="0"/>
+                        </a:spcBef>
+                        <a:spcAft>
+                          <a:spcPts val="0"/>
+                        </a:spcAft>
+                        <a:buClrTx/>
+                        <a:buSzTx/>
+                        <a:buFontTx/>
+                        <a:buNone/>
+                        <a:tabLst/>
+                        <a:defRPr/>
+                      </a:pPr>
+                      <a:r>
+                        <a:rPr lang="en-US" sz="1800" dirty="0" smtClean="0"/>
+                        <a:t>Module 3: </a:t>
+                      </a:r>
+                      <a:r>
+                        <a:rPr lang="en-US" sz="1800" b="0" dirty="0" smtClean="0"/>
+                        <a:t>Deep Dive Apps for Office in PowerPoint</a:t>
+                      </a:r>
+                    </a:p>
+                  </a:txBody>
+                  <a:tcPr marL="91403" marR="91403" marT="45701" marB="45701" anchor="ctr"/>
+                </a:tc>
+                <a:extLst>
+                  <a:ext uri="{0D108BD9-81ED-4DB2-BD59-A6C34878D82A}">
+                    <a16:rowId xmlns:a16="http://schemas.microsoft.com/office/drawing/2014/main" xmlns="" val="4266278162"/>
+                  </a:ext>
+                </a:extLst>
+              </a:tr>
+              <a:tr h="458534">
+                <a:tc>
+                  <a:txBody>
+                    <a:bodyPr/>
+                    <a:lstStyle/>
+                    <a:p>
+                      <a:pPr marL="0" marR="0" indent="0" algn="l" defTabSz="914363" rtl="0" eaLnBrk="1" fontAlgn="auto" latinLnBrk="0" hangingPunct="1">
+                        <a:lnSpc>
+                          <a:spcPct val="100000"/>
+                        </a:lnSpc>
+                        <a:spcBef>
+                          <a:spcPts val="0"/>
+                        </a:spcBef>
+                        <a:spcAft>
+                          <a:spcPts val="0"/>
+                        </a:spcAft>
+                        <a:buClrTx/>
+                        <a:buSzTx/>
+                        <a:buFontTx/>
+                        <a:buNone/>
+                        <a:tabLst/>
+                        <a:defRPr/>
+                      </a:pPr>
+                      <a:r>
+                        <a:rPr lang="en-US" sz="1800" b="0" dirty="0" smtClean="0"/>
+                        <a:t>Module 4: Deep Dive Apps for Office in Excel</a:t>
+                      </a:r>
+                      <a:endParaRPr lang="en-US" sz="1800" b="1" dirty="0" smtClean="0"/>
+                    </a:p>
+                  </a:txBody>
+                  <a:tcPr marL="91403" marR="91403" marT="45701" marB="45701" anchor="ctr"/>
+                </a:tc>
+              </a:tr>
+              <a:tr h="360260">
+                <a:tc>
+                  <a:txBody>
+                    <a:bodyPr/>
+                    <a:lstStyle/>
+                    <a:p>
+                      <a:pPr marL="0" marR="0" indent="0" algn="l" defTabSz="914363" rtl="0" eaLnBrk="1" fontAlgn="auto" latinLnBrk="0" hangingPunct="1">
+                        <a:lnSpc>
+                          <a:spcPct val="100000"/>
+                        </a:lnSpc>
+                        <a:spcBef>
+                          <a:spcPts val="0"/>
+                        </a:spcBef>
+                        <a:spcAft>
+                          <a:spcPts val="0"/>
+                        </a:spcAft>
+                        <a:buClrTx/>
+                        <a:buSzTx/>
+                        <a:buFontTx/>
+                        <a:buNone/>
+                        <a:tabLst/>
+                        <a:defRPr/>
+                      </a:pPr>
+                      <a:r>
+                        <a:rPr lang="en-US" sz="1800" b="1" dirty="0" smtClean="0"/>
+                        <a:t>Module 5:</a:t>
+                      </a:r>
+                      <a:r>
+                        <a:rPr lang="en-US" sz="1800" b="1" baseline="0" dirty="0" smtClean="0"/>
+                        <a:t> Deep Dive into SharePoint Hosted Apps</a:t>
+                      </a:r>
+                      <a:endParaRPr lang="en-US" sz="1800" b="1" dirty="0" smtClean="0"/>
+                    </a:p>
+                  </a:txBody>
+                  <a:tcPr marL="91403" marR="91403" marT="45701" marB="45701" anchor="ctr"/>
+                </a:tc>
+              </a:tr>
+              <a:tr h="304623">
+                <a:tc>
+                  <a:txBody>
+                    <a:bodyPr/>
+                    <a:lstStyle/>
+                    <a:p>
+                      <a:pPr marL="0" marR="0" indent="0" algn="l" defTabSz="914363" rtl="0" eaLnBrk="1" fontAlgn="auto" latinLnBrk="0" hangingPunct="1">
+                        <a:lnSpc>
+                          <a:spcPct val="100000"/>
+                        </a:lnSpc>
+                        <a:spcBef>
+                          <a:spcPts val="0"/>
+                        </a:spcBef>
+                        <a:spcAft>
+                          <a:spcPts val="0"/>
+                        </a:spcAft>
+                        <a:buClrTx/>
+                        <a:buSzTx/>
+                        <a:buFontTx/>
+                        <a:buNone/>
+                        <a:tabLst/>
+                        <a:defRPr/>
+                      </a:pPr>
+                      <a:r>
+                        <a:rPr lang="en-US" sz="1800" b="0" dirty="0" smtClean="0"/>
+                        <a:t>Module 6: Deep Dive into Provider Hosted Apps</a:t>
+                      </a:r>
+                    </a:p>
+                  </a:txBody>
+                  <a:tcPr marL="91403" marR="91403" marT="45701" marB="45701" anchor="ctr"/>
+                </a:tc>
+              </a:tr>
+              <a:tr h="360260">
+                <a:tc>
+                  <a:txBody>
+                    <a:bodyPr/>
+                    <a:lstStyle/>
+                    <a:p>
+                      <a:pPr marL="0" marR="0" indent="0" algn="l" defTabSz="914363" rtl="0" eaLnBrk="1" fontAlgn="auto" latinLnBrk="0" hangingPunct="1">
+                        <a:lnSpc>
+                          <a:spcPct val="100000"/>
+                        </a:lnSpc>
+                        <a:spcBef>
+                          <a:spcPts val="0"/>
+                        </a:spcBef>
+                        <a:spcAft>
+                          <a:spcPts val="0"/>
+                        </a:spcAft>
+                        <a:buClrTx/>
+                        <a:buSzTx/>
+                        <a:buFontTx/>
+                        <a:buNone/>
+                        <a:tabLst/>
+                        <a:defRPr/>
+                      </a:pPr>
+                      <a:r>
+                        <a:rPr lang="en-US" sz="1800" b="0" dirty="0" smtClean="0"/>
+                        <a:t>Module 7: Deep Dive into Security and </a:t>
+                      </a:r>
+                      <a:r>
+                        <a:rPr lang="en-US" sz="1800" b="0" dirty="0" err="1" smtClean="0"/>
+                        <a:t>OAuth</a:t>
+                      </a:r>
+                      <a:endParaRPr lang="en-US" sz="1800" b="0" dirty="0" smtClean="0"/>
+                    </a:p>
+                  </a:txBody>
+                  <a:tcPr marL="91403" marR="91403" marT="45701" marB="45701" anchor="ctr"/>
+                </a:tc>
+              </a:tr>
+              <a:tr h="360260">
+                <a:tc>
+                  <a:txBody>
+                    <a:bodyPr/>
+                    <a:lstStyle/>
+                    <a:p>
+                      <a:pPr marL="0" marR="0" indent="0" algn="l" defTabSz="914363" rtl="0" eaLnBrk="1" fontAlgn="auto" latinLnBrk="0" hangingPunct="1">
+                        <a:lnSpc>
+                          <a:spcPct val="100000"/>
+                        </a:lnSpc>
+                        <a:spcBef>
+                          <a:spcPts val="0"/>
+                        </a:spcBef>
+                        <a:spcAft>
+                          <a:spcPts val="0"/>
+                        </a:spcAft>
+                        <a:buClrTx/>
+                        <a:buSzTx/>
+                        <a:buFontTx/>
+                        <a:buNone/>
+                        <a:tabLst/>
+                        <a:defRPr/>
+                      </a:pPr>
+                      <a:r>
+                        <a:rPr lang="en-US" sz="1800" b="0" dirty="0" smtClean="0"/>
+                        <a:t>Module 8: App Lifecycle Management</a:t>
+                      </a:r>
+                    </a:p>
+                  </a:txBody>
+                  <a:tcPr marL="91403" marR="91403" marT="45701" marB="45701" anchor="ctr"/>
+                </a:tc>
+              </a:tr>
+            </a:tbl>
+          </a:graphicData>
+        </a:graphic>
+      </p:graphicFrame>
+    </p:spTree>
+    <p:extLst>
+      <p:ext uri="{BB962C8B-B14F-4D97-AF65-F5344CB8AC3E}">
+        <p14:creationId xmlns:p14="http://schemas.microsoft.com/office/powerpoint/2010/main" val="2536830214"/>
+      </p:ext>
+    </p:extLst>
+  </p:cSld>
+  <p:clrMapOvr>
+    <a:masterClrMapping/>
+  </p:clrMapOvr>
+  <p:transition>
+    <p:fade/>
+  </p:transition>
+  <p:timing>
+    <p:tnLst>
+      <p:par>
+        <p:cTn id="1" dur="indefinite" restart="never" nodeType="tmRoot"/>
+      </p:par>
+    </p:tnLst>
+  </p:timing>
+</p:sld>
+</file>
+
+<file path=ppt/slides/slide20.xml><?xml version="1.0" encoding="utf-8"?>
 <p:sld xmlns:a="http://schemas.openxmlformats.org/drawingml/2006/main" xmlns:r="http://schemas.openxmlformats.org/officeDocument/2006/relationships" xmlns:p="http://schemas.openxmlformats.org/presentationml/2006/main">
   <p:cSld>
     <p:spTree>
@@ -21082,7 +18728,7 @@
 </p:sld>
 </file>
 
-<file path=ppt/slides/slide28.xml><?xml version="1.0" encoding="utf-8"?>
+<file path=ppt/slides/slide21.xml><?xml version="1.0" encoding="utf-8"?>
 <p:sld xmlns:a="http://schemas.openxmlformats.org/drawingml/2006/main" xmlns:r="http://schemas.openxmlformats.org/officeDocument/2006/relationships" xmlns:p="http://schemas.openxmlformats.org/presentationml/2006/main">
   <p:cSld>
     <p:spTree>
@@ -21165,7 +18811,7 @@
 </p:sld>
 </file>
 
-<file path=ppt/slides/slide29.xml><?xml version="1.0" encoding="utf-8"?>
+<file path=ppt/slides/slide22.xml><?xml version="1.0" encoding="utf-8"?>
 <p:sld xmlns:a="http://schemas.openxmlformats.org/drawingml/2006/main" xmlns:r="http://schemas.openxmlformats.org/officeDocument/2006/relationships" xmlns:p="http://schemas.openxmlformats.org/presentationml/2006/main">
   <p:cSld>
     <p:spTree>
@@ -21253,7 +18899,7 @@
             <a:fld id="{727B4C2D-45E2-4621-8491-2995EB46A674}" type="slidenum">
               <a:rPr lang="en-US" smtClean="0"/>
               <a:pPr/>
-              <a:t>29</a:t>
+              <a:t>22</a:t>
             </a:fld>
             <a:endParaRPr lang="en-US" dirty="0"/>
           </a:p>
@@ -21317,7 +18963,7 @@
 </p:sld>
 </file>
 
-<file path=ppt/slides/slide3.xml><?xml version="1.0" encoding="utf-8"?>
+<file path=ppt/slides/slide23.xml><?xml version="1.0" encoding="utf-8"?>
 <p:sld xmlns:a="http://schemas.openxmlformats.org/drawingml/2006/main" xmlns:r="http://schemas.openxmlformats.org/officeDocument/2006/relationships" xmlns:p="http://schemas.openxmlformats.org/presentationml/2006/main">
   <p:cSld>
     <p:spTree>
@@ -21336,109 +18982,6 @@
       </p:grpSpPr>
       <p:sp>
         <p:nvSpPr>
-          <p:cNvPr id="4" name="Title 3"/>
-          <p:cNvSpPr>
-            <a:spLocks noGrp="1"/>
-          </p:cNvSpPr>
-          <p:nvPr>
-            <p:ph type="ctrTitle"/>
-          </p:nvPr>
-        </p:nvSpPr>
-        <p:spPr/>
-        <p:txBody>
-          <a:bodyPr/>
-          <a:lstStyle/>
-          <a:p>
-            <a:r>
-              <a:rPr lang="en-US" dirty="0" smtClean="0"/>
-              <a:t>Deep </a:t>
-            </a:r>
-            <a:r>
-              <a:rPr lang="en-US" dirty="0"/>
-              <a:t>Dive into Provider Hosted Apps</a:t>
-            </a:r>
-          </a:p>
-        </p:txBody>
-      </p:sp>
-      <p:sp>
-        <p:nvSpPr>
-          <p:cNvPr id="5" name="Subtitle 4"/>
-          <p:cNvSpPr>
-            <a:spLocks noGrp="1"/>
-          </p:cNvSpPr>
-          <p:nvPr>
-            <p:ph type="subTitle" idx="1"/>
-          </p:nvPr>
-        </p:nvSpPr>
-        <p:spPr>
-          <a:xfrm>
-            <a:off x="532265" y="4735249"/>
-            <a:ext cx="7640611" cy="1878025"/>
-          </a:xfrm>
-        </p:spPr>
-        <p:txBody>
-          <a:bodyPr/>
-          <a:lstStyle/>
-          <a:p>
-            <a:r>
-              <a:rPr lang="en-US" dirty="0" smtClean="0"/>
-              <a:t>Speaker</a:t>
-            </a:r>
-          </a:p>
-          <a:p>
-            <a:endParaRPr lang="en-US" dirty="0" smtClean="0"/>
-          </a:p>
-          <a:p>
-            <a:r>
-              <a:rPr lang="en-US" dirty="0" smtClean="0"/>
-              <a:t>Speaker</a:t>
-            </a:r>
-            <a:endParaRPr lang="en-US" dirty="0"/>
-          </a:p>
-        </p:txBody>
-      </p:sp>
-    </p:spTree>
-    <p:extLst>
-      <p:ext uri="{BB962C8B-B14F-4D97-AF65-F5344CB8AC3E}">
-        <p14:creationId xmlns:p14="http://schemas.microsoft.com/office/powerpoint/2010/main" val="1233982471"/>
-      </p:ext>
-    </p:extLst>
-  </p:cSld>
-  <p:clrMapOvr>
-    <a:masterClrMapping/>
-  </p:clrMapOvr>
-  <p:transition>
-    <p:fade/>
-  </p:transition>
-  <p:timing>
-    <p:tnLst>
-      <p:par>
-        <p:cTn id="1" dur="indefinite" restart="never" nodeType="tmRoot"/>
-      </p:par>
-    </p:tnLst>
-  </p:timing>
-</p:sld>
-</file>
-
-<file path=ppt/slides/slide30.xml><?xml version="1.0" encoding="utf-8"?>
-<p:sld xmlns:a="http://schemas.openxmlformats.org/drawingml/2006/main" xmlns:r="http://schemas.openxmlformats.org/officeDocument/2006/relationships" xmlns:p="http://schemas.openxmlformats.org/presentationml/2006/main">
-  <p:cSld>
-    <p:spTree>
-      <p:nvGrpSpPr>
-        <p:cNvPr id="1" name=""/>
-        <p:cNvGrpSpPr/>
-        <p:nvPr/>
-      </p:nvGrpSpPr>
-      <p:grpSpPr>
-        <a:xfrm>
-          <a:off x="0" y="0"/>
-          <a:ext cx="0" cy="0"/>
-          <a:chOff x="0" y="0"/>
-          <a:chExt cx="0" cy="0"/>
-        </a:xfrm>
-      </p:grpSpPr>
-      <p:sp>
-        <p:nvSpPr>
           <p:cNvPr id="2" name="Text Placeholder 1"/>
           <p:cNvSpPr>
             <a:spLocks noGrp="1"/>
@@ -21518,7 +19061,7 @@
             <a:fld id="{727B4C2D-45E2-4621-8491-2995EB46A674}" type="slidenum">
               <a:rPr lang="en-US" smtClean="0"/>
               <a:pPr/>
-              <a:t>30</a:t>
+              <a:t>23</a:t>
             </a:fld>
             <a:endParaRPr lang="en-US" dirty="0"/>
           </a:p>
@@ -21547,7 +19090,7 @@
 </p:sld>
 </file>
 
-<file path=ppt/slides/slide31.xml><?xml version="1.0" encoding="utf-8"?>
+<file path=ppt/slides/slide24.xml><?xml version="1.0" encoding="utf-8"?>
 <p:sld xmlns:a="http://schemas.openxmlformats.org/drawingml/2006/main" xmlns:r="http://schemas.openxmlformats.org/officeDocument/2006/relationships" xmlns:p="http://schemas.openxmlformats.org/presentationml/2006/main">
   <p:cSld>
     <p:spTree>
@@ -21605,7 +19148,7 @@
             <a:fld id="{727B4C2D-45E2-4621-8491-2995EB46A674}" type="slidenum">
               <a:rPr lang="en-US" smtClean="0"/>
               <a:pPr/>
-              <a:t>31</a:t>
+              <a:t>24</a:t>
             </a:fld>
             <a:endParaRPr lang="en-US" dirty="0"/>
           </a:p>
@@ -21664,7 +19207,7 @@
 </p:sld>
 </file>
 
-<file path=ppt/slides/slide32.xml><?xml version="1.0" encoding="utf-8"?>
+<file path=ppt/slides/slide25.xml><?xml version="1.0" encoding="utf-8"?>
 <p:sld xmlns:a="http://schemas.openxmlformats.org/drawingml/2006/main" xmlns:r="http://schemas.openxmlformats.org/officeDocument/2006/relationships" xmlns:p="http://schemas.openxmlformats.org/presentationml/2006/main">
   <p:cSld>
     <p:spTree>
@@ -21722,7 +19265,7 @@
             <a:fld id="{727B4C2D-45E2-4621-8491-2995EB46A674}" type="slidenum">
               <a:rPr lang="en-US" smtClean="0"/>
               <a:pPr/>
-              <a:t>32</a:t>
+              <a:t>25</a:t>
             </a:fld>
             <a:endParaRPr lang="en-US" dirty="0"/>
           </a:p>
@@ -21781,7 +19324,7 @@
 </p:sld>
 </file>
 
-<file path=ppt/slides/slide33.xml><?xml version="1.0" encoding="utf-8"?>
+<file path=ppt/slides/slide26.xml><?xml version="1.0" encoding="utf-8"?>
 <p:sld xmlns:a="http://schemas.openxmlformats.org/drawingml/2006/main" xmlns:r="http://schemas.openxmlformats.org/officeDocument/2006/relationships" xmlns:p="http://schemas.openxmlformats.org/presentationml/2006/main">
   <p:cSld>
     <p:spTree>
@@ -21870,7 +19413,7 @@
 </p:sld>
 </file>
 
-<file path=ppt/slides/slide34.xml><?xml version="1.0" encoding="utf-8"?>
+<file path=ppt/slides/slide27.xml><?xml version="1.0" encoding="utf-8"?>
 <p:sld xmlns:a="http://schemas.openxmlformats.org/drawingml/2006/main" xmlns:r="http://schemas.openxmlformats.org/officeDocument/2006/relationships" xmlns:p="http://schemas.openxmlformats.org/presentationml/2006/main">
   <p:cSld>
     <p:spTree>
@@ -21953,7 +19496,7 @@
 </p:sld>
 </file>
 
-<file path=ppt/slides/slide35.xml><?xml version="1.0" encoding="utf-8"?>
+<file path=ppt/slides/slide28.xml><?xml version="1.0" encoding="utf-8"?>
 <p:sld xmlns:a="http://schemas.openxmlformats.org/drawingml/2006/main" xmlns:r="http://schemas.openxmlformats.org/officeDocument/2006/relationships" xmlns:p="http://schemas.openxmlformats.org/presentationml/2006/main">
   <p:cSld>
     <p:spTree>
@@ -22115,7 +19658,7 @@
             <a:fld id="{727B4C2D-45E2-4621-8491-2995EB46A674}" type="slidenum">
               <a:rPr lang="en-US" smtClean="0"/>
               <a:pPr/>
-              <a:t>35</a:t>
+              <a:t>28</a:t>
             </a:fld>
             <a:endParaRPr lang="en-US" dirty="0"/>
           </a:p>
@@ -22144,7 +19687,7 @@
 </p:sld>
 </file>
 
-<file path=ppt/slides/slide36.xml><?xml version="1.0" encoding="utf-8"?>
+<file path=ppt/slides/slide29.xml><?xml version="1.0" encoding="utf-8"?>
 <p:sld xmlns:a="http://schemas.openxmlformats.org/drawingml/2006/main" xmlns:r="http://schemas.openxmlformats.org/officeDocument/2006/relationships" xmlns:p="http://schemas.openxmlformats.org/presentationml/2006/main">
   <p:cSld>
     <p:spTree>
@@ -22202,7 +19745,7 @@
             <a:fld id="{727B4C2D-45E2-4621-8491-2995EB46A674}" type="slidenum">
               <a:rPr lang="en-US" smtClean="0"/>
               <a:pPr/>
-              <a:t>36</a:t>
+              <a:t>29</a:t>
             </a:fld>
             <a:endParaRPr lang="en-US" dirty="0"/>
           </a:p>
@@ -23235,7 +20778,7 @@
 </p:sld>
 </file>
 
-<file path=ppt/slides/slide37.xml><?xml version="1.0" encoding="utf-8"?>
+<file path=ppt/slides/slide3.xml><?xml version="1.0" encoding="utf-8"?>
 <p:sld xmlns:a="http://schemas.openxmlformats.org/drawingml/2006/main" xmlns:r="http://schemas.openxmlformats.org/officeDocument/2006/relationships" xmlns:p="http://schemas.openxmlformats.org/presentationml/2006/main">
   <p:cSld>
     <p:spTree>
@@ -23254,6 +20797,117 @@
       </p:grpSpPr>
       <p:sp>
         <p:nvSpPr>
+          <p:cNvPr id="4" name="Title 3"/>
+          <p:cNvSpPr>
+            <a:spLocks noGrp="1"/>
+          </p:cNvSpPr>
+          <p:nvPr>
+            <p:ph type="ctrTitle"/>
+          </p:nvPr>
+        </p:nvSpPr>
+        <p:spPr/>
+        <p:txBody>
+          <a:bodyPr/>
+          <a:lstStyle/>
+          <a:p>
+            <a:r>
+              <a:rPr lang="en-US" dirty="0" smtClean="0"/>
+              <a:t>Deep </a:t>
+            </a:r>
+            <a:r>
+              <a:rPr lang="en-US" dirty="0"/>
+              <a:t>Dive into </a:t>
+            </a:r>
+            <a:r>
+              <a:rPr lang="en-US" dirty="0" smtClean="0"/>
+              <a:t>SharePoint-Hosted </a:t>
+            </a:r>
+            <a:r>
+              <a:rPr lang="en-US" dirty="0"/>
+              <a:t>Apps</a:t>
+            </a:r>
+          </a:p>
+        </p:txBody>
+      </p:sp>
+      <p:sp>
+        <p:nvSpPr>
+          <p:cNvPr id="5" name="Subtitle 4"/>
+          <p:cNvSpPr>
+            <a:spLocks noGrp="1"/>
+          </p:cNvSpPr>
+          <p:nvPr>
+            <p:ph type="subTitle" idx="1"/>
+          </p:nvPr>
+        </p:nvSpPr>
+        <p:spPr>
+          <a:xfrm>
+            <a:off x="532265" y="4735249"/>
+            <a:ext cx="7640611" cy="1878025"/>
+          </a:xfrm>
+        </p:spPr>
+        <p:txBody>
+          <a:bodyPr/>
+          <a:lstStyle/>
+          <a:p>
+            <a:r>
+              <a:rPr lang="en-US" dirty="0" smtClean="0"/>
+              <a:t>Speaker</a:t>
+            </a:r>
+          </a:p>
+          <a:p>
+            <a:endParaRPr lang="en-US" dirty="0" smtClean="0"/>
+          </a:p>
+          <a:p>
+            <a:r>
+              <a:rPr lang="en-US" dirty="0" smtClean="0"/>
+              <a:t>Speaker</a:t>
+            </a:r>
+            <a:endParaRPr lang="en-US" dirty="0"/>
+          </a:p>
+        </p:txBody>
+      </p:sp>
+    </p:spTree>
+    <p:extLst>
+      <p:ext uri="{BB962C8B-B14F-4D97-AF65-F5344CB8AC3E}">
+        <p14:creationId xmlns:p14="http://schemas.microsoft.com/office/powerpoint/2010/main" val="1233982471"/>
+      </p:ext>
+    </p:extLst>
+  </p:cSld>
+  <p:clrMapOvr>
+    <a:masterClrMapping/>
+  </p:clrMapOvr>
+  <p:transition>
+    <p:fade/>
+  </p:transition>
+  <p:timing>
+    <p:tnLst>
+      <p:par>
+        <p:cTn id="1" dur="indefinite" restart="never" nodeType="tmRoot"/>
+      </p:par>
+    </p:tnLst>
+  </p:timing>
+</p:sld>
+</file>
+
+<file path=ppt/slides/slide30.xml><?xml version="1.0" encoding="utf-8"?>
+<p:sld xmlns:a="http://schemas.openxmlformats.org/drawingml/2006/main" xmlns:r="http://schemas.openxmlformats.org/officeDocument/2006/relationships" xmlns:p="http://schemas.openxmlformats.org/presentationml/2006/main">
+  <p:cSld>
+    <p:spTree>
+      <p:nvGrpSpPr>
+        <p:cNvPr id="1" name=""/>
+        <p:cNvGrpSpPr/>
+        <p:nvPr/>
+      </p:nvGrpSpPr>
+      <p:grpSpPr>
+        <a:xfrm>
+          <a:off x="0" y="0"/>
+          <a:ext cx="0" cy="0"/>
+          <a:chOff x="0" y="0"/>
+          <a:chExt cx="0" cy="0"/>
+        </a:xfrm>
+      </p:grpSpPr>
+      <p:sp>
+        <p:nvSpPr>
           <p:cNvPr id="2" name="Title 1"/>
           <p:cNvSpPr>
             <a:spLocks noGrp="1"/>
@@ -23293,7 +20947,7 @@
             <a:fld id="{727B4C2D-45E2-4621-8491-2995EB46A674}" type="slidenum">
               <a:rPr lang="en-US" smtClean="0"/>
               <a:pPr/>
-              <a:t>37</a:t>
+              <a:t>30</a:t>
             </a:fld>
             <a:endParaRPr lang="en-US" dirty="0"/>
           </a:p>
@@ -23534,7 +21188,7 @@
 </p:sld>
 </file>
 
-<file path=ppt/slides/slide38.xml><?xml version="1.0" encoding="utf-8"?>
+<file path=ppt/slides/slide31.xml><?xml version="1.0" encoding="utf-8"?>
 <p:sld xmlns:a="http://schemas.openxmlformats.org/drawingml/2006/main" xmlns:r="http://schemas.openxmlformats.org/officeDocument/2006/relationships" xmlns:p="http://schemas.openxmlformats.org/presentationml/2006/main">
   <p:cSld>
     <p:spTree>
@@ -23619,7 +21273,7 @@
             <a:fld id="{727B4C2D-45E2-4621-8491-2995EB46A674}" type="slidenum">
               <a:rPr lang="en-US" smtClean="0"/>
               <a:pPr/>
-              <a:t>38</a:t>
+              <a:t>31</a:t>
             </a:fld>
             <a:endParaRPr lang="en-US" dirty="0"/>
           </a:p>
@@ -23678,7 +21332,7 @@
 </p:sld>
 </file>
 
-<file path=ppt/slides/slide39.xml><?xml version="1.0" encoding="utf-8"?>
+<file path=ppt/slides/slide32.xml><?xml version="1.0" encoding="utf-8"?>
 <p:sld xmlns:a="http://schemas.openxmlformats.org/drawingml/2006/main" xmlns:r="http://schemas.openxmlformats.org/officeDocument/2006/relationships" xmlns:p="http://schemas.openxmlformats.org/presentationml/2006/main">
   <p:cSld>
     <p:spTree>
@@ -23782,7 +21436,7 @@
             <a:fld id="{727B4C2D-45E2-4621-8491-2995EB46A674}" type="slidenum">
               <a:rPr lang="en-US" smtClean="0"/>
               <a:pPr/>
-              <a:t>39</a:t>
+              <a:t>32</a:t>
             </a:fld>
             <a:endParaRPr lang="en-US" dirty="0"/>
           </a:p>
@@ -23811,7 +21465,7 @@
 </p:sld>
 </file>
 
-<file path=ppt/slides/slide4.xml><?xml version="1.0" encoding="utf-8"?>
+<file path=ppt/slides/slide33.xml><?xml version="1.0" encoding="utf-8"?>
 <p:sld xmlns:a="http://schemas.openxmlformats.org/drawingml/2006/main" xmlns:r="http://schemas.openxmlformats.org/officeDocument/2006/relationships" xmlns:p="http://schemas.openxmlformats.org/presentationml/2006/main">
   <p:cSld>
     <p:spTree>
@@ -23835,161 +21489,6 @@
             <a:spLocks noGrp="1"/>
           </p:cNvSpPr>
           <p:nvPr>
-            <p:ph type="body" sz="quarter" idx="15"/>
-          </p:nvPr>
-        </p:nvSpPr>
-        <p:spPr>
-          <a:xfrm>
-            <a:off x="4708937" y="1814048"/>
-            <a:ext cx="7169534" cy="2881519"/>
-          </a:xfrm>
-        </p:spPr>
-        <p:txBody>
-          <a:bodyPr/>
-          <a:lstStyle/>
-          <a:p>
-            <a:r>
-              <a:rPr lang="en-US" dirty="0" smtClean="0"/>
-              <a:t>Introduction</a:t>
-            </a:r>
-          </a:p>
-          <a:p>
-            <a:r>
-              <a:rPr lang="en-US" dirty="0" smtClean="0"/>
-              <a:t>Programming in C#</a:t>
-            </a:r>
-          </a:p>
-          <a:p>
-            <a:r>
-              <a:rPr lang="en-US" dirty="0" smtClean="0"/>
-              <a:t>Programming in JavaScript</a:t>
-            </a:r>
-          </a:p>
-          <a:p>
-            <a:r>
-              <a:rPr lang="en-US" dirty="0" smtClean="0"/>
-              <a:t>Chrome Control</a:t>
-            </a:r>
-          </a:p>
-          <a:p>
-            <a:r>
-              <a:rPr lang="en-US" dirty="0" smtClean="0"/>
-              <a:t>Remote Event Receivers</a:t>
-            </a:r>
-          </a:p>
-        </p:txBody>
-      </p:sp>
-      <p:pic>
-        <p:nvPicPr>
-          <p:cNvPr id="4" name="Picture Placeholder 3"/>
-          <p:cNvPicPr>
-            <a:picLocks noGrp="1" noChangeAspect="1"/>
-          </p:cNvPicPr>
-          <p:nvPr>
-            <p:ph type="pic" sz="quarter" idx="16"/>
-          </p:nvPr>
-        </p:nvPicPr>
-        <p:blipFill>
-          <a:blip r:embed="rId3">
-            <a:extLst>
-              <a:ext uri="{28A0092B-C50C-407E-A947-70E740481C1C}">
-                <a14:useLocalDpi xmlns:a14="http://schemas.microsoft.com/office/drawing/2010/main" val="0"/>
-              </a:ext>
-            </a:extLst>
-          </a:blip>
-          <a:stretch>
-            <a:fillRect/>
-          </a:stretch>
-        </p:blipFill>
-        <p:spPr>
-          <a:xfrm>
-            <a:off x="269169" y="1905492"/>
-            <a:ext cx="4301734" cy="2865616"/>
-          </a:xfrm>
-        </p:spPr>
-      </p:pic>
-      <p:sp>
-        <p:nvSpPr>
-          <p:cNvPr id="5" name="Title 4"/>
-          <p:cNvSpPr>
-            <a:spLocks noGrp="1"/>
-          </p:cNvSpPr>
-          <p:nvPr>
-            <p:ph type="title"/>
-          </p:nvPr>
-        </p:nvSpPr>
-        <p:spPr/>
-        <p:txBody>
-          <a:bodyPr/>
-          <a:lstStyle/>
-          <a:p>
-            <a:r>
-              <a:rPr lang="en-US" dirty="0" smtClean="0"/>
-              <a:t>Agenda</a:t>
-            </a:r>
-            <a:br>
-              <a:rPr lang="en-US" dirty="0" smtClean="0"/>
-            </a:br>
-            <a:endParaRPr lang="en-US" dirty="0"/>
-          </a:p>
-        </p:txBody>
-      </p:sp>
-    </p:spTree>
-    <p:extLst>
-      <p:ext uri="{BB962C8B-B14F-4D97-AF65-F5344CB8AC3E}">
-        <p14:creationId xmlns:p14="http://schemas.microsoft.com/office/powerpoint/2010/main" val="2395946767"/>
-      </p:ext>
-    </p:extLst>
-  </p:cSld>
-  <p:clrMapOvr>
-    <a:masterClrMapping/>
-  </p:clrMapOvr>
-  <mc:AlternateContent xmlns:mc="http://schemas.openxmlformats.org/markup-compatibility/2006" xmlns:p14="http://schemas.microsoft.com/office/powerpoint/2010/main">
-    <mc:Choice Requires="p14">
-      <p:transition spd="med" p14:dur="700">
-        <p:fade/>
-      </p:transition>
-    </mc:Choice>
-    <mc:Fallback xmlns="">
-      <p:transition spd="med">
-        <p:fade/>
-      </p:transition>
-    </mc:Fallback>
-  </mc:AlternateContent>
-  <p:timing>
-    <p:tnLst>
-      <p:par>
-        <p:cTn id="1" dur="indefinite" restart="never" nodeType="tmRoot"/>
-      </p:par>
-    </p:tnLst>
-  </p:timing>
-</p:sld>
-</file>
-
-<file path=ppt/slides/slide40.xml><?xml version="1.0" encoding="utf-8"?>
-<p:sld xmlns:a="http://schemas.openxmlformats.org/drawingml/2006/main" xmlns:r="http://schemas.openxmlformats.org/officeDocument/2006/relationships" xmlns:p="http://schemas.openxmlformats.org/presentationml/2006/main">
-  <p:cSld>
-    <p:spTree>
-      <p:nvGrpSpPr>
-        <p:cNvPr id="1" name=""/>
-        <p:cNvGrpSpPr/>
-        <p:nvPr/>
-      </p:nvGrpSpPr>
-      <p:grpSpPr>
-        <a:xfrm>
-          <a:off x="0" y="0"/>
-          <a:ext cx="0" cy="0"/>
-          <a:chOff x="0" y="0"/>
-          <a:chExt cx="0" cy="0"/>
-        </a:xfrm>
-      </p:grpSpPr>
-      <p:sp>
-        <p:nvSpPr>
-          <p:cNvPr id="2" name="Text Placeholder 1"/>
-          <p:cNvSpPr>
-            <a:spLocks noGrp="1"/>
-          </p:cNvSpPr>
-          <p:nvPr>
             <p:ph type="body" sz="quarter" idx="10"/>
           </p:nvPr>
         </p:nvSpPr>
@@ -24064,7 +21563,7 @@
             <a:fld id="{727B4C2D-45E2-4621-8491-2995EB46A674}" type="slidenum">
               <a:rPr lang="en-US" smtClean="0"/>
               <a:pPr/>
-              <a:t>40</a:t>
+              <a:t>33</a:t>
             </a:fld>
             <a:endParaRPr lang="en-US" dirty="0"/>
           </a:p>
@@ -24093,7 +21592,7 @@
 </p:sld>
 </file>
 
-<file path=ppt/slides/slide41.xml><?xml version="1.0" encoding="utf-8"?>
+<file path=ppt/slides/slide34.xml><?xml version="1.0" encoding="utf-8"?>
 <p:sld xmlns:a="http://schemas.openxmlformats.org/drawingml/2006/main" xmlns:r="http://schemas.openxmlformats.org/officeDocument/2006/relationships" xmlns:p="http://schemas.openxmlformats.org/presentationml/2006/main">
   <p:cSld>
     <p:spTree>
@@ -24151,7 +21650,7 @@
             <a:fld id="{727B4C2D-45E2-4621-8491-2995EB46A674}" type="slidenum">
               <a:rPr lang="en-US" smtClean="0"/>
               <a:pPr/>
-              <a:t>41</a:t>
+              <a:t>34</a:t>
             </a:fld>
             <a:endParaRPr lang="en-US" dirty="0"/>
           </a:p>
@@ -24350,7 +21849,7 @@
 </p:sld>
 </file>
 
-<file path=ppt/slides/slide42.xml><?xml version="1.0" encoding="utf-8"?>
+<file path=ppt/slides/slide35.xml><?xml version="1.0" encoding="utf-8"?>
 <p:sld xmlns:a="http://schemas.openxmlformats.org/drawingml/2006/main" xmlns:r="http://schemas.openxmlformats.org/officeDocument/2006/relationships" xmlns:p="http://schemas.openxmlformats.org/presentationml/2006/main">
   <p:cSld>
     <p:spTree>
@@ -24450,7 +21949,7 @@
             <a:fld id="{727B4C2D-45E2-4621-8491-2995EB46A674}" type="slidenum">
               <a:rPr lang="en-US" smtClean="0"/>
               <a:pPr/>
-              <a:t>42</a:t>
+              <a:t>35</a:t>
             </a:fld>
             <a:endParaRPr lang="en-US" dirty="0"/>
           </a:p>
@@ -24605,7 +22104,7 @@
 </p:sld>
 </file>
 
-<file path=ppt/slides/slide43.xml><?xml version="1.0" encoding="utf-8"?>
+<file path=ppt/slides/slide36.xml><?xml version="1.0" encoding="utf-8"?>
 <p:sld xmlns:a="http://schemas.openxmlformats.org/drawingml/2006/main" xmlns:r="http://schemas.openxmlformats.org/officeDocument/2006/relationships" xmlns:p="http://schemas.openxmlformats.org/presentationml/2006/main">
   <p:cSld>
     <p:spTree>
@@ -24694,7 +22193,7 @@
 </p:sld>
 </file>
 
-<file path=ppt/slides/slide44.xml><?xml version="1.0" encoding="utf-8"?>
+<file path=ppt/slides/slide37.xml><?xml version="1.0" encoding="utf-8"?>
 <p:sld xmlns:a="http://schemas.openxmlformats.org/drawingml/2006/main" xmlns:r="http://schemas.openxmlformats.org/officeDocument/2006/relationships" xmlns:p="http://schemas.openxmlformats.org/presentationml/2006/main">
   <p:cSld>
     <p:spTree>
@@ -24739,25 +22238,19 @@
           <a:p>
             <a:r>
               <a:rPr lang="en-US" dirty="0"/>
-              <a:t>Programming in C#</a:t>
+              <a:t>Programming in JavaScript</a:t>
             </a:r>
           </a:p>
           <a:p>
             <a:r>
               <a:rPr lang="en-US" dirty="0"/>
-              <a:t>Programming in JavaScript</a:t>
+              <a:t>App Parts</a:t>
             </a:r>
           </a:p>
           <a:p>
             <a:r>
               <a:rPr lang="en-US" dirty="0"/>
-              <a:t>Chrome Control</a:t>
-            </a:r>
-          </a:p>
-          <a:p>
-            <a:r>
-              <a:rPr lang="en-US" dirty="0"/>
-              <a:t>Remote Event Receivers</a:t>
+              <a:t>UI Custom Actions</a:t>
             </a:r>
           </a:p>
           <a:p>
@@ -24806,7 +22299,7 @@
             <a:fld id="{727B4C2D-45E2-4621-8491-2995EB46A674}" type="slidenum">
               <a:rPr lang="en-US" smtClean="0"/>
               <a:pPr/>
-              <a:t>44</a:t>
+              <a:t>37</a:t>
             </a:fld>
             <a:endParaRPr lang="en-US" dirty="0"/>
           </a:p>
@@ -24828,7 +22321,7 @@
 </p:sld>
 </file>
 
-<file path=ppt/slides/slide45.xml><?xml version="1.0" encoding="utf-8"?>
+<file path=ppt/slides/slide38.xml><?xml version="1.0" encoding="utf-8"?>
 <p:sld xmlns:a="http://schemas.openxmlformats.org/drawingml/2006/main" xmlns:r="http://schemas.openxmlformats.org/officeDocument/2006/relationships" xmlns:p="http://schemas.openxmlformats.org/presentationml/2006/main">
   <p:cSld>
     <p:spTree>
@@ -25213,6 +22706,158 @@
 </p:sld>
 </file>
 
+<file path=ppt/slides/slide4.xml><?xml version="1.0" encoding="utf-8"?>
+<p:sld xmlns:a="http://schemas.openxmlformats.org/drawingml/2006/main" xmlns:r="http://schemas.openxmlformats.org/officeDocument/2006/relationships" xmlns:p="http://schemas.openxmlformats.org/presentationml/2006/main">
+  <p:cSld>
+    <p:spTree>
+      <p:nvGrpSpPr>
+        <p:cNvPr id="1" name=""/>
+        <p:cNvGrpSpPr/>
+        <p:nvPr/>
+      </p:nvGrpSpPr>
+      <p:grpSpPr>
+        <a:xfrm>
+          <a:off x="0" y="0"/>
+          <a:ext cx="0" cy="0"/>
+          <a:chOff x="0" y="0"/>
+          <a:chExt cx="0" cy="0"/>
+        </a:xfrm>
+      </p:grpSpPr>
+      <p:sp>
+        <p:nvSpPr>
+          <p:cNvPr id="2" name="Text Placeholder 1"/>
+          <p:cNvSpPr>
+            <a:spLocks noGrp="1"/>
+          </p:cNvSpPr>
+          <p:nvPr>
+            <p:ph type="body" sz="quarter" idx="15"/>
+          </p:nvPr>
+        </p:nvSpPr>
+        <p:spPr>
+          <a:xfrm>
+            <a:off x="4708937" y="1814048"/>
+            <a:ext cx="7169534" cy="2881519"/>
+          </a:xfrm>
+        </p:spPr>
+        <p:txBody>
+          <a:bodyPr/>
+          <a:lstStyle/>
+          <a:p>
+            <a:r>
+              <a:rPr lang="en-US" dirty="0" smtClean="0"/>
+              <a:t>Introduction</a:t>
+            </a:r>
+          </a:p>
+          <a:p>
+            <a:r>
+              <a:rPr lang="en-US" dirty="0" smtClean="0"/>
+              <a:t>Programming in JavaScript</a:t>
+            </a:r>
+            <a:endParaRPr lang="en-US" dirty="0" smtClean="0"/>
+          </a:p>
+          <a:p>
+            <a:r>
+              <a:rPr lang="en-US" dirty="0" smtClean="0"/>
+              <a:t>App Parts</a:t>
+            </a:r>
+            <a:endParaRPr lang="en-US" dirty="0" smtClean="0"/>
+          </a:p>
+          <a:p>
+            <a:r>
+              <a:rPr lang="en-US" dirty="0" smtClean="0"/>
+              <a:t>UI Custom Actions</a:t>
+            </a:r>
+            <a:endParaRPr lang="en-US" dirty="0" smtClean="0"/>
+          </a:p>
+        </p:txBody>
+      </p:sp>
+      <p:pic>
+        <p:nvPicPr>
+          <p:cNvPr id="4" name="Picture Placeholder 3"/>
+          <p:cNvPicPr>
+            <a:picLocks noGrp="1" noChangeAspect="1"/>
+          </p:cNvPicPr>
+          <p:nvPr>
+            <p:ph type="pic" sz="quarter" idx="16"/>
+          </p:nvPr>
+        </p:nvPicPr>
+        <p:blipFill>
+          <a:blip r:embed="rId3">
+            <a:extLst>
+              <a:ext uri="{28A0092B-C50C-407E-A947-70E740481C1C}">
+                <a14:useLocalDpi xmlns:a14="http://schemas.microsoft.com/office/drawing/2010/main" val="0"/>
+              </a:ext>
+            </a:extLst>
+          </a:blip>
+          <a:stretch>
+            <a:fillRect/>
+          </a:stretch>
+        </p:blipFill>
+        <p:spPr>
+          <a:xfrm>
+            <a:off x="269169" y="1905492"/>
+            <a:ext cx="4301734" cy="2865616"/>
+          </a:xfrm>
+        </p:spPr>
+      </p:pic>
+      <p:sp>
+        <p:nvSpPr>
+          <p:cNvPr id="5" name="Title 4"/>
+          <p:cNvSpPr>
+            <a:spLocks noGrp="1"/>
+          </p:cNvSpPr>
+          <p:nvPr>
+            <p:ph type="title"/>
+          </p:nvPr>
+        </p:nvSpPr>
+        <p:spPr/>
+        <p:txBody>
+          <a:bodyPr/>
+          <a:lstStyle/>
+          <a:p>
+            <a:r>
+              <a:rPr lang="en-US" dirty="0" smtClean="0"/>
+              <a:t>Agenda</a:t>
+            </a:r>
+            <a:br>
+              <a:rPr lang="en-US" dirty="0" smtClean="0"/>
+            </a:br>
+            <a:endParaRPr lang="en-US" dirty="0"/>
+          </a:p>
+        </p:txBody>
+      </p:sp>
+    </p:spTree>
+    <p:extLst>
+      <p:ext uri="{BB962C8B-B14F-4D97-AF65-F5344CB8AC3E}">
+        <p14:creationId xmlns:p14="http://schemas.microsoft.com/office/powerpoint/2010/main" val="2395946767"/>
+      </p:ext>
+    </p:extLst>
+  </p:cSld>
+  <p:clrMapOvr>
+    <a:masterClrMapping/>
+  </p:clrMapOvr>
+  <mc:AlternateContent xmlns:mc="http://schemas.openxmlformats.org/markup-compatibility/2006" xmlns:p14="http://schemas.microsoft.com/office/powerpoint/2010/main">
+    <mc:Choice Requires="p14">
+      <p:transition spd="med" p14:dur="700">
+        <p:fade/>
+      </p:transition>
+    </mc:Choice>
+    <mc:Fallback xmlns="">
+      <p:transition spd="med">
+        <p:fade/>
+      </p:transition>
+    </mc:Fallback>
+  </mc:AlternateContent>
+  <p:timing>
+    <p:tnLst>
+      <p:par>
+        <p:cTn id="1" dur="indefinite" restart="never" nodeType="tmRoot"/>
+      </p:par>
+    </p:tnLst>
+  </p:timing>
+</p:sld>
+</file>
+
 <file path=ppt/slides/slide5.xml><?xml version="1.0" encoding="utf-8"?>
 <p:sld xmlns:a="http://schemas.openxmlformats.org/drawingml/2006/main" xmlns:r="http://schemas.openxmlformats.org/officeDocument/2006/relationships" xmlns:p="http://schemas.openxmlformats.org/presentationml/2006/main">
   <p:cSld>
@@ -25315,79 +22960,6 @@
       </p:grpSpPr>
       <p:sp>
         <p:nvSpPr>
-          <p:cNvPr id="27" name="Rectangle 26"/>
-          <p:cNvSpPr/>
-          <p:nvPr/>
-        </p:nvSpPr>
-        <p:spPr bwMode="auto">
-          <a:xfrm>
-            <a:off x="1889090" y="1408577"/>
-            <a:ext cx="3466681" cy="3716083"/>
-          </a:xfrm>
-          <a:prstGeom prst="rect">
-            <a:avLst/>
-          </a:prstGeom>
-          <a:solidFill>
-            <a:srgbClr val="EB3C00"/>
-          </a:solidFill>
-          <a:ln>
-            <a:noFill/>
-            <a:headEnd type="none" w="med" len="med"/>
-            <a:tailEnd type="none" w="med" len="med"/>
-          </a:ln>
-          <a:effectLst/>
-        </p:spPr>
-        <p:style>
-          <a:lnRef idx="1">
-            <a:schemeClr val="accent2"/>
-          </a:lnRef>
-          <a:fillRef idx="3">
-            <a:schemeClr val="accent2"/>
-          </a:fillRef>
-          <a:effectRef idx="2">
-            <a:schemeClr val="accent2"/>
-          </a:effectRef>
-          <a:fontRef idx="minor">
-            <a:schemeClr val="lt1"/>
-          </a:fontRef>
-        </p:style>
-        <p:txBody>
-          <a:bodyPr rot="0" spcFirstLastPara="0" vertOverflow="overflow" horzOverflow="overflow" vert="horz" wrap="square" lIns="45720" tIns="45720" rIns="45720" bIns="45720" numCol="1" spcCol="0" rtlCol="0" fromWordArt="0" anchor="ctr" anchorCtr="0" forceAA="0" compatLnSpc="1">
-            <a:prstTxWarp prst="textNoShape">
-              <a:avLst/>
-            </a:prstTxWarp>
-            <a:noAutofit/>
-          </a:bodyPr>
-          <a:lstStyle/>
-          <a:p>
-            <a:pPr algn="ctr" defTabSz="914099" fontAlgn="base">
-              <a:spcBef>
-                <a:spcPct val="0"/>
-              </a:spcBef>
-              <a:spcAft>
-                <a:spcPct val="0"/>
-              </a:spcAft>
-            </a:pPr>
-            <a:endParaRPr lang="en-US" sz="2200" dirty="0" smtClean="0">
-              <a:gradFill>
-                <a:gsLst>
-                  <a:gs pos="0">
-                    <a:srgbClr val="FFFFFF"/>
-                  </a:gs>
-                  <a:gs pos="100000">
-                    <a:srgbClr val="FFFFFF"/>
-                  </a:gs>
-                </a:gsLst>
-                <a:lin ang="5400000" scaled="0"/>
-              </a:gradFill>
-              <a:ea typeface="Segoe UI" pitchFamily="34" charset="0"/>
-              <a:cs typeface="Segoe UI" pitchFamily="34" charset="0"/>
-            </a:endParaRPr>
-          </a:p>
-        </p:txBody>
-      </p:sp>
-      <p:sp>
-        <p:nvSpPr>
           <p:cNvPr id="2" name="Title 1"/>
           <p:cNvSpPr>
             <a:spLocks noGrp="1"/>
@@ -25403,7 +22975,7 @@
           <a:p>
             <a:r>
               <a:rPr lang="en-US" dirty="0" smtClean="0"/>
-              <a:t>Cloud Architecture</a:t>
+              <a:t>Architecture</a:t>
             </a:r>
             <a:endParaRPr lang="en-US" dirty="0"/>
           </a:p>
@@ -25435,86 +23007,13 @@
       </p:sp>
       <p:sp>
         <p:nvSpPr>
-          <p:cNvPr id="4" name="Rectangle 3"/>
-          <p:cNvSpPr/>
-          <p:nvPr/>
-        </p:nvSpPr>
-        <p:spPr bwMode="auto">
-          <a:xfrm>
-            <a:off x="2351314" y="2176366"/>
-            <a:ext cx="2582426" cy="2476021"/>
-          </a:xfrm>
-          <a:prstGeom prst="rect">
-            <a:avLst/>
-          </a:prstGeom>
-          <a:solidFill>
-            <a:schemeClr val="accent1">
-              <a:lumMod val="20000"/>
-              <a:lumOff val="80000"/>
-            </a:schemeClr>
-          </a:solidFill>
-          <a:ln>
-            <a:noFill/>
-            <a:headEnd type="none" w="med" len="med"/>
-            <a:tailEnd type="none" w="med" len="med"/>
-          </a:ln>
-          <a:effectLst/>
-        </p:spPr>
-        <p:style>
-          <a:lnRef idx="1">
-            <a:schemeClr val="accent2"/>
-          </a:lnRef>
-          <a:fillRef idx="3">
-            <a:schemeClr val="accent2"/>
-          </a:fillRef>
-          <a:effectRef idx="2">
-            <a:schemeClr val="accent2"/>
-          </a:effectRef>
-          <a:fontRef idx="minor">
-            <a:schemeClr val="lt1"/>
-          </a:fontRef>
-        </p:style>
-        <p:txBody>
-          <a:bodyPr rot="0" spcFirstLastPara="0" vertOverflow="overflow" horzOverflow="overflow" vert="horz" wrap="square" lIns="45720" tIns="45720" rIns="45720" bIns="45720" numCol="1" spcCol="0" rtlCol="0" fromWordArt="0" anchor="ctr" anchorCtr="0" forceAA="0" compatLnSpc="1">
-            <a:prstTxWarp prst="textNoShape">
-              <a:avLst/>
-            </a:prstTxWarp>
-            <a:noAutofit/>
-          </a:bodyPr>
-          <a:lstStyle/>
-          <a:p>
-            <a:pPr algn="ctr" defTabSz="914099" fontAlgn="base">
-              <a:spcBef>
-                <a:spcPct val="0"/>
-              </a:spcBef>
-              <a:spcAft>
-                <a:spcPct val="0"/>
-              </a:spcAft>
-            </a:pPr>
-            <a:r>
-              <a:rPr lang="en-US" sz="2200" dirty="0" smtClean="0">
-                <a:solidFill>
-                  <a:schemeClr val="bg1">
-                    <a:lumMod val="50000"/>
-                  </a:schemeClr>
-                </a:solidFill>
-                <a:ea typeface="Segoe UI" pitchFamily="34" charset="0"/>
-                <a:cs typeface="Segoe UI" pitchFamily="34" charset="0"/>
-              </a:rPr>
-              <a:t>Remote Web</a:t>
-            </a:r>
-          </a:p>
-        </p:txBody>
-      </p:sp>
-      <p:sp>
-        <p:nvSpPr>
           <p:cNvPr id="5" name="Flowchart: Magnetic Disk 4"/>
           <p:cNvSpPr/>
           <p:nvPr/>
         </p:nvSpPr>
         <p:spPr bwMode="auto">
           <a:xfrm>
-            <a:off x="7084087" y="2176366"/>
+            <a:off x="8595880" y="2538473"/>
             <a:ext cx="2703008" cy="874207"/>
           </a:xfrm>
           <a:prstGeom prst="flowChartMagneticDisk">
@@ -25579,8 +23078,23 @@
                 <a:ea typeface="Segoe UI" pitchFamily="34" charset="0"/>
                 <a:cs typeface="Segoe UI" pitchFamily="34" charset="0"/>
               </a:rPr>
-              <a:t>Azure Data Market</a:t>
-            </a:r>
+              <a:t>Web Services</a:t>
+            </a:r>
+            <a:endParaRPr lang="en-US" sz="2200" dirty="0" smtClean="0">
+              <a:gradFill>
+                <a:gsLst>
+                  <a:gs pos="0">
+                    <a:srgbClr val="FFFFFF"/>
+                  </a:gs>
+                  <a:gs pos="100000">
+                    <a:srgbClr val="FFFFFF"/>
+                  </a:gs>
+                </a:gsLst>
+                <a:lin ang="5400000" scaled="0"/>
+              </a:gradFill>
+              <a:ea typeface="Segoe UI" pitchFamily="34" charset="0"/>
+              <a:cs typeface="Segoe UI" pitchFamily="34" charset="0"/>
+            </a:endParaRPr>
           </a:p>
         </p:txBody>
       </p:sp>
@@ -25606,7 +23120,7 @@
         </p:blipFill>
         <p:spPr>
           <a:xfrm flipH="1">
-            <a:off x="5618774" y="5124659"/>
+            <a:off x="1626134" y="4389406"/>
             <a:ext cx="949687" cy="1029813"/>
           </a:xfrm>
           <a:prstGeom prst="rect">
@@ -25614,46 +23128,6 @@
           </a:prstGeom>
         </p:spPr>
       </p:pic>
-      <p:cxnSp>
-        <p:nvCxnSpPr>
-          <p:cNvPr id="21" name="Elbow Connector 20"/>
-          <p:cNvCxnSpPr>
-            <a:stCxn id="5" idx="2"/>
-            <a:endCxn id="4" idx="3"/>
-          </p:cNvCxnSpPr>
-          <p:nvPr/>
-        </p:nvCxnSpPr>
-        <p:spPr>
-          <a:xfrm rot="10800000" flipV="1">
-            <a:off x="4933741" y="2613469"/>
-            <a:ext cx="2150347" cy="800907"/>
-          </a:xfrm>
-          <a:prstGeom prst="bentConnector3">
-            <a:avLst/>
-          </a:prstGeom>
-          <a:ln>
-            <a:solidFill>
-              <a:schemeClr val="tx1"/>
-            </a:solidFill>
-            <a:headEnd type="triangle"/>
-            <a:tailEnd type="triangle"/>
-          </a:ln>
-        </p:spPr>
-        <p:style>
-          <a:lnRef idx="1">
-            <a:schemeClr val="accent1"/>
-          </a:lnRef>
-          <a:fillRef idx="0">
-            <a:schemeClr val="accent1"/>
-          </a:fillRef>
-          <a:effectRef idx="0">
-            <a:schemeClr val="accent1"/>
-          </a:effectRef>
-          <a:fontRef idx="minor">
-            <a:schemeClr val="tx1"/>
-          </a:fontRef>
-        </p:style>
-      </p:cxnSp>
       <p:sp>
         <p:nvSpPr>
           <p:cNvPr id="28" name="TextBox 27"/>
@@ -25695,8 +23169,8 @@
         </p:nvSpPr>
         <p:spPr bwMode="auto">
           <a:xfrm>
-            <a:off x="6591717" y="3223460"/>
-            <a:ext cx="3315956" cy="1901199"/>
+            <a:off x="2610704" y="1727200"/>
+            <a:ext cx="4354539" cy="2662207"/>
           </a:xfrm>
           <a:prstGeom prst="roundRect">
             <a:avLst/>
@@ -25768,8 +23242,8 @@
         </p:nvSpPr>
         <p:spPr bwMode="auto">
           <a:xfrm>
-            <a:off x="6745845" y="3313896"/>
-            <a:ext cx="770320" cy="693337"/>
+            <a:off x="3010714" y="2130546"/>
+            <a:ext cx="1777259" cy="815854"/>
           </a:xfrm>
           <a:prstGeom prst="roundRect">
             <a:avLst/>
@@ -25818,18 +23292,24 @@
                 <a:spcPct val="0"/>
               </a:spcAft>
             </a:pPr>
+            <a:r>
+              <a:rPr lang="en-US" sz="2200" dirty="0" smtClean="0">
+                <a:solidFill>
+                  <a:schemeClr val="bg1">
+                    <a:lumMod val="50000"/>
+                  </a:schemeClr>
+                </a:solidFill>
+                <a:ea typeface="Segoe UI" pitchFamily="34" charset="0"/>
+                <a:cs typeface="Segoe UI" pitchFamily="34" charset="0"/>
+              </a:rPr>
+              <a:t>Host Web</a:t>
+            </a:r>
             <a:endParaRPr lang="en-US" sz="2200" dirty="0" smtClean="0">
-              <a:gradFill>
-                <a:gsLst>
-                  <a:gs pos="0">
-                    <a:srgbClr val="FFFFFF"/>
-                  </a:gs>
-                  <a:gs pos="100000">
-                    <a:srgbClr val="FFFFFF"/>
-                  </a:gs>
-                </a:gsLst>
-                <a:lin ang="5400000" scaled="0"/>
-              </a:gradFill>
+              <a:solidFill>
+                <a:schemeClr val="bg1">
+                  <a:lumMod val="50000"/>
+                </a:schemeClr>
+              </a:solidFill>
               <a:ea typeface="Segoe UI" pitchFamily="34" charset="0"/>
               <a:cs typeface="Segoe UI" pitchFamily="34" charset="0"/>
             </a:endParaRPr>
@@ -25844,8 +23324,8 @@
         </p:nvSpPr>
         <p:spPr bwMode="auto">
           <a:xfrm>
-            <a:off x="7417549" y="4204330"/>
-            <a:ext cx="770320" cy="693337"/>
+            <a:off x="4193433" y="3207423"/>
+            <a:ext cx="1891278" cy="613384"/>
           </a:xfrm>
           <a:prstGeom prst="roundRect">
             <a:avLst/>
@@ -25894,183 +23374,27 @@
                 <a:spcPct val="0"/>
               </a:spcAft>
             </a:pPr>
+            <a:r>
+              <a:rPr lang="en-US" sz="2200" dirty="0" smtClean="0">
+                <a:solidFill>
+                  <a:schemeClr val="bg1">
+                    <a:lumMod val="50000"/>
+                  </a:schemeClr>
+                </a:solidFill>
+                <a:ea typeface="Segoe UI" pitchFamily="34" charset="0"/>
+                <a:cs typeface="Segoe UI" pitchFamily="34" charset="0"/>
+              </a:rPr>
+              <a:t>App Web</a:t>
+            </a:r>
             <a:endParaRPr lang="en-US" sz="2200" dirty="0" smtClean="0">
-              <a:gradFill>
-                <a:gsLst>
-                  <a:gs pos="0">
-                    <a:srgbClr val="FFFFFF"/>
-                  </a:gs>
-                  <a:gs pos="100000">
-                    <a:srgbClr val="FFFFFF"/>
-                  </a:gs>
-                </a:gsLst>
-                <a:lin ang="5400000" scaled="0"/>
-              </a:gradFill>
+              <a:solidFill>
+                <a:schemeClr val="bg1">
+                  <a:lumMod val="50000"/>
+                </a:schemeClr>
+              </a:solidFill>
               <a:ea typeface="Segoe UI" pitchFamily="34" charset="0"/>
               <a:cs typeface="Segoe UI" pitchFamily="34" charset="0"/>
             </a:endParaRPr>
-          </a:p>
-        </p:txBody>
-      </p:sp>
-      <p:sp>
-        <p:nvSpPr>
-          <p:cNvPr id="33" name="TextBox 32"/>
-          <p:cNvSpPr txBox="1"/>
-          <p:nvPr/>
-        </p:nvSpPr>
-        <p:spPr>
-          <a:xfrm>
-            <a:off x="7571803" y="4304776"/>
-            <a:ext cx="455894" cy="492443"/>
-          </a:xfrm>
-          <a:prstGeom prst="rect">
-            <a:avLst/>
-          </a:prstGeom>
-          <a:noFill/>
-        </p:spPr>
-        <p:txBody>
-          <a:bodyPr wrap="none" lIns="0" tIns="0" rIns="0" bIns="0" rtlCol="0">
-            <a:spAutoFit/>
-          </a:bodyPr>
-          <a:lstStyle/>
-          <a:p>
-            <a:pPr algn="ctr"/>
-            <a:r>
-              <a:rPr lang="en-US" sz="1600" spc="-70" dirty="0" smtClean="0">
-                <a:gradFill>
-                  <a:gsLst>
-                    <a:gs pos="2917">
-                      <a:schemeClr val="bg2"/>
-                    </a:gs>
-                    <a:gs pos="95000">
-                      <a:schemeClr val="bg2"/>
-                    </a:gs>
-                  </a:gsLst>
-                  <a:lin ang="5400000" scaled="0"/>
-                </a:gradFill>
-              </a:rPr>
-              <a:t>App</a:t>
-            </a:r>
-            <a:br>
-              <a:rPr lang="en-US" sz="1600" spc="-70" dirty="0" smtClean="0">
-                <a:gradFill>
-                  <a:gsLst>
-                    <a:gs pos="2917">
-                      <a:schemeClr val="bg2"/>
-                    </a:gs>
-                    <a:gs pos="95000">
-                      <a:schemeClr val="bg2"/>
-                    </a:gs>
-                  </a:gsLst>
-                  <a:lin ang="5400000" scaled="0"/>
-                </a:gradFill>
-              </a:rPr>
-            </a:br>
-            <a:r>
-              <a:rPr lang="en-US" sz="1600" spc="-70" dirty="0" smtClean="0">
-                <a:gradFill>
-                  <a:gsLst>
-                    <a:gs pos="2917">
-                      <a:schemeClr val="bg2"/>
-                    </a:gs>
-                    <a:gs pos="95000">
-                      <a:schemeClr val="bg2"/>
-                    </a:gs>
-                  </a:gsLst>
-                  <a:lin ang="5400000" scaled="0"/>
-                </a:gradFill>
-              </a:rPr>
-              <a:t>Web</a:t>
-            </a:r>
-            <a:r>
-              <a:rPr lang="en-US" sz="1600" spc="-70" baseline="30000" dirty="0" smtClean="0">
-                <a:gradFill>
-                  <a:gsLst>
-                    <a:gs pos="2917">
-                      <a:schemeClr val="bg2"/>
-                    </a:gs>
-                    <a:gs pos="95000">
-                      <a:schemeClr val="bg2"/>
-                    </a:gs>
-                  </a:gsLst>
-                  <a:lin ang="5400000" scaled="0"/>
-                </a:gradFill>
-              </a:rPr>
-              <a:t>1</a:t>
-            </a:r>
-          </a:p>
-        </p:txBody>
-      </p:sp>
-      <p:sp>
-        <p:nvSpPr>
-          <p:cNvPr id="36" name="TextBox 35"/>
-          <p:cNvSpPr txBox="1"/>
-          <p:nvPr/>
-        </p:nvSpPr>
-        <p:spPr>
-          <a:xfrm>
-            <a:off x="6899973" y="3413439"/>
-            <a:ext cx="388120" cy="492443"/>
-          </a:xfrm>
-          <a:prstGeom prst="rect">
-            <a:avLst/>
-          </a:prstGeom>
-          <a:noFill/>
-        </p:spPr>
-        <p:txBody>
-          <a:bodyPr wrap="none" lIns="0" tIns="0" rIns="0" bIns="0" rtlCol="0">
-            <a:spAutoFit/>
-          </a:bodyPr>
-          <a:lstStyle/>
-          <a:p>
-            <a:pPr algn="ctr"/>
-            <a:r>
-              <a:rPr lang="en-US" sz="1600" spc="-70" dirty="0" smtClean="0">
-                <a:gradFill>
-                  <a:gsLst>
-                    <a:gs pos="2917">
-                      <a:schemeClr val="bg2"/>
-                    </a:gs>
-                    <a:gs pos="95000">
-                      <a:schemeClr val="bg2"/>
-                    </a:gs>
-                  </a:gsLst>
-                  <a:lin ang="5400000" scaled="0"/>
-                </a:gradFill>
-              </a:rPr>
-              <a:t>Host</a:t>
-            </a:r>
-            <a:br>
-              <a:rPr lang="en-US" sz="1600" spc="-70" dirty="0" smtClean="0">
-                <a:gradFill>
-                  <a:gsLst>
-                    <a:gs pos="2917">
-                      <a:schemeClr val="bg2"/>
-                    </a:gs>
-                    <a:gs pos="95000">
-                      <a:schemeClr val="bg2"/>
-                    </a:gs>
-                  </a:gsLst>
-                  <a:lin ang="5400000" scaled="0"/>
-                </a:gradFill>
-              </a:rPr>
-            </a:br>
-            <a:r>
-              <a:rPr lang="en-US" sz="1600" spc="-70" dirty="0" smtClean="0">
-                <a:gradFill>
-                  <a:gsLst>
-                    <a:gs pos="2917">
-                      <a:schemeClr val="bg2"/>
-                    </a:gs>
-                    <a:gs pos="95000">
-                      <a:schemeClr val="bg2"/>
-                    </a:gs>
-                  </a:gsLst>
-                  <a:lin ang="5400000" scaled="0"/>
-                </a:gradFill>
-              </a:rPr>
-              <a:t>Web</a:t>
-            </a:r>
           </a:p>
         </p:txBody>
       </p:sp>
@@ -26085,8 +23409,8 @@
         </p:nvCxnSpPr>
         <p:spPr>
           <a:xfrm rot="16200000" flipH="1">
-            <a:off x="7002394" y="4135844"/>
-            <a:ext cx="543766" cy="286544"/>
+            <a:off x="3762531" y="3083212"/>
+            <a:ext cx="567715" cy="294089"/>
           </a:xfrm>
           <a:prstGeom prst="bentConnector2">
             <a:avLst/>
@@ -26122,7 +23446,7 @@
         </p:nvSpPr>
         <p:spPr>
           <a:xfrm>
-            <a:off x="8052129" y="3495561"/>
+            <a:off x="4872628" y="2093923"/>
             <a:ext cx="1537399" cy="738664"/>
           </a:xfrm>
           <a:prstGeom prst="rect">
@@ -26143,106 +23467,36 @@
                   <a:schemeClr val="bg1"/>
                 </a:solidFill>
               </a:rPr>
-              <a:t>SharePoint Online</a:t>
-            </a:r>
+              <a:t>SharePoint </a:t>
+            </a:r>
+            <a:r>
+              <a:rPr lang="en-US" sz="2400" spc="-70" dirty="0" smtClean="0">
+                <a:solidFill>
+                  <a:schemeClr val="bg1"/>
+                </a:solidFill>
+              </a:rPr>
+              <a:t>2013</a:t>
+            </a:r>
+            <a:endParaRPr lang="en-US" sz="2400" spc="-70" dirty="0" smtClean="0">
+              <a:solidFill>
+                <a:schemeClr val="bg1"/>
+              </a:solidFill>
+            </a:endParaRPr>
           </a:p>
         </p:txBody>
       </p:sp>
       <p:cxnSp>
         <p:nvCxnSpPr>
-          <p:cNvPr id="19" name="Elbow Connector 18"/>
+          <p:cNvPr id="55" name="Elbow Connector 54"/>
           <p:cNvCxnSpPr>
-            <a:stCxn id="32" idx="1"/>
-            <a:endCxn id="4" idx="3"/>
+            <a:stCxn id="29" idx="1"/>
           </p:cNvCxnSpPr>
           <p:nvPr/>
         </p:nvCxnSpPr>
         <p:spPr>
-          <a:xfrm rot="10800000">
-            <a:off x="4933741" y="3414377"/>
-            <a:ext cx="2483809" cy="1136622"/>
-          </a:xfrm>
-          <a:prstGeom prst="bentConnector3">
-            <a:avLst/>
-          </a:prstGeom>
-          <a:ln>
-            <a:solidFill>
-              <a:schemeClr val="tx1"/>
-            </a:solidFill>
-            <a:headEnd type="triangle"/>
-            <a:tailEnd type="triangle"/>
-          </a:ln>
-        </p:spPr>
-        <p:style>
-          <a:lnRef idx="1">
-            <a:schemeClr val="accent1"/>
-          </a:lnRef>
-          <a:fillRef idx="0">
-            <a:schemeClr val="accent1"/>
-          </a:fillRef>
-          <a:effectRef idx="0">
-            <a:schemeClr val="accent1"/>
-          </a:effectRef>
-          <a:fontRef idx="minor">
-            <a:schemeClr val="tx1"/>
-          </a:fontRef>
-        </p:style>
-      </p:cxnSp>
-      <p:cxnSp>
-        <p:nvCxnSpPr>
-          <p:cNvPr id="38" name="Elbow Connector 37"/>
-          <p:cNvCxnSpPr>
-            <a:stCxn id="29" idx="1"/>
-            <a:endCxn id="4" idx="3"/>
-          </p:cNvCxnSpPr>
-          <p:nvPr/>
-        </p:nvCxnSpPr>
-        <p:spPr>
-          <a:xfrm rot="10800000">
-            <a:off x="4933741" y="3414377"/>
-            <a:ext cx="1812105" cy="246188"/>
-          </a:xfrm>
-          <a:prstGeom prst="bentConnector3">
-            <a:avLst>
-              <a:gd name="adj1" fmla="val 50000"/>
-            </a:avLst>
-          </a:prstGeom>
-          <a:ln>
-            <a:solidFill>
-              <a:schemeClr val="tx1"/>
-            </a:solidFill>
-            <a:headEnd type="triangle"/>
-            <a:tailEnd type="triangle"/>
-          </a:ln>
-        </p:spPr>
-        <p:style>
-          <a:lnRef idx="1">
-            <a:schemeClr val="accent1"/>
-          </a:lnRef>
-          <a:fillRef idx="0">
-            <a:schemeClr val="accent1"/>
-          </a:fillRef>
-          <a:effectRef idx="0">
-            <a:schemeClr val="accent1"/>
-          </a:effectRef>
-          <a:fontRef idx="minor">
-            <a:schemeClr val="tx1"/>
-          </a:fontRef>
-        </p:style>
-      </p:cxnSp>
-      <p:cxnSp>
-        <p:nvCxnSpPr>
-          <p:cNvPr id="55" name="Elbow Connector 54"/>
-          <p:cNvCxnSpPr>
-            <a:stCxn id="4" idx="2"/>
-            <a:endCxn id="7" idx="3"/>
-          </p:cNvCxnSpPr>
-          <p:nvPr/>
-        </p:nvCxnSpPr>
-        <p:spPr>
-          <a:xfrm rot="16200000" flipH="1">
-            <a:off x="4137061" y="4157852"/>
-            <a:ext cx="987179" cy="1976247"/>
+          <a:xfrm rot="10800000" flipV="1">
+            <a:off x="1883646" y="2538473"/>
+            <a:ext cx="1127068" cy="1917742"/>
           </a:xfrm>
           <a:prstGeom prst="bentConnector2">
             <a:avLst/>
@@ -26274,15 +23528,14 @@
         <p:nvCxnSpPr>
           <p:cNvPr id="57" name="Elbow Connector 56"/>
           <p:cNvCxnSpPr>
-            <a:stCxn id="6" idx="2"/>
-            <a:endCxn id="7" idx="1"/>
+            <a:stCxn id="32" idx="2"/>
           </p:cNvCxnSpPr>
           <p:nvPr/>
         </p:nvCxnSpPr>
         <p:spPr>
           <a:xfrm rot="5400000">
-            <a:off x="7151625" y="4541495"/>
-            <a:ext cx="514907" cy="1681234"/>
+            <a:off x="3321508" y="3086749"/>
+            <a:ext cx="1083506" cy="2551622"/>
           </a:xfrm>
           <a:prstGeom prst="bentConnector2">
             <a:avLst/>
@@ -26310,169 +23563,19 @@
           </a:fontRef>
         </p:style>
       </p:cxnSp>
-      <p:sp>
-        <p:nvSpPr>
-          <p:cNvPr id="58" name="TextBox 57"/>
-          <p:cNvSpPr txBox="1"/>
-          <p:nvPr/>
-        </p:nvSpPr>
-        <p:spPr>
-          <a:xfrm>
-            <a:off x="7417549" y="5683932"/>
-            <a:ext cx="3779561" cy="492443"/>
-          </a:xfrm>
-          <a:prstGeom prst="rect">
-            <a:avLst/>
-          </a:prstGeom>
-          <a:noFill/>
-        </p:spPr>
-        <p:txBody>
-          <a:bodyPr wrap="none" lIns="0" tIns="0" rIns="0" bIns="0" rtlCol="0">
-            <a:spAutoFit/>
-          </a:bodyPr>
-          <a:lstStyle/>
-          <a:p>
-            <a:r>
-              <a:rPr lang="en-US" sz="1600" spc="-70" baseline="30000" dirty="0" smtClean="0">
-                <a:gradFill>
-                  <a:gsLst>
-                    <a:gs pos="2917">
-                      <a:schemeClr val="bg2"/>
-                    </a:gs>
-                    <a:gs pos="95000">
-                      <a:schemeClr val="bg2"/>
-                    </a:gs>
-                  </a:gsLst>
-                  <a:lin ang="5400000" scaled="0"/>
-                </a:gradFill>
-              </a:rPr>
-              <a:t>1</a:t>
-            </a:r>
-            <a:r>
-              <a:rPr lang="en-US" sz="1600" spc="-70" dirty="0" smtClean="0">
-                <a:gradFill>
-                  <a:gsLst>
-                    <a:gs pos="2917">
-                      <a:schemeClr val="bg2"/>
-                    </a:gs>
-                    <a:gs pos="95000">
-                      <a:schemeClr val="bg2"/>
-                    </a:gs>
-                  </a:gsLst>
-                  <a:lin ang="5400000" scaled="0"/>
-                </a:gradFill>
-              </a:rPr>
-              <a:t>App Web presence is dependent upon</a:t>
-            </a:r>
-          </a:p>
-          <a:p>
-            <a:r>
-              <a:rPr lang="en-US" sz="1600" spc="-70" dirty="0" smtClean="0">
-                <a:gradFill>
-                  <a:gsLst>
-                    <a:gs pos="2917">
-                      <a:schemeClr val="bg2"/>
-                    </a:gs>
-                    <a:gs pos="95000">
-                      <a:schemeClr val="bg2"/>
-                    </a:gs>
-                  </a:gsLst>
-                  <a:lin ang="5400000" scaled="0"/>
-                </a:gradFill>
-              </a:rPr>
-              <a:t>  whether or not artifacts like lists are deployed</a:t>
-            </a:r>
-          </a:p>
-        </p:txBody>
-      </p:sp>
-      <p:sp>
-        <p:nvSpPr>
-          <p:cNvPr id="61" name="Flowchart: Magnetic Disk 60"/>
-          <p:cNvSpPr/>
-          <p:nvPr/>
-        </p:nvSpPr>
-        <p:spPr bwMode="auto">
-          <a:xfrm>
-            <a:off x="7084086" y="1231873"/>
-            <a:ext cx="2703009" cy="874207"/>
-          </a:xfrm>
-          <a:prstGeom prst="flowChartMagneticDisk">
-            <a:avLst/>
-          </a:prstGeom>
-          <a:solidFill>
-            <a:srgbClr val="0070C0"/>
-          </a:solidFill>
-          <a:ln>
-            <a:solidFill>
-              <a:schemeClr val="tx1"/>
-            </a:solidFill>
-            <a:headEnd type="none" w="med" len="med"/>
-            <a:tailEnd type="none" w="med" len="med"/>
-          </a:ln>
-          <a:effectLst/>
-        </p:spPr>
-        <p:style>
-          <a:lnRef idx="1">
-            <a:schemeClr val="accent2"/>
-          </a:lnRef>
-          <a:fillRef idx="3">
-            <a:schemeClr val="accent2"/>
-          </a:fillRef>
-          <a:effectRef idx="2">
-            <a:schemeClr val="accent2"/>
-          </a:effectRef>
-          <a:fontRef idx="minor">
-            <a:schemeClr val="lt1"/>
-          </a:fontRef>
-        </p:style>
-        <p:txBody>
-          <a:bodyPr rot="0" spcFirstLastPara="0" vertOverflow="overflow" horzOverflow="overflow" vert="horz" wrap="square" lIns="45720" tIns="45720" rIns="45720" bIns="45720" numCol="1" spcCol="0" rtlCol="0" fromWordArt="0" anchor="ctr" anchorCtr="0" forceAA="0" compatLnSpc="1">
-            <a:prstTxWarp prst="textNoShape">
-              <a:avLst/>
-            </a:prstTxWarp>
-            <a:noAutofit/>
-          </a:bodyPr>
-          <a:lstStyle/>
-          <a:p>
-            <a:pPr algn="ctr" defTabSz="914099" fontAlgn="base">
-              <a:spcBef>
-                <a:spcPct val="0"/>
-              </a:spcBef>
-              <a:spcAft>
-                <a:spcPct val="0"/>
-              </a:spcAft>
-            </a:pPr>
-            <a:r>
-              <a:rPr lang="en-US" sz="2200" dirty="0" smtClean="0">
-                <a:gradFill>
-                  <a:gsLst>
-                    <a:gs pos="0">
-                      <a:srgbClr val="FFFFFF"/>
-                    </a:gs>
-                    <a:gs pos="100000">
-                      <a:srgbClr val="FFFFFF"/>
-                    </a:gs>
-                  </a:gsLst>
-                  <a:lin ang="5400000" scaled="0"/>
-                </a:gradFill>
-                <a:ea typeface="Segoe UI" pitchFamily="34" charset="0"/>
-                <a:cs typeface="Segoe UI" pitchFamily="34" charset="0"/>
-              </a:rPr>
-              <a:t>SQL Azure</a:t>
-            </a:r>
-          </a:p>
-        </p:txBody>
-      </p:sp>
       <p:cxnSp>
         <p:nvCxnSpPr>
-          <p:cNvPr id="64" name="Elbow Connector 63"/>
-          <p:cNvCxnSpPr/>
+          <p:cNvPr id="21" name="Elbow Connector 20"/>
+          <p:cNvCxnSpPr>
+            <a:stCxn id="5" idx="2"/>
+            <a:endCxn id="32" idx="3"/>
+          </p:cNvCxnSpPr>
           <p:nvPr/>
         </p:nvCxnSpPr>
         <p:spPr>
           <a:xfrm rot="10800000" flipV="1">
-            <a:off x="4946948" y="1668976"/>
-            <a:ext cx="2127090" cy="1644919"/>
+            <a:off x="6084712" y="2975577"/>
+            <a:ext cx="2511169" cy="538538"/>
           </a:xfrm>
           <a:prstGeom prst="bentConnector3">
             <a:avLst/>
@@ -26542,103 +23645,125 @@
       </p:grpSpPr>
       <p:sp>
         <p:nvSpPr>
-          <p:cNvPr id="27" name="Rectangle 26"/>
-          <p:cNvSpPr/>
-          <p:nvPr/>
-        </p:nvSpPr>
-        <p:spPr bwMode="auto">
+          <p:cNvPr id="2" name="Text Placeholder 1"/>
+          <p:cNvSpPr>
+            <a:spLocks noGrp="1"/>
+          </p:cNvSpPr>
+          <p:nvPr>
+            <p:ph type="body" sz="quarter" idx="10"/>
+          </p:nvPr>
+        </p:nvSpPr>
+        <p:spPr>
           <a:xfrm>
-            <a:off x="1889090" y="1408577"/>
-            <a:ext cx="3466681" cy="3716083"/>
+            <a:off x="519112" y="1447799"/>
+            <a:ext cx="11149013" cy="4478868"/>
           </a:xfrm>
-          <a:prstGeom prst="rect">
-            <a:avLst/>
-          </a:prstGeom>
-          <a:solidFill>
-            <a:srgbClr val="EB3C00"/>
-          </a:solidFill>
-          <a:ln>
-            <a:noFill/>
-            <a:headEnd type="none" w="med" len="med"/>
-            <a:tailEnd type="none" w="med" len="med"/>
-          </a:ln>
-          <a:effectLst/>
         </p:spPr>
-        <p:style>
-          <a:lnRef idx="1">
-            <a:schemeClr val="accent2"/>
-          </a:lnRef>
-          <a:fillRef idx="3">
-            <a:schemeClr val="accent2"/>
-          </a:fillRef>
-          <a:effectRef idx="2">
-            <a:schemeClr val="accent2"/>
-          </a:effectRef>
-          <a:fontRef idx="minor">
-            <a:schemeClr val="lt1"/>
-          </a:fontRef>
-        </p:style>
-        <p:txBody>
-          <a:bodyPr rot="0" spcFirstLastPara="0" vertOverflow="overflow" horzOverflow="overflow" vert="horz" wrap="square" lIns="45720" tIns="45720" rIns="45720" bIns="45720" numCol="1" spcCol="0" rtlCol="0" fromWordArt="0" anchor="ctr" anchorCtr="0" forceAA="0" compatLnSpc="1">
-            <a:prstTxWarp prst="textNoShape">
-              <a:avLst/>
-            </a:prstTxWarp>
-            <a:noAutofit/>
-          </a:bodyPr>
-          <a:lstStyle/>
-          <a:p>
-            <a:pPr algn="ctr" defTabSz="914099" fontAlgn="base">
-              <a:spcBef>
-                <a:spcPct val="0"/>
-              </a:spcBef>
-              <a:spcAft>
-                <a:spcPct val="0"/>
-              </a:spcAft>
-            </a:pPr>
-            <a:endParaRPr lang="en-US" sz="2200" dirty="0" smtClean="0">
-              <a:gradFill>
-                <a:gsLst>
-                  <a:gs pos="0">
-                    <a:srgbClr val="FFFFFF"/>
-                  </a:gs>
-                  <a:gs pos="100000">
-                    <a:srgbClr val="FFFFFF"/>
-                  </a:gs>
-                </a:gsLst>
-                <a:lin ang="5400000" scaled="0"/>
-              </a:gradFill>
-              <a:ea typeface="Segoe UI" pitchFamily="34" charset="0"/>
-              <a:cs typeface="Segoe UI" pitchFamily="34" charset="0"/>
-            </a:endParaRPr>
-          </a:p>
-        </p:txBody>
-      </p:sp>
-      <p:sp>
-        <p:nvSpPr>
-          <p:cNvPr id="2" name="Title 1"/>
-          <p:cNvSpPr>
-            <a:spLocks noGrp="1"/>
-          </p:cNvSpPr>
-          <p:nvPr>
-            <p:ph type="title"/>
-          </p:nvPr>
-        </p:nvSpPr>
-        <p:spPr/>
         <p:txBody>
           <a:bodyPr/>
           <a:lstStyle/>
           <a:p>
             <a:r>
               <a:rPr lang="en-US" dirty="0" smtClean="0"/>
-              <a:t>On Premises Architecture</a:t>
-            </a:r>
+              <a:t>App Web is isolated in its own domain</a:t>
+            </a:r>
+          </a:p>
+          <a:p>
+            <a:pPr lvl="1"/>
+            <a:r>
+              <a:rPr lang="en-US" dirty="0" smtClean="0"/>
+              <a:t>Enforces “Same Origin” policy for the app</a:t>
+            </a:r>
+          </a:p>
+          <a:p>
+            <a:pPr lvl="1"/>
+            <a:r>
+              <a:rPr lang="en-US" dirty="0" smtClean="0"/>
+              <a:t>Allows for authentication and authorization when calls are made to the host web</a:t>
+            </a:r>
+          </a:p>
+          <a:p>
+            <a:r>
+              <a:rPr lang="en-US" dirty="0" smtClean="0"/>
+              <a:t>Each app has it’s own unique URL</a:t>
+            </a:r>
+          </a:p>
+          <a:p>
+            <a:pPr lvl="1"/>
+            <a:r>
+              <a:rPr lang="en-US" dirty="0" smtClean="0"/>
+              <a:t>Tenancy – your organization’s tenancy</a:t>
+            </a:r>
+          </a:p>
+          <a:p>
+            <a:pPr lvl="1"/>
+            <a:r>
+              <a:rPr lang="en-US" dirty="0" smtClean="0"/>
+              <a:t>App Unique Identifier – unique generated identifier for the app instance</a:t>
+            </a:r>
+          </a:p>
+          <a:p>
+            <a:pPr lvl="1"/>
+            <a:r>
+              <a:rPr lang="en-US" dirty="0" smtClean="0"/>
+              <a:t>Hosting Domain – defined for each farm</a:t>
+            </a:r>
+          </a:p>
+          <a:p>
+            <a:pPr lvl="1"/>
+            <a:r>
+              <a:rPr lang="en-US" dirty="0" smtClean="0"/>
+              <a:t>App Name – contained in the app manifest</a:t>
+            </a:r>
+          </a:p>
+          <a:p>
+            <a:pPr lvl="1"/>
             <a:endParaRPr lang="en-US" dirty="0"/>
           </a:p>
-        </p:txBody>
-      </p:sp>
-      <p:sp>
-        <p:nvSpPr>
-          <p:cNvPr id="3" name="Slide Number Placeholder 2"/>
+          <a:p>
+            <a:pPr lvl="1"/>
+            <a:r>
+              <a:rPr lang="en-US" dirty="0" smtClean="0">
+                <a:solidFill>
+                  <a:srgbClr val="0042AC"/>
+                </a:solidFill>
+              </a:rPr>
+              <a:t>https://[tenancy]-[appuid].[hostingdomain]/[appname]</a:t>
+            </a:r>
+            <a:endParaRPr lang="en-US" dirty="0">
+              <a:solidFill>
+                <a:srgbClr val="0042AC"/>
+              </a:solidFill>
+            </a:endParaRPr>
+          </a:p>
+        </p:txBody>
+      </p:sp>
+      <p:sp>
+        <p:nvSpPr>
+          <p:cNvPr id="3" name="Title 2"/>
+          <p:cNvSpPr>
+            <a:spLocks noGrp="1"/>
+          </p:cNvSpPr>
+          <p:nvPr>
+            <p:ph type="title"/>
+          </p:nvPr>
+        </p:nvSpPr>
+        <p:spPr/>
+        <p:txBody>
+          <a:bodyPr/>
+          <a:lstStyle/>
+          <a:p>
+            <a:r>
+              <a:rPr lang="en-US" dirty="0" smtClean="0"/>
+              <a:t>The App Web</a:t>
+            </a:r>
+            <a:endParaRPr lang="en-US" dirty="0"/>
+          </a:p>
+        </p:txBody>
+      </p:sp>
+      <p:sp>
+        <p:nvSpPr>
+          <p:cNvPr id="4" name="Slide Number Placeholder 3"/>
           <p:cNvSpPr>
             <a:spLocks noGrp="1"/>
           </p:cNvSpPr>
@@ -26660,1093 +23785,10 @@
           </a:p>
         </p:txBody>
       </p:sp>
-      <p:sp>
-        <p:nvSpPr>
-          <p:cNvPr id="4" name="Rectangle 3"/>
-          <p:cNvSpPr/>
-          <p:nvPr/>
-        </p:nvSpPr>
-        <p:spPr bwMode="auto">
-          <a:xfrm>
-            <a:off x="2351314" y="2304401"/>
-            <a:ext cx="2582426" cy="2347986"/>
-          </a:xfrm>
-          <a:prstGeom prst="rect">
-            <a:avLst/>
-          </a:prstGeom>
-          <a:solidFill>
-            <a:schemeClr val="accent1">
-              <a:lumMod val="20000"/>
-              <a:lumOff val="80000"/>
-            </a:schemeClr>
-          </a:solidFill>
-          <a:ln>
-            <a:noFill/>
-            <a:headEnd type="none" w="med" len="med"/>
-            <a:tailEnd type="none" w="med" len="med"/>
-          </a:ln>
-          <a:effectLst/>
-        </p:spPr>
-        <p:style>
-          <a:lnRef idx="1">
-            <a:schemeClr val="accent2"/>
-          </a:lnRef>
-          <a:fillRef idx="3">
-            <a:schemeClr val="accent2"/>
-          </a:fillRef>
-          <a:effectRef idx="2">
-            <a:schemeClr val="accent2"/>
-          </a:effectRef>
-          <a:fontRef idx="minor">
-            <a:schemeClr val="lt1"/>
-          </a:fontRef>
-        </p:style>
-        <p:txBody>
-          <a:bodyPr rot="0" spcFirstLastPara="0" vertOverflow="overflow" horzOverflow="overflow" vert="horz" wrap="square" lIns="45720" tIns="45720" rIns="45720" bIns="45720" numCol="1" spcCol="0" rtlCol="0" fromWordArt="0" anchor="ctr" anchorCtr="0" forceAA="0" compatLnSpc="1">
-            <a:prstTxWarp prst="textNoShape">
-              <a:avLst/>
-            </a:prstTxWarp>
-            <a:noAutofit/>
-          </a:bodyPr>
-          <a:lstStyle/>
-          <a:p>
-            <a:pPr algn="ctr" defTabSz="914099" fontAlgn="base">
-              <a:spcBef>
-                <a:spcPct val="0"/>
-              </a:spcBef>
-              <a:spcAft>
-                <a:spcPct val="0"/>
-              </a:spcAft>
-            </a:pPr>
-            <a:r>
-              <a:rPr lang="en-US" sz="2200" dirty="0" smtClean="0">
-                <a:solidFill>
-                  <a:schemeClr val="bg1">
-                    <a:lumMod val="50000"/>
-                  </a:schemeClr>
-                </a:solidFill>
-                <a:ea typeface="Segoe UI" pitchFamily="34" charset="0"/>
-                <a:cs typeface="Segoe UI" pitchFamily="34" charset="0"/>
-              </a:rPr>
-              <a:t>Remote Web</a:t>
-            </a:r>
-          </a:p>
-        </p:txBody>
-      </p:sp>
-      <p:sp>
-        <p:nvSpPr>
-          <p:cNvPr id="5" name="Flowchart: Magnetic Disk 4"/>
-          <p:cNvSpPr/>
-          <p:nvPr/>
-        </p:nvSpPr>
-        <p:spPr bwMode="auto">
-          <a:xfrm>
-            <a:off x="7084087" y="2176366"/>
-            <a:ext cx="2703008" cy="874207"/>
-          </a:xfrm>
-          <a:prstGeom prst="flowChartMagneticDisk">
-            <a:avLst/>
-          </a:prstGeom>
-          <a:solidFill>
-            <a:srgbClr val="0070C0"/>
-          </a:solidFill>
-          <a:ln>
-            <a:solidFill>
-              <a:schemeClr val="tx1"/>
-            </a:solidFill>
-            <a:headEnd type="none" w="med" len="med"/>
-            <a:tailEnd type="none" w="med" len="med"/>
-          </a:ln>
-          <a:effectLst/>
-        </p:spPr>
-        <p:style>
-          <a:lnRef idx="1">
-            <a:schemeClr val="accent2"/>
-          </a:lnRef>
-          <a:fillRef idx="3">
-            <a:schemeClr val="accent2"/>
-          </a:fillRef>
-          <a:effectRef idx="2">
-            <a:schemeClr val="accent2"/>
-          </a:effectRef>
-          <a:fontRef idx="minor">
-            <a:schemeClr val="lt1"/>
-          </a:fontRef>
-        </p:style>
-        <p:txBody>
-          <a:bodyPr rot="0" spcFirstLastPara="0" vertOverflow="overflow" horzOverflow="overflow" vert="horz" wrap="square" lIns="45720" tIns="45720" rIns="45720" bIns="45720" numCol="1" spcCol="0" rtlCol="0" fromWordArt="0" anchor="ctr" anchorCtr="0" forceAA="0" compatLnSpc="1">
-            <a:prstTxWarp prst="textNoShape">
-              <a:avLst/>
-            </a:prstTxWarp>
-            <a:noAutofit/>
-          </a:bodyPr>
-          <a:lstStyle/>
-          <a:p>
-            <a:pPr algn="ctr" defTabSz="914099" fontAlgn="base">
-              <a:spcBef>
-                <a:spcPct val="0"/>
-              </a:spcBef>
-              <a:spcAft>
-                <a:spcPct val="0"/>
-              </a:spcAft>
-            </a:pPr>
-            <a:r>
-              <a:rPr lang="en-US" sz="2200" dirty="0" smtClean="0">
-                <a:gradFill>
-                  <a:gsLst>
-                    <a:gs pos="0">
-                      <a:srgbClr val="FFFFFF"/>
-                    </a:gs>
-                    <a:gs pos="100000">
-                      <a:srgbClr val="FFFFFF"/>
-                    </a:gs>
-                  </a:gsLst>
-                  <a:lin ang="5400000" scaled="0"/>
-                </a:gradFill>
-                <a:ea typeface="Segoe UI" pitchFamily="34" charset="0"/>
-                <a:cs typeface="Segoe UI" pitchFamily="34" charset="0"/>
-              </a:rPr>
-              <a:t>Web Services</a:t>
-            </a:r>
-          </a:p>
-        </p:txBody>
-      </p:sp>
-      <p:pic>
-        <p:nvPicPr>
-          <p:cNvPr id="7" name="Picture 6"/>
-          <p:cNvPicPr>
-            <a:picLocks noChangeAspect="1"/>
-          </p:cNvPicPr>
-          <p:nvPr/>
-        </p:nvPicPr>
-        <p:blipFill>
-          <a:blip r:embed="rId3">
-            <a:extLst>
-              <a:ext uri="{28A0092B-C50C-407E-A947-70E740481C1C}">
-                <a14:useLocalDpi xmlns:a14="http://schemas.microsoft.com/office/drawing/2010/main" val="0"/>
-              </a:ext>
-            </a:extLst>
-          </a:blip>
-          <a:stretch>
-            <a:fillRect/>
-          </a:stretch>
-        </p:blipFill>
-        <p:spPr>
-          <a:xfrm flipH="1">
-            <a:off x="5618774" y="5124659"/>
-            <a:ext cx="949687" cy="1029813"/>
-          </a:xfrm>
-          <a:prstGeom prst="rect">
-            <a:avLst/>
-          </a:prstGeom>
-        </p:spPr>
-      </p:pic>
-      <p:cxnSp>
-        <p:nvCxnSpPr>
-          <p:cNvPr id="21" name="Elbow Connector 20"/>
-          <p:cNvCxnSpPr>
-            <a:stCxn id="5" idx="2"/>
-            <a:endCxn id="4" idx="3"/>
-          </p:cNvCxnSpPr>
-          <p:nvPr/>
-        </p:nvCxnSpPr>
-        <p:spPr>
-          <a:xfrm rot="10800000" flipV="1">
-            <a:off x="4933741" y="2613470"/>
-            <a:ext cx="2150347" cy="864924"/>
-          </a:xfrm>
-          <a:prstGeom prst="bentConnector3">
-            <a:avLst/>
-          </a:prstGeom>
-          <a:ln>
-            <a:solidFill>
-              <a:schemeClr val="tx1"/>
-            </a:solidFill>
-            <a:headEnd type="triangle"/>
-            <a:tailEnd type="triangle"/>
-          </a:ln>
-        </p:spPr>
-        <p:style>
-          <a:lnRef idx="1">
-            <a:schemeClr val="accent1"/>
-          </a:lnRef>
-          <a:fillRef idx="0">
-            <a:schemeClr val="accent1"/>
-          </a:fillRef>
-          <a:effectRef idx="0">
-            <a:schemeClr val="accent1"/>
-          </a:effectRef>
-          <a:fontRef idx="minor">
-            <a:schemeClr val="tx1"/>
-          </a:fontRef>
-        </p:style>
-      </p:cxnSp>
-      <p:sp>
-        <p:nvSpPr>
-          <p:cNvPr id="28" name="TextBox 27"/>
-          <p:cNvSpPr txBox="1"/>
-          <p:nvPr/>
-        </p:nvSpPr>
-        <p:spPr>
-          <a:xfrm>
-            <a:off x="2338106" y="1487157"/>
-            <a:ext cx="2567626" cy="738664"/>
-          </a:xfrm>
-          <a:prstGeom prst="rect">
-            <a:avLst/>
-          </a:prstGeom>
-          <a:noFill/>
-        </p:spPr>
-        <p:txBody>
-          <a:bodyPr wrap="none" lIns="0" tIns="0" rIns="0" bIns="0" rtlCol="0">
-            <a:spAutoFit/>
-          </a:bodyPr>
-          <a:lstStyle/>
-          <a:p>
-            <a:pPr algn="ctr"/>
-            <a:r>
-              <a:rPr lang="en-US" sz="2400" spc="-70" dirty="0" smtClean="0">
-                <a:solidFill>
-                  <a:schemeClr val="bg1"/>
-                </a:solidFill>
-              </a:rPr>
-              <a:t>Internet Information</a:t>
-            </a:r>
-            <a:br>
-              <a:rPr lang="en-US" sz="2400" spc="-70" dirty="0" smtClean="0">
-                <a:solidFill>
-                  <a:schemeClr val="bg1"/>
-                </a:solidFill>
-              </a:rPr>
-            </a:br>
-            <a:r>
-              <a:rPr lang="en-US" sz="2400" spc="-70" dirty="0" smtClean="0">
-                <a:solidFill>
-                  <a:schemeClr val="bg1"/>
-                </a:solidFill>
-              </a:rPr>
-              <a:t>Server</a:t>
-            </a:r>
-          </a:p>
-        </p:txBody>
-      </p:sp>
-      <p:sp>
-        <p:nvSpPr>
-          <p:cNvPr id="6" name="Rounded Rectangle 5"/>
-          <p:cNvSpPr/>
-          <p:nvPr/>
-        </p:nvSpPr>
-        <p:spPr bwMode="auto">
-          <a:xfrm>
-            <a:off x="6591717" y="3223460"/>
-            <a:ext cx="3315956" cy="1901199"/>
-          </a:xfrm>
-          <a:prstGeom prst="roundRect">
-            <a:avLst/>
-          </a:prstGeom>
-          <a:solidFill>
-            <a:srgbClr val="EB3C00"/>
-          </a:solidFill>
-          <a:ln>
-            <a:noFill/>
-            <a:headEnd type="none" w="med" len="med"/>
-            <a:tailEnd type="none" w="med" len="med"/>
-          </a:ln>
-          <a:effectLst/>
-        </p:spPr>
-        <p:style>
-          <a:lnRef idx="1">
-            <a:schemeClr val="accent2"/>
-          </a:lnRef>
-          <a:fillRef idx="3">
-            <a:schemeClr val="accent2"/>
-          </a:fillRef>
-          <a:effectRef idx="2">
-            <a:schemeClr val="accent2"/>
-          </a:effectRef>
-          <a:fontRef idx="minor">
-            <a:schemeClr val="lt1"/>
-          </a:fontRef>
-        </p:style>
-        <p:txBody>
-          <a:bodyPr rot="0" spcFirstLastPara="0" vertOverflow="overflow" horzOverflow="overflow" vert="horz" wrap="square" lIns="45720" tIns="45720" rIns="45720" bIns="45720" numCol="1" spcCol="0" rtlCol="0" fromWordArt="0" anchor="ctr" anchorCtr="0" forceAA="0" compatLnSpc="1">
-            <a:prstTxWarp prst="textNoShape">
-              <a:avLst/>
-            </a:prstTxWarp>
-            <a:noAutofit/>
-          </a:bodyPr>
-          <a:lstStyle/>
-          <a:p>
-            <a:pPr algn="ctr" defTabSz="914099" fontAlgn="base">
-              <a:spcBef>
-                <a:spcPct val="0"/>
-              </a:spcBef>
-              <a:spcAft>
-                <a:spcPct val="0"/>
-              </a:spcAft>
-            </a:pPr>
-            <a:endParaRPr lang="en-US" sz="2200" dirty="0" smtClean="0">
-              <a:gradFill>
-                <a:gsLst>
-                  <a:gs pos="0">
-                    <a:srgbClr val="FFFFFF"/>
-                  </a:gs>
-                  <a:gs pos="100000">
-                    <a:srgbClr val="FFFFFF"/>
-                  </a:gs>
-                </a:gsLst>
-                <a:lin ang="5400000" scaled="0"/>
-              </a:gradFill>
-              <a:ea typeface="Segoe UI" pitchFamily="34" charset="0"/>
-              <a:cs typeface="Segoe UI" pitchFamily="34" charset="0"/>
-            </a:endParaRPr>
-          </a:p>
-        </p:txBody>
-      </p:sp>
-      <p:sp>
-        <p:nvSpPr>
-          <p:cNvPr id="29" name="Rounded Rectangle 28"/>
-          <p:cNvSpPr/>
-          <p:nvPr/>
-        </p:nvSpPr>
-        <p:spPr bwMode="auto">
-          <a:xfrm>
-            <a:off x="6745845" y="3313896"/>
-            <a:ext cx="770320" cy="693337"/>
-          </a:xfrm>
-          <a:prstGeom prst="roundRect">
-            <a:avLst/>
-          </a:prstGeom>
-          <a:solidFill>
-            <a:schemeClr val="accent1">
-              <a:lumMod val="20000"/>
-              <a:lumOff val="80000"/>
-            </a:schemeClr>
-          </a:solidFill>
-          <a:ln>
-            <a:noFill/>
-            <a:headEnd type="none" w="med" len="med"/>
-            <a:tailEnd type="none" w="med" len="med"/>
-          </a:ln>
-          <a:effectLst/>
-        </p:spPr>
-        <p:style>
-          <a:lnRef idx="1">
-            <a:schemeClr val="accent2"/>
-          </a:lnRef>
-          <a:fillRef idx="3">
-            <a:schemeClr val="accent2"/>
-          </a:fillRef>
-          <a:effectRef idx="2">
-            <a:schemeClr val="accent2"/>
-          </a:effectRef>
-          <a:fontRef idx="minor">
-            <a:schemeClr val="lt1"/>
-          </a:fontRef>
-        </p:style>
-        <p:txBody>
-          <a:bodyPr rot="0" spcFirstLastPara="0" vertOverflow="overflow" horzOverflow="overflow" vert="horz" wrap="square" lIns="45720" tIns="45720" rIns="45720" bIns="45720" numCol="1" spcCol="0" rtlCol="0" fromWordArt="0" anchor="ctr" anchorCtr="0" forceAA="0" compatLnSpc="1">
-            <a:prstTxWarp prst="textNoShape">
-              <a:avLst/>
-            </a:prstTxWarp>
-            <a:noAutofit/>
-          </a:bodyPr>
-          <a:lstStyle/>
-          <a:p>
-            <a:pPr algn="ctr" defTabSz="914099" fontAlgn="base">
-              <a:spcBef>
-                <a:spcPct val="0"/>
-              </a:spcBef>
-              <a:spcAft>
-                <a:spcPct val="0"/>
-              </a:spcAft>
-            </a:pPr>
-            <a:endParaRPr lang="en-US" sz="2200" dirty="0" smtClean="0">
-              <a:gradFill>
-                <a:gsLst>
-                  <a:gs pos="0">
-                    <a:srgbClr val="FFFFFF"/>
-                  </a:gs>
-                  <a:gs pos="100000">
-                    <a:srgbClr val="FFFFFF"/>
-                  </a:gs>
-                </a:gsLst>
-                <a:lin ang="5400000" scaled="0"/>
-              </a:gradFill>
-              <a:ea typeface="Segoe UI" pitchFamily="34" charset="0"/>
-              <a:cs typeface="Segoe UI" pitchFamily="34" charset="0"/>
-            </a:endParaRPr>
-          </a:p>
-        </p:txBody>
-      </p:sp>
-      <p:sp>
-        <p:nvSpPr>
-          <p:cNvPr id="32" name="Rounded Rectangle 31"/>
-          <p:cNvSpPr/>
-          <p:nvPr/>
-        </p:nvSpPr>
-        <p:spPr bwMode="auto">
-          <a:xfrm>
-            <a:off x="7417549" y="4204330"/>
-            <a:ext cx="770320" cy="693337"/>
-          </a:xfrm>
-          <a:prstGeom prst="roundRect">
-            <a:avLst/>
-          </a:prstGeom>
-          <a:solidFill>
-            <a:schemeClr val="accent1">
-              <a:lumMod val="20000"/>
-              <a:lumOff val="80000"/>
-            </a:schemeClr>
-          </a:solidFill>
-          <a:ln>
-            <a:noFill/>
-            <a:headEnd type="none" w="med" len="med"/>
-            <a:tailEnd type="none" w="med" len="med"/>
-          </a:ln>
-          <a:effectLst/>
-        </p:spPr>
-        <p:style>
-          <a:lnRef idx="1">
-            <a:schemeClr val="accent2"/>
-          </a:lnRef>
-          <a:fillRef idx="3">
-            <a:schemeClr val="accent2"/>
-          </a:fillRef>
-          <a:effectRef idx="2">
-            <a:schemeClr val="accent2"/>
-          </a:effectRef>
-          <a:fontRef idx="minor">
-            <a:schemeClr val="lt1"/>
-          </a:fontRef>
-        </p:style>
-        <p:txBody>
-          <a:bodyPr rot="0" spcFirstLastPara="0" vertOverflow="overflow" horzOverflow="overflow" vert="horz" wrap="square" lIns="45720" tIns="45720" rIns="45720" bIns="45720" numCol="1" spcCol="0" rtlCol="0" fromWordArt="0" anchor="ctr" anchorCtr="0" forceAA="0" compatLnSpc="1">
-            <a:prstTxWarp prst="textNoShape">
-              <a:avLst/>
-            </a:prstTxWarp>
-            <a:noAutofit/>
-          </a:bodyPr>
-          <a:lstStyle/>
-          <a:p>
-            <a:pPr algn="ctr" defTabSz="914099" fontAlgn="base">
-              <a:spcBef>
-                <a:spcPct val="0"/>
-              </a:spcBef>
-              <a:spcAft>
-                <a:spcPct val="0"/>
-              </a:spcAft>
-            </a:pPr>
-            <a:endParaRPr lang="en-US" sz="2200" dirty="0" smtClean="0">
-              <a:gradFill>
-                <a:gsLst>
-                  <a:gs pos="0">
-                    <a:srgbClr val="FFFFFF"/>
-                  </a:gs>
-                  <a:gs pos="100000">
-                    <a:srgbClr val="FFFFFF"/>
-                  </a:gs>
-                </a:gsLst>
-                <a:lin ang="5400000" scaled="0"/>
-              </a:gradFill>
-              <a:ea typeface="Segoe UI" pitchFamily="34" charset="0"/>
-              <a:cs typeface="Segoe UI" pitchFamily="34" charset="0"/>
-            </a:endParaRPr>
-          </a:p>
-        </p:txBody>
-      </p:sp>
-      <p:sp>
-        <p:nvSpPr>
-          <p:cNvPr id="33" name="TextBox 32"/>
-          <p:cNvSpPr txBox="1"/>
-          <p:nvPr/>
-        </p:nvSpPr>
-        <p:spPr>
-          <a:xfrm>
-            <a:off x="7571803" y="4304776"/>
-            <a:ext cx="455894" cy="492443"/>
-          </a:xfrm>
-          <a:prstGeom prst="rect">
-            <a:avLst/>
-          </a:prstGeom>
-          <a:noFill/>
-        </p:spPr>
-        <p:txBody>
-          <a:bodyPr wrap="none" lIns="0" tIns="0" rIns="0" bIns="0" rtlCol="0">
-            <a:spAutoFit/>
-          </a:bodyPr>
-          <a:lstStyle/>
-          <a:p>
-            <a:pPr algn="ctr"/>
-            <a:r>
-              <a:rPr lang="en-US" sz="1600" spc="-70" dirty="0" smtClean="0">
-                <a:gradFill>
-                  <a:gsLst>
-                    <a:gs pos="2917">
-                      <a:schemeClr val="bg2"/>
-                    </a:gs>
-                    <a:gs pos="95000">
-                      <a:schemeClr val="bg2"/>
-                    </a:gs>
-                  </a:gsLst>
-                  <a:lin ang="5400000" scaled="0"/>
-                </a:gradFill>
-              </a:rPr>
-              <a:t>App</a:t>
-            </a:r>
-            <a:br>
-              <a:rPr lang="en-US" sz="1600" spc="-70" dirty="0" smtClean="0">
-                <a:gradFill>
-                  <a:gsLst>
-                    <a:gs pos="2917">
-                      <a:schemeClr val="bg2"/>
-                    </a:gs>
-                    <a:gs pos="95000">
-                      <a:schemeClr val="bg2"/>
-                    </a:gs>
-                  </a:gsLst>
-                  <a:lin ang="5400000" scaled="0"/>
-                </a:gradFill>
-              </a:rPr>
-            </a:br>
-            <a:r>
-              <a:rPr lang="en-US" sz="1600" spc="-70" dirty="0" smtClean="0">
-                <a:gradFill>
-                  <a:gsLst>
-                    <a:gs pos="2917">
-                      <a:schemeClr val="bg2"/>
-                    </a:gs>
-                    <a:gs pos="95000">
-                      <a:schemeClr val="bg2"/>
-                    </a:gs>
-                  </a:gsLst>
-                  <a:lin ang="5400000" scaled="0"/>
-                </a:gradFill>
-              </a:rPr>
-              <a:t>Web</a:t>
-            </a:r>
-            <a:r>
-              <a:rPr lang="en-US" sz="1600" spc="-70" baseline="30000" dirty="0" smtClean="0">
-                <a:gradFill>
-                  <a:gsLst>
-                    <a:gs pos="2917">
-                      <a:schemeClr val="bg2"/>
-                    </a:gs>
-                    <a:gs pos="95000">
-                      <a:schemeClr val="bg2"/>
-                    </a:gs>
-                  </a:gsLst>
-                  <a:lin ang="5400000" scaled="0"/>
-                </a:gradFill>
-              </a:rPr>
-              <a:t>1</a:t>
-            </a:r>
-          </a:p>
-        </p:txBody>
-      </p:sp>
-      <p:sp>
-        <p:nvSpPr>
-          <p:cNvPr id="36" name="TextBox 35"/>
-          <p:cNvSpPr txBox="1"/>
-          <p:nvPr/>
-        </p:nvSpPr>
-        <p:spPr>
-          <a:xfrm>
-            <a:off x="6899973" y="3413439"/>
-            <a:ext cx="388120" cy="492443"/>
-          </a:xfrm>
-          <a:prstGeom prst="rect">
-            <a:avLst/>
-          </a:prstGeom>
-          <a:noFill/>
-        </p:spPr>
-        <p:txBody>
-          <a:bodyPr wrap="none" lIns="0" tIns="0" rIns="0" bIns="0" rtlCol="0">
-            <a:spAutoFit/>
-          </a:bodyPr>
-          <a:lstStyle/>
-          <a:p>
-            <a:pPr algn="ctr"/>
-            <a:r>
-              <a:rPr lang="en-US" sz="1600" spc="-70" dirty="0" smtClean="0">
-                <a:gradFill>
-                  <a:gsLst>
-                    <a:gs pos="2917">
-                      <a:schemeClr val="bg2"/>
-                    </a:gs>
-                    <a:gs pos="95000">
-                      <a:schemeClr val="bg2"/>
-                    </a:gs>
-                  </a:gsLst>
-                  <a:lin ang="5400000" scaled="0"/>
-                </a:gradFill>
-              </a:rPr>
-              <a:t>Host</a:t>
-            </a:r>
-            <a:br>
-              <a:rPr lang="en-US" sz="1600" spc="-70" dirty="0" smtClean="0">
-                <a:gradFill>
-                  <a:gsLst>
-                    <a:gs pos="2917">
-                      <a:schemeClr val="bg2"/>
-                    </a:gs>
-                    <a:gs pos="95000">
-                      <a:schemeClr val="bg2"/>
-                    </a:gs>
-                  </a:gsLst>
-                  <a:lin ang="5400000" scaled="0"/>
-                </a:gradFill>
-              </a:rPr>
-            </a:br>
-            <a:r>
-              <a:rPr lang="en-US" sz="1600" spc="-70" dirty="0" smtClean="0">
-                <a:gradFill>
-                  <a:gsLst>
-                    <a:gs pos="2917">
-                      <a:schemeClr val="bg2"/>
-                    </a:gs>
-                    <a:gs pos="95000">
-                      <a:schemeClr val="bg2"/>
-                    </a:gs>
-                  </a:gsLst>
-                  <a:lin ang="5400000" scaled="0"/>
-                </a:gradFill>
-              </a:rPr>
-              <a:t>Web</a:t>
-            </a:r>
-          </a:p>
-        </p:txBody>
-      </p:sp>
-      <p:cxnSp>
-        <p:nvCxnSpPr>
-          <p:cNvPr id="40" name="Elbow Connector 39"/>
-          <p:cNvCxnSpPr>
-            <a:stCxn id="29" idx="2"/>
-            <a:endCxn id="32" idx="1"/>
-          </p:cNvCxnSpPr>
-          <p:nvPr/>
-        </p:nvCxnSpPr>
-        <p:spPr>
-          <a:xfrm rot="16200000" flipH="1">
-            <a:off x="7002394" y="4135844"/>
-            <a:ext cx="543766" cy="286544"/>
-          </a:xfrm>
-          <a:prstGeom prst="bentConnector2">
-            <a:avLst/>
-          </a:prstGeom>
-          <a:ln>
-            <a:solidFill>
-              <a:schemeClr val="tx1"/>
-            </a:solidFill>
-            <a:headEnd type="triangle"/>
-            <a:tailEnd type="triangle"/>
-          </a:ln>
-        </p:spPr>
-        <p:style>
-          <a:lnRef idx="1">
-            <a:schemeClr val="accent1"/>
-          </a:lnRef>
-          <a:fillRef idx="0">
-            <a:schemeClr val="accent1"/>
-          </a:fillRef>
-          <a:effectRef idx="0">
-            <a:schemeClr val="accent1"/>
-          </a:effectRef>
-          <a:fontRef idx="minor">
-            <a:schemeClr val="tx1"/>
-          </a:fontRef>
-        </p:style>
-      </p:cxnSp>
-      <p:sp>
-        <p:nvSpPr>
-          <p:cNvPr id="42" name="TextBox 41"/>
-          <p:cNvSpPr txBox="1"/>
-          <p:nvPr/>
-        </p:nvSpPr>
-        <p:spPr>
-          <a:xfrm>
-            <a:off x="8052129" y="3495561"/>
-            <a:ext cx="1537399" cy="738664"/>
-          </a:xfrm>
-          <a:prstGeom prst="rect">
-            <a:avLst/>
-          </a:prstGeom>
-          <a:noFill/>
-        </p:spPr>
-        <p:txBody>
-          <a:bodyPr wrap="square" lIns="0" tIns="0" rIns="0" bIns="0" rtlCol="0">
-            <a:spAutoFit/>
-          </a:bodyPr>
-          <a:lstStyle/>
-          <a:p>
-            <a:pPr algn="r"/>
-            <a:r>
-              <a:rPr lang="en-US" sz="2400" spc="-70" dirty="0" smtClean="0">
-                <a:solidFill>
-                  <a:schemeClr val="bg1"/>
-                </a:solidFill>
-              </a:rPr>
-              <a:t>SharePoint 2013</a:t>
-            </a:r>
-          </a:p>
-        </p:txBody>
-      </p:sp>
-      <p:cxnSp>
-        <p:nvCxnSpPr>
-          <p:cNvPr id="19" name="Elbow Connector 18"/>
-          <p:cNvCxnSpPr>
-            <a:stCxn id="32" idx="1"/>
-            <a:endCxn id="4" idx="3"/>
-          </p:cNvCxnSpPr>
-          <p:nvPr/>
-        </p:nvCxnSpPr>
-        <p:spPr>
-          <a:xfrm rot="10800000">
-            <a:off x="4933741" y="3478395"/>
-            <a:ext cx="2483809" cy="1072605"/>
-          </a:xfrm>
-          <a:prstGeom prst="bentConnector3">
-            <a:avLst/>
-          </a:prstGeom>
-          <a:ln>
-            <a:solidFill>
-              <a:schemeClr val="tx1"/>
-            </a:solidFill>
-            <a:headEnd type="triangle"/>
-            <a:tailEnd type="triangle"/>
-          </a:ln>
-        </p:spPr>
-        <p:style>
-          <a:lnRef idx="1">
-            <a:schemeClr val="accent1"/>
-          </a:lnRef>
-          <a:fillRef idx="0">
-            <a:schemeClr val="accent1"/>
-          </a:fillRef>
-          <a:effectRef idx="0">
-            <a:schemeClr val="accent1"/>
-          </a:effectRef>
-          <a:fontRef idx="minor">
-            <a:schemeClr val="tx1"/>
-          </a:fontRef>
-        </p:style>
-      </p:cxnSp>
-      <p:cxnSp>
-        <p:nvCxnSpPr>
-          <p:cNvPr id="38" name="Elbow Connector 37"/>
-          <p:cNvCxnSpPr>
-            <a:stCxn id="29" idx="1"/>
-            <a:endCxn id="4" idx="3"/>
-          </p:cNvCxnSpPr>
-          <p:nvPr/>
-        </p:nvCxnSpPr>
-        <p:spPr>
-          <a:xfrm rot="10800000">
-            <a:off x="4933741" y="3478395"/>
-            <a:ext cx="1812105" cy="182171"/>
-          </a:xfrm>
-          <a:prstGeom prst="bentConnector3">
-            <a:avLst>
-              <a:gd name="adj1" fmla="val 50000"/>
-            </a:avLst>
-          </a:prstGeom>
-          <a:ln>
-            <a:solidFill>
-              <a:schemeClr val="tx1"/>
-            </a:solidFill>
-            <a:headEnd type="triangle"/>
-            <a:tailEnd type="triangle"/>
-          </a:ln>
-        </p:spPr>
-        <p:style>
-          <a:lnRef idx="1">
-            <a:schemeClr val="accent1"/>
-          </a:lnRef>
-          <a:fillRef idx="0">
-            <a:schemeClr val="accent1"/>
-          </a:fillRef>
-          <a:effectRef idx="0">
-            <a:schemeClr val="accent1"/>
-          </a:effectRef>
-          <a:fontRef idx="minor">
-            <a:schemeClr val="tx1"/>
-          </a:fontRef>
-        </p:style>
-      </p:cxnSp>
-      <p:cxnSp>
-        <p:nvCxnSpPr>
-          <p:cNvPr id="55" name="Elbow Connector 54"/>
-          <p:cNvCxnSpPr>
-            <a:stCxn id="4" idx="2"/>
-            <a:endCxn id="7" idx="3"/>
-          </p:cNvCxnSpPr>
-          <p:nvPr/>
-        </p:nvCxnSpPr>
-        <p:spPr>
-          <a:xfrm rot="16200000" flipH="1">
-            <a:off x="4137061" y="4157852"/>
-            <a:ext cx="987179" cy="1976247"/>
-          </a:xfrm>
-          <a:prstGeom prst="bentConnector2">
-            <a:avLst/>
-          </a:prstGeom>
-          <a:ln>
-            <a:solidFill>
-              <a:schemeClr val="tx1"/>
-            </a:solidFill>
-            <a:headEnd type="triangle"/>
-            <a:tailEnd type="triangle"/>
-          </a:ln>
-        </p:spPr>
-        <p:style>
-          <a:lnRef idx="1">
-            <a:schemeClr val="accent1"/>
-          </a:lnRef>
-          <a:fillRef idx="0">
-            <a:schemeClr val="accent1"/>
-          </a:fillRef>
-          <a:effectRef idx="0">
-            <a:schemeClr val="accent1"/>
-          </a:effectRef>
-          <a:fontRef idx="minor">
-            <a:schemeClr val="tx1"/>
-          </a:fontRef>
-        </p:style>
-      </p:cxnSp>
-      <p:cxnSp>
-        <p:nvCxnSpPr>
-          <p:cNvPr id="57" name="Elbow Connector 56"/>
-          <p:cNvCxnSpPr>
-            <a:stCxn id="6" idx="2"/>
-            <a:endCxn id="7" idx="1"/>
-          </p:cNvCxnSpPr>
-          <p:nvPr/>
-        </p:nvCxnSpPr>
-        <p:spPr>
-          <a:xfrm rot="5400000">
-            <a:off x="7151625" y="4541495"/>
-            <a:ext cx="514907" cy="1681234"/>
-          </a:xfrm>
-          <a:prstGeom prst="bentConnector2">
-            <a:avLst/>
-          </a:prstGeom>
-          <a:ln>
-            <a:solidFill>
-              <a:schemeClr val="tx1"/>
-            </a:solidFill>
-            <a:headEnd type="triangle"/>
-            <a:tailEnd type="triangle"/>
-          </a:ln>
-        </p:spPr>
-        <p:style>
-          <a:lnRef idx="1">
-            <a:schemeClr val="accent1"/>
-          </a:lnRef>
-          <a:fillRef idx="0">
-            <a:schemeClr val="accent1"/>
-          </a:fillRef>
-          <a:effectRef idx="0">
-            <a:schemeClr val="accent1"/>
-          </a:effectRef>
-          <a:fontRef idx="minor">
-            <a:schemeClr val="tx1"/>
-          </a:fontRef>
-        </p:style>
-      </p:cxnSp>
-      <p:sp>
-        <p:nvSpPr>
-          <p:cNvPr id="58" name="TextBox 57"/>
-          <p:cNvSpPr txBox="1"/>
-          <p:nvPr/>
-        </p:nvSpPr>
-        <p:spPr>
-          <a:xfrm>
-            <a:off x="7417549" y="5683932"/>
-            <a:ext cx="3779561" cy="492443"/>
-          </a:xfrm>
-          <a:prstGeom prst="rect">
-            <a:avLst/>
-          </a:prstGeom>
-          <a:noFill/>
-        </p:spPr>
-        <p:txBody>
-          <a:bodyPr wrap="none" lIns="0" tIns="0" rIns="0" bIns="0" rtlCol="0">
-            <a:spAutoFit/>
-          </a:bodyPr>
-          <a:lstStyle/>
-          <a:p>
-            <a:r>
-              <a:rPr lang="en-US" sz="1600" spc="-70" baseline="30000" dirty="0" smtClean="0">
-                <a:gradFill>
-                  <a:gsLst>
-                    <a:gs pos="2917">
-                      <a:schemeClr val="bg2"/>
-                    </a:gs>
-                    <a:gs pos="95000">
-                      <a:schemeClr val="bg2"/>
-                    </a:gs>
-                  </a:gsLst>
-                  <a:lin ang="5400000" scaled="0"/>
-                </a:gradFill>
-              </a:rPr>
-              <a:t>1</a:t>
-            </a:r>
-            <a:r>
-              <a:rPr lang="en-US" sz="1600" spc="-70" dirty="0" smtClean="0">
-                <a:gradFill>
-                  <a:gsLst>
-                    <a:gs pos="2917">
-                      <a:schemeClr val="bg2"/>
-                    </a:gs>
-                    <a:gs pos="95000">
-                      <a:schemeClr val="bg2"/>
-                    </a:gs>
-                  </a:gsLst>
-                  <a:lin ang="5400000" scaled="0"/>
-                </a:gradFill>
-              </a:rPr>
-              <a:t>App Web presence is dependent upon</a:t>
-            </a:r>
-          </a:p>
-          <a:p>
-            <a:r>
-              <a:rPr lang="en-US" sz="1600" spc="-70" dirty="0" smtClean="0">
-                <a:gradFill>
-                  <a:gsLst>
-                    <a:gs pos="2917">
-                      <a:schemeClr val="bg2"/>
-                    </a:gs>
-                    <a:gs pos="95000">
-                      <a:schemeClr val="bg2"/>
-                    </a:gs>
-                  </a:gsLst>
-                  <a:lin ang="5400000" scaled="0"/>
-                </a:gradFill>
-              </a:rPr>
-              <a:t>  whether or not artifacts like lists are deployed</a:t>
-            </a:r>
-          </a:p>
-        </p:txBody>
-      </p:sp>
-      <p:sp>
-        <p:nvSpPr>
-          <p:cNvPr id="61" name="Flowchart: Magnetic Disk 60"/>
-          <p:cNvSpPr/>
-          <p:nvPr/>
-        </p:nvSpPr>
-        <p:spPr bwMode="auto">
-          <a:xfrm>
-            <a:off x="7084086" y="1231873"/>
-            <a:ext cx="2703009" cy="874207"/>
-          </a:xfrm>
-          <a:prstGeom prst="flowChartMagneticDisk">
-            <a:avLst/>
-          </a:prstGeom>
-          <a:solidFill>
-            <a:srgbClr val="0070C0"/>
-          </a:solidFill>
-          <a:ln>
-            <a:solidFill>
-              <a:schemeClr val="tx1"/>
-            </a:solidFill>
-            <a:headEnd type="none" w="med" len="med"/>
-            <a:tailEnd type="none" w="med" len="med"/>
-          </a:ln>
-          <a:effectLst/>
-        </p:spPr>
-        <p:style>
-          <a:lnRef idx="1">
-            <a:schemeClr val="accent2"/>
-          </a:lnRef>
-          <a:fillRef idx="3">
-            <a:schemeClr val="accent2"/>
-          </a:fillRef>
-          <a:effectRef idx="2">
-            <a:schemeClr val="accent2"/>
-          </a:effectRef>
-          <a:fontRef idx="minor">
-            <a:schemeClr val="lt1"/>
-          </a:fontRef>
-        </p:style>
-        <p:txBody>
-          <a:bodyPr rot="0" spcFirstLastPara="0" vertOverflow="overflow" horzOverflow="overflow" vert="horz" wrap="square" lIns="45720" tIns="45720" rIns="45720" bIns="45720" numCol="1" spcCol="0" rtlCol="0" fromWordArt="0" anchor="ctr" anchorCtr="0" forceAA="0" compatLnSpc="1">
-            <a:prstTxWarp prst="textNoShape">
-              <a:avLst/>
-            </a:prstTxWarp>
-            <a:noAutofit/>
-          </a:bodyPr>
-          <a:lstStyle/>
-          <a:p>
-            <a:pPr algn="ctr" defTabSz="914099" fontAlgn="base">
-              <a:spcBef>
-                <a:spcPct val="0"/>
-              </a:spcBef>
-              <a:spcAft>
-                <a:spcPct val="0"/>
-              </a:spcAft>
-            </a:pPr>
-            <a:r>
-              <a:rPr lang="en-US" sz="2200" dirty="0" smtClean="0">
-                <a:gradFill>
-                  <a:gsLst>
-                    <a:gs pos="0">
-                      <a:srgbClr val="FFFFFF"/>
-                    </a:gs>
-                    <a:gs pos="100000">
-                      <a:srgbClr val="FFFFFF"/>
-                    </a:gs>
-                  </a:gsLst>
-                  <a:lin ang="5400000" scaled="0"/>
-                </a:gradFill>
-                <a:ea typeface="Segoe UI" pitchFamily="34" charset="0"/>
-                <a:cs typeface="Segoe UI" pitchFamily="34" charset="0"/>
-              </a:rPr>
-              <a:t>SQL Databases</a:t>
-            </a:r>
-          </a:p>
-        </p:txBody>
-      </p:sp>
-      <p:cxnSp>
-        <p:nvCxnSpPr>
-          <p:cNvPr id="64" name="Elbow Connector 63"/>
-          <p:cNvCxnSpPr/>
-          <p:nvPr/>
-        </p:nvCxnSpPr>
-        <p:spPr>
-          <a:xfrm rot="10800000" flipV="1">
-            <a:off x="4946948" y="1668976"/>
-            <a:ext cx="2127090" cy="1644919"/>
-          </a:xfrm>
-          <a:prstGeom prst="bentConnector3">
-            <a:avLst/>
-          </a:prstGeom>
-          <a:ln>
-            <a:solidFill>
-              <a:schemeClr val="tx1"/>
-            </a:solidFill>
-            <a:headEnd type="triangle"/>
-            <a:tailEnd type="triangle"/>
-          </a:ln>
-        </p:spPr>
-        <p:style>
-          <a:lnRef idx="1">
-            <a:schemeClr val="accent1"/>
-          </a:lnRef>
-          <a:fillRef idx="0">
-            <a:schemeClr val="accent1"/>
-          </a:fillRef>
-          <a:effectRef idx="0">
-            <a:schemeClr val="accent1"/>
-          </a:effectRef>
-          <a:fontRef idx="minor">
-            <a:schemeClr val="tx1"/>
-          </a:fontRef>
-        </p:style>
-      </p:cxnSp>
     </p:spTree>
     <p:extLst>
       <p:ext uri="{BB962C8B-B14F-4D97-AF65-F5344CB8AC3E}">
-        <p14:creationId xmlns:p14="http://schemas.microsoft.com/office/powerpoint/2010/main" val="3528584388"/>
+        <p14:creationId xmlns:p14="http://schemas.microsoft.com/office/powerpoint/2010/main" val="1791439337"/>
       </p:ext>
     </p:extLst>
   </p:cSld>
@@ -27756,13 +23798,6 @@
   <p:transition>
     <p:fade/>
   </p:transition>
-  <p:timing>
-    <p:tnLst>
-      <p:par>
-        <p:cTn id="1" dur="indefinite" restart="never" nodeType="tmRoot"/>
-      </p:par>
-    </p:tnLst>
-  </p:timing>
 </p:sld>
 </file>
 
@@ -27795,8 +23830,8 @@
         </p:nvSpPr>
         <p:spPr>
           <a:xfrm>
-            <a:off x="519112" y="1447798"/>
-            <a:ext cx="11149013" cy="4450583"/>
+            <a:off x="519112" y="1176865"/>
+            <a:ext cx="11149013" cy="2446869"/>
           </a:xfrm>
         </p:spPr>
         <p:txBody>
@@ -27805,20 +23840,69 @@
           <a:p>
             <a:r>
               <a:rPr lang="en-US" dirty="0" smtClean="0"/>
-              <a:t>Remote web always has full rights to app web</a:t>
-            </a:r>
-          </a:p>
-          <a:p>
+              <a:t>Specified in App Manifest</a:t>
+            </a:r>
+          </a:p>
+          <a:p>
+            <a:pPr lvl="1"/>
             <a:r>
               <a:rPr lang="en-US" dirty="0" smtClean="0"/>
-              <a:t>App permissions are the lesser of user and app permissions to the given resource</a:t>
-            </a:r>
-          </a:p>
-          <a:p>
+              <a:t>~</a:t>
+            </a:r>
+            <a:r>
+              <a:rPr lang="en-US" dirty="0" err="1" smtClean="0"/>
+              <a:t>appWebUrl</a:t>
+            </a:r>
             <a:r>
               <a:rPr lang="en-US" dirty="0" smtClean="0"/>
-              <a:t>Provider-hosted app can utilize “app-only” permissions to “elevate” privileges.</a:t>
-            </a:r>
+              <a:t>/Pages/Default.aspx?{</a:t>
+            </a:r>
+            <a:r>
+              <a:rPr lang="en-US" dirty="0" err="1" smtClean="0"/>
+              <a:t>StandardTokens</a:t>
+            </a:r>
+            <a:r>
+              <a:rPr lang="en-US" dirty="0" smtClean="0"/>
+              <a:t>}</a:t>
+            </a:r>
+          </a:p>
+          <a:p>
+            <a:r>
+              <a:rPr lang="en-US" dirty="0" smtClean="0"/>
+              <a:t>Utilizes Tokens for dynamic replacement of parameters</a:t>
+            </a:r>
+          </a:p>
+          <a:p>
+            <a:pPr lvl="1"/>
+            <a:r>
+              <a:rPr lang="en-US" dirty="0" smtClean="0"/>
+              <a:t>~</a:t>
+            </a:r>
+            <a:r>
+              <a:rPr lang="en-US" dirty="0" err="1" smtClean="0"/>
+              <a:t>appWebUrl</a:t>
+            </a:r>
+            <a:r>
+              <a:rPr lang="en-US" dirty="0" smtClean="0"/>
+              <a:t> token representing the URL for the app web of this app instance</a:t>
+            </a:r>
+          </a:p>
+          <a:p>
+            <a:pPr lvl="1"/>
+            <a:r>
+              <a:rPr lang="en-US" dirty="0" smtClean="0"/>
+              <a:t>{</a:t>
+            </a:r>
+            <a:r>
+              <a:rPr lang="en-US" dirty="0" err="1" smtClean="0"/>
+              <a:t>StandardTokens</a:t>
+            </a:r>
+            <a:r>
+              <a:rPr lang="en-US" dirty="0" smtClean="0"/>
+              <a:t>} passes key query string parameters to the app on launch</a:t>
+            </a:r>
+          </a:p>
+          <a:p>
             <a:endParaRPr lang="en-US" dirty="0"/>
           </a:p>
         </p:txBody>
@@ -27840,7 +23924,7 @@
           <a:p>
             <a:r>
               <a:rPr lang="en-US" dirty="0" smtClean="0"/>
-              <a:t>App Permissions</a:t>
+              <a:t>App Start Page</a:t>
             </a:r>
             <a:endParaRPr lang="en-US" dirty="0"/>
           </a:p>
@@ -27870,10 +23954,226 @@
           </a:p>
         </p:txBody>
       </p:sp>
+      <p:graphicFrame>
+        <p:nvGraphicFramePr>
+          <p:cNvPr id="5" name="Table 4"/>
+          <p:cNvGraphicFramePr>
+            <a:graphicFrameLocks noGrp="1"/>
+          </p:cNvGraphicFramePr>
+          <p:nvPr>
+            <p:extLst>
+              <p:ext uri="{D42A27DB-BD31-4B8C-83A1-F6EECF244321}">
+                <p14:modId xmlns:p14="http://schemas.microsoft.com/office/powerpoint/2010/main" val="336010653"/>
+              </p:ext>
+            </p:extLst>
+          </p:nvPr>
+        </p:nvGraphicFramePr>
+        <p:xfrm>
+          <a:off x="1173516" y="3899125"/>
+          <a:ext cx="8125884" cy="2225040"/>
+        </p:xfrm>
+        <a:graphic>
+          <a:graphicData uri="http://schemas.openxmlformats.org/drawingml/2006/table">
+            <a:tbl>
+              <a:tblPr firstRow="1" bandRow="1">
+                <a:tableStyleId>{5C22544A-7EE6-4342-B048-85BDC9FD1C3A}</a:tableStyleId>
+              </a:tblPr>
+              <a:tblGrid>
+                <a:gridCol w="2292173"/>
+                <a:gridCol w="5833711"/>
+              </a:tblGrid>
+              <a:tr h="370840">
+                <a:tc>
+                  <a:txBody>
+                    <a:bodyPr/>
+                    <a:lstStyle/>
+                    <a:p>
+                      <a:r>
+                        <a:rPr lang="en-US" dirty="0" smtClean="0"/>
+                        <a:t>Parameter</a:t>
+                      </a:r>
+                      <a:endParaRPr lang="en-US" dirty="0"/>
+                    </a:p>
+                  </a:txBody>
+                  <a:tcPr/>
+                </a:tc>
+                <a:tc>
+                  <a:txBody>
+                    <a:bodyPr/>
+                    <a:lstStyle/>
+                    <a:p>
+                      <a:r>
+                        <a:rPr lang="en-US" dirty="0" smtClean="0"/>
+                        <a:t>Description</a:t>
+                      </a:r>
+                      <a:endParaRPr lang="en-US" dirty="0"/>
+                    </a:p>
+                  </a:txBody>
+                  <a:tcPr/>
+                </a:tc>
+              </a:tr>
+              <a:tr h="370840">
+                <a:tc>
+                  <a:txBody>
+                    <a:bodyPr/>
+                    <a:lstStyle/>
+                    <a:p>
+                      <a:r>
+                        <a:rPr lang="en-US" dirty="0" err="1" smtClean="0"/>
+                        <a:t>SPHostUrl</a:t>
+                      </a:r>
+                      <a:endParaRPr lang="en-US" dirty="0"/>
+                    </a:p>
+                  </a:txBody>
+                  <a:tcPr/>
+                </a:tc>
+                <a:tc>
+                  <a:txBody>
+                    <a:bodyPr/>
+                    <a:lstStyle/>
+                    <a:p>
+                      <a:r>
+                        <a:rPr lang="en-US" dirty="0" smtClean="0"/>
+                        <a:t>The URL of the host web</a:t>
+                      </a:r>
+                      <a:endParaRPr lang="en-US" dirty="0"/>
+                    </a:p>
+                  </a:txBody>
+                  <a:tcPr/>
+                </a:tc>
+              </a:tr>
+              <a:tr h="370840">
+                <a:tc>
+                  <a:txBody>
+                    <a:bodyPr/>
+                    <a:lstStyle/>
+                    <a:p>
+                      <a:r>
+                        <a:rPr lang="en-US" dirty="0" err="1" smtClean="0"/>
+                        <a:t>SPAppWebUrl</a:t>
+                      </a:r>
+                      <a:endParaRPr lang="en-US" dirty="0"/>
+                    </a:p>
+                  </a:txBody>
+                  <a:tcPr/>
+                </a:tc>
+                <a:tc>
+                  <a:txBody>
+                    <a:bodyPr/>
+                    <a:lstStyle/>
+                    <a:p>
+                      <a:r>
+                        <a:rPr lang="en-US" dirty="0" smtClean="0"/>
+                        <a:t>The URL of the app web</a:t>
+                      </a:r>
+                      <a:endParaRPr lang="en-US" dirty="0"/>
+                    </a:p>
+                  </a:txBody>
+                  <a:tcPr/>
+                </a:tc>
+              </a:tr>
+              <a:tr h="370840">
+                <a:tc>
+                  <a:txBody>
+                    <a:bodyPr/>
+                    <a:lstStyle/>
+                    <a:p>
+                      <a:r>
+                        <a:rPr lang="en-US" dirty="0" err="1" smtClean="0"/>
+                        <a:t>SPLanguage</a:t>
+                      </a:r>
+                      <a:endParaRPr lang="en-US" dirty="0"/>
+                    </a:p>
+                  </a:txBody>
+                  <a:tcPr/>
+                </a:tc>
+                <a:tc>
+                  <a:txBody>
+                    <a:bodyPr/>
+                    <a:lstStyle/>
+                    <a:p>
+                      <a:r>
+                        <a:rPr lang="en-US" dirty="0" smtClean="0"/>
+                        <a:t>The language/culture of the host web</a:t>
+                      </a:r>
+                      <a:endParaRPr lang="en-US" dirty="0"/>
+                    </a:p>
+                  </a:txBody>
+                  <a:tcPr/>
+                </a:tc>
+              </a:tr>
+              <a:tr h="370840">
+                <a:tc>
+                  <a:txBody>
+                    <a:bodyPr/>
+                    <a:lstStyle/>
+                    <a:p>
+                      <a:r>
+                        <a:rPr lang="en-US" dirty="0" err="1" smtClean="0"/>
+                        <a:t>SPClientTag</a:t>
+                      </a:r>
+                      <a:endParaRPr lang="en-US" dirty="0"/>
+                    </a:p>
+                  </a:txBody>
+                  <a:tcPr/>
+                </a:tc>
+                <a:tc>
+                  <a:txBody>
+                    <a:bodyPr/>
+                    <a:lstStyle/>
+                    <a:p>
+                      <a:r>
+                        <a:rPr lang="en-US" dirty="0" smtClean="0">
+                          <a:effectLst/>
+                        </a:rPr>
+                        <a:t>The client cache control number for the current website</a:t>
+                      </a:r>
+                      <a:endParaRPr lang="en-US" dirty="0"/>
+                    </a:p>
+                  </a:txBody>
+                  <a:tcPr/>
+                </a:tc>
+              </a:tr>
+              <a:tr h="370840">
+                <a:tc>
+                  <a:txBody>
+                    <a:bodyPr/>
+                    <a:lstStyle/>
+                    <a:p>
+                      <a:r>
+                        <a:rPr lang="en-US" dirty="0" err="1" smtClean="0"/>
+                        <a:t>SPProductNumber</a:t>
+                      </a:r>
+                      <a:endParaRPr lang="en-US" dirty="0"/>
+                    </a:p>
+                  </a:txBody>
+                  <a:tcPr/>
+                </a:tc>
+                <a:tc>
+                  <a:txBody>
+                    <a:bodyPr/>
+                    <a:lstStyle/>
+                    <a:p>
+                      <a:r>
+                        <a:rPr lang="en-US" dirty="0" smtClean="0">
+                          <a:effectLst/>
+                        </a:rPr>
+                        <a:t>The full build version number of the SharePoint farm</a:t>
+                      </a:r>
+                      <a:endParaRPr lang="en-US" dirty="0"/>
+                    </a:p>
+                  </a:txBody>
+                  <a:tcPr/>
+                </a:tc>
+              </a:tr>
+            </a:tbl>
+          </a:graphicData>
+        </a:graphic>
+      </p:graphicFrame>
     </p:spTree>
     <p:extLst>
       <p:ext uri="{BB962C8B-B14F-4D97-AF65-F5344CB8AC3E}">
-        <p14:creationId xmlns:p14="http://schemas.microsoft.com/office/powerpoint/2010/main" val="1694268706"/>
+        <p14:creationId xmlns:p14="http://schemas.microsoft.com/office/powerpoint/2010/main" val="3712557628"/>
       </p:ext>
     </p:extLst>
   </p:cSld>
@@ -27883,13 +24183,6 @@
   <p:transition>
     <p:fade/>
   </p:transition>
-  <p:timing>
-    <p:tnLst>
-      <p:par>
-        <p:cTn id="1" dur="indefinite" restart="never" nodeType="tmRoot"/>
-      </p:par>
-    </p:tnLst>
-  </p:timing>
 </p:sld>
 </file>
 
@@ -27923,7 +24216,7 @@
         <p:spPr>
           <a:xfrm>
             <a:off x="519112" y="1447799"/>
-            <a:ext cx="11149013" cy="4410390"/>
+            <a:ext cx="11149013" cy="2187223"/>
           </a:xfrm>
         </p:spPr>
         <p:txBody>
@@ -27932,37 +24225,20 @@
           <a:p>
             <a:r>
               <a:rPr lang="en-US" dirty="0" smtClean="0"/>
-              <a:t>Considers app permissions only, ignores user</a:t>
-            </a:r>
+              <a:t>Utilizes “Internal” Authentication</a:t>
+            </a:r>
+            <a:endParaRPr lang="en-US" dirty="0" smtClean="0"/>
           </a:p>
           <a:p>
             <a:r>
               <a:rPr lang="en-US" dirty="0" smtClean="0"/>
-              <a:t>Set </a:t>
-            </a:r>
-            <a:r>
-              <a:rPr lang="en-US" dirty="0" err="1" smtClean="0"/>
-              <a:t>AllowAppOnlyPolicy</a:t>
+              <a:t>App permissions are the lesser of user and app permissions to the given </a:t>
             </a:r>
             <a:r>
               <a:rPr lang="en-US" dirty="0" smtClean="0"/>
-              <a:t> to true in </a:t>
-            </a:r>
-            <a:r>
-              <a:rPr lang="en-US" dirty="0" err="1" smtClean="0"/>
-              <a:t>AppManifest</a:t>
+              <a:t>resource</a:t>
             </a:r>
             <a:endParaRPr lang="en-US" dirty="0" smtClean="0"/>
-          </a:p>
-          <a:p>
-            <a:endParaRPr lang="en-US" dirty="0" smtClean="0"/>
-          </a:p>
-          <a:p>
-            <a:r>
-              <a:rPr lang="en-US" dirty="0" smtClean="0"/>
-              <a:t>Get an app-only token</a:t>
-            </a:r>
-            <a:endParaRPr lang="en-US" dirty="0"/>
           </a:p>
         </p:txBody>
       </p:sp>
@@ -27983,7 +24259,7 @@
           <a:p>
             <a:r>
               <a:rPr lang="en-US" dirty="0" smtClean="0"/>
-              <a:t>App-Only Permissions</a:t>
+              <a:t>App Permissions</a:t>
             </a:r>
             <a:endParaRPr lang="en-US" dirty="0"/>
           </a:p>
@@ -28013,70 +24289,10 @@
           </a:p>
         </p:txBody>
       </p:sp>
-      <p:pic>
-        <p:nvPicPr>
-          <p:cNvPr id="5" name="Picture 4"/>
-          <p:cNvPicPr>
-            <a:picLocks noChangeAspect="1"/>
-          </p:cNvPicPr>
-          <p:nvPr/>
-        </p:nvPicPr>
-        <p:blipFill>
-          <a:blip r:embed="rId3">
-            <a:extLst>
-              <a:ext uri="{28A0092B-C50C-407E-A947-70E740481C1C}">
-                <a14:useLocalDpi xmlns:a14="http://schemas.microsoft.com/office/drawing/2010/main" val="0"/>
-              </a:ext>
-            </a:extLst>
-          </a:blip>
-          <a:stretch>
-            <a:fillRect/>
-          </a:stretch>
-        </p:blipFill>
-        <p:spPr>
-          <a:xfrm>
-            <a:off x="945125" y="3119655"/>
-            <a:ext cx="8687683" cy="648477"/>
-          </a:xfrm>
-          <a:prstGeom prst="rect">
-            <a:avLst/>
-          </a:prstGeom>
-        </p:spPr>
-      </p:pic>
-      <p:pic>
-        <p:nvPicPr>
-          <p:cNvPr id="6" name="Picture 5"/>
-          <p:cNvPicPr>
-            <a:picLocks noChangeAspect="1"/>
-          </p:cNvPicPr>
-          <p:nvPr/>
-        </p:nvPicPr>
-        <p:blipFill>
-          <a:blip r:embed="rId4">
-            <a:extLst>
-              <a:ext uri="{28A0092B-C50C-407E-A947-70E740481C1C}">
-                <a14:useLocalDpi xmlns:a14="http://schemas.microsoft.com/office/drawing/2010/main" val="0"/>
-              </a:ext>
-            </a:extLst>
-          </a:blip>
-          <a:stretch>
-            <a:fillRect/>
-          </a:stretch>
-        </p:blipFill>
-        <p:spPr>
-          <a:xfrm>
-            <a:off x="1081386" y="4663617"/>
-            <a:ext cx="9222974" cy="631863"/>
-          </a:xfrm>
-          <a:prstGeom prst="rect">
-            <a:avLst/>
-          </a:prstGeom>
-        </p:spPr>
-      </p:pic>
     </p:spTree>
     <p:extLst>
       <p:ext uri="{BB962C8B-B14F-4D97-AF65-F5344CB8AC3E}">
-        <p14:creationId xmlns:p14="http://schemas.microsoft.com/office/powerpoint/2010/main" val="2991725822"/>
+        <p14:creationId xmlns:p14="http://schemas.microsoft.com/office/powerpoint/2010/main" val="1694268706"/>
       </p:ext>
     </p:extLst>
   </p:cSld>
@@ -29249,21 +25465,12 @@
 </file>
 
 <file path=customXml/item1.xml><?xml version="1.0" encoding="utf-8"?>
-<?mso-contentType ?>
-<FormTemplates xmlns="http://schemas.microsoft.com/sharepoint/v3/contenttype/forms">
-  <Display>DocumentLibraryForm</Display>
-  <Edit>DocumentLibraryForm</Edit>
-  <New>DocumentLibraryForm</New>
-</FormTemplates>
-</file>
-
-<file path=customXml/item2.xml><?xml version="1.0" encoding="utf-8"?>
 <p:properties xmlns:p="http://schemas.microsoft.com/office/2006/metadata/properties" xmlns:xsi="http://www.w3.org/2001/XMLSchema-instance" xmlns:pc="http://schemas.microsoft.com/office/infopath/2007/PartnerControls">
   <documentManagement/>
 </p:properties>
 </file>
 
-<file path=customXml/item3.xml><?xml version="1.0" encoding="utf-8"?>
+<file path=customXml/item2.xml><?xml version="1.0" encoding="utf-8"?>
 <ct:contentTypeSchema xmlns:ct="http://schemas.microsoft.com/office/2006/metadata/contentType" xmlns:ma="http://schemas.microsoft.com/office/2006/metadata/properties/metaAttributes" ct:_="" ma:_="" ma:contentTypeName="Document" ma:contentTypeID="0x010100A2E4C90AA7333249A7DBC8CC6F49919B" ma:contentTypeVersion="1" ma:contentTypeDescription="Create a new document." ma:contentTypeScope="" ma:versionID="e7b09f0f38d7ed30c7da14951e97abcc">
   <xsd:schema xmlns:xsd="http://www.w3.org/2001/XMLSchema" xmlns:xs="http://www.w3.org/2001/XMLSchema" xmlns:p="http://schemas.microsoft.com/office/2006/metadata/properties" xmlns:ns2="5fad15d0-477e-40da-a20d-40d4ca777cbd" targetNamespace="http://schemas.microsoft.com/office/2006/metadata/properties" ma:root="true" ma:fieldsID="0cee24db179c30c5ebec40b677cadf70" ns2:_="">
     <xsd:import namespace="5fad15d0-477e-40da-a20d-40d4ca777cbd"/>
@@ -29403,15 +25610,16 @@
 </ct:contentTypeSchema>
 </file>
 
-<file path=customXml/itemProps1.xml><?xml version="1.0" encoding="utf-8"?>
-<ds:datastoreItem xmlns:ds="http://schemas.openxmlformats.org/officeDocument/2006/customXml" ds:itemID="{E1E0CE18-CA03-4891-9CD8-3448778E3D53}">
-  <ds:schemaRefs>
-    <ds:schemaRef ds:uri="http://schemas.microsoft.com/sharepoint/v3/contenttype/forms"/>
-  </ds:schemaRefs>
-</ds:datastoreItem>
+<file path=customXml/item3.xml><?xml version="1.0" encoding="utf-8"?>
+<?mso-contentType ?>
+<FormTemplates xmlns="http://schemas.microsoft.com/sharepoint/v3/contenttype/forms">
+  <Display>DocumentLibraryForm</Display>
+  <Edit>DocumentLibraryForm</Edit>
+  <New>DocumentLibraryForm</New>
+</FormTemplates>
 </file>
 
-<file path=customXml/itemProps2.xml><?xml version="1.0" encoding="utf-8"?>
+<file path=customXml/itemProps1.xml><?xml version="1.0" encoding="utf-8"?>
 <ds:datastoreItem xmlns:ds="http://schemas.openxmlformats.org/officeDocument/2006/customXml" ds:itemID="{DA593625-DB14-4FB0-B5A9-3269FA9C120B}">
   <ds:schemaRefs>
     <ds:schemaRef ds:uri="http://schemas.microsoft.com/office/2006/documentManagement/types"/>
@@ -29427,7 +25635,7 @@
 </ds:datastoreItem>
 </file>
 
-<file path=customXml/itemProps3.xml><?xml version="1.0" encoding="utf-8"?>
+<file path=customXml/itemProps2.xml><?xml version="1.0" encoding="utf-8"?>
 <ds:datastoreItem xmlns:ds="http://schemas.openxmlformats.org/officeDocument/2006/customXml" ds:itemID="{F17DCE38-6787-497B-B958-75817420EB1E}">
   <ds:schemaRefs>
     <ds:schemaRef ds:uri="http://schemas.microsoft.com/office/2006/metadata/contentType"/>
@@ -29443,4 +25651,12 @@
     <ds:schemaRef ds:uri="http://schemas.microsoft.com/internal/obd"/>
   </ds:schemaRefs>
 </ds:datastoreItem>
+</file>
+
+<file path=customXml/itemProps3.xml><?xml version="1.0" encoding="utf-8"?>
+<ds:datastoreItem xmlns:ds="http://schemas.openxmlformats.org/officeDocument/2006/customXml" ds:itemID="{E1E0CE18-CA03-4891-9CD8-3448778E3D53}">
+  <ds:schemaRefs>
+    <ds:schemaRef ds:uri="http://schemas.microsoft.com/sharepoint/v3/contenttype/forms"/>
+  </ds:schemaRefs>
+</ds:datastoreItem>
 </file>
--- a/O3652-5 Deep Dive into SharePoint Hosted Apps/O3652-5 Deep Dive into SharePoint Hosted Apps.pptx
+++ b/O3652-5 Deep Dive into SharePoint Hosted Apps/O3652-5 Deep Dive into SharePoint Hosted Apps.pptx
@@ -6,10 +6,10 @@
     <p:sldMasterId id="2147484046" r:id="rId5"/>
   </p:sldMasterIdLst>
   <p:notesMasterIdLst>
-    <p:notesMasterId r:id="rId44"/>
+    <p:notesMasterId r:id="rId43"/>
   </p:notesMasterIdLst>
   <p:handoutMasterIdLst>
-    <p:handoutMasterId r:id="rId45"/>
+    <p:handoutMasterId r:id="rId44"/>
   </p:handoutMasterIdLst>
   <p:sldIdLst>
     <p:sldId id="778" r:id="rId6"/>
@@ -26,30 +26,29 @@
     <p:sldId id="852" r:id="rId17"/>
     <p:sldId id="859" r:id="rId18"/>
     <p:sldId id="894" r:id="rId19"/>
-    <p:sldId id="895" r:id="rId20"/>
-    <p:sldId id="874" r:id="rId21"/>
-    <p:sldId id="876" r:id="rId22"/>
-    <p:sldId id="877" r:id="rId23"/>
-    <p:sldId id="878" r:id="rId24"/>
-    <p:sldId id="860" r:id="rId25"/>
-    <p:sldId id="861" r:id="rId26"/>
-    <p:sldId id="879" r:id="rId27"/>
-    <p:sldId id="880" r:id="rId28"/>
-    <p:sldId id="881" r:id="rId29"/>
-    <p:sldId id="882" r:id="rId30"/>
-    <p:sldId id="862" r:id="rId31"/>
-    <p:sldId id="863" r:id="rId32"/>
-    <p:sldId id="883" r:id="rId33"/>
-    <p:sldId id="884" r:id="rId34"/>
-    <p:sldId id="887" r:id="rId35"/>
-    <p:sldId id="885" r:id="rId36"/>
-    <p:sldId id="888" r:id="rId37"/>
-    <p:sldId id="889" r:id="rId38"/>
-    <p:sldId id="886" r:id="rId39"/>
-    <p:sldId id="890" r:id="rId40"/>
-    <p:sldId id="864" r:id="rId41"/>
-    <p:sldId id="853" r:id="rId42"/>
-    <p:sldId id="654" r:id="rId43"/>
+    <p:sldId id="896" r:id="rId20"/>
+    <p:sldId id="897" r:id="rId21"/>
+    <p:sldId id="898" r:id="rId22"/>
+    <p:sldId id="895" r:id="rId23"/>
+    <p:sldId id="899" r:id="rId24"/>
+    <p:sldId id="900" r:id="rId25"/>
+    <p:sldId id="901" r:id="rId26"/>
+    <p:sldId id="874" r:id="rId27"/>
+    <p:sldId id="876" r:id="rId28"/>
+    <p:sldId id="877" r:id="rId29"/>
+    <p:sldId id="878" r:id="rId30"/>
+    <p:sldId id="860" r:id="rId31"/>
+    <p:sldId id="861" r:id="rId32"/>
+    <p:sldId id="902" r:id="rId33"/>
+    <p:sldId id="903" r:id="rId34"/>
+    <p:sldId id="904" r:id="rId35"/>
+    <p:sldId id="862" r:id="rId36"/>
+    <p:sldId id="863" r:id="rId37"/>
+    <p:sldId id="905" r:id="rId38"/>
+    <p:sldId id="906" r:id="rId39"/>
+    <p:sldId id="864" r:id="rId40"/>
+    <p:sldId id="853" r:id="rId41"/>
+    <p:sldId id="654" r:id="rId42"/>
   </p:sldIdLst>
   <p:sldSz cx="12188825" cy="6858000"/>
   <p:notesSz cx="6858000" cy="9144000"/>
@@ -352,7 +351,7 @@
           <a:p>
             <a:fld id="{DE219B1A-AE41-483B-A766-69B9363DDA6A}" type="datetimeFigureOut">
               <a:rPr lang="en-US" smtClean="0"/>
-              <a:t>8/5/2014</a:t>
+              <a:t>8/8/2014</a:t>
             </a:fld>
             <a:endParaRPr lang="en-US"/>
           </a:p>
@@ -634,7 +633,7 @@
           <a:p>
             <a:fld id="{D51B1278-D92B-4AF3-A9C1-71DD298190CE}" type="datetimeFigureOut">
               <a:rPr lang="en-US" smtClean="0"/>
-              <a:t>8/5/2014</a:t>
+              <a:t>8/8/2014</a:t>
             </a:fld>
             <a:endParaRPr lang="en-US"/>
           </a:p>
@@ -1194,10 +1193,34 @@
           <a:bodyPr/>
           <a:lstStyle/>
           <a:p>
+            <a:pPr marL="0" marR="0" indent="0" algn="l" defTabSz="914363" rtl="0" eaLnBrk="1" fontAlgn="auto" latinLnBrk="0" hangingPunct="1">
+              <a:lnSpc>
+                <a:spcPct val="90000"/>
+              </a:lnSpc>
+              <a:spcBef>
+                <a:spcPts val="0"/>
+              </a:spcBef>
+              <a:spcAft>
+                <a:spcPts val="333"/>
+              </a:spcAft>
+              <a:buClrTx/>
+              <a:buSzTx/>
+              <a:buFontTx/>
+              <a:buNone/>
+              <a:tabLst/>
+              <a:defRPr/>
+            </a:pPr>
             <a:r>
               <a:rPr lang="en-US" dirty="0" smtClean="0"/>
-              <a:t>When calling the host web, you must switch the context</a:t>
-            </a:r>
+              <a:t>This</a:t>
+            </a:r>
+            <a:r>
+              <a:rPr lang="en-US" baseline="0" dirty="0" smtClean="0"/>
+              <a:t> is a READ sample. The other CRUD operations follow.</a:t>
+            </a:r>
+            <a:endParaRPr lang="en-US" dirty="0" smtClean="0"/>
+          </a:p>
+          <a:p>
             <a:endParaRPr lang="en-US" dirty="0"/>
           </a:p>
         </p:txBody>
@@ -1217,9 +1240,9 @@
           <a:bodyPr/>
           <a:lstStyle/>
           <a:p>
-            <a:fld id="{64C927B8-48AC-4209-AA95-18D990AB88E8}" type="datetime1">
+            <a:fld id="{EA92B4C5-73A1-48BB-A9A5-32C9642907C3}" type="datetime1">
               <a:rPr lang="en-US" smtClean="0"/>
-              <a:t>8/5/2014</a:t>
+              <a:t>8/8/2014</a:t>
             </a:fld>
             <a:endParaRPr lang="en-US"/>
           </a:p>
@@ -1350,7 +1373,7 @@
     </p:spTree>
     <p:extLst>
       <p:ext uri="{BB962C8B-B14F-4D97-AF65-F5344CB8AC3E}">
-        <p14:creationId xmlns:p14="http://schemas.microsoft.com/office/powerpoint/2010/main" val="279782320"/>
+        <p14:creationId xmlns:p14="http://schemas.microsoft.com/office/powerpoint/2010/main" val="3768958675"/>
       </p:ext>
     </p:extLst>
   </p:cSld>
@@ -1404,29 +1427,10 @@
           <a:bodyPr/>
           <a:lstStyle/>
           <a:p>
-            <a:pPr marL="0" marR="0" indent="0" algn="l" defTabSz="914363" rtl="0" eaLnBrk="1" fontAlgn="auto" latinLnBrk="0" hangingPunct="1">
-              <a:lnSpc>
-                <a:spcPct val="90000"/>
-              </a:lnSpc>
-              <a:spcBef>
-                <a:spcPts val="0"/>
-              </a:spcBef>
-              <a:spcAft>
-                <a:spcPts val="333"/>
-              </a:spcAft>
-              <a:buClrTx/>
-              <a:buSzTx/>
-              <a:buFontTx/>
-              <a:buNone/>
-              <a:tabLst/>
-              <a:defRPr/>
-            </a:pPr>
             <a:r>
               <a:rPr lang="en-US" dirty="0" smtClean="0"/>
-              <a:t>When calling the host web, you must switch the context</a:t>
-            </a:r>
-          </a:p>
-          <a:p>
+              <a:t>Makes it possible to call the host web from JavaScript in the app web</a:t>
+            </a:r>
             <a:endParaRPr lang="en-US" dirty="0"/>
           </a:p>
         </p:txBody>
@@ -1446,9 +1450,9 @@
           <a:bodyPr/>
           <a:lstStyle/>
           <a:p>
-            <a:fld id="{BC8BD616-3C53-4769-B049-3FE930DDEF97}" type="datetime1">
+            <a:fld id="{4ADE35DD-7265-41C6-9E2A-205ADF0B08D5}" type="datetime1">
               <a:rPr lang="en-US" smtClean="0"/>
-              <a:t>8/5/2014</a:t>
+              <a:t>8/8/2014</a:t>
             </a:fld>
             <a:endParaRPr lang="en-US"/>
           </a:p>
@@ -1471,7 +1475,7 @@
           <a:p>
             <a:fld id="{B4008EB6-D09E-4580-8CD6-DDB14511944F}" type="slidenum">
               <a:rPr lang="en-US" smtClean="0"/>
-              <a:t>19</a:t>
+              <a:t>22</a:t>
             </a:fld>
             <a:endParaRPr lang="en-US" dirty="0"/>
           </a:p>
@@ -1579,7 +1583,7 @@
     </p:spTree>
     <p:extLst>
       <p:ext uri="{BB962C8B-B14F-4D97-AF65-F5344CB8AC3E}">
-        <p14:creationId xmlns:p14="http://schemas.microsoft.com/office/powerpoint/2010/main" val="3143704054"/>
+        <p14:creationId xmlns:p14="http://schemas.microsoft.com/office/powerpoint/2010/main" val="2842563969"/>
       </p:ext>
     </p:extLst>
   </p:cSld>
@@ -1633,6 +1637,98 @@
           <a:bodyPr/>
           <a:lstStyle/>
           <a:p>
+            <a:pPr marL="228600" indent="-228600">
+              <a:buAutoNum type="arabicPeriod"/>
+            </a:pPr>
+            <a:r>
+              <a:rPr lang="en-US" dirty="0" smtClean="0"/>
+              <a:t>The </a:t>
+            </a:r>
+            <a:r>
+              <a:rPr lang="en-US" dirty="0" smtClean="0"/>
+              <a:t>app </a:t>
+            </a:r>
+            <a:r>
+              <a:rPr lang="en-US" dirty="0" smtClean="0"/>
+              <a:t>web loads the SPRequestExecutor.js library</a:t>
+            </a:r>
+          </a:p>
+          <a:p>
+            <a:pPr marL="228600" indent="-228600">
+              <a:buAutoNum type="arabicPeriod"/>
+            </a:pPr>
+            <a:r>
+              <a:rPr lang="en-US" dirty="0" smtClean="0"/>
+              <a:t>The </a:t>
+            </a:r>
+            <a:r>
+              <a:rPr lang="en-US" dirty="0" smtClean="0"/>
+              <a:t>app web creates </a:t>
+            </a:r>
+            <a:r>
+              <a:rPr lang="en-US" dirty="0" smtClean="0"/>
+              <a:t>a new </a:t>
+            </a:r>
+            <a:r>
+              <a:rPr lang="en-US" dirty="0" err="1" smtClean="0"/>
+              <a:t>SP.RequestExecutor</a:t>
+            </a:r>
+            <a:r>
+              <a:rPr lang="en-US" dirty="0" smtClean="0"/>
+              <a:t> object, initializing it with the URL of the app web</a:t>
+            </a:r>
+          </a:p>
+          <a:p>
+            <a:pPr marL="228600" indent="-228600">
+              <a:buAutoNum type="arabicPeriod"/>
+            </a:pPr>
+            <a:r>
+              <a:rPr lang="en-US" dirty="0" smtClean="0"/>
+              <a:t>This causes a hidden IFRAME to be created, which loads APPWebProxy.aspx from the LAYOUTS directory</a:t>
+            </a:r>
+          </a:p>
+          <a:p>
+            <a:pPr marL="228600" indent="-228600">
+              <a:buAutoNum type="arabicPeriod"/>
+            </a:pPr>
+            <a:r>
+              <a:rPr lang="en-US" dirty="0" smtClean="0"/>
+              <a:t>The </a:t>
+            </a:r>
+            <a:r>
+              <a:rPr lang="en-US" dirty="0" err="1" smtClean="0"/>
+              <a:t>SP.RequestExecutor</a:t>
+            </a:r>
+            <a:r>
+              <a:rPr lang="en-US" dirty="0" smtClean="0"/>
+              <a:t> object uses the HTML5 </a:t>
+            </a:r>
+            <a:r>
+              <a:rPr lang="en-US" dirty="0" err="1" smtClean="0"/>
+              <a:t>postmessage</a:t>
+            </a:r>
+            <a:r>
+              <a:rPr lang="en-US" dirty="0" smtClean="0"/>
+              <a:t> command to send requests from the remote web</a:t>
+            </a:r>
+          </a:p>
+          <a:p>
+            <a:pPr marL="228600" indent="-228600">
+              <a:buAutoNum type="arabicPeriod"/>
+            </a:pPr>
+            <a:r>
+              <a:rPr lang="en-US" dirty="0" smtClean="0"/>
+              <a:t>The request is executed by the AppWebProxy.aspx page</a:t>
+            </a:r>
+          </a:p>
+          <a:p>
+            <a:pPr marL="228600" indent="-228600">
+              <a:buAutoNum type="arabicPeriod"/>
+            </a:pPr>
+            <a:r>
+              <a:rPr lang="en-US" dirty="0" smtClean="0"/>
+              <a:t>The response is returned</a:t>
+            </a:r>
             <a:endParaRPr lang="en-US" dirty="0"/>
           </a:p>
         </p:txBody>
@@ -1652,9 +1748,9 @@
           <a:bodyPr/>
           <a:lstStyle/>
           <a:p>
-            <a:fld id="{6DFBD1BE-6A4F-4D98-BF0B-ADDB5A85FBE3}" type="datetime1">
+            <a:fld id="{011330EA-3A2F-4AA6-9551-59328781FD06}" type="datetime1">
               <a:rPr lang="en-US" smtClean="0"/>
-              <a:t>8/5/2014</a:t>
+              <a:t>8/8/2014</a:t>
             </a:fld>
             <a:endParaRPr lang="en-US"/>
           </a:p>
@@ -1677,7 +1773,7 @@
           <a:p>
             <a:fld id="{B4008EB6-D09E-4580-8CD6-DDB14511944F}" type="slidenum">
               <a:rPr lang="en-US" smtClean="0"/>
-              <a:t>20</a:t>
+              <a:t>23</a:t>
             </a:fld>
             <a:endParaRPr lang="en-US" dirty="0"/>
           </a:p>
@@ -1785,7 +1881,7 @@
     </p:spTree>
     <p:extLst>
       <p:ext uri="{BB962C8B-B14F-4D97-AF65-F5344CB8AC3E}">
-        <p14:creationId xmlns:p14="http://schemas.microsoft.com/office/powerpoint/2010/main" val="483350293"/>
+        <p14:creationId xmlns:p14="http://schemas.microsoft.com/office/powerpoint/2010/main" val="1504649696"/>
       </p:ext>
     </p:extLst>
   </p:cSld>
@@ -1841,17 +1937,7 @@
           <a:p>
             <a:r>
               <a:rPr lang="en-US" dirty="0" smtClean="0"/>
-              <a:t>When you create a remote web, it’s nice to have it borrow some of the characteristics of the host web</a:t>
-            </a:r>
-          </a:p>
-          <a:p>
-            <a:r>
-              <a:rPr lang="en-US" dirty="0" smtClean="0"/>
-              <a:t>This way, it doesn’t surprise</a:t>
-            </a:r>
-            <a:r>
-              <a:rPr lang="en-US" baseline="0" dirty="0" smtClean="0"/>
-              <a:t> the user by changing the UI drastically</a:t>
+              <a:t>When calling the host web, you must switch the context</a:t>
             </a:r>
             <a:endParaRPr lang="en-US" dirty="0"/>
           </a:p>
@@ -1872,9 +1958,9 @@
           <a:bodyPr/>
           <a:lstStyle/>
           <a:p>
-            <a:fld id="{14FCA8DF-D437-4F44-A7FA-1D633C225705}" type="datetime1">
+            <a:fld id="{64C927B8-48AC-4209-AA95-18D990AB88E8}" type="datetime1">
               <a:rPr lang="en-US" smtClean="0"/>
-              <a:t>8/5/2014</a:t>
+              <a:t>8/8/2014</a:t>
             </a:fld>
             <a:endParaRPr lang="en-US"/>
           </a:p>
@@ -1897,7 +1983,7 @@
           <a:p>
             <a:fld id="{B4008EB6-D09E-4580-8CD6-DDB14511944F}" type="slidenum">
               <a:rPr lang="en-US" smtClean="0"/>
-              <a:t>22</a:t>
+              <a:t>24</a:t>
             </a:fld>
             <a:endParaRPr lang="en-US" dirty="0"/>
           </a:p>
@@ -2005,7 +2091,7 @@
     </p:spTree>
     <p:extLst>
       <p:ext uri="{BB962C8B-B14F-4D97-AF65-F5344CB8AC3E}">
-        <p14:creationId xmlns:p14="http://schemas.microsoft.com/office/powerpoint/2010/main" val="1296623883"/>
+        <p14:creationId xmlns:p14="http://schemas.microsoft.com/office/powerpoint/2010/main" val="279782320"/>
       </p:ext>
     </p:extLst>
   </p:cSld>
@@ -2059,38 +2145,29 @@
           <a:bodyPr/>
           <a:lstStyle/>
           <a:p>
+            <a:pPr marL="0" marR="0" indent="0" algn="l" defTabSz="914363" rtl="0" eaLnBrk="1" fontAlgn="auto" latinLnBrk="0" hangingPunct="1">
+              <a:lnSpc>
+                <a:spcPct val="90000"/>
+              </a:lnSpc>
+              <a:spcBef>
+                <a:spcPts val="0"/>
+              </a:spcBef>
+              <a:spcAft>
+                <a:spcPts val="333"/>
+              </a:spcAft>
+              <a:buClrTx/>
+              <a:buSzTx/>
+              <a:buFontTx/>
+              <a:buNone/>
+              <a:tabLst/>
+              <a:defRPr/>
+            </a:pPr>
             <a:r>
               <a:rPr lang="en-US" dirty="0" smtClean="0"/>
-              <a:t>Create a div tag</a:t>
-            </a:r>
-          </a:p>
-          <a:p>
-            <a:r>
-              <a:rPr lang="en-US" dirty="0" smtClean="0"/>
-              <a:t>Use the attributes data-</a:t>
-            </a:r>
-            <a:r>
-              <a:rPr lang="en-US" dirty="0" err="1" smtClean="0"/>
-              <a:t>ms</a:t>
-            </a:r>
-            <a:r>
-              <a:rPr lang="en-US" dirty="0" smtClean="0"/>
-              <a:t>-control and data-</a:t>
-            </a:r>
-            <a:r>
-              <a:rPr lang="en-US" dirty="0" err="1" smtClean="0"/>
-              <a:t>ms</a:t>
-            </a:r>
-            <a:r>
-              <a:rPr lang="en-US" dirty="0" smtClean="0"/>
-              <a:t>-options</a:t>
-            </a:r>
-          </a:p>
-          <a:p>
-            <a:r>
-              <a:rPr lang="en-US" dirty="0" smtClean="0"/>
-              <a:t>The chrome control will look for these attributes and render itself in this div</a:t>
-            </a:r>
+              <a:t>When calling the host web, you must switch the context</a:t>
+            </a:r>
+          </a:p>
+          <a:p>
             <a:endParaRPr lang="en-US" dirty="0"/>
           </a:p>
         </p:txBody>
@@ -2110,9 +2187,9 @@
           <a:bodyPr/>
           <a:lstStyle/>
           <a:p>
-            <a:fld id="{A889F05F-80B9-41D3-BF23-A8E444F74255}" type="datetime1">
+            <a:fld id="{BC8BD616-3C53-4769-B049-3FE930DDEF97}" type="datetime1">
               <a:rPr lang="en-US" smtClean="0"/>
-              <a:t>8/5/2014</a:t>
+              <a:t>8/8/2014</a:t>
             </a:fld>
             <a:endParaRPr lang="en-US"/>
           </a:p>
@@ -2135,7 +2212,7 @@
           <a:p>
             <a:fld id="{B4008EB6-D09E-4580-8CD6-DDB14511944F}" type="slidenum">
               <a:rPr lang="en-US" smtClean="0"/>
-              <a:t>24</a:t>
+              <a:t>25</a:t>
             </a:fld>
             <a:endParaRPr lang="en-US" dirty="0"/>
           </a:p>
@@ -2243,7 +2320,7 @@
     </p:spTree>
     <p:extLst>
       <p:ext uri="{BB962C8B-B14F-4D97-AF65-F5344CB8AC3E}">
-        <p14:creationId xmlns:p14="http://schemas.microsoft.com/office/powerpoint/2010/main" val="557417589"/>
+        <p14:creationId xmlns:p14="http://schemas.microsoft.com/office/powerpoint/2010/main" val="3143704054"/>
       </p:ext>
     </p:extLst>
   </p:cSld>
@@ -2297,26 +2374,6 @@
           <a:bodyPr/>
           <a:lstStyle/>
           <a:p>
-            <a:r>
-              <a:rPr lang="en-US" dirty="0" smtClean="0"/>
-              <a:t>Here a new chrome control is created in code</a:t>
-            </a:r>
-          </a:p>
-          <a:p>
-            <a:r>
-              <a:rPr lang="en-US" dirty="0" smtClean="0"/>
-              <a:t>When created, it</a:t>
-            </a:r>
-            <a:r>
-              <a:rPr lang="en-US" baseline="0" dirty="0" smtClean="0"/>
-              <a:t> expects you to supply the options and the ID of the div where it should render</a:t>
-            </a:r>
-          </a:p>
-          <a:p>
-            <a:r>
-              <a:rPr lang="en-US" baseline="0" dirty="0" smtClean="0"/>
-              <a:t>Then it renders itself in the div</a:t>
-            </a:r>
             <a:endParaRPr lang="en-US" dirty="0"/>
           </a:p>
         </p:txBody>
@@ -2336,9 +2393,9 @@
           <a:bodyPr/>
           <a:lstStyle/>
           <a:p>
-            <a:fld id="{312D89D2-8BAD-4162-8E57-B687236DD4F5}" type="datetime1">
+            <a:fld id="{6DFBD1BE-6A4F-4D98-BF0B-ADDB5A85FBE3}" type="datetime1">
               <a:rPr lang="en-US" smtClean="0"/>
-              <a:t>8/5/2014</a:t>
+              <a:t>8/8/2014</a:t>
             </a:fld>
             <a:endParaRPr lang="en-US"/>
           </a:p>
@@ -2361,7 +2418,7 @@
           <a:p>
             <a:fld id="{B4008EB6-D09E-4580-8CD6-DDB14511944F}" type="slidenum">
               <a:rPr lang="en-US" smtClean="0"/>
-              <a:t>25</a:t>
+              <a:t>26</a:t>
             </a:fld>
             <a:endParaRPr lang="en-US" dirty="0"/>
           </a:p>
@@ -2469,7 +2526,7 @@
     </p:spTree>
     <p:extLst>
       <p:ext uri="{BB962C8B-B14F-4D97-AF65-F5344CB8AC3E}">
-        <p14:creationId xmlns:p14="http://schemas.microsoft.com/office/powerpoint/2010/main" val="2775110973"/>
+        <p14:creationId xmlns:p14="http://schemas.microsoft.com/office/powerpoint/2010/main" val="483350293"/>
       </p:ext>
     </p:extLst>
   </p:cSld>
@@ -2542,9 +2599,9 @@
           <a:bodyPr/>
           <a:lstStyle/>
           <a:p>
-            <a:fld id="{6DFBD1BE-6A4F-4D98-BF0B-ADDB5A85FBE3}" type="datetime1">
+            <a:fld id="{5C086280-9E36-46F9-9D6E-28EEBD564A2F}" type="datetime1">
               <a:rPr lang="en-US" smtClean="0"/>
-              <a:t>8/5/2014</a:t>
+              <a:t>8/8/2014</a:t>
             </a:fld>
             <a:endParaRPr lang="en-US"/>
           </a:p>
@@ -2567,7 +2624,7 @@
           <a:p>
             <a:fld id="{B4008EB6-D09E-4580-8CD6-DDB14511944F}" type="slidenum">
               <a:rPr lang="en-US" smtClean="0"/>
-              <a:t>26</a:t>
+              <a:t>28</a:t>
             </a:fld>
             <a:endParaRPr lang="en-US" dirty="0"/>
           </a:p>
@@ -2675,7 +2732,7 @@
     </p:spTree>
     <p:extLst>
       <p:ext uri="{BB962C8B-B14F-4D97-AF65-F5344CB8AC3E}">
-        <p14:creationId xmlns:p14="http://schemas.microsoft.com/office/powerpoint/2010/main" val="2667516962"/>
+        <p14:creationId xmlns:p14="http://schemas.microsoft.com/office/powerpoint/2010/main" val="1142937755"/>
       </p:ext>
     </p:extLst>
   </p:cSld>
@@ -2729,48 +2786,6 @@
           <a:bodyPr/>
           <a:lstStyle/>
           <a:p>
-            <a:r>
-              <a:rPr lang="en-US" dirty="0" smtClean="0"/>
-              <a:t>The event handler infrastructure follows the same pattern as</a:t>
-            </a:r>
-            <a:r>
-              <a:rPr lang="en-US" baseline="0" dirty="0" smtClean="0"/>
-              <a:t> the in-process handlers of old</a:t>
-            </a:r>
-          </a:p>
-          <a:p>
-            <a:r>
-              <a:rPr lang="en-US" baseline="0" dirty="0" smtClean="0"/>
-              <a:t>We have both “before” and “after” event</a:t>
-            </a:r>
-          </a:p>
-          <a:p>
-            <a:r>
-              <a:rPr lang="en-US" baseline="0" dirty="0" smtClean="0"/>
-              <a:t>These are also known as “ING” and “ED” events like “</a:t>
-            </a:r>
-            <a:r>
-              <a:rPr lang="en-US" baseline="0" dirty="0" err="1" smtClean="0"/>
-              <a:t>ItemAdding</a:t>
-            </a:r>
-            <a:r>
-              <a:rPr lang="en-US" baseline="0" dirty="0" smtClean="0"/>
-              <a:t>” and “</a:t>
-            </a:r>
-            <a:r>
-              <a:rPr lang="en-US" baseline="0" dirty="0" err="1" smtClean="0"/>
-              <a:t>ItemAdded</a:t>
-            </a:r>
-            <a:r>
-              <a:rPr lang="en-US" baseline="0" dirty="0" smtClean="0"/>
-              <a:t>”</a:t>
-            </a:r>
-          </a:p>
-          <a:p>
-            <a:r>
-              <a:rPr lang="en-US" baseline="0" dirty="0" smtClean="0"/>
-              <a:t>Two-way events are synchronous</a:t>
-            </a:r>
             <a:endParaRPr lang="en-US" dirty="0"/>
           </a:p>
         </p:txBody>
@@ -2790,9 +2805,9 @@
           <a:bodyPr/>
           <a:lstStyle/>
           <a:p>
-            <a:fld id="{381A498E-1F91-490C-B0FC-CB0211CC8B4D}" type="datetime1">
+            <a:fld id="{9578095F-DAC2-48A6-9439-B5B16DDBB617}" type="datetime1">
               <a:rPr lang="en-US" smtClean="0"/>
-              <a:t>8/5/2014</a:t>
+              <a:t>8/8/2014</a:t>
             </a:fld>
             <a:endParaRPr lang="en-US"/>
           </a:p>
@@ -2815,7 +2830,7 @@
           <a:p>
             <a:fld id="{B4008EB6-D09E-4580-8CD6-DDB14511944F}" type="slidenum">
               <a:rPr lang="en-US" smtClean="0"/>
-              <a:t>28</a:t>
+              <a:t>30</a:t>
             </a:fld>
             <a:endParaRPr lang="en-US" dirty="0"/>
           </a:p>
@@ -2923,7 +2938,7 @@
     </p:spTree>
     <p:extLst>
       <p:ext uri="{BB962C8B-B14F-4D97-AF65-F5344CB8AC3E}">
-        <p14:creationId xmlns:p14="http://schemas.microsoft.com/office/powerpoint/2010/main" val="2772282231"/>
+        <p14:creationId xmlns:p14="http://schemas.microsoft.com/office/powerpoint/2010/main" val="2441850063"/>
       </p:ext>
     </p:extLst>
   </p:cSld>
@@ -2998,7 +3013,7 @@
           <a:p>
             <a:fld id="{6DFBD1BE-6A4F-4D98-BF0B-ADDB5A85FBE3}" type="datetime1">
               <a:rPr lang="en-US" smtClean="0"/>
-              <a:t>8/5/2014</a:t>
+              <a:t>8/8/2014</a:t>
             </a:fld>
             <a:endParaRPr lang="en-US"/>
           </a:p>
@@ -3021,7 +3036,7 @@
           <a:p>
             <a:fld id="{B4008EB6-D09E-4580-8CD6-DDB14511944F}" type="slidenum">
               <a:rPr lang="en-US" smtClean="0"/>
-              <a:t>36</a:t>
+              <a:t>31</a:t>
             </a:fld>
             <a:endParaRPr lang="en-US" dirty="0"/>
           </a:p>
@@ -3129,7 +3144,7 @@
     </p:spTree>
     <p:extLst>
       <p:ext uri="{BB962C8B-B14F-4D97-AF65-F5344CB8AC3E}">
-        <p14:creationId xmlns:p14="http://schemas.microsoft.com/office/powerpoint/2010/main" val="4086493756"/>
+        <p14:creationId xmlns:p14="http://schemas.microsoft.com/office/powerpoint/2010/main" val="2667516962"/>
       </p:ext>
     </p:extLst>
   </p:cSld>
@@ -3202,9 +3217,9 @@
           <a:bodyPr/>
           <a:lstStyle/>
           <a:p>
-            <a:fld id="{1EEDE84A-98EC-4D75-9A7A-DFF39A931950}" type="datetime1">
+            <a:fld id="{6DFBD1BE-6A4F-4D98-BF0B-ADDB5A85FBE3}" type="datetime1">
               <a:rPr lang="en-US" smtClean="0"/>
-              <a:t>8/5/2014</a:t>
+              <a:t>8/8/2014</a:t>
             </a:fld>
             <a:endParaRPr lang="en-US"/>
           </a:p>
@@ -3227,7 +3242,7 @@
           <a:p>
             <a:fld id="{B4008EB6-D09E-4580-8CD6-DDB14511944F}" type="slidenum">
               <a:rPr lang="en-US" smtClean="0"/>
-              <a:t>37</a:t>
+              <a:t>35</a:t>
             </a:fld>
             <a:endParaRPr lang="en-US" dirty="0"/>
           </a:p>
@@ -3335,7 +3350,7 @@
     </p:spTree>
     <p:extLst>
       <p:ext uri="{BB962C8B-B14F-4D97-AF65-F5344CB8AC3E}">
-        <p14:creationId xmlns:p14="http://schemas.microsoft.com/office/powerpoint/2010/main" val="2924451877"/>
+        <p14:creationId xmlns:p14="http://schemas.microsoft.com/office/powerpoint/2010/main" val="4086493756"/>
       </p:ext>
     </p:extLst>
   </p:cSld>
@@ -3464,7 +3479,7 @@
           <a:p>
             <a:fld id="{B079C3B8-7366-4A44-A34B-3977080C19E7}" type="datetime1">
               <a:rPr lang="en-US" smtClean="0"/>
-              <a:t>8/5/2014</a:t>
+              <a:t>8/8/2014</a:t>
             </a:fld>
             <a:endParaRPr lang="en-US" dirty="0"/>
           </a:p>
@@ -3574,6 +3589,212 @@
           <a:bodyPr/>
           <a:lstStyle/>
           <a:p>
+            <a:endParaRPr lang="en-US" dirty="0"/>
+          </a:p>
+        </p:txBody>
+      </p:sp>
+      <p:sp>
+        <p:nvSpPr>
+          <p:cNvPr id="4" name="Date Placeholder 3"/>
+          <p:cNvSpPr>
+            <a:spLocks noGrp="1"/>
+          </p:cNvSpPr>
+          <p:nvPr>
+            <p:ph type="dt" idx="10"/>
+          </p:nvPr>
+        </p:nvSpPr>
+        <p:spPr/>
+        <p:txBody>
+          <a:bodyPr/>
+          <a:lstStyle/>
+          <a:p>
+            <a:fld id="{1EEDE84A-98EC-4D75-9A7A-DFF39A931950}" type="datetime1">
+              <a:rPr lang="en-US" smtClean="0"/>
+              <a:t>8/8/2014</a:t>
+            </a:fld>
+            <a:endParaRPr lang="en-US"/>
+          </a:p>
+        </p:txBody>
+      </p:sp>
+      <p:sp>
+        <p:nvSpPr>
+          <p:cNvPr id="5" name="Slide Number Placeholder 4"/>
+          <p:cNvSpPr>
+            <a:spLocks noGrp="1"/>
+          </p:cNvSpPr>
+          <p:nvPr>
+            <p:ph type="sldNum" sz="quarter" idx="11"/>
+          </p:nvPr>
+        </p:nvSpPr>
+        <p:spPr/>
+        <p:txBody>
+          <a:bodyPr/>
+          <a:lstStyle/>
+          <a:p>
+            <a:fld id="{B4008EB6-D09E-4580-8CD6-DDB14511944F}" type="slidenum">
+              <a:rPr lang="en-US" smtClean="0"/>
+              <a:t>36</a:t>
+            </a:fld>
+            <a:endParaRPr lang="en-US" dirty="0"/>
+          </a:p>
+        </p:txBody>
+      </p:sp>
+      <p:sp>
+        <p:nvSpPr>
+          <p:cNvPr id="6" name="Header Placeholder 5"/>
+          <p:cNvSpPr>
+            <a:spLocks noGrp="1"/>
+          </p:cNvSpPr>
+          <p:nvPr>
+            <p:ph type="hdr" sz="quarter" idx="12"/>
+          </p:nvPr>
+        </p:nvSpPr>
+        <p:spPr/>
+        <p:txBody>
+          <a:bodyPr/>
+          <a:lstStyle/>
+          <a:p>
+            <a:r>
+              <a:rPr lang="en-US" smtClean="0"/>
+              <a:t>Microsoft Office</a:t>
+            </a:r>
+            <a:endParaRPr lang="en-US" dirty="0"/>
+          </a:p>
+        </p:txBody>
+      </p:sp>
+      <p:sp>
+        <p:nvSpPr>
+          <p:cNvPr id="7" name="Footer Placeholder 6"/>
+          <p:cNvSpPr>
+            <a:spLocks noGrp="1"/>
+          </p:cNvSpPr>
+          <p:nvPr>
+            <p:ph type="ftr" sz="quarter" idx="13"/>
+          </p:nvPr>
+        </p:nvSpPr>
+        <p:spPr/>
+        <p:txBody>
+          <a:bodyPr/>
+          <a:lstStyle/>
+          <a:p>
+            <a:pPr marL="231775" defTabSz="914099" eaLnBrk="0" hangingPunct="0"/>
+            <a:r>
+              <a:rPr lang="en-US" sz="500" smtClean="0">
+                <a:gradFill>
+                  <a:gsLst>
+                    <a:gs pos="0">
+                      <a:schemeClr val="tx1"/>
+                    </a:gs>
+                    <a:gs pos="100000">
+                      <a:schemeClr val="tx1"/>
+                    </a:gs>
+                  </a:gsLst>
+                  <a:lin ang="5400000" scaled="0"/>
+                </a:gradFill>
+                <a:latin typeface="Segoe UI" pitchFamily="34" charset="0"/>
+                <a:ea typeface="Segoe UI" pitchFamily="34" charset="0"/>
+                <a:cs typeface="Segoe UI" pitchFamily="34" charset="0"/>
+              </a:rPr>
+              <a:t>© 2012 Microsoft Corporation. All rights reserved. Microsoft, Windows, and other product names are or may be registered trademarks and/or trademarks in the U.S. and/or other countries.</a:t>
+            </a:r>
+          </a:p>
+          <a:p>
+            <a:pPr marL="231775" defTabSz="914099" eaLnBrk="0" hangingPunct="0"/>
+            <a:r>
+              <a:rPr lang="en-US" sz="500" smtClean="0">
+                <a:gradFill>
+                  <a:gsLst>
+                    <a:gs pos="0">
+                      <a:schemeClr val="tx1"/>
+                    </a:gs>
+                    <a:gs pos="100000">
+                      <a:schemeClr val="tx1"/>
+                    </a:gs>
+                  </a:gsLst>
+                  <a:lin ang="5400000" scaled="0"/>
+                </a:gradFill>
+                <a:latin typeface="Segoe UI" pitchFamily="34" charset="0"/>
+                <a:ea typeface="Segoe UI" pitchFamily="34" charset="0"/>
+                <a:cs typeface="Segoe UI" pitchFamily="34" charset="0"/>
+              </a:rPr>
+              <a:t>The information herein is for informational purposes only and represents the current view of Microsoft Corporation as of the date of this presentation.  Because Microsoft must respond to changing market conditions, it should not be interpreted to be a commitment on the part of Microsoft, and Microsoft cannot guarantee the accuracy of any information provided after the date of this presentation.  MICROSOFT MAKES NO WARRANTIES, EXPRESS, IMPLIED OR STATUTORY, AS TO THE INFORMATION IN THIS PRESENTATION.</a:t>
+            </a:r>
+            <a:endParaRPr lang="en-US" sz="500" dirty="0">
+              <a:gradFill>
+                <a:gsLst>
+                  <a:gs pos="0">
+                    <a:schemeClr val="tx1"/>
+                  </a:gs>
+                  <a:gs pos="100000">
+                    <a:schemeClr val="tx1"/>
+                  </a:gs>
+                </a:gsLst>
+                <a:lin ang="5400000" scaled="0"/>
+              </a:gradFill>
+              <a:latin typeface="Segoe UI" pitchFamily="34" charset="0"/>
+              <a:ea typeface="Segoe UI" pitchFamily="34" charset="0"/>
+              <a:cs typeface="Segoe UI" pitchFamily="34" charset="0"/>
+            </a:endParaRPr>
+          </a:p>
+        </p:txBody>
+      </p:sp>
+    </p:spTree>
+    <p:extLst>
+      <p:ext uri="{BB962C8B-B14F-4D97-AF65-F5344CB8AC3E}">
+        <p14:creationId xmlns:p14="http://schemas.microsoft.com/office/powerpoint/2010/main" val="2924451877"/>
+      </p:ext>
+    </p:extLst>
+  </p:cSld>
+  <p:clrMapOvr>
+    <a:masterClrMapping/>
+  </p:clrMapOvr>
+</p:notes>
+</file>
+
+<file path=ppt/notesSlides/notesSlide21.xml><?xml version="1.0" encoding="utf-8"?>
+<p:notes xmlns:a="http://schemas.openxmlformats.org/drawingml/2006/main" xmlns:r="http://schemas.openxmlformats.org/officeDocument/2006/relationships" xmlns:p="http://schemas.openxmlformats.org/presentationml/2006/main">
+  <p:cSld>
+    <p:spTree>
+      <p:nvGrpSpPr>
+        <p:cNvPr id="1" name=""/>
+        <p:cNvGrpSpPr/>
+        <p:nvPr/>
+      </p:nvGrpSpPr>
+      <p:grpSpPr>
+        <a:xfrm>
+          <a:off x="0" y="0"/>
+          <a:ext cx="0" cy="0"/>
+          <a:chOff x="0" y="0"/>
+          <a:chExt cx="0" cy="0"/>
+        </a:xfrm>
+      </p:grpSpPr>
+      <p:sp>
+        <p:nvSpPr>
+          <p:cNvPr id="2" name="Slide Image Placeholder 1"/>
+          <p:cNvSpPr>
+            <a:spLocks noGrp="1" noRot="1" noChangeAspect="1"/>
+          </p:cNvSpPr>
+          <p:nvPr>
+            <p:ph type="sldImg"/>
+          </p:nvPr>
+        </p:nvSpPr>
+        <p:spPr/>
+      </p:sp>
+      <p:sp>
+        <p:nvSpPr>
+          <p:cNvPr id="3" name="Notes Placeholder 2"/>
+          <p:cNvSpPr>
+            <a:spLocks noGrp="1"/>
+          </p:cNvSpPr>
+          <p:nvPr>
+            <p:ph type="body" idx="1"/>
+          </p:nvPr>
+        </p:nvSpPr>
+        <p:spPr/>
+        <p:txBody>
+          <a:bodyPr/>
+          <a:lstStyle/>
+          <a:p>
             <a:endParaRPr lang="en-US"/>
           </a:p>
         </p:txBody>
@@ -3706,7 +3927,7 @@
           <a:p>
             <a:fld id="{0BB6559B-C68D-49B4-97AE-9BB74C417927}" type="datetime1">
               <a:rPr lang="en-US" smtClean="0"/>
-              <a:t>8/5/2014</a:t>
+              <a:t>8/8/2014</a:t>
             </a:fld>
             <a:endParaRPr lang="en-US"/>
           </a:p>
@@ -3729,7 +3950,7 @@
           <a:p>
             <a:fld id="{B4008EB6-D09E-4580-8CD6-DDB14511944F}" type="slidenum">
               <a:rPr lang="en-US" smtClean="0"/>
-              <a:t>38</a:t>
+              <a:t>37</a:t>
             </a:fld>
             <a:endParaRPr lang="en-US" dirty="0"/>
           </a:p>
@@ -3853,7 +4074,7 @@
           <a:p>
             <a:fld id="{0C3C20F7-22CF-4B06-A2C4-710BBA74F6A5}" type="datetime1">
               <a:rPr lang="en-US" smtClean="0"/>
-              <a:t>8/5/2014</a:t>
+              <a:t>8/8/2014</a:t>
             </a:fld>
             <a:endParaRPr lang="en-US"/>
           </a:p>
@@ -4063,7 +4284,7 @@
           <a:p>
             <a:fld id="{70210F0F-1244-4C73-AF4A-4072D1118C71}" type="datetime1">
               <a:rPr lang="en-US" smtClean="0"/>
-              <a:t>8/5/2014</a:t>
+              <a:t>8/8/2014</a:t>
             </a:fld>
             <a:endParaRPr lang="en-US"/>
           </a:p>
@@ -4369,7 +4590,7 @@
           <a:p>
             <a:fld id="{AE9AEF2E-5E0F-470C-8AB5-948C2A6F0374}" type="datetime1">
               <a:rPr lang="en-US" smtClean="0"/>
-              <a:t>8/5/2014</a:t>
+              <a:t>8/8/2014</a:t>
             </a:fld>
             <a:endParaRPr lang="en-US"/>
           </a:p>
@@ -4554,6 +4775,18 @@
           <a:bodyPr/>
           <a:lstStyle/>
           <a:p>
+            <a:r>
+              <a:rPr lang="en-US" dirty="0" smtClean="0"/>
+              <a:t>No </a:t>
+            </a:r>
+            <a:r>
+              <a:rPr lang="en-US" dirty="0" err="1" smtClean="0"/>
+              <a:t>Oauth</a:t>
+            </a:r>
+            <a:r>
+              <a:rPr lang="en-US" dirty="0" smtClean="0"/>
+              <a:t> tokens required</a:t>
+            </a:r>
             <a:endParaRPr lang="en-US" dirty="0"/>
           </a:p>
         </p:txBody>
@@ -4575,7 +4808,7 @@
           <a:p>
             <a:fld id="{6E50E453-F0F1-4F28-9386-D0CC835A3436}" type="datetime1">
               <a:rPr lang="en-US" smtClean="0"/>
-              <a:t>8/5/2014</a:t>
+              <a:t>8/8/2014</a:t>
             </a:fld>
             <a:endParaRPr lang="en-US"/>
           </a:p>
@@ -4762,47 +4995,14 @@
           <a:p>
             <a:r>
               <a:rPr lang="en-US" dirty="0" smtClean="0"/>
-              <a:t>SharePoint-Hosted</a:t>
-            </a:r>
-            <a:r>
-              <a:rPr lang="en-US" baseline="0" dirty="0" smtClean="0"/>
-              <a:t> apps can be built on ASPX or HTML pages</a:t>
-            </a:r>
-          </a:p>
-          <a:p>
-            <a:r>
-              <a:rPr lang="en-US" baseline="0" dirty="0" smtClean="0"/>
-              <a:t>The authorization is always done with “Internal” </a:t>
-            </a:r>
-            <a:r>
-              <a:rPr lang="en-US" baseline="0" dirty="0" err="1" smtClean="0"/>
-              <a:t>auth</a:t>
-            </a:r>
-            <a:r>
-              <a:rPr lang="en-US" baseline="0" dirty="0" smtClean="0"/>
-              <a:t>, meaning no </a:t>
-            </a:r>
-            <a:r>
-              <a:rPr lang="en-US" baseline="0" dirty="0" err="1" smtClean="0"/>
-              <a:t>OAuth</a:t>
-            </a:r>
-            <a:r>
-              <a:rPr lang="en-US" baseline="0" dirty="0" smtClean="0"/>
-              <a:t> tokens</a:t>
-            </a:r>
-          </a:p>
-          <a:p>
-            <a:r>
-              <a:rPr lang="en-US" baseline="0" dirty="0" smtClean="0"/>
-              <a:t>Programmability is always JavaScript</a:t>
-            </a:r>
-          </a:p>
-          <a:p>
-            <a:r>
-              <a:rPr lang="en-US" baseline="0" dirty="0" smtClean="0"/>
-              <a:t>You can use CSOM, REST, cross-domain library, or web proxy in your solution</a:t>
-            </a:r>
-            <a:endParaRPr lang="en-US" dirty="0"/>
+              <a:t>These are the different experiences</a:t>
+            </a:r>
+          </a:p>
+          <a:p>
+            <a:r>
+              <a:rPr lang="en-US" dirty="0" smtClean="0"/>
+              <a:t>We’ll cover these in detail as we go along</a:t>
+            </a:r>
           </a:p>
         </p:txBody>
       </p:sp>
@@ -4821,9 +5021,9 @@
           <a:bodyPr/>
           <a:lstStyle/>
           <a:p>
-            <a:fld id="{09D58FB4-9AD0-481B-8C84-A17E43C7859F}" type="datetime1">
+            <a:fld id="{F372C601-B3D4-4352-8812-691632D028CC}" type="datetime1">
               <a:rPr lang="en-US" smtClean="0"/>
-              <a:t>8/5/2014</a:t>
+              <a:t>8/8/2014</a:t>
             </a:fld>
             <a:endParaRPr lang="en-US"/>
           </a:p>
@@ -4846,7 +5046,7 @@
           <a:p>
             <a:fld id="{B4008EB6-D09E-4580-8CD6-DDB14511944F}" type="slidenum">
               <a:rPr lang="en-US" smtClean="0"/>
-              <a:t>11</a:t>
+              <a:t>10</a:t>
             </a:fld>
             <a:endParaRPr lang="en-US" dirty="0"/>
           </a:p>
@@ -4954,7 +5154,7 @@
     </p:spTree>
     <p:extLst>
       <p:ext uri="{BB962C8B-B14F-4D97-AF65-F5344CB8AC3E}">
-        <p14:creationId xmlns:p14="http://schemas.microsoft.com/office/powerpoint/2010/main" val="582667279"/>
+        <p14:creationId xmlns:p14="http://schemas.microsoft.com/office/powerpoint/2010/main" val="1930400768"/>
       </p:ext>
     </p:extLst>
   </p:cSld>
@@ -5010,19 +5210,45 @@
           <a:p>
             <a:r>
               <a:rPr lang="en-US" dirty="0" smtClean="0"/>
-              <a:t>Makes it possible to call the </a:t>
-            </a:r>
-            <a:r>
-              <a:rPr lang="en-US" dirty="0" smtClean="0"/>
-              <a:t>host </a:t>
-            </a:r>
-            <a:r>
-              <a:rPr lang="en-US" dirty="0" smtClean="0"/>
-              <a:t>web from JavaScript in the </a:t>
-            </a:r>
-            <a:r>
-              <a:rPr lang="en-US" dirty="0" smtClean="0"/>
-              <a:t>app web</a:t>
+              <a:t>SharePoint-Hosted</a:t>
+            </a:r>
+            <a:r>
+              <a:rPr lang="en-US" baseline="0" dirty="0" smtClean="0"/>
+              <a:t> apps can be built on ASPX or HTML pages</a:t>
+            </a:r>
+          </a:p>
+          <a:p>
+            <a:r>
+              <a:rPr lang="en-US" baseline="0" dirty="0" smtClean="0"/>
+              <a:t>The authorization is always done with “Internal” </a:t>
+            </a:r>
+            <a:r>
+              <a:rPr lang="en-US" baseline="0" dirty="0" err="1" smtClean="0"/>
+              <a:t>auth</a:t>
+            </a:r>
+            <a:r>
+              <a:rPr lang="en-US" baseline="0" dirty="0" smtClean="0"/>
+              <a:t>, meaning no </a:t>
+            </a:r>
+            <a:r>
+              <a:rPr lang="en-US" baseline="0" dirty="0" err="1" smtClean="0"/>
+              <a:t>OAuth</a:t>
+            </a:r>
+            <a:r>
+              <a:rPr lang="en-US" baseline="0" dirty="0" smtClean="0"/>
+              <a:t> tokens</a:t>
+            </a:r>
+          </a:p>
+          <a:p>
+            <a:r>
+              <a:rPr lang="en-US" baseline="0" dirty="0" smtClean="0"/>
+              <a:t>Programmability is always JavaScript</a:t>
+            </a:r>
+          </a:p>
+          <a:p>
+            <a:r>
+              <a:rPr lang="en-US" baseline="0" dirty="0" smtClean="0"/>
+              <a:t>You can use CSOM, REST, cross-domain library, or web proxy in your solution</a:t>
             </a:r>
             <a:endParaRPr lang="en-US" dirty="0"/>
           </a:p>
@@ -5043,9 +5269,9 @@
           <a:bodyPr/>
           <a:lstStyle/>
           <a:p>
-            <a:fld id="{4ADE35DD-7265-41C6-9E2A-205ADF0B08D5}" type="datetime1">
+            <a:fld id="{09D58FB4-9AD0-481B-8C84-A17E43C7859F}" type="datetime1">
               <a:rPr lang="en-US" smtClean="0"/>
-              <a:t>8/5/2014</a:t>
+              <a:t>8/8/2014</a:t>
             </a:fld>
             <a:endParaRPr lang="en-US"/>
           </a:p>
@@ -5068,7 +5294,7 @@
           <a:p>
             <a:fld id="{B4008EB6-D09E-4580-8CD6-DDB14511944F}" type="slidenum">
               <a:rPr lang="en-US" smtClean="0"/>
-              <a:t>16</a:t>
+              <a:t>11</a:t>
             </a:fld>
             <a:endParaRPr lang="en-US" dirty="0"/>
           </a:p>
@@ -5176,7 +5402,7 @@
     </p:spTree>
     <p:extLst>
       <p:ext uri="{BB962C8B-B14F-4D97-AF65-F5344CB8AC3E}">
-        <p14:creationId xmlns:p14="http://schemas.microsoft.com/office/powerpoint/2010/main" val="2842563969"/>
+        <p14:creationId xmlns:p14="http://schemas.microsoft.com/office/powerpoint/2010/main" val="582667279"/>
       </p:ext>
     </p:extLst>
   </p:cSld>
@@ -5230,81 +5456,13 @@
           <a:bodyPr/>
           <a:lstStyle/>
           <a:p>
-            <a:pPr marL="228600" indent="-228600">
-              <a:buAutoNum type="arabicPeriod"/>
-            </a:pPr>
             <a:r>
               <a:rPr lang="en-US" dirty="0" smtClean="0"/>
-              <a:t>The remote web loads the SPRequestExecutor.js library</a:t>
-            </a:r>
-          </a:p>
-          <a:p>
-            <a:pPr marL="228600" indent="-228600">
-              <a:buAutoNum type="arabicPeriod"/>
-            </a:pPr>
-            <a:r>
-              <a:rPr lang="en-US" dirty="0" smtClean="0"/>
-              <a:t>The remote web create a new </a:t>
-            </a:r>
-            <a:r>
-              <a:rPr lang="en-US" dirty="0" err="1" smtClean="0"/>
-              <a:t>SP.RequestExecutor</a:t>
-            </a:r>
-            <a:r>
-              <a:rPr lang="en-US" dirty="0" smtClean="0"/>
-              <a:t> object, initializing it with the URL of the app web</a:t>
-            </a:r>
-          </a:p>
-          <a:p>
-            <a:pPr marL="228600" indent="-228600">
-              <a:buAutoNum type="arabicPeriod"/>
-            </a:pPr>
-            <a:r>
-              <a:rPr lang="en-US" dirty="0" smtClean="0"/>
-              <a:t>This causes a hidden IFRAME to be created, which loads APPWebProxy.aspx from the LAYOUTS directory</a:t>
-            </a:r>
-          </a:p>
-          <a:p>
-            <a:pPr marL="228600" indent="-228600">
-              <a:buAutoNum type="arabicPeriod"/>
-            </a:pPr>
-            <a:r>
-              <a:rPr lang="en-US" dirty="0" smtClean="0"/>
-              <a:t>The </a:t>
-            </a:r>
-            <a:r>
-              <a:rPr lang="en-US" dirty="0" err="1" smtClean="0"/>
-              <a:t>SP.RequestExecutor</a:t>
-            </a:r>
-            <a:r>
-              <a:rPr lang="en-US" dirty="0" smtClean="0"/>
-              <a:t> object uses the HTML5 </a:t>
-            </a:r>
-            <a:r>
-              <a:rPr lang="en-US" dirty="0" err="1" smtClean="0"/>
-              <a:t>postmessage</a:t>
-            </a:r>
-            <a:r>
-              <a:rPr lang="en-US" dirty="0" smtClean="0"/>
-              <a:t> command to send requests from the remote web</a:t>
-            </a:r>
-          </a:p>
-          <a:p>
-            <a:pPr marL="228600" indent="-228600">
-              <a:buAutoNum type="arabicPeriod"/>
-            </a:pPr>
-            <a:r>
-              <a:rPr lang="en-US" dirty="0" smtClean="0"/>
-              <a:t>The request is executed by the AppWebProxy.aspx page</a:t>
-            </a:r>
-          </a:p>
-          <a:p>
-            <a:pPr marL="228600" indent="-228600">
-              <a:buAutoNum type="arabicPeriod"/>
-            </a:pPr>
-            <a:r>
-              <a:rPr lang="en-US" dirty="0" smtClean="0"/>
-              <a:t>The response is returned</a:t>
+              <a:t>This</a:t>
+            </a:r>
+            <a:r>
+              <a:rPr lang="en-US" baseline="0" dirty="0" smtClean="0"/>
+              <a:t> is a READ sample. The other CRUD operations follow.</a:t>
             </a:r>
             <a:endParaRPr lang="en-US" dirty="0"/>
           </a:p>
@@ -5325,9 +5483,9 @@
           <a:bodyPr/>
           <a:lstStyle/>
           <a:p>
-            <a:fld id="{011330EA-3A2F-4AA6-9551-59328781FD06}" type="datetime1">
+            <a:fld id="{572172F6-25BB-44AC-BBEC-964D1D29CFE8}" type="datetime1">
               <a:rPr lang="en-US" smtClean="0"/>
-              <a:t>8/5/2014</a:t>
+              <a:t>8/8/2014</a:t>
             </a:fld>
             <a:endParaRPr lang="en-US"/>
           </a:p>
@@ -5350,7 +5508,7 @@
           <a:p>
             <a:fld id="{B4008EB6-D09E-4580-8CD6-DDB14511944F}" type="slidenum">
               <a:rPr lang="en-US" smtClean="0"/>
-              <a:t>17</a:t>
+              <a:t>14</a:t>
             </a:fld>
             <a:endParaRPr lang="en-US" dirty="0"/>
           </a:p>
@@ -5458,7 +5616,7 @@
     </p:spTree>
     <p:extLst>
       <p:ext uri="{BB962C8B-B14F-4D97-AF65-F5344CB8AC3E}">
-        <p14:creationId xmlns:p14="http://schemas.microsoft.com/office/powerpoint/2010/main" val="1504649696"/>
+        <p14:creationId xmlns:p14="http://schemas.microsoft.com/office/powerpoint/2010/main" val="2333362605"/>
       </p:ext>
     </p:extLst>
   </p:cSld>
@@ -15805,7 +15963,6 @@
               <a:rPr lang="en-US" dirty="0" smtClean="0"/>
               <a:t>Pages</a:t>
             </a:r>
-            <a:endParaRPr lang="en-US" dirty="0" smtClean="0"/>
           </a:p>
           <a:p>
             <a:pPr lvl="1"/>
@@ -15813,7 +15970,6 @@
               <a:rPr lang="en-US" dirty="0" smtClean="0"/>
               <a:t>ASPX</a:t>
             </a:r>
-            <a:endParaRPr lang="en-US" dirty="0" smtClean="0"/>
           </a:p>
           <a:p>
             <a:pPr lvl="1"/>
@@ -15821,7 +15977,6 @@
               <a:rPr lang="en-US" dirty="0" smtClean="0"/>
               <a:t>HTML</a:t>
             </a:r>
-            <a:endParaRPr lang="en-US" dirty="0" smtClean="0"/>
           </a:p>
           <a:p>
             <a:r>
@@ -15835,7 +15990,6 @@
               <a:rPr lang="en-US" dirty="0" smtClean="0"/>
               <a:t>Internal</a:t>
             </a:r>
-            <a:endParaRPr lang="en-US" dirty="0" smtClean="0"/>
           </a:p>
           <a:p>
             <a:r>
@@ -15854,15 +16008,7 @@
             <a:pPr lvl="1"/>
             <a:r>
               <a:rPr lang="en-US" dirty="0" smtClean="0"/>
-              <a:t>JavaScript </a:t>
-            </a:r>
-            <a:r>
-              <a:rPr lang="en-US" dirty="0" smtClean="0"/>
-              <a:t>Cross-Domain </a:t>
-            </a:r>
-            <a:r>
-              <a:rPr lang="en-US" dirty="0" smtClean="0"/>
-              <a:t>Library</a:t>
+              <a:t>JavaScript Cross-Domain Library</a:t>
             </a:r>
           </a:p>
           <a:p>
@@ -15892,15 +16038,7 @@
           <a:p>
             <a:r>
               <a:rPr lang="en-US" dirty="0" smtClean="0"/>
-              <a:t>Creating </a:t>
-            </a:r>
-            <a:r>
-              <a:rPr lang="en-US" dirty="0" smtClean="0"/>
-              <a:t>SharePoint-Hosted </a:t>
-            </a:r>
-            <a:r>
-              <a:rPr lang="en-US" dirty="0" smtClean="0"/>
-              <a:t>Apps</a:t>
+              <a:t>Creating SharePoint-Hosted Apps</a:t>
             </a:r>
             <a:endParaRPr lang="en-US" dirty="0"/>
           </a:p>
@@ -15987,11 +16125,7 @@
           <a:p>
             <a:r>
               <a:rPr lang="en-US" dirty="0" smtClean="0"/>
-              <a:t>Creating a </a:t>
-            </a:r>
-            <a:r>
-              <a:rPr lang="en-US" dirty="0" smtClean="0"/>
-              <a:t>SharePoint-Hosted App</a:t>
+              <a:t>Creating a SharePoint-Hosted App</a:t>
             </a:r>
             <a:endParaRPr lang="en-US" dirty="0"/>
           </a:p>
@@ -16148,30 +16282,6 @@
       </p:grpSpPr>
       <p:sp>
         <p:nvSpPr>
-          <p:cNvPr id="2" name="Text Placeholder 1"/>
-          <p:cNvSpPr>
-            <a:spLocks noGrp="1"/>
-          </p:cNvSpPr>
-          <p:nvPr>
-            <p:ph type="body" sz="quarter" idx="10"/>
-          </p:nvPr>
-        </p:nvSpPr>
-        <p:spPr>
-          <a:xfrm>
-            <a:off x="519112" y="1447799"/>
-            <a:ext cx="11149013" cy="4377268"/>
-          </a:xfrm>
-        </p:spPr>
-        <p:txBody>
-          <a:bodyPr/>
-          <a:lstStyle/>
-          <a:p>
-            <a:endParaRPr lang="en-US"/>
-          </a:p>
-        </p:txBody>
-      </p:sp>
-      <p:sp>
-        <p:nvSpPr>
           <p:cNvPr id="3" name="Title 2"/>
           <p:cNvSpPr>
             <a:spLocks noGrp="1"/>
@@ -16217,6 +16327,36 @@
           </a:p>
         </p:txBody>
       </p:sp>
+      <p:pic>
+        <p:nvPicPr>
+          <p:cNvPr id="5" name="Picture 4"/>
+          <p:cNvPicPr>
+            <a:picLocks noChangeAspect="1"/>
+          </p:cNvPicPr>
+          <p:nvPr/>
+        </p:nvPicPr>
+        <p:blipFill>
+          <a:blip r:embed="rId3">
+            <a:extLst>
+              <a:ext uri="{28A0092B-C50C-407E-A947-70E740481C1C}">
+                <a14:useLocalDpi xmlns:a14="http://schemas.microsoft.com/office/drawing/2010/main" val="0"/>
+              </a:ext>
+            </a:extLst>
+          </a:blip>
+          <a:stretch>
+            <a:fillRect/>
+          </a:stretch>
+        </p:blipFill>
+        <p:spPr>
+          <a:xfrm>
+            <a:off x="1081385" y="1429908"/>
+            <a:ext cx="9102401" cy="4214536"/>
+          </a:xfrm>
+          <a:prstGeom prst="rect">
+            <a:avLst/>
+          </a:prstGeom>
+        </p:spPr>
+      </p:pic>
     </p:spTree>
     <p:extLst>
       <p:ext uri="{BB962C8B-B14F-4D97-AF65-F5344CB8AC3E}">
@@ -16252,12 +16392,12 @@
       </p:grpSpPr>
       <p:sp>
         <p:nvSpPr>
-          <p:cNvPr id="2" name="Text Placeholder 1"/>
-          <p:cNvSpPr>
-            <a:spLocks noGrp="1"/>
-          </p:cNvSpPr>
-          <p:nvPr>
-            <p:ph type="body" sz="quarter" idx="10"/>
+          <p:cNvPr id="2" name="Title 1"/>
+          <p:cNvSpPr>
+            <a:spLocks noGrp="1"/>
+          </p:cNvSpPr>
+          <p:nvPr>
+            <p:ph type="title"/>
           </p:nvPr>
         </p:nvSpPr>
         <p:spPr/>
@@ -16265,28 +16405,9 @@
           <a:bodyPr/>
           <a:lstStyle/>
           <a:p>
-            <a:endParaRPr lang="en-US"/>
-          </a:p>
-        </p:txBody>
-      </p:sp>
-      <p:sp>
-        <p:nvSpPr>
-          <p:cNvPr id="3" name="Title 2"/>
-          <p:cNvSpPr>
-            <a:spLocks noGrp="1"/>
-          </p:cNvSpPr>
-          <p:nvPr>
-            <p:ph type="title"/>
-          </p:nvPr>
-        </p:nvSpPr>
-        <p:spPr/>
-        <p:txBody>
-          <a:bodyPr/>
-          <a:lstStyle/>
-          <a:p>
             <a:r>
               <a:rPr lang="en-US" dirty="0" smtClean="0"/>
-              <a:t>Using the CSOM API</a:t>
+              <a:t>Create List Items</a:t>
             </a:r>
             <a:endParaRPr lang="en-US" dirty="0"/>
           </a:p>
@@ -16294,7 +16415,7 @@
       </p:sp>
       <p:sp>
         <p:nvSpPr>
-          <p:cNvPr id="4" name="Slide Number Placeholder 3"/>
+          <p:cNvPr id="3" name="Slide Number Placeholder 2"/>
           <p:cNvSpPr>
             <a:spLocks noGrp="1"/>
           </p:cNvSpPr>
@@ -16316,10 +16437,40 @@
           </a:p>
         </p:txBody>
       </p:sp>
+      <p:pic>
+        <p:nvPicPr>
+          <p:cNvPr id="4" name="Picture 3"/>
+          <p:cNvPicPr>
+            <a:picLocks noChangeAspect="1"/>
+          </p:cNvPicPr>
+          <p:nvPr/>
+        </p:nvPicPr>
+        <p:blipFill>
+          <a:blip r:embed="rId2">
+            <a:extLst>
+              <a:ext uri="{28A0092B-C50C-407E-A947-70E740481C1C}">
+                <a14:useLocalDpi xmlns:a14="http://schemas.microsoft.com/office/drawing/2010/main" val="0"/>
+              </a:ext>
+            </a:extLst>
+          </a:blip>
+          <a:stretch>
+            <a:fillRect/>
+          </a:stretch>
+        </p:blipFill>
+        <p:spPr>
+          <a:xfrm>
+            <a:off x="1176907" y="1211272"/>
+            <a:ext cx="6149581" cy="5000866"/>
+          </a:xfrm>
+          <a:prstGeom prst="rect">
+            <a:avLst/>
+          </a:prstGeom>
+        </p:spPr>
+      </p:pic>
     </p:spTree>
     <p:extLst>
       <p:ext uri="{BB962C8B-B14F-4D97-AF65-F5344CB8AC3E}">
-        <p14:creationId xmlns:p14="http://schemas.microsoft.com/office/powerpoint/2010/main" val="2643147986"/>
+        <p14:creationId xmlns:p14="http://schemas.microsoft.com/office/powerpoint/2010/main" val="2024966417"/>
       </p:ext>
     </p:extLst>
   </p:cSld>
@@ -16351,97 +16502,30 @@
       </p:grpSpPr>
       <p:sp>
         <p:nvSpPr>
-          <p:cNvPr id="2" name="Text Placeholder 1"/>
-          <p:cNvSpPr>
-            <a:spLocks noGrp="1"/>
-          </p:cNvSpPr>
-          <p:nvPr>
-            <p:ph type="body" sz="quarter" idx="10"/>
-          </p:nvPr>
-        </p:nvSpPr>
-        <p:spPr>
-          <a:xfrm>
-            <a:off x="519112" y="1447799"/>
-            <a:ext cx="11149013" cy="5171214"/>
-          </a:xfrm>
-        </p:spPr>
+          <p:cNvPr id="2" name="Title 1"/>
+          <p:cNvSpPr>
+            <a:spLocks noGrp="1"/>
+          </p:cNvSpPr>
+          <p:nvPr>
+            <p:ph type="title"/>
+          </p:nvPr>
+        </p:nvSpPr>
+        <p:spPr/>
         <p:txBody>
           <a:bodyPr/>
           <a:lstStyle/>
           <a:p>
             <a:r>
               <a:rPr lang="en-US" dirty="0" smtClean="0"/>
-              <a:t>Same-domain policy prevents JavaScript from making direct calls to </a:t>
-            </a:r>
-            <a:r>
-              <a:rPr lang="en-US" dirty="0" smtClean="0"/>
-              <a:t>the host web</a:t>
-            </a:r>
-          </a:p>
-          <a:p>
-            <a:r>
-              <a:rPr lang="en-US" dirty="0"/>
-              <a:t>SP.RequestExecutor.js located in LAYOUTS </a:t>
-            </a:r>
-            <a:r>
-              <a:rPr lang="en-US" dirty="0" smtClean="0"/>
-              <a:t>directory</a:t>
-            </a:r>
-          </a:p>
-          <a:p>
-            <a:pPr lvl="1"/>
-            <a:r>
-              <a:rPr lang="en-US" dirty="0" smtClean="0"/>
-              <a:t>Option 1: Reference directly</a:t>
-            </a:r>
-          </a:p>
-          <a:p>
-            <a:pPr lvl="1"/>
+              <a:t>Update List Items</a:t>
+            </a:r>
             <a:endParaRPr lang="en-US" dirty="0"/>
           </a:p>
-          <a:p>
-            <a:pPr lvl="1"/>
-            <a:endParaRPr lang="en-US" dirty="0" smtClean="0"/>
-          </a:p>
-          <a:p>
-            <a:pPr lvl="1"/>
-            <a:r>
-              <a:rPr lang="en-US" dirty="0" smtClean="0"/>
-              <a:t>Option 2: Load dynamically</a:t>
-            </a:r>
-            <a:endParaRPr lang="en-US" dirty="0"/>
-          </a:p>
-          <a:p>
-            <a:endParaRPr lang="en-US" dirty="0" smtClean="0"/>
-          </a:p>
-        </p:txBody>
-      </p:sp>
-      <p:sp>
-        <p:nvSpPr>
-          <p:cNvPr id="3" name="Title 2"/>
-          <p:cNvSpPr>
-            <a:spLocks noGrp="1"/>
-          </p:cNvSpPr>
-          <p:nvPr>
-            <p:ph type="title"/>
-          </p:nvPr>
-        </p:nvSpPr>
-        <p:spPr/>
-        <p:txBody>
-          <a:bodyPr/>
-          <a:lstStyle/>
-          <a:p>
-            <a:r>
-              <a:rPr lang="en-US" dirty="0" smtClean="0"/>
-              <a:t>Cross Domain Library</a:t>
-            </a:r>
-            <a:endParaRPr lang="en-US" dirty="0"/>
-          </a:p>
-        </p:txBody>
-      </p:sp>
-      <p:sp>
-        <p:nvSpPr>
-          <p:cNvPr id="4" name="Slide Number Placeholder 3"/>
+        </p:txBody>
+      </p:sp>
+      <p:sp>
+        <p:nvSpPr>
+          <p:cNvPr id="3" name="Slide Number Placeholder 2"/>
           <p:cNvSpPr>
             <a:spLocks noGrp="1"/>
           </p:cNvSpPr>
@@ -16458,6 +16542,226 @@
               <a:rPr lang="en-US" smtClean="0"/>
               <a:pPr/>
               <a:t>16</a:t>
+            </a:fld>
+            <a:endParaRPr lang="en-US" dirty="0"/>
+          </a:p>
+        </p:txBody>
+      </p:sp>
+      <p:pic>
+        <p:nvPicPr>
+          <p:cNvPr id="5" name="Picture 4"/>
+          <p:cNvPicPr>
+            <a:picLocks noChangeAspect="1"/>
+          </p:cNvPicPr>
+          <p:nvPr/>
+        </p:nvPicPr>
+        <p:blipFill>
+          <a:blip r:embed="rId2">
+            <a:extLst>
+              <a:ext uri="{28A0092B-C50C-407E-A947-70E740481C1C}">
+                <a14:useLocalDpi xmlns:a14="http://schemas.microsoft.com/office/drawing/2010/main" val="0"/>
+              </a:ext>
+            </a:extLst>
+          </a:blip>
+          <a:stretch>
+            <a:fillRect/>
+          </a:stretch>
+        </p:blipFill>
+        <p:spPr>
+          <a:xfrm>
+            <a:off x="1197870" y="1130376"/>
+            <a:ext cx="6986574" cy="5355801"/>
+          </a:xfrm>
+          <a:prstGeom prst="rect">
+            <a:avLst/>
+          </a:prstGeom>
+        </p:spPr>
+      </p:pic>
+    </p:spTree>
+    <p:extLst>
+      <p:ext uri="{BB962C8B-B14F-4D97-AF65-F5344CB8AC3E}">
+        <p14:creationId xmlns:p14="http://schemas.microsoft.com/office/powerpoint/2010/main" val="3126511459"/>
+      </p:ext>
+    </p:extLst>
+  </p:cSld>
+  <p:clrMapOvr>
+    <a:masterClrMapping/>
+  </p:clrMapOvr>
+  <p:transition>
+    <p:fade/>
+  </p:transition>
+</p:sld>
+</file>
+
+<file path=ppt/slides/slide17.xml><?xml version="1.0" encoding="utf-8"?>
+<p:sld xmlns:a="http://schemas.openxmlformats.org/drawingml/2006/main" xmlns:r="http://schemas.openxmlformats.org/officeDocument/2006/relationships" xmlns:p="http://schemas.openxmlformats.org/presentationml/2006/main">
+  <p:cSld>
+    <p:spTree>
+      <p:nvGrpSpPr>
+        <p:cNvPr id="1" name=""/>
+        <p:cNvGrpSpPr/>
+        <p:nvPr/>
+      </p:nvGrpSpPr>
+      <p:grpSpPr>
+        <a:xfrm>
+          <a:off x="0" y="0"/>
+          <a:ext cx="0" cy="0"/>
+          <a:chOff x="0" y="0"/>
+          <a:chExt cx="0" cy="0"/>
+        </a:xfrm>
+      </p:grpSpPr>
+      <p:sp>
+        <p:nvSpPr>
+          <p:cNvPr id="2" name="Title 1"/>
+          <p:cNvSpPr>
+            <a:spLocks noGrp="1"/>
+          </p:cNvSpPr>
+          <p:nvPr>
+            <p:ph type="title"/>
+          </p:nvPr>
+        </p:nvSpPr>
+        <p:spPr/>
+        <p:txBody>
+          <a:bodyPr/>
+          <a:lstStyle/>
+          <a:p>
+            <a:r>
+              <a:rPr lang="en-US" dirty="0" smtClean="0"/>
+              <a:t>Delete List Items</a:t>
+            </a:r>
+            <a:endParaRPr lang="en-US" dirty="0"/>
+          </a:p>
+        </p:txBody>
+      </p:sp>
+      <p:sp>
+        <p:nvSpPr>
+          <p:cNvPr id="3" name="Slide Number Placeholder 2"/>
+          <p:cNvSpPr>
+            <a:spLocks noGrp="1"/>
+          </p:cNvSpPr>
+          <p:nvPr>
+            <p:ph type="sldNum" sz="quarter" idx="12"/>
+          </p:nvPr>
+        </p:nvSpPr>
+        <p:spPr/>
+        <p:txBody>
+          <a:bodyPr/>
+          <a:lstStyle/>
+          <a:p>
+            <a:fld id="{727B4C2D-45E2-4621-8491-2995EB46A674}" type="slidenum">
+              <a:rPr lang="en-US" smtClean="0"/>
+              <a:pPr/>
+              <a:t>17</a:t>
+            </a:fld>
+            <a:endParaRPr lang="en-US" dirty="0"/>
+          </a:p>
+        </p:txBody>
+      </p:sp>
+      <p:pic>
+        <p:nvPicPr>
+          <p:cNvPr id="5" name="Picture 4"/>
+          <p:cNvPicPr>
+            <a:picLocks noChangeAspect="1"/>
+          </p:cNvPicPr>
+          <p:nvPr/>
+        </p:nvPicPr>
+        <p:blipFill>
+          <a:blip r:embed="rId2">
+            <a:extLst>
+              <a:ext uri="{28A0092B-C50C-407E-A947-70E740481C1C}">
+                <a14:useLocalDpi xmlns:a14="http://schemas.microsoft.com/office/drawing/2010/main" val="0"/>
+              </a:ext>
+            </a:extLst>
+          </a:blip>
+          <a:stretch>
+            <a:fillRect/>
+          </a:stretch>
+        </p:blipFill>
+        <p:spPr>
+          <a:xfrm>
+            <a:off x="1081385" y="1438781"/>
+            <a:ext cx="7732545" cy="3708952"/>
+          </a:xfrm>
+          <a:prstGeom prst="rect">
+            <a:avLst/>
+          </a:prstGeom>
+        </p:spPr>
+      </p:pic>
+    </p:spTree>
+    <p:extLst>
+      <p:ext uri="{BB962C8B-B14F-4D97-AF65-F5344CB8AC3E}">
+        <p14:creationId xmlns:p14="http://schemas.microsoft.com/office/powerpoint/2010/main" val="1529071113"/>
+      </p:ext>
+    </p:extLst>
+  </p:cSld>
+  <p:clrMapOvr>
+    <a:masterClrMapping/>
+  </p:clrMapOvr>
+  <p:transition>
+    <p:fade/>
+  </p:transition>
+</p:sld>
+</file>
+
+<file path=ppt/slides/slide18.xml><?xml version="1.0" encoding="utf-8"?>
+<p:sld xmlns:a="http://schemas.openxmlformats.org/drawingml/2006/main" xmlns:r="http://schemas.openxmlformats.org/officeDocument/2006/relationships" xmlns:p="http://schemas.openxmlformats.org/presentationml/2006/main">
+  <p:cSld>
+    <p:spTree>
+      <p:nvGrpSpPr>
+        <p:cNvPr id="1" name=""/>
+        <p:cNvGrpSpPr/>
+        <p:nvPr/>
+      </p:nvGrpSpPr>
+      <p:grpSpPr>
+        <a:xfrm>
+          <a:off x="0" y="0"/>
+          <a:ext cx="0" cy="0"/>
+          <a:chOff x="0" y="0"/>
+          <a:chExt cx="0" cy="0"/>
+        </a:xfrm>
+      </p:grpSpPr>
+      <p:sp>
+        <p:nvSpPr>
+          <p:cNvPr id="3" name="Title 2"/>
+          <p:cNvSpPr>
+            <a:spLocks noGrp="1"/>
+          </p:cNvSpPr>
+          <p:nvPr>
+            <p:ph type="title"/>
+          </p:nvPr>
+        </p:nvSpPr>
+        <p:spPr/>
+        <p:txBody>
+          <a:bodyPr/>
+          <a:lstStyle/>
+          <a:p>
+            <a:r>
+              <a:rPr lang="en-US" dirty="0" smtClean="0"/>
+              <a:t>Using the CSOM API</a:t>
+            </a:r>
+            <a:endParaRPr lang="en-US" dirty="0"/>
+          </a:p>
+        </p:txBody>
+      </p:sp>
+      <p:sp>
+        <p:nvSpPr>
+          <p:cNvPr id="4" name="Slide Number Placeholder 3"/>
+          <p:cNvSpPr>
+            <a:spLocks noGrp="1"/>
+          </p:cNvSpPr>
+          <p:nvPr>
+            <p:ph type="sldNum" sz="quarter" idx="12"/>
+          </p:nvPr>
+        </p:nvSpPr>
+        <p:spPr/>
+        <p:txBody>
+          <a:bodyPr/>
+          <a:lstStyle/>
+          <a:p>
+            <a:fld id="{727B4C2D-45E2-4621-8491-2995EB46A674}" type="slidenum">
+              <a:rPr lang="en-US" smtClean="0"/>
+              <a:pPr/>
+              <a:t>18</a:t>
             </a:fld>
             <a:endParaRPr lang="en-US" dirty="0"/>
           </a:p>
@@ -16485,38 +16789,8 @@
         </p:blipFill>
         <p:spPr>
           <a:xfrm>
-            <a:off x="943998" y="3705903"/>
-            <a:ext cx="8662846" cy="661675"/>
-          </a:xfrm>
-          <a:prstGeom prst="rect">
-            <a:avLst/>
-          </a:prstGeom>
-        </p:spPr>
-      </p:pic>
-      <p:pic>
-        <p:nvPicPr>
-          <p:cNvPr id="6" name="Picture 5"/>
-          <p:cNvPicPr>
-            <a:picLocks noChangeAspect="1"/>
-          </p:cNvPicPr>
-          <p:nvPr/>
-        </p:nvPicPr>
-        <p:blipFill>
-          <a:blip r:embed="rId4">
-            <a:extLst>
-              <a:ext uri="{28A0092B-C50C-407E-A947-70E740481C1C}">
-                <a14:useLocalDpi xmlns:a14="http://schemas.microsoft.com/office/drawing/2010/main" val="0"/>
-              </a:ext>
-            </a:extLst>
-          </a:blip>
-          <a:stretch>
-            <a:fillRect/>
-          </a:stretch>
-        </p:blipFill>
-        <p:spPr>
-          <a:xfrm>
-            <a:off x="1081386" y="4825399"/>
-            <a:ext cx="7245264" cy="1683886"/>
+            <a:off x="900922" y="1470414"/>
+            <a:ext cx="10221034" cy="3079007"/>
           </a:xfrm>
           <a:prstGeom prst="rect">
             <a:avLst/>
@@ -16526,7 +16800,7 @@
     </p:spTree>
     <p:extLst>
       <p:ext uri="{BB962C8B-B14F-4D97-AF65-F5344CB8AC3E}">
-        <p14:creationId xmlns:p14="http://schemas.microsoft.com/office/powerpoint/2010/main" val="3156014083"/>
+        <p14:creationId xmlns:p14="http://schemas.microsoft.com/office/powerpoint/2010/main" val="2643147986"/>
       </p:ext>
     </p:extLst>
   </p:cSld>
@@ -16536,1467 +16810,6 @@
   <p:transition>
     <p:fade/>
   </p:transition>
-  <p:timing>
-    <p:tnLst>
-      <p:par>
-        <p:cTn id="1" dur="indefinite" restart="never" nodeType="tmRoot"/>
-      </p:par>
-    </p:tnLst>
-  </p:timing>
-</p:sld>
-</file>
-
-<file path=ppt/slides/slide17.xml><?xml version="1.0" encoding="utf-8"?>
-<p:sld xmlns:a="http://schemas.openxmlformats.org/drawingml/2006/main" xmlns:r="http://schemas.openxmlformats.org/officeDocument/2006/relationships" xmlns:p="http://schemas.openxmlformats.org/presentationml/2006/main">
-  <p:cSld>
-    <p:spTree>
-      <p:nvGrpSpPr>
-        <p:cNvPr id="1" name=""/>
-        <p:cNvGrpSpPr/>
-        <p:nvPr/>
-      </p:nvGrpSpPr>
-      <p:grpSpPr>
-        <a:xfrm>
-          <a:off x="0" y="0"/>
-          <a:ext cx="0" cy="0"/>
-          <a:chOff x="0" y="0"/>
-          <a:chExt cx="0" cy="0"/>
-        </a:xfrm>
-      </p:grpSpPr>
-      <p:sp>
-        <p:nvSpPr>
-          <p:cNvPr id="2" name="Title 1"/>
-          <p:cNvSpPr>
-            <a:spLocks noGrp="1"/>
-          </p:cNvSpPr>
-          <p:nvPr>
-            <p:ph type="title"/>
-          </p:nvPr>
-        </p:nvSpPr>
-        <p:spPr/>
-        <p:txBody>
-          <a:bodyPr/>
-          <a:lstStyle/>
-          <a:p>
-            <a:r>
-              <a:rPr lang="en-US" dirty="0" smtClean="0"/>
-              <a:t>Cross-Domain Library Architecture</a:t>
-            </a:r>
-            <a:endParaRPr lang="en-US" dirty="0"/>
-          </a:p>
-        </p:txBody>
-      </p:sp>
-      <p:sp>
-        <p:nvSpPr>
-          <p:cNvPr id="3" name="Slide Number Placeholder 2"/>
-          <p:cNvSpPr>
-            <a:spLocks noGrp="1"/>
-          </p:cNvSpPr>
-          <p:nvPr>
-            <p:ph type="sldNum" sz="quarter" idx="12"/>
-          </p:nvPr>
-        </p:nvSpPr>
-        <p:spPr/>
-        <p:txBody>
-          <a:bodyPr/>
-          <a:lstStyle/>
-          <a:p>
-            <a:fld id="{727B4C2D-45E2-4621-8491-2995EB46A674}" type="slidenum">
-              <a:rPr lang="en-US" smtClean="0"/>
-              <a:pPr/>
-              <a:t>17</a:t>
-            </a:fld>
-            <a:endParaRPr lang="en-US" dirty="0"/>
-          </a:p>
-        </p:txBody>
-      </p:sp>
-      <p:sp>
-        <p:nvSpPr>
-          <p:cNvPr id="4" name="Rectangle 3"/>
-          <p:cNvSpPr/>
-          <p:nvPr/>
-        </p:nvSpPr>
-        <p:spPr bwMode="auto">
-          <a:xfrm>
-            <a:off x="1081386" y="1798655"/>
-            <a:ext cx="3470517" cy="3848519"/>
-          </a:xfrm>
-          <a:prstGeom prst="rect">
-            <a:avLst/>
-          </a:prstGeom>
-          <a:solidFill>
-            <a:schemeClr val="tx2">
-              <a:lumMod val="60000"/>
-              <a:lumOff val="40000"/>
-            </a:schemeClr>
-          </a:solidFill>
-          <a:ln>
-            <a:noFill/>
-            <a:headEnd type="none" w="med" len="med"/>
-            <a:tailEnd type="none" w="med" len="med"/>
-          </a:ln>
-          <a:effectLst>
-            <a:outerShdw blurRad="50800" dist="38100" dir="5400000" algn="t" rotWithShape="0">
-              <a:prstClr val="black">
-                <a:alpha val="40000"/>
-              </a:prstClr>
-            </a:outerShdw>
-          </a:effectLst>
-        </p:spPr>
-        <p:style>
-          <a:lnRef idx="1">
-            <a:schemeClr val="accent2"/>
-          </a:lnRef>
-          <a:fillRef idx="3">
-            <a:schemeClr val="accent2"/>
-          </a:fillRef>
-          <a:effectRef idx="2">
-            <a:schemeClr val="accent2"/>
-          </a:effectRef>
-          <a:fontRef idx="minor">
-            <a:schemeClr val="lt1"/>
-          </a:fontRef>
-        </p:style>
-        <p:txBody>
-          <a:bodyPr rot="0" spcFirstLastPara="0" vertOverflow="overflow" horzOverflow="overflow" vert="horz" wrap="square" lIns="45720" tIns="45720" rIns="45720" bIns="45720" numCol="1" spcCol="0" rtlCol="0" fromWordArt="0" anchor="ctr" anchorCtr="0" forceAA="0" compatLnSpc="1">
-            <a:prstTxWarp prst="textNoShape">
-              <a:avLst/>
-            </a:prstTxWarp>
-            <a:noAutofit/>
-          </a:bodyPr>
-          <a:lstStyle/>
-          <a:p>
-            <a:pPr algn="ctr" defTabSz="914099" fontAlgn="base">
-              <a:spcBef>
-                <a:spcPct val="0"/>
-              </a:spcBef>
-              <a:spcAft>
-                <a:spcPct val="0"/>
-              </a:spcAft>
-            </a:pPr>
-            <a:endParaRPr lang="en-US" sz="2200" dirty="0" smtClean="0">
-              <a:gradFill>
-                <a:gsLst>
-                  <a:gs pos="0">
-                    <a:srgbClr val="FFFFFF"/>
-                  </a:gs>
-                  <a:gs pos="100000">
-                    <a:srgbClr val="FFFFFF"/>
-                  </a:gs>
-                </a:gsLst>
-                <a:lin ang="5400000" scaled="0"/>
-              </a:gradFill>
-              <a:ea typeface="Segoe UI" pitchFamily="34" charset="0"/>
-              <a:cs typeface="Segoe UI" pitchFamily="34" charset="0"/>
-            </a:endParaRPr>
-          </a:p>
-        </p:txBody>
-      </p:sp>
-      <p:sp>
-        <p:nvSpPr>
-          <p:cNvPr id="5" name="Rectangle 4"/>
-          <p:cNvSpPr/>
-          <p:nvPr/>
-        </p:nvSpPr>
-        <p:spPr bwMode="auto">
-          <a:xfrm>
-            <a:off x="6599606" y="1763767"/>
-            <a:ext cx="3470517" cy="3848519"/>
-          </a:xfrm>
-          <a:prstGeom prst="rect">
-            <a:avLst/>
-          </a:prstGeom>
-          <a:solidFill>
-            <a:schemeClr val="tx2">
-              <a:lumMod val="60000"/>
-              <a:lumOff val="40000"/>
-            </a:schemeClr>
-          </a:solidFill>
-          <a:ln>
-            <a:noFill/>
-            <a:headEnd type="none" w="med" len="med"/>
-            <a:tailEnd type="none" w="med" len="med"/>
-          </a:ln>
-          <a:effectLst>
-            <a:outerShdw blurRad="50800" dist="38100" dir="5400000" algn="t" rotWithShape="0">
-              <a:prstClr val="black">
-                <a:alpha val="40000"/>
-              </a:prstClr>
-            </a:outerShdw>
-          </a:effectLst>
-        </p:spPr>
-        <p:style>
-          <a:lnRef idx="1">
-            <a:schemeClr val="accent2"/>
-          </a:lnRef>
-          <a:fillRef idx="3">
-            <a:schemeClr val="accent2"/>
-          </a:fillRef>
-          <a:effectRef idx="2">
-            <a:schemeClr val="accent2"/>
-          </a:effectRef>
-          <a:fontRef idx="minor">
-            <a:schemeClr val="lt1"/>
-          </a:fontRef>
-        </p:style>
-        <p:txBody>
-          <a:bodyPr rot="0" spcFirstLastPara="0" vertOverflow="overflow" horzOverflow="overflow" vert="horz" wrap="square" lIns="45720" tIns="45720" rIns="45720" bIns="45720" numCol="1" spcCol="0" rtlCol="0" fromWordArt="0" anchor="ctr" anchorCtr="0" forceAA="0" compatLnSpc="1">
-            <a:prstTxWarp prst="textNoShape">
-              <a:avLst/>
-            </a:prstTxWarp>
-            <a:noAutofit/>
-          </a:bodyPr>
-          <a:lstStyle/>
-          <a:p>
-            <a:pPr algn="ctr" defTabSz="914099" fontAlgn="base">
-              <a:spcBef>
-                <a:spcPct val="0"/>
-              </a:spcBef>
-              <a:spcAft>
-                <a:spcPct val="0"/>
-              </a:spcAft>
-            </a:pPr>
-            <a:endParaRPr lang="en-US" sz="2200" dirty="0" smtClean="0">
-              <a:gradFill>
-                <a:gsLst>
-                  <a:gs pos="0">
-                    <a:srgbClr val="FFFFFF"/>
-                  </a:gs>
-                  <a:gs pos="100000">
-                    <a:srgbClr val="FFFFFF"/>
-                  </a:gs>
-                </a:gsLst>
-                <a:lin ang="5400000" scaled="0"/>
-              </a:gradFill>
-              <a:ea typeface="Segoe UI" pitchFamily="34" charset="0"/>
-              <a:cs typeface="Segoe UI" pitchFamily="34" charset="0"/>
-            </a:endParaRPr>
-          </a:p>
-        </p:txBody>
-      </p:sp>
-      <p:sp>
-        <p:nvSpPr>
-          <p:cNvPr id="6" name="Rectangle 5"/>
-          <p:cNvSpPr/>
-          <p:nvPr/>
-        </p:nvSpPr>
-        <p:spPr bwMode="auto">
-          <a:xfrm>
-            <a:off x="1426866" y="2160396"/>
-            <a:ext cx="2733152" cy="2893925"/>
-          </a:xfrm>
-          <a:prstGeom prst="rect">
-            <a:avLst/>
-          </a:prstGeom>
-          <a:solidFill>
-            <a:schemeClr val="accent6">
-              <a:lumMod val="60000"/>
-              <a:lumOff val="40000"/>
-            </a:schemeClr>
-          </a:solidFill>
-          <a:ln>
-            <a:noFill/>
-            <a:headEnd type="none" w="med" len="med"/>
-            <a:tailEnd type="none" w="med" len="med"/>
-          </a:ln>
-          <a:effectLst/>
-        </p:spPr>
-        <p:style>
-          <a:lnRef idx="1">
-            <a:schemeClr val="accent2"/>
-          </a:lnRef>
-          <a:fillRef idx="3">
-            <a:schemeClr val="accent2"/>
-          </a:fillRef>
-          <a:effectRef idx="2">
-            <a:schemeClr val="accent2"/>
-          </a:effectRef>
-          <a:fontRef idx="minor">
-            <a:schemeClr val="lt1"/>
-          </a:fontRef>
-        </p:style>
-        <p:txBody>
-          <a:bodyPr rot="0" spcFirstLastPara="0" vertOverflow="overflow" horzOverflow="overflow" vert="horz" wrap="square" lIns="45720" tIns="45720" rIns="45720" bIns="45720" numCol="1" spcCol="0" rtlCol="0" fromWordArt="0" anchor="ctr" anchorCtr="0" forceAA="0" compatLnSpc="1">
-            <a:prstTxWarp prst="textNoShape">
-              <a:avLst/>
-            </a:prstTxWarp>
-            <a:noAutofit/>
-          </a:bodyPr>
-          <a:lstStyle/>
-          <a:p>
-            <a:pPr algn="ctr" defTabSz="914099" fontAlgn="base">
-              <a:spcBef>
-                <a:spcPct val="0"/>
-              </a:spcBef>
-              <a:spcAft>
-                <a:spcPct val="0"/>
-              </a:spcAft>
-            </a:pPr>
-            <a:endParaRPr lang="en-US" sz="2200" dirty="0" smtClean="0">
-              <a:gradFill>
-                <a:gsLst>
-                  <a:gs pos="0">
-                    <a:srgbClr val="FFFFFF"/>
-                  </a:gs>
-                  <a:gs pos="100000">
-                    <a:srgbClr val="FFFFFF"/>
-                  </a:gs>
-                </a:gsLst>
-                <a:lin ang="5400000" scaled="0"/>
-              </a:gradFill>
-              <a:ea typeface="Segoe UI" pitchFamily="34" charset="0"/>
-              <a:cs typeface="Segoe UI" pitchFamily="34" charset="0"/>
-            </a:endParaRPr>
-          </a:p>
-        </p:txBody>
-      </p:sp>
-      <p:sp>
-        <p:nvSpPr>
-          <p:cNvPr id="7" name="Rounded Rectangle 6"/>
-          <p:cNvSpPr/>
-          <p:nvPr/>
-        </p:nvSpPr>
-        <p:spPr bwMode="auto">
-          <a:xfrm>
-            <a:off x="1826881" y="2527154"/>
-            <a:ext cx="1979525" cy="1366576"/>
-          </a:xfrm>
-          <a:prstGeom prst="roundRect">
-            <a:avLst/>
-          </a:prstGeom>
-          <a:solidFill>
-            <a:schemeClr val="accent3">
-              <a:lumMod val="60000"/>
-              <a:lumOff val="40000"/>
-            </a:schemeClr>
-          </a:solidFill>
-          <a:ln>
-            <a:noFill/>
-            <a:headEnd type="none" w="med" len="med"/>
-            <a:tailEnd type="none" w="med" len="med"/>
-          </a:ln>
-          <a:effectLst/>
-        </p:spPr>
-        <p:style>
-          <a:lnRef idx="1">
-            <a:schemeClr val="accent2"/>
-          </a:lnRef>
-          <a:fillRef idx="3">
-            <a:schemeClr val="accent2"/>
-          </a:fillRef>
-          <a:effectRef idx="2">
-            <a:schemeClr val="accent2"/>
-          </a:effectRef>
-          <a:fontRef idx="minor">
-            <a:schemeClr val="lt1"/>
-          </a:fontRef>
-        </p:style>
-        <p:txBody>
-          <a:bodyPr rot="0" spcFirstLastPara="0" vertOverflow="overflow" horzOverflow="overflow" vert="horz" wrap="square" lIns="45720" tIns="45720" rIns="45720" bIns="45720" numCol="1" spcCol="0" rtlCol="0" fromWordArt="0" anchor="ctr" anchorCtr="0" forceAA="0" compatLnSpc="1">
-            <a:prstTxWarp prst="textNoShape">
-              <a:avLst/>
-            </a:prstTxWarp>
-            <a:noAutofit/>
-          </a:bodyPr>
-          <a:lstStyle/>
-          <a:p>
-            <a:pPr algn="ctr" defTabSz="914099" fontAlgn="base">
-              <a:spcBef>
-                <a:spcPct val="0"/>
-              </a:spcBef>
-              <a:spcAft>
-                <a:spcPct val="0"/>
-              </a:spcAft>
-            </a:pPr>
-            <a:endParaRPr lang="en-US" sz="2200" dirty="0" smtClean="0">
-              <a:gradFill>
-                <a:gsLst>
-                  <a:gs pos="0">
-                    <a:srgbClr val="FFFFFF"/>
-                  </a:gs>
-                  <a:gs pos="100000">
-                    <a:srgbClr val="FFFFFF"/>
-                  </a:gs>
-                </a:gsLst>
-                <a:lin ang="5400000" scaled="0"/>
-              </a:gradFill>
-              <a:ea typeface="Segoe UI" pitchFamily="34" charset="0"/>
-              <a:cs typeface="Segoe UI" pitchFamily="34" charset="0"/>
-            </a:endParaRPr>
-          </a:p>
-        </p:txBody>
-      </p:sp>
-      <p:sp>
-        <p:nvSpPr>
-          <p:cNvPr id="8" name="Rounded Rectangle 7"/>
-          <p:cNvSpPr/>
-          <p:nvPr/>
-        </p:nvSpPr>
-        <p:spPr bwMode="auto">
-          <a:xfrm>
-            <a:off x="7345101" y="2356338"/>
-            <a:ext cx="1979525" cy="1366576"/>
-          </a:xfrm>
-          <a:prstGeom prst="roundRect">
-            <a:avLst/>
-          </a:prstGeom>
-          <a:solidFill>
-            <a:schemeClr val="accent3">
-              <a:lumMod val="60000"/>
-              <a:lumOff val="40000"/>
-            </a:schemeClr>
-          </a:solidFill>
-          <a:ln>
-            <a:noFill/>
-            <a:headEnd type="none" w="med" len="med"/>
-            <a:tailEnd type="none" w="med" len="med"/>
-          </a:ln>
-          <a:effectLst/>
-        </p:spPr>
-        <p:style>
-          <a:lnRef idx="1">
-            <a:schemeClr val="accent2"/>
-          </a:lnRef>
-          <a:fillRef idx="3">
-            <a:schemeClr val="accent2"/>
-          </a:fillRef>
-          <a:effectRef idx="2">
-            <a:schemeClr val="accent2"/>
-          </a:effectRef>
-          <a:fontRef idx="minor">
-            <a:schemeClr val="lt1"/>
-          </a:fontRef>
-        </p:style>
-        <p:txBody>
-          <a:bodyPr rot="0" spcFirstLastPara="0" vertOverflow="overflow" horzOverflow="overflow" vert="horz" wrap="square" lIns="45720" tIns="45720" rIns="45720" bIns="45720" numCol="1" spcCol="0" rtlCol="0" fromWordArt="0" anchor="ctr" anchorCtr="0" forceAA="0" compatLnSpc="1">
-            <a:prstTxWarp prst="textNoShape">
-              <a:avLst/>
-            </a:prstTxWarp>
-            <a:noAutofit/>
-          </a:bodyPr>
-          <a:lstStyle/>
-          <a:p>
-            <a:pPr algn="ctr" defTabSz="914099" fontAlgn="base">
-              <a:spcBef>
-                <a:spcPct val="0"/>
-              </a:spcBef>
-              <a:spcAft>
-                <a:spcPct val="0"/>
-              </a:spcAft>
-            </a:pPr>
-            <a:endParaRPr lang="en-US" sz="2200" dirty="0" smtClean="0">
-              <a:gradFill>
-                <a:gsLst>
-                  <a:gs pos="0">
-                    <a:srgbClr val="FFFFFF"/>
-                  </a:gs>
-                  <a:gs pos="100000">
-                    <a:srgbClr val="FFFFFF"/>
-                  </a:gs>
-                </a:gsLst>
-                <a:lin ang="5400000" scaled="0"/>
-              </a:gradFill>
-              <a:ea typeface="Segoe UI" pitchFamily="34" charset="0"/>
-              <a:cs typeface="Segoe UI" pitchFamily="34" charset="0"/>
-            </a:endParaRPr>
-          </a:p>
-        </p:txBody>
-      </p:sp>
-      <p:sp>
-        <p:nvSpPr>
-          <p:cNvPr id="9" name="Flowchart: Alternate Process 8"/>
-          <p:cNvSpPr/>
-          <p:nvPr/>
-        </p:nvSpPr>
-        <p:spPr bwMode="auto">
-          <a:xfrm>
-            <a:off x="1826881" y="4250447"/>
-            <a:ext cx="2071879" cy="622998"/>
-          </a:xfrm>
-          <a:prstGeom prst="flowChartAlternateProcess">
-            <a:avLst/>
-          </a:prstGeom>
-          <a:solidFill>
-            <a:schemeClr val="accent1"/>
-          </a:solidFill>
-          <a:ln>
-            <a:noFill/>
-            <a:headEnd type="none" w="med" len="med"/>
-            <a:tailEnd type="none" w="med" len="med"/>
-          </a:ln>
-          <a:effectLst/>
-        </p:spPr>
-        <p:style>
-          <a:lnRef idx="1">
-            <a:schemeClr val="accent2"/>
-          </a:lnRef>
-          <a:fillRef idx="3">
-            <a:schemeClr val="accent2"/>
-          </a:fillRef>
-          <a:effectRef idx="2">
-            <a:schemeClr val="accent2"/>
-          </a:effectRef>
-          <a:fontRef idx="minor">
-            <a:schemeClr val="lt1"/>
-          </a:fontRef>
-        </p:style>
-        <p:txBody>
-          <a:bodyPr rot="0" spcFirstLastPara="0" vertOverflow="overflow" horzOverflow="overflow" vert="horz" wrap="square" lIns="45720" tIns="45720" rIns="45720" bIns="45720" numCol="1" spcCol="0" rtlCol="0" fromWordArt="0" anchor="ctr" anchorCtr="0" forceAA="0" compatLnSpc="1">
-            <a:prstTxWarp prst="textNoShape">
-              <a:avLst/>
-            </a:prstTxWarp>
-            <a:noAutofit/>
-          </a:bodyPr>
-          <a:lstStyle/>
-          <a:p>
-            <a:pPr algn="ctr" defTabSz="914099" fontAlgn="base">
-              <a:spcBef>
-                <a:spcPct val="0"/>
-              </a:spcBef>
-              <a:spcAft>
-                <a:spcPct val="0"/>
-              </a:spcAft>
-            </a:pPr>
-            <a:endParaRPr lang="en-US" sz="2200" dirty="0" smtClean="0">
-              <a:gradFill>
-                <a:gsLst>
-                  <a:gs pos="0">
-                    <a:srgbClr val="FFFFFF"/>
-                  </a:gs>
-                  <a:gs pos="100000">
-                    <a:srgbClr val="FFFFFF"/>
-                  </a:gs>
-                </a:gsLst>
-                <a:lin ang="5400000" scaled="0"/>
-              </a:gradFill>
-              <a:ea typeface="Segoe UI" pitchFamily="34" charset="0"/>
-              <a:cs typeface="Segoe UI" pitchFamily="34" charset="0"/>
-            </a:endParaRPr>
-          </a:p>
-        </p:txBody>
-      </p:sp>
-      <p:sp>
-        <p:nvSpPr>
-          <p:cNvPr id="10" name="Flowchart: Alternate Process 9"/>
-          <p:cNvSpPr/>
-          <p:nvPr/>
-        </p:nvSpPr>
-        <p:spPr bwMode="auto">
-          <a:xfrm>
-            <a:off x="7354189" y="4198685"/>
-            <a:ext cx="2071879" cy="622998"/>
-          </a:xfrm>
-          <a:prstGeom prst="flowChartAlternateProcess">
-            <a:avLst/>
-          </a:prstGeom>
-          <a:solidFill>
-            <a:schemeClr val="accent1"/>
-          </a:solidFill>
-          <a:ln>
-            <a:noFill/>
-            <a:headEnd type="none" w="med" len="med"/>
-            <a:tailEnd type="none" w="med" len="med"/>
-          </a:ln>
-          <a:effectLst/>
-        </p:spPr>
-        <p:style>
-          <a:lnRef idx="1">
-            <a:schemeClr val="accent2"/>
-          </a:lnRef>
-          <a:fillRef idx="3">
-            <a:schemeClr val="accent2"/>
-          </a:fillRef>
-          <a:effectRef idx="2">
-            <a:schemeClr val="accent2"/>
-          </a:effectRef>
-          <a:fontRef idx="minor">
-            <a:schemeClr val="lt1"/>
-          </a:fontRef>
-        </p:style>
-        <p:txBody>
-          <a:bodyPr rot="0" spcFirstLastPara="0" vertOverflow="overflow" horzOverflow="overflow" vert="horz" wrap="square" lIns="45720" tIns="45720" rIns="45720" bIns="45720" numCol="1" spcCol="0" rtlCol="0" fromWordArt="0" anchor="ctr" anchorCtr="0" forceAA="0" compatLnSpc="1">
-            <a:prstTxWarp prst="textNoShape">
-              <a:avLst/>
-            </a:prstTxWarp>
-            <a:noAutofit/>
-          </a:bodyPr>
-          <a:lstStyle/>
-          <a:p>
-            <a:pPr algn="ctr" defTabSz="914099" fontAlgn="base">
-              <a:spcBef>
-                <a:spcPct val="0"/>
-              </a:spcBef>
-              <a:spcAft>
-                <a:spcPct val="0"/>
-              </a:spcAft>
-            </a:pPr>
-            <a:endParaRPr lang="en-US" sz="2200" dirty="0" smtClean="0">
-              <a:gradFill>
-                <a:gsLst>
-                  <a:gs pos="0">
-                    <a:srgbClr val="FFFFFF"/>
-                  </a:gs>
-                  <a:gs pos="100000">
-                    <a:srgbClr val="FFFFFF"/>
-                  </a:gs>
-                </a:gsLst>
-                <a:lin ang="5400000" scaled="0"/>
-              </a:gradFill>
-              <a:ea typeface="Segoe UI" pitchFamily="34" charset="0"/>
-              <a:cs typeface="Segoe UI" pitchFamily="34" charset="0"/>
-            </a:endParaRPr>
-          </a:p>
-        </p:txBody>
-      </p:sp>
-      <p:sp>
-        <p:nvSpPr>
-          <p:cNvPr id="11" name="TextBox 10"/>
-          <p:cNvSpPr txBox="1"/>
-          <p:nvPr/>
-        </p:nvSpPr>
-        <p:spPr>
-          <a:xfrm>
-            <a:off x="1986672" y="5166081"/>
-            <a:ext cx="1659942" cy="369332"/>
-          </a:xfrm>
-          <a:prstGeom prst="rect">
-            <a:avLst/>
-          </a:prstGeom>
-          <a:noFill/>
-        </p:spPr>
-        <p:txBody>
-          <a:bodyPr wrap="none" lIns="0" tIns="0" rIns="0" bIns="0" rtlCol="0">
-            <a:spAutoFit/>
-          </a:bodyPr>
-          <a:lstStyle/>
-          <a:p>
-            <a:r>
-              <a:rPr lang="en-US" sz="2400" spc="-70" dirty="0" smtClean="0">
-                <a:solidFill>
-                  <a:srgbClr val="002060"/>
-                </a:solidFill>
-              </a:rPr>
-              <a:t>Remote Web</a:t>
-            </a:r>
-          </a:p>
-        </p:txBody>
-      </p:sp>
-      <p:sp>
-        <p:nvSpPr>
-          <p:cNvPr id="13" name="TextBox 12"/>
-          <p:cNvSpPr txBox="1"/>
-          <p:nvPr/>
-        </p:nvSpPr>
-        <p:spPr>
-          <a:xfrm>
-            <a:off x="7706960" y="5166081"/>
-            <a:ext cx="1366336" cy="369332"/>
-          </a:xfrm>
-          <a:prstGeom prst="rect">
-            <a:avLst/>
-          </a:prstGeom>
-          <a:noFill/>
-        </p:spPr>
-        <p:txBody>
-          <a:bodyPr wrap="none" lIns="0" tIns="0" rIns="0" bIns="0" rtlCol="0">
-            <a:spAutoFit/>
-          </a:bodyPr>
-          <a:lstStyle/>
-          <a:p>
-            <a:r>
-              <a:rPr lang="en-US" sz="2400" spc="-70" dirty="0" smtClean="0">
-                <a:solidFill>
-                  <a:srgbClr val="002060"/>
-                </a:solidFill>
-              </a:rPr>
-              <a:t>SharePoint</a:t>
-            </a:r>
-          </a:p>
-        </p:txBody>
-      </p:sp>
-      <p:sp>
-        <p:nvSpPr>
-          <p:cNvPr id="14" name="TextBox 13"/>
-          <p:cNvSpPr txBox="1"/>
-          <p:nvPr/>
-        </p:nvSpPr>
-        <p:spPr>
-          <a:xfrm>
-            <a:off x="2316452" y="2205276"/>
-            <a:ext cx="953979" cy="276999"/>
-          </a:xfrm>
-          <a:prstGeom prst="rect">
-            <a:avLst/>
-          </a:prstGeom>
-          <a:noFill/>
-        </p:spPr>
-        <p:txBody>
-          <a:bodyPr wrap="none" lIns="0" tIns="0" rIns="0" bIns="0" rtlCol="0">
-            <a:spAutoFit/>
-          </a:bodyPr>
-          <a:lstStyle/>
-          <a:p>
-            <a:r>
-              <a:rPr lang="en-US" spc="-70" dirty="0" smtClean="0">
-                <a:solidFill>
-                  <a:schemeClr val="bg1"/>
-                </a:solidFill>
-              </a:rPr>
-              <a:t>Web Page</a:t>
-            </a:r>
-          </a:p>
-        </p:txBody>
-      </p:sp>
-      <p:sp>
-        <p:nvSpPr>
-          <p:cNvPr id="15" name="TextBox 14"/>
-          <p:cNvSpPr txBox="1"/>
-          <p:nvPr/>
-        </p:nvSpPr>
-        <p:spPr>
-          <a:xfrm>
-            <a:off x="1891978" y="4443549"/>
-            <a:ext cx="1946495" cy="276999"/>
-          </a:xfrm>
-          <a:prstGeom prst="rect">
-            <a:avLst/>
-          </a:prstGeom>
-          <a:noFill/>
-        </p:spPr>
-        <p:txBody>
-          <a:bodyPr wrap="none" lIns="0" tIns="0" rIns="0" bIns="0" rtlCol="0">
-            <a:spAutoFit/>
-          </a:bodyPr>
-          <a:lstStyle/>
-          <a:p>
-            <a:r>
-              <a:rPr lang="en-US" spc="-70" dirty="0" smtClean="0"/>
-              <a:t>SP.RequestExecutor.js</a:t>
-            </a:r>
-          </a:p>
-        </p:txBody>
-      </p:sp>
-      <p:sp>
-        <p:nvSpPr>
-          <p:cNvPr id="16" name="TextBox 15"/>
-          <p:cNvSpPr txBox="1"/>
-          <p:nvPr/>
-        </p:nvSpPr>
-        <p:spPr>
-          <a:xfrm>
-            <a:off x="2428438" y="2843014"/>
-            <a:ext cx="730008" cy="276999"/>
-          </a:xfrm>
-          <a:prstGeom prst="rect">
-            <a:avLst/>
-          </a:prstGeom>
-          <a:noFill/>
-        </p:spPr>
-        <p:txBody>
-          <a:bodyPr wrap="none" lIns="0" tIns="0" rIns="0" bIns="0" rtlCol="0">
-            <a:spAutoFit/>
-          </a:bodyPr>
-          <a:lstStyle/>
-          <a:p>
-            <a:r>
-              <a:rPr lang="en-US" spc="-70" dirty="0" smtClean="0"/>
-              <a:t>IFRAME</a:t>
-            </a:r>
-          </a:p>
-        </p:txBody>
-      </p:sp>
-      <p:sp>
-        <p:nvSpPr>
-          <p:cNvPr id="17" name="TextBox 16"/>
-          <p:cNvSpPr txBox="1"/>
-          <p:nvPr/>
-        </p:nvSpPr>
-        <p:spPr>
-          <a:xfrm>
-            <a:off x="7890542" y="2842727"/>
-            <a:ext cx="888641" cy="276999"/>
-          </a:xfrm>
-          <a:prstGeom prst="rect">
-            <a:avLst/>
-          </a:prstGeom>
-          <a:noFill/>
-        </p:spPr>
-        <p:txBody>
-          <a:bodyPr wrap="none" lIns="0" tIns="0" rIns="0" bIns="0" rtlCol="0">
-            <a:spAutoFit/>
-          </a:bodyPr>
-          <a:lstStyle/>
-          <a:p>
-            <a:r>
-              <a:rPr lang="en-US" spc="-70" dirty="0" smtClean="0"/>
-              <a:t>App Web</a:t>
-            </a:r>
-          </a:p>
-        </p:txBody>
-      </p:sp>
-      <p:sp>
-        <p:nvSpPr>
-          <p:cNvPr id="18" name="TextBox 17"/>
-          <p:cNvSpPr txBox="1"/>
-          <p:nvPr/>
-        </p:nvSpPr>
-        <p:spPr>
-          <a:xfrm>
-            <a:off x="7494337" y="4356948"/>
-            <a:ext cx="1791581" cy="276999"/>
-          </a:xfrm>
-          <a:prstGeom prst="rect">
-            <a:avLst/>
-          </a:prstGeom>
-          <a:noFill/>
-        </p:spPr>
-        <p:txBody>
-          <a:bodyPr wrap="none" lIns="0" tIns="0" rIns="0" bIns="0" rtlCol="0">
-            <a:spAutoFit/>
-          </a:bodyPr>
-          <a:lstStyle/>
-          <a:p>
-            <a:r>
-              <a:rPr lang="en-US" spc="-70" dirty="0" smtClean="0"/>
-              <a:t>AppWebProxy.aspx</a:t>
-            </a:r>
-          </a:p>
-        </p:txBody>
-      </p:sp>
-      <p:cxnSp>
-        <p:nvCxnSpPr>
-          <p:cNvPr id="20" name="Elbow Connector 19"/>
-          <p:cNvCxnSpPr>
-            <a:stCxn id="10" idx="0"/>
-            <a:endCxn id="7" idx="3"/>
-          </p:cNvCxnSpPr>
-          <p:nvPr/>
-        </p:nvCxnSpPr>
-        <p:spPr>
-          <a:xfrm rot="16200000" flipV="1">
-            <a:off x="5604147" y="1412702"/>
-            <a:ext cx="988243" cy="4583723"/>
-          </a:xfrm>
-          <a:prstGeom prst="bentConnector2">
-            <a:avLst/>
-          </a:prstGeom>
-          <a:ln w="19050">
-            <a:solidFill>
-              <a:schemeClr val="tx1"/>
-            </a:solidFill>
-            <a:headEnd type="none"/>
-            <a:tailEnd type="triangle"/>
-          </a:ln>
-        </p:spPr>
-        <p:style>
-          <a:lnRef idx="1">
-            <a:schemeClr val="accent1"/>
-          </a:lnRef>
-          <a:fillRef idx="0">
-            <a:schemeClr val="accent1"/>
-          </a:fillRef>
-          <a:effectRef idx="0">
-            <a:schemeClr val="accent1"/>
-          </a:effectRef>
-          <a:fontRef idx="minor">
-            <a:schemeClr val="tx1"/>
-          </a:fontRef>
-        </p:style>
-      </p:cxnSp>
-      <p:sp>
-        <p:nvSpPr>
-          <p:cNvPr id="22" name="Left-Right Arrow 21"/>
-          <p:cNvSpPr/>
-          <p:nvPr/>
-        </p:nvSpPr>
-        <p:spPr bwMode="auto">
-          <a:xfrm>
-            <a:off x="3838473" y="2842727"/>
-            <a:ext cx="3506628" cy="138499"/>
-          </a:xfrm>
-          <a:prstGeom prst="leftRightArrow">
-            <a:avLst/>
-          </a:prstGeom>
-          <a:solidFill>
-            <a:schemeClr val="tx1"/>
-          </a:solidFill>
-          <a:ln>
-            <a:noFill/>
-            <a:headEnd type="none" w="med" len="med"/>
-            <a:tailEnd type="none" w="med" len="med"/>
-          </a:ln>
-          <a:effectLst/>
-        </p:spPr>
-        <p:style>
-          <a:lnRef idx="1">
-            <a:schemeClr val="accent2"/>
-          </a:lnRef>
-          <a:fillRef idx="3">
-            <a:schemeClr val="accent2"/>
-          </a:fillRef>
-          <a:effectRef idx="2">
-            <a:schemeClr val="accent2"/>
-          </a:effectRef>
-          <a:fontRef idx="minor">
-            <a:schemeClr val="lt1"/>
-          </a:fontRef>
-        </p:style>
-        <p:txBody>
-          <a:bodyPr rot="0" spcFirstLastPara="0" vertOverflow="overflow" horzOverflow="overflow" vert="horz" wrap="square" lIns="45720" tIns="45720" rIns="45720" bIns="45720" numCol="1" spcCol="0" rtlCol="0" fromWordArt="0" anchor="ctr" anchorCtr="0" forceAA="0" compatLnSpc="1">
-            <a:prstTxWarp prst="textNoShape">
-              <a:avLst/>
-            </a:prstTxWarp>
-            <a:noAutofit/>
-          </a:bodyPr>
-          <a:lstStyle/>
-          <a:p>
-            <a:pPr algn="ctr" defTabSz="914099" fontAlgn="base">
-              <a:spcBef>
-                <a:spcPct val="0"/>
-              </a:spcBef>
-              <a:spcAft>
-                <a:spcPct val="0"/>
-              </a:spcAft>
-            </a:pPr>
-            <a:endParaRPr lang="en-US" sz="2200" dirty="0" smtClean="0">
-              <a:gradFill>
-                <a:gsLst>
-                  <a:gs pos="0">
-                    <a:srgbClr val="FFFFFF"/>
-                  </a:gs>
-                  <a:gs pos="100000">
-                    <a:srgbClr val="FFFFFF"/>
-                  </a:gs>
-                </a:gsLst>
-                <a:lin ang="5400000" scaled="0"/>
-              </a:gradFill>
-              <a:ea typeface="Segoe UI" pitchFamily="34" charset="0"/>
-              <a:cs typeface="Segoe UI" pitchFamily="34" charset="0"/>
-            </a:endParaRPr>
-          </a:p>
-        </p:txBody>
-      </p:sp>
-      <p:sp>
-        <p:nvSpPr>
-          <p:cNvPr id="23" name="Up Arrow 22"/>
-          <p:cNvSpPr/>
-          <p:nvPr/>
-        </p:nvSpPr>
-        <p:spPr bwMode="auto">
-          <a:xfrm>
-            <a:off x="2737695" y="3893730"/>
-            <a:ext cx="250249" cy="356717"/>
-          </a:xfrm>
-          <a:prstGeom prst="upArrow">
-            <a:avLst/>
-          </a:prstGeom>
-          <a:solidFill>
-            <a:schemeClr val="tx1"/>
-          </a:solidFill>
-          <a:ln>
-            <a:noFill/>
-            <a:headEnd type="none" w="med" len="med"/>
-            <a:tailEnd type="none" w="med" len="med"/>
-          </a:ln>
-          <a:effectLst/>
-        </p:spPr>
-        <p:style>
-          <a:lnRef idx="1">
-            <a:schemeClr val="accent2"/>
-          </a:lnRef>
-          <a:fillRef idx="3">
-            <a:schemeClr val="accent2"/>
-          </a:fillRef>
-          <a:effectRef idx="2">
-            <a:schemeClr val="accent2"/>
-          </a:effectRef>
-          <a:fontRef idx="minor">
-            <a:schemeClr val="lt1"/>
-          </a:fontRef>
-        </p:style>
-        <p:txBody>
-          <a:bodyPr rot="0" spcFirstLastPara="0" vertOverflow="overflow" horzOverflow="overflow" vert="horz" wrap="square" lIns="45720" tIns="45720" rIns="45720" bIns="45720" numCol="1" spcCol="0" rtlCol="0" fromWordArt="0" anchor="ctr" anchorCtr="0" forceAA="0" compatLnSpc="1">
-            <a:prstTxWarp prst="textNoShape">
-              <a:avLst/>
-            </a:prstTxWarp>
-            <a:noAutofit/>
-          </a:bodyPr>
-          <a:lstStyle/>
-          <a:p>
-            <a:pPr algn="ctr" defTabSz="914099" fontAlgn="base">
-              <a:spcBef>
-                <a:spcPct val="0"/>
-              </a:spcBef>
-              <a:spcAft>
-                <a:spcPct val="0"/>
-              </a:spcAft>
-            </a:pPr>
-            <a:endParaRPr lang="en-US" sz="2200" dirty="0" smtClean="0">
-              <a:gradFill>
-                <a:gsLst>
-                  <a:gs pos="0">
-                    <a:srgbClr val="FFFFFF"/>
-                  </a:gs>
-                  <a:gs pos="100000">
-                    <a:srgbClr val="FFFFFF"/>
-                  </a:gs>
-                </a:gsLst>
-                <a:lin ang="5400000" scaled="0"/>
-              </a:gradFill>
-              <a:ea typeface="Segoe UI" pitchFamily="34" charset="0"/>
-              <a:cs typeface="Segoe UI" pitchFamily="34" charset="0"/>
-            </a:endParaRPr>
-          </a:p>
-        </p:txBody>
-      </p:sp>
-      <p:grpSp>
-        <p:nvGrpSpPr>
-          <p:cNvPr id="26" name="Group 25"/>
-          <p:cNvGrpSpPr/>
-          <p:nvPr/>
-        </p:nvGrpSpPr>
-        <p:grpSpPr>
-          <a:xfrm>
-            <a:off x="7768088" y="4261810"/>
-            <a:ext cx="1244077" cy="455277"/>
-            <a:chOff x="4968813" y="3267637"/>
-            <a:chExt cx="1244077" cy="455277"/>
-          </a:xfrm>
-        </p:grpSpPr>
-        <p:sp>
-          <p:nvSpPr>
-            <p:cNvPr id="24" name="Flowchart: Alternate Process 23"/>
-            <p:cNvSpPr/>
-            <p:nvPr/>
-          </p:nvSpPr>
-          <p:spPr bwMode="auto">
-            <a:xfrm>
-              <a:off x="4968813" y="3267637"/>
-              <a:ext cx="1244077" cy="455277"/>
-            </a:xfrm>
-            <a:prstGeom prst="flowChartAlternateProcess">
-              <a:avLst/>
-            </a:prstGeom>
-            <a:solidFill>
-              <a:schemeClr val="tx2">
-                <a:lumMod val="40000"/>
-                <a:lumOff val="60000"/>
-              </a:schemeClr>
-            </a:solidFill>
-            <a:ln>
-              <a:noFill/>
-              <a:headEnd type="none" w="med" len="med"/>
-              <a:tailEnd type="none" w="med" len="med"/>
-            </a:ln>
-            <a:effectLst/>
-          </p:spPr>
-          <p:style>
-            <a:lnRef idx="1">
-              <a:schemeClr val="accent2"/>
-            </a:lnRef>
-            <a:fillRef idx="3">
-              <a:schemeClr val="accent2"/>
-            </a:fillRef>
-            <a:effectRef idx="2">
-              <a:schemeClr val="accent2"/>
-            </a:effectRef>
-            <a:fontRef idx="minor">
-              <a:schemeClr val="lt1"/>
-            </a:fontRef>
-          </p:style>
-          <p:txBody>
-            <a:bodyPr rot="0" spcFirstLastPara="0" vertOverflow="overflow" horzOverflow="overflow" vert="horz" wrap="square" lIns="45720" tIns="45720" rIns="45720" bIns="45720" numCol="1" spcCol="0" rtlCol="0" fromWordArt="0" anchor="ctr" anchorCtr="0" forceAA="0" compatLnSpc="1">
-              <a:prstTxWarp prst="textNoShape">
-                <a:avLst/>
-              </a:prstTxWarp>
-              <a:noAutofit/>
-            </a:bodyPr>
-            <a:lstStyle/>
-            <a:p>
-              <a:pPr algn="ctr" defTabSz="914099" fontAlgn="base">
-                <a:spcBef>
-                  <a:spcPct val="0"/>
-                </a:spcBef>
-                <a:spcAft>
-                  <a:spcPct val="0"/>
-                </a:spcAft>
-              </a:pPr>
-              <a:endParaRPr lang="en-US" sz="2200" dirty="0" smtClean="0">
-                <a:gradFill>
-                  <a:gsLst>
-                    <a:gs pos="0">
-                      <a:srgbClr val="FFFFFF"/>
-                    </a:gs>
-                    <a:gs pos="100000">
-                      <a:srgbClr val="FFFFFF"/>
-                    </a:gs>
-                  </a:gsLst>
-                  <a:lin ang="5400000" scaled="0"/>
-                </a:gradFill>
-                <a:ea typeface="Segoe UI" pitchFamily="34" charset="0"/>
-                <a:cs typeface="Segoe UI" pitchFamily="34" charset="0"/>
-              </a:endParaRPr>
-            </a:p>
-          </p:txBody>
-        </p:sp>
-        <p:sp>
-          <p:nvSpPr>
-            <p:cNvPr id="25" name="TextBox 24"/>
-            <p:cNvSpPr txBox="1"/>
-            <p:nvPr/>
-          </p:nvSpPr>
-          <p:spPr>
-            <a:xfrm>
-              <a:off x="5108962" y="3425901"/>
-              <a:ext cx="1075770" cy="153888"/>
-            </a:xfrm>
-            <a:prstGeom prst="rect">
-              <a:avLst/>
-            </a:prstGeom>
-            <a:noFill/>
-          </p:spPr>
-          <p:txBody>
-            <a:bodyPr wrap="square" lIns="0" tIns="0" rIns="0" bIns="0" rtlCol="0">
-              <a:spAutoFit/>
-            </a:bodyPr>
-            <a:lstStyle/>
-            <a:p>
-              <a:r>
-                <a:rPr lang="en-US" sz="1000" spc="-70" dirty="0" smtClean="0">
-                  <a:solidFill>
-                    <a:schemeClr val="bg1">
-                      <a:lumMod val="50000"/>
-                    </a:schemeClr>
-                  </a:solidFill>
-                </a:rPr>
-                <a:t>AppWebProxy.aspx</a:t>
-              </a:r>
-            </a:p>
-          </p:txBody>
-        </p:sp>
-      </p:grpSp>
-    </p:spTree>
-    <p:extLst>
-      <p:ext uri="{BB962C8B-B14F-4D97-AF65-F5344CB8AC3E}">
-        <p14:creationId xmlns:p14="http://schemas.microsoft.com/office/powerpoint/2010/main" val="3269097627"/>
-      </p:ext>
-    </p:extLst>
-  </p:cSld>
-  <p:clrMapOvr>
-    <a:masterClrMapping/>
-  </p:clrMapOvr>
-  <p:transition>
-    <p:fade/>
-  </p:transition>
-  <p:timing>
-    <p:tnLst>
-      <p:par>
-        <p:cTn id="1" dur="indefinite" restart="never" nodeType="tmRoot">
-          <p:childTnLst>
-            <p:seq concurrent="1" nextAc="seek">
-              <p:cTn id="2" dur="indefinite" nodeType="mainSeq">
-                <p:childTnLst>
-                  <p:par>
-                    <p:cTn id="3" fill="hold">
-                      <p:stCondLst>
-                        <p:cond delay="indefinite"/>
-                      </p:stCondLst>
-                      <p:childTnLst>
-                        <p:par>
-                          <p:cTn id="4" fill="hold">
-                            <p:stCondLst>
-                              <p:cond delay="0"/>
-                            </p:stCondLst>
-                            <p:childTnLst>
-                              <p:par>
-                                <p:cTn id="5" presetID="50" presetClass="path" presetSubtype="0" accel="50000" decel="50000" fill="hold" nodeType="clickEffect">
-                                  <p:stCondLst>
-                                    <p:cond delay="0"/>
-                                  </p:stCondLst>
-                                  <p:childTnLst>
-                                    <p:animMotion origin="layout" path="M -2.94347E-7 -0.20625 L -0.22662 -0.20625 C -0.32808 -0.20625 -0.45272 -0.19028 -0.45272 -0.17732 L -0.45272 -0.14769 " pathEditMode="relative" rAng="0" ptsTypes="AAAA">
-                                      <p:cBhvr>
-                                        <p:cTn id="6" dur="2000" fill="hold"/>
-                                        <p:tgtEl>
-                                          <p:spTgt spid="26"/>
-                                        </p:tgtEl>
-                                        <p:attrNameLst>
-                                          <p:attrName>ppt_x</p:attrName>
-                                          <p:attrName>ppt_y</p:attrName>
-                                        </p:attrNameLst>
-                                      </p:cBhvr>
-                                      <p:rCtr x="-22636" y="2917"/>
-                                    </p:animMotion>
-                                  </p:childTnLst>
-                                </p:cTn>
-                              </p:par>
-                            </p:childTnLst>
-                          </p:cTn>
-                        </p:par>
-                      </p:childTnLst>
-                    </p:cTn>
-                  </p:par>
-                </p:childTnLst>
-              </p:cTn>
-              <p:prevCondLst>
-                <p:cond evt="onPrev" delay="0">
-                  <p:tgtEl>
-                    <p:sldTgt/>
-                  </p:tgtEl>
-                </p:cond>
-              </p:prevCondLst>
-              <p:nextCondLst>
-                <p:cond evt="onNext" delay="0">
-                  <p:tgtEl>
-                    <p:sldTgt/>
-                  </p:tgtEl>
-                </p:cond>
-              </p:nextCondLst>
-            </p:seq>
-          </p:childTnLst>
-        </p:cTn>
-      </p:par>
-    </p:tnLst>
-  </p:timing>
-</p:sld>
-</file>
-
-<file path=ppt/slides/slide18.xml><?xml version="1.0" encoding="utf-8"?>
-<p:sld xmlns:a="http://schemas.openxmlformats.org/drawingml/2006/main" xmlns:r="http://schemas.openxmlformats.org/officeDocument/2006/relationships" xmlns:p="http://schemas.openxmlformats.org/presentationml/2006/main">
-  <p:cSld>
-    <p:spTree>
-      <p:nvGrpSpPr>
-        <p:cNvPr id="1" name=""/>
-        <p:cNvGrpSpPr/>
-        <p:nvPr/>
-      </p:nvGrpSpPr>
-      <p:grpSpPr>
-        <a:xfrm>
-          <a:off x="0" y="0"/>
-          <a:ext cx="0" cy="0"/>
-          <a:chOff x="0" y="0"/>
-          <a:chExt cx="0" cy="0"/>
-        </a:xfrm>
-      </p:grpSpPr>
-      <p:sp>
-        <p:nvSpPr>
-          <p:cNvPr id="2" name="Title 1"/>
-          <p:cNvSpPr>
-            <a:spLocks noGrp="1"/>
-          </p:cNvSpPr>
-          <p:nvPr>
-            <p:ph type="title"/>
-          </p:nvPr>
-        </p:nvSpPr>
-        <p:spPr/>
-        <p:txBody>
-          <a:bodyPr/>
-          <a:lstStyle/>
-          <a:p>
-            <a:r>
-              <a:rPr lang="en-US" dirty="0" smtClean="0"/>
-              <a:t>Cross-Domain REST Calls</a:t>
-            </a:r>
-            <a:endParaRPr lang="en-US" dirty="0"/>
-          </a:p>
-        </p:txBody>
-      </p:sp>
-      <p:sp>
-        <p:nvSpPr>
-          <p:cNvPr id="3" name="Slide Number Placeholder 2"/>
-          <p:cNvSpPr>
-            <a:spLocks noGrp="1"/>
-          </p:cNvSpPr>
-          <p:nvPr>
-            <p:ph type="sldNum" sz="quarter" idx="12"/>
-          </p:nvPr>
-        </p:nvSpPr>
-        <p:spPr/>
-        <p:txBody>
-          <a:bodyPr/>
-          <a:lstStyle/>
-          <a:p>
-            <a:fld id="{727B4C2D-45E2-4621-8491-2995EB46A674}" type="slidenum">
-              <a:rPr lang="en-US" smtClean="0"/>
-              <a:pPr/>
-              <a:t>18</a:t>
-            </a:fld>
-            <a:endParaRPr lang="en-US" dirty="0"/>
-          </a:p>
-        </p:txBody>
-      </p:sp>
-      <p:pic>
-        <p:nvPicPr>
-          <p:cNvPr id="6" name="Picture 5"/>
-          <p:cNvPicPr>
-            <a:picLocks noChangeAspect="1"/>
-          </p:cNvPicPr>
-          <p:nvPr/>
-        </p:nvPicPr>
-        <p:blipFill>
-          <a:blip r:embed="rId3">
-            <a:extLst>
-              <a:ext uri="{28A0092B-C50C-407E-A947-70E740481C1C}">
-                <a14:useLocalDpi xmlns:a14="http://schemas.microsoft.com/office/drawing/2010/main" val="0"/>
-              </a:ext>
-            </a:extLst>
-          </a:blip>
-          <a:stretch>
-            <a:fillRect/>
-          </a:stretch>
-        </p:blipFill>
-        <p:spPr>
-          <a:xfrm>
-            <a:off x="1081386" y="1194802"/>
-            <a:ext cx="5090601" cy="2423370"/>
-          </a:xfrm>
-          <a:prstGeom prst="rect">
-            <a:avLst/>
-          </a:prstGeom>
-          <a:ln>
-            <a:solidFill>
-              <a:schemeClr val="tx1"/>
-            </a:solidFill>
-          </a:ln>
-        </p:spPr>
-      </p:pic>
-      <p:pic>
-        <p:nvPicPr>
-          <p:cNvPr id="7" name="Picture 6"/>
-          <p:cNvPicPr>
-            <a:picLocks noChangeAspect="1"/>
-          </p:cNvPicPr>
-          <p:nvPr/>
-        </p:nvPicPr>
-        <p:blipFill>
-          <a:blip r:embed="rId4">
-            <a:extLst>
-              <a:ext uri="{28A0092B-C50C-407E-A947-70E740481C1C}">
-                <a14:useLocalDpi xmlns:a14="http://schemas.microsoft.com/office/drawing/2010/main" val="0"/>
-              </a:ext>
-            </a:extLst>
-          </a:blip>
-          <a:stretch>
-            <a:fillRect/>
-          </a:stretch>
-        </p:blipFill>
-        <p:spPr>
-          <a:xfrm>
-            <a:off x="1081386" y="3836477"/>
-            <a:ext cx="5296359" cy="2537680"/>
-          </a:xfrm>
-          <a:prstGeom prst="rect">
-            <a:avLst/>
-          </a:prstGeom>
-          <a:ln>
-            <a:solidFill>
-              <a:schemeClr val="tx1"/>
-            </a:solidFill>
-          </a:ln>
-        </p:spPr>
-      </p:pic>
-      <p:sp>
-        <p:nvSpPr>
-          <p:cNvPr id="8" name="TextBox 7"/>
-          <p:cNvSpPr txBox="1"/>
-          <p:nvPr/>
-        </p:nvSpPr>
-        <p:spPr>
-          <a:xfrm>
-            <a:off x="7191022" y="2221821"/>
-            <a:ext cx="2979470" cy="369332"/>
-          </a:xfrm>
-          <a:prstGeom prst="rect">
-            <a:avLst/>
-          </a:prstGeom>
-          <a:noFill/>
-        </p:spPr>
-        <p:txBody>
-          <a:bodyPr wrap="none" lIns="0" tIns="0" rIns="0" bIns="0" rtlCol="0">
-            <a:spAutoFit/>
-          </a:bodyPr>
-          <a:lstStyle/>
-          <a:p>
-            <a:r>
-              <a:rPr lang="en-US" sz="2400" spc="-70" dirty="0" smtClean="0">
-                <a:gradFill>
-                  <a:gsLst>
-                    <a:gs pos="2917">
-                      <a:schemeClr val="bg2"/>
-                    </a:gs>
-                    <a:gs pos="95000">
-                      <a:schemeClr val="bg2"/>
-                    </a:gs>
-                  </a:gsLst>
-                  <a:lin ang="5400000" scaled="0"/>
-                </a:gradFill>
-              </a:rPr>
-              <a:t>Call targeting App Web</a:t>
-            </a:r>
-          </a:p>
-        </p:txBody>
-      </p:sp>
-      <p:sp>
-        <p:nvSpPr>
-          <p:cNvPr id="9" name="TextBox 8"/>
-          <p:cNvSpPr txBox="1"/>
-          <p:nvPr/>
-        </p:nvSpPr>
-        <p:spPr>
-          <a:xfrm>
-            <a:off x="7191022" y="4920651"/>
-            <a:ext cx="3042628" cy="369332"/>
-          </a:xfrm>
-          <a:prstGeom prst="rect">
-            <a:avLst/>
-          </a:prstGeom>
-          <a:noFill/>
-        </p:spPr>
-        <p:txBody>
-          <a:bodyPr wrap="none" lIns="0" tIns="0" rIns="0" bIns="0" rtlCol="0">
-            <a:spAutoFit/>
-          </a:bodyPr>
-          <a:lstStyle/>
-          <a:p>
-            <a:r>
-              <a:rPr lang="en-US" sz="2400" spc="-70" dirty="0" smtClean="0">
-                <a:gradFill>
-                  <a:gsLst>
-                    <a:gs pos="2917">
-                      <a:schemeClr val="bg2"/>
-                    </a:gs>
-                    <a:gs pos="95000">
-                      <a:schemeClr val="bg2"/>
-                    </a:gs>
-                  </a:gsLst>
-                  <a:lin ang="5400000" scaled="0"/>
-                </a:gradFill>
-              </a:rPr>
-              <a:t>Call targeting Host Web</a:t>
-            </a:r>
-          </a:p>
-        </p:txBody>
-      </p:sp>
-    </p:spTree>
-    <p:extLst>
-      <p:ext uri="{BB962C8B-B14F-4D97-AF65-F5344CB8AC3E}">
-        <p14:creationId xmlns:p14="http://schemas.microsoft.com/office/powerpoint/2010/main" val="2826727306"/>
-      </p:ext>
-    </p:extLst>
-  </p:cSld>
-  <p:clrMapOvr>
-    <a:masterClrMapping/>
-  </p:clrMapOvr>
-  <p:transition>
-    <p:fade/>
-  </p:transition>
-  <p:timing>
-    <p:tnLst>
-      <p:par>
-        <p:cTn id="1" dur="indefinite" restart="never" nodeType="tmRoot"/>
-      </p:par>
-    </p:tnLst>
-  </p:timing>
 </p:sld>
 </file>
 
@@ -18034,7 +16847,7 @@
           <a:p>
             <a:r>
               <a:rPr lang="en-US" dirty="0" smtClean="0"/>
-              <a:t>Cross-Domain CSOM Calls</a:t>
+              <a:t>Create List Items</a:t>
             </a:r>
             <a:endParaRPr lang="en-US" dirty="0"/>
           </a:p>
@@ -18073,7 +16886,7 @@
           <p:nvPr/>
         </p:nvPicPr>
         <p:blipFill>
-          <a:blip r:embed="rId3">
+          <a:blip r:embed="rId2">
             <a:extLst>
               <a:ext uri="{28A0092B-C50C-407E-A947-70E740481C1C}">
                 <a14:useLocalDpi xmlns:a14="http://schemas.microsoft.com/office/drawing/2010/main" val="0"/>
@@ -18086,140 +16899,18 @@
         </p:blipFill>
         <p:spPr>
           <a:xfrm>
-            <a:off x="519112" y="1585901"/>
-            <a:ext cx="5022015" cy="1089754"/>
+            <a:off x="801043" y="1486662"/>
+            <a:ext cx="8184913" cy="2806255"/>
           </a:xfrm>
           <a:prstGeom prst="rect">
             <a:avLst/>
           </a:prstGeom>
-          <a:ln>
-            <a:solidFill>
-              <a:schemeClr val="tx1"/>
-            </a:solidFill>
-          </a:ln>
         </p:spPr>
       </p:pic>
-      <p:pic>
-        <p:nvPicPr>
-          <p:cNvPr id="5" name="Picture 4"/>
-          <p:cNvPicPr>
-            <a:picLocks noChangeAspect="1"/>
-          </p:cNvPicPr>
-          <p:nvPr/>
-        </p:nvPicPr>
-        <p:blipFill>
-          <a:blip r:embed="rId4">
-            <a:extLst>
-              <a:ext uri="{28A0092B-C50C-407E-A947-70E740481C1C}">
-                <a14:useLocalDpi xmlns:a14="http://schemas.microsoft.com/office/drawing/2010/main" val="0"/>
-              </a:ext>
-            </a:extLst>
-          </a:blip>
-          <a:stretch>
-            <a:fillRect/>
-          </a:stretch>
-        </p:blipFill>
-        <p:spPr>
-          <a:xfrm>
-            <a:off x="519112" y="4048832"/>
-            <a:ext cx="4961050" cy="1303133"/>
-          </a:xfrm>
-          <a:prstGeom prst="rect">
-            <a:avLst/>
-          </a:prstGeom>
-          <a:ln>
-            <a:solidFill>
-              <a:schemeClr val="tx1"/>
-            </a:solidFill>
-          </a:ln>
-        </p:spPr>
-      </p:pic>
-      <p:sp>
-        <p:nvSpPr>
-          <p:cNvPr id="6" name="TextBox 5"/>
-          <p:cNvSpPr txBox="1"/>
-          <p:nvPr/>
-        </p:nvSpPr>
-        <p:spPr>
-          <a:xfrm>
-            <a:off x="6897511" y="1825204"/>
-            <a:ext cx="2979470" cy="369332"/>
-          </a:xfrm>
-          <a:prstGeom prst="rect">
-            <a:avLst/>
-          </a:prstGeom>
-          <a:noFill/>
-        </p:spPr>
-        <p:txBody>
-          <a:bodyPr wrap="none" lIns="0" tIns="0" rIns="0" bIns="0" rtlCol="0">
-            <a:spAutoFit/>
-          </a:bodyPr>
-          <a:lstStyle/>
-          <a:p>
-            <a:r>
-              <a:rPr lang="en-US" sz="2400" spc="-70" dirty="0" smtClean="0">
-                <a:gradFill>
-                  <a:gsLst>
-                    <a:gs pos="2917">
-                      <a:schemeClr val="bg2"/>
-                    </a:gs>
-                    <a:gs pos="95000">
-                      <a:schemeClr val="bg2"/>
-                    </a:gs>
-                  </a:gsLst>
-                  <a:lin ang="5400000" scaled="0"/>
-                </a:gradFill>
-              </a:rPr>
-              <a:t>Call targeting App Web</a:t>
-            </a:r>
-          </a:p>
-        </p:txBody>
-      </p:sp>
-      <p:sp>
-        <p:nvSpPr>
-          <p:cNvPr id="7" name="TextBox 6"/>
-          <p:cNvSpPr txBox="1"/>
-          <p:nvPr/>
-        </p:nvSpPr>
-        <p:spPr>
-          <a:xfrm>
-            <a:off x="6897511" y="4524034"/>
-            <a:ext cx="3042628" cy="369332"/>
-          </a:xfrm>
-          <a:prstGeom prst="rect">
-            <a:avLst/>
-          </a:prstGeom>
-          <a:noFill/>
-        </p:spPr>
-        <p:txBody>
-          <a:bodyPr wrap="none" lIns="0" tIns="0" rIns="0" bIns="0" rtlCol="0">
-            <a:spAutoFit/>
-          </a:bodyPr>
-          <a:lstStyle/>
-          <a:p>
-            <a:r>
-              <a:rPr lang="en-US" sz="2400" spc="-70" dirty="0" smtClean="0">
-                <a:gradFill>
-                  <a:gsLst>
-                    <a:gs pos="2917">
-                      <a:schemeClr val="bg2"/>
-                    </a:gs>
-                    <a:gs pos="95000">
-                      <a:schemeClr val="bg2"/>
-                    </a:gs>
-                  </a:gsLst>
-                  <a:lin ang="5400000" scaled="0"/>
-                </a:gradFill>
-              </a:rPr>
-              <a:t>Call targeting Host Web</a:t>
-            </a:r>
-          </a:p>
-        </p:txBody>
-      </p:sp>
     </p:spTree>
     <p:extLst>
       <p:ext uri="{BB962C8B-B14F-4D97-AF65-F5344CB8AC3E}">
-        <p14:creationId xmlns:p14="http://schemas.microsoft.com/office/powerpoint/2010/main" val="125047627"/>
+        <p14:creationId xmlns:p14="http://schemas.microsoft.com/office/powerpoint/2010/main" val="2459974048"/>
       </p:ext>
     </p:extLst>
   </p:cSld>
@@ -18229,13 +16920,6 @@
   <p:transition>
     <p:fade/>
   </p:transition>
-  <p:timing>
-    <p:tnLst>
-      <p:par>
-        <p:cTn id="1" dur="indefinite" restart="never" nodeType="tmRoot"/>
-      </p:par>
-    </p:tnLst>
-  </p:timing>
 </p:sld>
 </file>
 
@@ -18308,7 +16992,7 @@
                 <a:gridCol w="11225057">
                   <a:extLst>
                     <a:ext uri="{9D8B030D-6E8A-4147-A177-3AD203B41FA5}">
-                      <a16:colId xmlns:a16="http://schemas.microsoft.com/office/drawing/2014/main" xmlns="" val="1253488153"/>
+                      <a16:colId xmlns="" xmlns:a16="http://schemas.microsoft.com/office/drawing/2014/main" val="1253488153"/>
                     </a:ext>
                   </a:extLst>
                 </a:gridCol>
@@ -18338,7 +17022,7 @@
                 </a:tc>
                 <a:extLst>
                   <a:ext uri="{0D108BD9-81ED-4DB2-BD59-A6C34878D82A}">
-                    <a16:rowId xmlns:a16="http://schemas.microsoft.com/office/drawing/2014/main" xmlns="" val="829859176"/>
+                    <a16:rowId xmlns="" xmlns:a16="http://schemas.microsoft.com/office/drawing/2014/main" val="829859176"/>
                   </a:ext>
                 </a:extLst>
               </a:tr>
@@ -18359,7 +17043,7 @@
                 </a:tc>
                 <a:extLst>
                   <a:ext uri="{0D108BD9-81ED-4DB2-BD59-A6C34878D82A}">
-                    <a16:rowId xmlns:a16="http://schemas.microsoft.com/office/drawing/2014/main" xmlns="" val="1946132611"/>
+                    <a16:rowId xmlns="" xmlns:a16="http://schemas.microsoft.com/office/drawing/2014/main" val="1946132611"/>
                   </a:ext>
                 </a:extLst>
               </a:tr>
@@ -18396,7 +17080,7 @@
                 </a:tc>
                 <a:extLst>
                   <a:ext uri="{0D108BD9-81ED-4DB2-BD59-A6C34878D82A}">
-                    <a16:rowId xmlns:a16="http://schemas.microsoft.com/office/drawing/2014/main" xmlns="" val="3204002662"/>
+                    <a16:rowId xmlns="" xmlns:a16="http://schemas.microsoft.com/office/drawing/2014/main" val="3204002662"/>
                   </a:ext>
                 </a:extLst>
               </a:tr>
@@ -18437,7 +17121,7 @@
                 </a:tc>
                 <a:extLst>
                   <a:ext uri="{0D108BD9-81ED-4DB2-BD59-A6C34878D82A}">
-                    <a16:rowId xmlns:a16="http://schemas.microsoft.com/office/drawing/2014/main" xmlns="" val="4266278162"/>
+                    <a16:rowId xmlns="" xmlns:a16="http://schemas.microsoft.com/office/drawing/2014/main" val="4266278162"/>
                   </a:ext>
                 </a:extLst>
               </a:tr>
@@ -18658,12 +17342,12 @@
       </p:grpSpPr>
       <p:sp>
         <p:nvSpPr>
-          <p:cNvPr id="4" name="Subtitle 3"/>
-          <p:cNvSpPr>
-            <a:spLocks noGrp="1"/>
-          </p:cNvSpPr>
-          <p:nvPr>
-            <p:ph type="subTitle" idx="1"/>
+          <p:cNvPr id="2" name="Title 1"/>
+          <p:cNvSpPr>
+            <a:spLocks noGrp="1"/>
+          </p:cNvSpPr>
+          <p:nvPr>
+            <p:ph type="title"/>
           </p:nvPr>
         </p:nvSpPr>
         <p:spPr/>
@@ -18673,7 +17357,7 @@
           <a:p>
             <a:r>
               <a:rPr lang="en-US" dirty="0" smtClean="0"/>
-              <a:t>The Cross-Domain Library</a:t>
+              <a:t>Update List Items</a:t>
             </a:r>
             <a:endParaRPr lang="en-US" dirty="0"/>
           </a:p>
@@ -18681,12 +17365,12 @@
       </p:sp>
       <p:sp>
         <p:nvSpPr>
-          <p:cNvPr id="2" name="Text Placeholder 1"/>
-          <p:cNvSpPr>
-            <a:spLocks noGrp="1"/>
-          </p:cNvSpPr>
-          <p:nvPr>
-            <p:ph type="body" sz="quarter" idx="10"/>
+          <p:cNvPr id="3" name="Slide Number Placeholder 2"/>
+          <p:cNvSpPr>
+            <a:spLocks noGrp="1"/>
+          </p:cNvSpPr>
+          <p:nvPr>
+            <p:ph type="sldNum" sz="quarter" idx="12"/>
           </p:nvPr>
         </p:nvSpPr>
         <p:spPr/>
@@ -18694,21 +17378,49 @@
           <a:bodyPr/>
           <a:lstStyle/>
           <a:p>
-            <a:pPr marL="0" indent="0">
-              <a:buNone/>
-            </a:pPr>
-            <a:r>
-              <a:rPr lang="en-US" dirty="0" smtClean="0"/>
-              <a:t>demo</a:t>
-            </a:r>
+            <a:fld id="{727B4C2D-45E2-4621-8491-2995EB46A674}" type="slidenum">
+              <a:rPr lang="en-US" smtClean="0"/>
+              <a:pPr/>
+              <a:t>20</a:t>
+            </a:fld>
             <a:endParaRPr lang="en-US" dirty="0"/>
           </a:p>
         </p:txBody>
       </p:sp>
+      <p:pic>
+        <p:nvPicPr>
+          <p:cNvPr id="4" name="Picture 3"/>
+          <p:cNvPicPr>
+            <a:picLocks noChangeAspect="1"/>
+          </p:cNvPicPr>
+          <p:nvPr/>
+        </p:nvPicPr>
+        <p:blipFill>
+          <a:blip r:embed="rId2">
+            <a:extLst>
+              <a:ext uri="{28A0092B-C50C-407E-A947-70E740481C1C}">
+                <a14:useLocalDpi xmlns:a14="http://schemas.microsoft.com/office/drawing/2010/main" val="0"/>
+              </a:ext>
+            </a:extLst>
+          </a:blip>
+          <a:stretch>
+            <a:fillRect/>
+          </a:stretch>
+        </p:blipFill>
+        <p:spPr>
+          <a:xfrm>
+            <a:off x="801043" y="1574301"/>
+            <a:ext cx="8131390" cy="2817077"/>
+          </a:xfrm>
+          <a:prstGeom prst="rect">
+            <a:avLst/>
+          </a:prstGeom>
+        </p:spPr>
+      </p:pic>
     </p:spTree>
     <p:extLst>
       <p:ext uri="{BB962C8B-B14F-4D97-AF65-F5344CB8AC3E}">
-        <p14:creationId xmlns:p14="http://schemas.microsoft.com/office/powerpoint/2010/main" val="1012438977"/>
+        <p14:creationId xmlns:p14="http://schemas.microsoft.com/office/powerpoint/2010/main" val="2138586226"/>
       </p:ext>
     </p:extLst>
   </p:cSld>
@@ -18718,13 +17430,6 @@
   <p:transition>
     <p:fade/>
   </p:transition>
-  <p:timing>
-    <p:tnLst>
-      <p:par>
-        <p:cTn id="1" dur="indefinite" restart="never" nodeType="tmRoot"/>
-      </p:par>
-    </p:tnLst>
-  </p:timing>
 </p:sld>
 </file>
 
@@ -18747,12 +17452,12 @@
       </p:grpSpPr>
       <p:sp>
         <p:nvSpPr>
-          <p:cNvPr id="4" name="Title 3"/>
-          <p:cNvSpPr>
-            <a:spLocks noGrp="1"/>
-          </p:cNvSpPr>
-          <p:nvPr>
-            <p:ph type="ctrTitle"/>
+          <p:cNvPr id="2" name="Title 1"/>
+          <p:cNvSpPr>
+            <a:spLocks noGrp="1"/>
+          </p:cNvSpPr>
+          <p:nvPr>
+            <p:ph type="title"/>
           </p:nvPr>
         </p:nvSpPr>
         <p:spPr/>
@@ -18762,7 +17467,7 @@
           <a:p>
             <a:r>
               <a:rPr lang="en-US" dirty="0" smtClean="0"/>
-              <a:t>The Chrome Control</a:t>
+              <a:t>Delete List Items</a:t>
             </a:r>
             <a:endParaRPr lang="en-US" dirty="0"/>
           </a:p>
@@ -18770,12 +17475,12 @@
       </p:sp>
       <p:sp>
         <p:nvSpPr>
-          <p:cNvPr id="9" name="Subtitle 4"/>
-          <p:cNvSpPr>
-            <a:spLocks noGrp="1"/>
-          </p:cNvSpPr>
-          <p:nvPr>
-            <p:ph type="subTitle" idx="1"/>
+          <p:cNvPr id="3" name="Slide Number Placeholder 2"/>
+          <p:cNvSpPr>
+            <a:spLocks noGrp="1"/>
+          </p:cNvSpPr>
+          <p:nvPr>
+            <p:ph type="sldNum" sz="quarter" idx="12"/>
           </p:nvPr>
         </p:nvSpPr>
         <p:spPr/>
@@ -18783,15 +17488,49 @@
           <a:bodyPr/>
           <a:lstStyle/>
           <a:p>
-            <a:pPr lvl="0"/>
+            <a:fld id="{727B4C2D-45E2-4621-8491-2995EB46A674}" type="slidenum">
+              <a:rPr lang="en-US" smtClean="0"/>
+              <a:pPr/>
+              <a:t>21</a:t>
+            </a:fld>
             <a:endParaRPr lang="en-US" dirty="0"/>
           </a:p>
         </p:txBody>
       </p:sp>
+      <p:pic>
+        <p:nvPicPr>
+          <p:cNvPr id="4" name="Picture 3"/>
+          <p:cNvPicPr>
+            <a:picLocks noChangeAspect="1"/>
+          </p:cNvPicPr>
+          <p:nvPr/>
+        </p:nvPicPr>
+        <p:blipFill>
+          <a:blip r:embed="rId2">
+            <a:extLst>
+              <a:ext uri="{28A0092B-C50C-407E-A947-70E740481C1C}">
+                <a14:useLocalDpi xmlns:a14="http://schemas.microsoft.com/office/drawing/2010/main" val="0"/>
+              </a:ext>
+            </a:extLst>
+          </a:blip>
+          <a:stretch>
+            <a:fillRect/>
+          </a:stretch>
+        </p:blipFill>
+        <p:spPr>
+          <a:xfrm>
+            <a:off x="1216395" y="1746902"/>
+            <a:ext cx="7823410" cy="1955853"/>
+          </a:xfrm>
+          <a:prstGeom prst="rect">
+            <a:avLst/>
+          </a:prstGeom>
+        </p:spPr>
+      </p:pic>
     </p:spTree>
     <p:extLst>
       <p:ext uri="{BB962C8B-B14F-4D97-AF65-F5344CB8AC3E}">
-        <p14:creationId xmlns:p14="http://schemas.microsoft.com/office/powerpoint/2010/main" val="2489371940"/>
+        <p14:creationId xmlns:p14="http://schemas.microsoft.com/office/powerpoint/2010/main" val="63179058"/>
       </p:ext>
     </p:extLst>
   </p:cSld>
@@ -18801,13 +17540,6 @@
   <p:transition>
     <p:fade/>
   </p:transition>
-  <p:timing>
-    <p:tnLst>
-      <p:par>
-        <p:cTn id="1" dur="indefinite" restart="never" nodeType="tmRoot"/>
-      </p:par>
-    </p:tnLst>
-  </p:timing>
 </p:sld>
 </file>
 
@@ -18841,7 +17573,7 @@
         <p:spPr>
           <a:xfrm>
             <a:off x="519112" y="1447799"/>
-            <a:ext cx="11149013" cy="1182512"/>
+            <a:ext cx="11149013" cy="5171214"/>
           </a:xfrm>
         </p:spPr>
         <p:txBody>
@@ -18850,11 +17582,44 @@
           <a:p>
             <a:r>
               <a:rPr lang="en-US" dirty="0" smtClean="0"/>
-              <a:t>JavaScript Component for creating basic banner and navigation elements</a:t>
-            </a:r>
-          </a:p>
-          <a:p>
+              <a:t>Same-domain policy prevents JavaScript from making direct calls to the host web</a:t>
+            </a:r>
+          </a:p>
+          <a:p>
+            <a:r>
+              <a:rPr lang="en-US" dirty="0"/>
+              <a:t>SP.RequestExecutor.js located in LAYOUTS </a:t>
+            </a:r>
+            <a:r>
+              <a:rPr lang="en-US" dirty="0" smtClean="0"/>
+              <a:t>directory</a:t>
+            </a:r>
+          </a:p>
+          <a:p>
+            <a:pPr lvl="1"/>
+            <a:r>
+              <a:rPr lang="en-US" dirty="0" smtClean="0"/>
+              <a:t>Option 1: Reference directly</a:t>
+            </a:r>
+          </a:p>
+          <a:p>
+            <a:pPr lvl="1"/>
             <a:endParaRPr lang="en-US" dirty="0"/>
+          </a:p>
+          <a:p>
+            <a:pPr lvl="1"/>
+            <a:endParaRPr lang="en-US" dirty="0" smtClean="0"/>
+          </a:p>
+          <a:p>
+            <a:pPr lvl="1"/>
+            <a:r>
+              <a:rPr lang="en-US" dirty="0" smtClean="0"/>
+              <a:t>Option 2: Load dynamically</a:t>
+            </a:r>
+            <a:endParaRPr lang="en-US" dirty="0"/>
+          </a:p>
+          <a:p>
+            <a:endParaRPr lang="en-US" dirty="0" smtClean="0"/>
           </a:p>
         </p:txBody>
       </p:sp>
@@ -18875,7 +17640,7 @@
           <a:p>
             <a:r>
               <a:rPr lang="en-US" dirty="0" smtClean="0"/>
-              <a:t>Chrome Control</a:t>
+              <a:t>Cross Domain Library</a:t>
             </a:r>
             <a:endParaRPr lang="en-US" dirty="0"/>
           </a:p>
@@ -18927,23 +17692,48 @@
         </p:blipFill>
         <p:spPr>
           <a:xfrm>
-            <a:off x="1081386" y="3101613"/>
-            <a:ext cx="9860243" cy="1470387"/>
+            <a:off x="943998" y="3705903"/>
+            <a:ext cx="8662846" cy="661675"/>
           </a:xfrm>
           <a:prstGeom prst="rect">
             <a:avLst/>
           </a:prstGeom>
-          <a:ln>
-            <a:solidFill>
-              <a:schemeClr val="tx1"/>
-            </a:solidFill>
-          </a:ln>
+        </p:spPr>
+      </p:pic>
+      <p:pic>
+        <p:nvPicPr>
+          <p:cNvPr id="6" name="Picture 5"/>
+          <p:cNvPicPr>
+            <a:picLocks noChangeAspect="1"/>
+          </p:cNvPicPr>
+          <p:nvPr/>
+        </p:nvPicPr>
+        <p:blipFill>
+          <a:blip r:embed="rId4">
+            <a:extLst>
+              <a:ext uri="{28A0092B-C50C-407E-A947-70E740481C1C}">
+                <a14:useLocalDpi xmlns:a14="http://schemas.microsoft.com/office/drawing/2010/main" val="0"/>
+              </a:ext>
+            </a:extLst>
+          </a:blip>
+          <a:stretch>
+            <a:fillRect/>
+          </a:stretch>
+        </p:blipFill>
+        <p:spPr>
+          <a:xfrm>
+            <a:off x="1081386" y="4825399"/>
+            <a:ext cx="7245264" cy="1683886"/>
+          </a:xfrm>
+          <a:prstGeom prst="rect">
+            <a:avLst/>
+          </a:prstGeom>
         </p:spPr>
       </p:pic>
     </p:spTree>
     <p:extLst>
       <p:ext uri="{BB962C8B-B14F-4D97-AF65-F5344CB8AC3E}">
-        <p14:creationId xmlns:p14="http://schemas.microsoft.com/office/powerpoint/2010/main" val="2608557643"/>
+        <p14:creationId xmlns:p14="http://schemas.microsoft.com/office/powerpoint/2010/main" val="3156014083"/>
       </p:ext>
     </p:extLst>
   </p:cSld>
@@ -18982,39 +17772,180 @@
       </p:grpSpPr>
       <p:sp>
         <p:nvSpPr>
-          <p:cNvPr id="2" name="Text Placeholder 1"/>
-          <p:cNvSpPr>
-            <a:spLocks noGrp="1"/>
-          </p:cNvSpPr>
-          <p:nvPr>
-            <p:ph type="body" sz="quarter" idx="10"/>
-          </p:nvPr>
-        </p:nvSpPr>
-        <p:spPr>
+          <p:cNvPr id="5" name="Rectangle 4"/>
+          <p:cNvSpPr/>
+          <p:nvPr/>
+        </p:nvSpPr>
+        <p:spPr bwMode="auto">
           <a:xfrm>
-            <a:off x="519112" y="1447799"/>
-            <a:ext cx="11149013" cy="2501204"/>
+            <a:off x="3534528" y="1157120"/>
+            <a:ext cx="4943428" cy="4650817"/>
           </a:xfrm>
+          <a:prstGeom prst="rect">
+            <a:avLst/>
+          </a:prstGeom>
+          <a:solidFill>
+            <a:schemeClr val="tx2">
+              <a:lumMod val="60000"/>
+              <a:lumOff val="40000"/>
+            </a:schemeClr>
+          </a:solidFill>
+          <a:ln>
+            <a:noFill/>
+            <a:headEnd type="none" w="med" len="med"/>
+            <a:tailEnd type="none" w="med" len="med"/>
+          </a:ln>
+          <a:effectLst>
+            <a:outerShdw blurRad="50800" dist="38100" dir="5400000" algn="t" rotWithShape="0">
+              <a:prstClr val="black">
+                <a:alpha val="40000"/>
+              </a:prstClr>
+            </a:outerShdw>
+          </a:effectLst>
         </p:spPr>
+        <p:style>
+          <a:lnRef idx="1">
+            <a:schemeClr val="accent2"/>
+          </a:lnRef>
+          <a:fillRef idx="3">
+            <a:schemeClr val="accent2"/>
+          </a:fillRef>
+          <a:effectRef idx="2">
+            <a:schemeClr val="accent2"/>
+          </a:effectRef>
+          <a:fontRef idx="minor">
+            <a:schemeClr val="lt1"/>
+          </a:fontRef>
+        </p:style>
+        <p:txBody>
+          <a:bodyPr rot="0" spcFirstLastPara="0" vertOverflow="overflow" horzOverflow="overflow" vert="horz" wrap="square" lIns="45720" tIns="45720" rIns="45720" bIns="45720" numCol="1" spcCol="0" rtlCol="0" fromWordArt="0" anchor="ctr" anchorCtr="0" forceAA="0" compatLnSpc="1">
+            <a:prstTxWarp prst="textNoShape">
+              <a:avLst/>
+            </a:prstTxWarp>
+            <a:noAutofit/>
+          </a:bodyPr>
+          <a:lstStyle/>
+          <a:p>
+            <a:pPr algn="ctr" defTabSz="914099" fontAlgn="base">
+              <a:spcBef>
+                <a:spcPct val="0"/>
+              </a:spcBef>
+              <a:spcAft>
+                <a:spcPct val="0"/>
+              </a:spcAft>
+            </a:pPr>
+            <a:endParaRPr lang="en-US" sz="2200" dirty="0" smtClean="0">
+              <a:gradFill>
+                <a:gsLst>
+                  <a:gs pos="0">
+                    <a:srgbClr val="FFFFFF"/>
+                  </a:gs>
+                  <a:gs pos="100000">
+                    <a:srgbClr val="FFFFFF"/>
+                  </a:gs>
+                </a:gsLst>
+                <a:lin ang="5400000" scaled="0"/>
+              </a:gradFill>
+              <a:ea typeface="Segoe UI" pitchFamily="34" charset="0"/>
+              <a:cs typeface="Segoe UI" pitchFamily="34" charset="0"/>
+            </a:endParaRPr>
+          </a:p>
+        </p:txBody>
+      </p:sp>
+      <p:sp>
+        <p:nvSpPr>
+          <p:cNvPr id="8" name="Rounded Rectangle 7"/>
+          <p:cNvSpPr/>
+          <p:nvPr/>
+        </p:nvSpPr>
+        <p:spPr bwMode="auto">
+          <a:xfrm>
+            <a:off x="3879562" y="2290899"/>
+            <a:ext cx="4250305" cy="2063130"/>
+          </a:xfrm>
+          <a:prstGeom prst="roundRect">
+            <a:avLst/>
+          </a:prstGeom>
+          <a:solidFill>
+            <a:schemeClr val="accent3">
+              <a:lumMod val="60000"/>
+              <a:lumOff val="40000"/>
+            </a:schemeClr>
+          </a:solidFill>
+          <a:ln>
+            <a:noFill/>
+            <a:headEnd type="none" w="med" len="med"/>
+            <a:tailEnd type="none" w="med" len="med"/>
+          </a:ln>
+          <a:effectLst/>
+        </p:spPr>
+        <p:style>
+          <a:lnRef idx="1">
+            <a:schemeClr val="accent2"/>
+          </a:lnRef>
+          <a:fillRef idx="3">
+            <a:schemeClr val="accent2"/>
+          </a:fillRef>
+          <a:effectRef idx="2">
+            <a:schemeClr val="accent2"/>
+          </a:effectRef>
+          <a:fontRef idx="minor">
+            <a:schemeClr val="lt1"/>
+          </a:fontRef>
+        </p:style>
+        <p:txBody>
+          <a:bodyPr rot="0" spcFirstLastPara="0" vertOverflow="overflow" horzOverflow="overflow" vert="horz" wrap="square" lIns="45720" tIns="45720" rIns="45720" bIns="45720" numCol="1" spcCol="0" rtlCol="0" fromWordArt="0" anchor="ctr" anchorCtr="0" forceAA="0" compatLnSpc="1">
+            <a:prstTxWarp prst="textNoShape">
+              <a:avLst/>
+            </a:prstTxWarp>
+            <a:noAutofit/>
+          </a:bodyPr>
+          <a:lstStyle/>
+          <a:p>
+            <a:pPr algn="ctr" defTabSz="914099" fontAlgn="base">
+              <a:spcBef>
+                <a:spcPct val="0"/>
+              </a:spcBef>
+              <a:spcAft>
+                <a:spcPct val="0"/>
+              </a:spcAft>
+            </a:pPr>
+            <a:endParaRPr lang="en-US" sz="2200" dirty="0" smtClean="0">
+              <a:gradFill>
+                <a:gsLst>
+                  <a:gs pos="0">
+                    <a:srgbClr val="FFFFFF"/>
+                  </a:gs>
+                  <a:gs pos="100000">
+                    <a:srgbClr val="FFFFFF"/>
+                  </a:gs>
+                </a:gsLst>
+                <a:lin ang="5400000" scaled="0"/>
+              </a:gradFill>
+              <a:ea typeface="Segoe UI" pitchFamily="34" charset="0"/>
+              <a:cs typeface="Segoe UI" pitchFamily="34" charset="0"/>
+            </a:endParaRPr>
+          </a:p>
+        </p:txBody>
+      </p:sp>
+      <p:sp>
+        <p:nvSpPr>
+          <p:cNvPr id="2" name="Title 1"/>
+          <p:cNvSpPr>
+            <a:spLocks noGrp="1"/>
+          </p:cNvSpPr>
+          <p:nvPr>
+            <p:ph type="title"/>
+          </p:nvPr>
+        </p:nvSpPr>
+        <p:spPr/>
         <p:txBody>
           <a:bodyPr/>
           <a:lstStyle/>
           <a:p>
             <a:r>
               <a:rPr lang="en-US" dirty="0" smtClean="0"/>
-              <a:t>SP.UI.Controls.js located in LAYOUTS directory</a:t>
-            </a:r>
-          </a:p>
-          <a:p>
-            <a:r>
-              <a:rPr lang="en-US" dirty="0" smtClean="0"/>
-              <a:t>Option 1: Copy and include directly in your app</a:t>
-            </a:r>
-          </a:p>
-          <a:p>
-            <a:r>
-              <a:rPr lang="en-US" dirty="0" smtClean="0"/>
-              <a:t>Option 2: Load Dynamically using jQuery</a:t>
+              <a:t>Cross-Domain Library Architecture</a:t>
             </a:r>
             <a:endParaRPr lang="en-US" dirty="0"/>
           </a:p>
@@ -19022,30 +17953,7 @@
       </p:sp>
       <p:sp>
         <p:nvSpPr>
-          <p:cNvPr id="3" name="Title 2"/>
-          <p:cNvSpPr>
-            <a:spLocks noGrp="1"/>
-          </p:cNvSpPr>
-          <p:nvPr>
-            <p:ph type="title"/>
-          </p:nvPr>
-        </p:nvSpPr>
-        <p:spPr/>
-        <p:txBody>
-          <a:bodyPr/>
-          <a:lstStyle/>
-          <a:p>
-            <a:r>
-              <a:rPr lang="en-US" dirty="0" smtClean="0"/>
-              <a:t>Loading the Chrome Control</a:t>
-            </a:r>
-            <a:endParaRPr lang="en-US" dirty="0"/>
-          </a:p>
-        </p:txBody>
-      </p:sp>
-      <p:sp>
-        <p:nvSpPr>
-          <p:cNvPr id="4" name="Slide Number Placeholder 3"/>
+          <p:cNvPr id="3" name="Slide Number Placeholder 2"/>
           <p:cNvSpPr>
             <a:spLocks noGrp="1"/>
           </p:cNvSpPr>
@@ -19067,10 +17975,786 @@
           </a:p>
         </p:txBody>
       </p:sp>
+      <p:sp>
+        <p:nvSpPr>
+          <p:cNvPr id="7" name="Rounded Rectangle 6"/>
+          <p:cNvSpPr/>
+          <p:nvPr/>
+        </p:nvSpPr>
+        <p:spPr bwMode="auto">
+          <a:xfrm>
+            <a:off x="4961678" y="2670560"/>
+            <a:ext cx="1979525" cy="1182275"/>
+          </a:xfrm>
+          <a:prstGeom prst="roundRect">
+            <a:avLst/>
+          </a:prstGeom>
+          <a:solidFill>
+            <a:schemeClr val="accent6">
+              <a:lumMod val="60000"/>
+              <a:lumOff val="40000"/>
+            </a:schemeClr>
+          </a:solidFill>
+          <a:ln>
+            <a:noFill/>
+            <a:headEnd type="none" w="med" len="med"/>
+            <a:tailEnd type="none" w="med" len="med"/>
+          </a:ln>
+          <a:effectLst/>
+        </p:spPr>
+        <p:style>
+          <a:lnRef idx="1">
+            <a:schemeClr val="accent2"/>
+          </a:lnRef>
+          <a:fillRef idx="3">
+            <a:schemeClr val="accent2"/>
+          </a:fillRef>
+          <a:effectRef idx="2">
+            <a:schemeClr val="accent2"/>
+          </a:effectRef>
+          <a:fontRef idx="minor">
+            <a:schemeClr val="lt1"/>
+          </a:fontRef>
+        </p:style>
+        <p:txBody>
+          <a:bodyPr rot="0" spcFirstLastPara="0" vertOverflow="overflow" horzOverflow="overflow" vert="horz" wrap="square" lIns="45720" tIns="45720" rIns="45720" bIns="45720" numCol="1" spcCol="0" rtlCol="0" fromWordArt="0" anchor="ctr" anchorCtr="0" forceAA="0" compatLnSpc="1">
+            <a:prstTxWarp prst="textNoShape">
+              <a:avLst/>
+            </a:prstTxWarp>
+            <a:noAutofit/>
+          </a:bodyPr>
+          <a:lstStyle/>
+          <a:p>
+            <a:pPr algn="ctr" defTabSz="914099" fontAlgn="base">
+              <a:spcBef>
+                <a:spcPct val="0"/>
+              </a:spcBef>
+              <a:spcAft>
+                <a:spcPct val="0"/>
+              </a:spcAft>
+            </a:pPr>
+            <a:endParaRPr lang="en-US" sz="2200" dirty="0" smtClean="0">
+              <a:gradFill>
+                <a:gsLst>
+                  <a:gs pos="0">
+                    <a:srgbClr val="FFFFFF"/>
+                  </a:gs>
+                  <a:gs pos="100000">
+                    <a:srgbClr val="FFFFFF"/>
+                  </a:gs>
+                </a:gsLst>
+                <a:lin ang="5400000" scaled="0"/>
+              </a:gradFill>
+              <a:ea typeface="Segoe UI" pitchFamily="34" charset="0"/>
+              <a:cs typeface="Segoe UI" pitchFamily="34" charset="0"/>
+            </a:endParaRPr>
+          </a:p>
+        </p:txBody>
+      </p:sp>
+      <p:sp>
+        <p:nvSpPr>
+          <p:cNvPr id="9" name="Flowchart: Alternate Process 8"/>
+          <p:cNvSpPr/>
+          <p:nvPr/>
+        </p:nvSpPr>
+        <p:spPr bwMode="auto">
+          <a:xfrm>
+            <a:off x="6057988" y="4625347"/>
+            <a:ext cx="2071879" cy="622998"/>
+          </a:xfrm>
+          <a:prstGeom prst="flowChartAlternateProcess">
+            <a:avLst/>
+          </a:prstGeom>
+          <a:solidFill>
+            <a:schemeClr val="accent1"/>
+          </a:solidFill>
+          <a:ln>
+            <a:noFill/>
+            <a:headEnd type="none" w="med" len="med"/>
+            <a:tailEnd type="none" w="med" len="med"/>
+          </a:ln>
+          <a:effectLst/>
+        </p:spPr>
+        <p:style>
+          <a:lnRef idx="1">
+            <a:schemeClr val="accent2"/>
+          </a:lnRef>
+          <a:fillRef idx="3">
+            <a:schemeClr val="accent2"/>
+          </a:fillRef>
+          <a:effectRef idx="2">
+            <a:schemeClr val="accent2"/>
+          </a:effectRef>
+          <a:fontRef idx="minor">
+            <a:schemeClr val="lt1"/>
+          </a:fontRef>
+        </p:style>
+        <p:txBody>
+          <a:bodyPr rot="0" spcFirstLastPara="0" vertOverflow="overflow" horzOverflow="overflow" vert="horz" wrap="square" lIns="45720" tIns="45720" rIns="45720" bIns="45720" numCol="1" spcCol="0" rtlCol="0" fromWordArt="0" anchor="ctr" anchorCtr="0" forceAA="0" compatLnSpc="1">
+            <a:prstTxWarp prst="textNoShape">
+              <a:avLst/>
+            </a:prstTxWarp>
+            <a:noAutofit/>
+          </a:bodyPr>
+          <a:lstStyle/>
+          <a:p>
+            <a:pPr algn="ctr" defTabSz="914099" fontAlgn="base">
+              <a:spcBef>
+                <a:spcPct val="0"/>
+              </a:spcBef>
+              <a:spcAft>
+                <a:spcPct val="0"/>
+              </a:spcAft>
+            </a:pPr>
+            <a:endParaRPr lang="en-US" sz="2200" dirty="0" smtClean="0">
+              <a:gradFill>
+                <a:gsLst>
+                  <a:gs pos="0">
+                    <a:srgbClr val="FFFFFF"/>
+                  </a:gs>
+                  <a:gs pos="100000">
+                    <a:srgbClr val="FFFFFF"/>
+                  </a:gs>
+                </a:gsLst>
+                <a:lin ang="5400000" scaled="0"/>
+              </a:gradFill>
+              <a:ea typeface="Segoe UI" pitchFamily="34" charset="0"/>
+              <a:cs typeface="Segoe UI" pitchFamily="34" charset="0"/>
+            </a:endParaRPr>
+          </a:p>
+        </p:txBody>
+      </p:sp>
+      <p:sp>
+        <p:nvSpPr>
+          <p:cNvPr id="10" name="Flowchart: Alternate Process 9"/>
+          <p:cNvSpPr/>
+          <p:nvPr/>
+        </p:nvSpPr>
+        <p:spPr bwMode="auto">
+          <a:xfrm>
+            <a:off x="3879562" y="4640970"/>
+            <a:ext cx="2071879" cy="622998"/>
+          </a:xfrm>
+          <a:prstGeom prst="flowChartAlternateProcess">
+            <a:avLst/>
+          </a:prstGeom>
+          <a:solidFill>
+            <a:schemeClr val="accent1"/>
+          </a:solidFill>
+          <a:ln>
+            <a:noFill/>
+            <a:headEnd type="none" w="med" len="med"/>
+            <a:tailEnd type="none" w="med" len="med"/>
+          </a:ln>
+          <a:effectLst/>
+        </p:spPr>
+        <p:style>
+          <a:lnRef idx="1">
+            <a:schemeClr val="accent2"/>
+          </a:lnRef>
+          <a:fillRef idx="3">
+            <a:schemeClr val="accent2"/>
+          </a:fillRef>
+          <a:effectRef idx="2">
+            <a:schemeClr val="accent2"/>
+          </a:effectRef>
+          <a:fontRef idx="minor">
+            <a:schemeClr val="lt1"/>
+          </a:fontRef>
+        </p:style>
+        <p:txBody>
+          <a:bodyPr rot="0" spcFirstLastPara="0" vertOverflow="overflow" horzOverflow="overflow" vert="horz" wrap="square" lIns="45720" tIns="45720" rIns="45720" bIns="45720" numCol="1" spcCol="0" rtlCol="0" fromWordArt="0" anchor="ctr" anchorCtr="0" forceAA="0" compatLnSpc="1">
+            <a:prstTxWarp prst="textNoShape">
+              <a:avLst/>
+            </a:prstTxWarp>
+            <a:noAutofit/>
+          </a:bodyPr>
+          <a:lstStyle/>
+          <a:p>
+            <a:pPr algn="ctr" defTabSz="914099" fontAlgn="base">
+              <a:spcBef>
+                <a:spcPct val="0"/>
+              </a:spcBef>
+              <a:spcAft>
+                <a:spcPct val="0"/>
+              </a:spcAft>
+            </a:pPr>
+            <a:endParaRPr lang="en-US" sz="2200" dirty="0" smtClean="0">
+              <a:gradFill>
+                <a:gsLst>
+                  <a:gs pos="0">
+                    <a:srgbClr val="FFFFFF"/>
+                  </a:gs>
+                  <a:gs pos="100000">
+                    <a:srgbClr val="FFFFFF"/>
+                  </a:gs>
+                </a:gsLst>
+                <a:lin ang="5400000" scaled="0"/>
+              </a:gradFill>
+              <a:ea typeface="Segoe UI" pitchFamily="34" charset="0"/>
+              <a:cs typeface="Segoe UI" pitchFamily="34" charset="0"/>
+            </a:endParaRPr>
+          </a:p>
+        </p:txBody>
+      </p:sp>
+      <p:sp>
+        <p:nvSpPr>
+          <p:cNvPr id="13" name="TextBox 12"/>
+          <p:cNvSpPr txBox="1"/>
+          <p:nvPr/>
+        </p:nvSpPr>
+        <p:spPr>
+          <a:xfrm>
+            <a:off x="5234693" y="5323102"/>
+            <a:ext cx="1366336" cy="369332"/>
+          </a:xfrm>
+          <a:prstGeom prst="rect">
+            <a:avLst/>
+          </a:prstGeom>
+          <a:noFill/>
+        </p:spPr>
+        <p:txBody>
+          <a:bodyPr wrap="none" lIns="0" tIns="0" rIns="0" bIns="0" rtlCol="0">
+            <a:spAutoFit/>
+          </a:bodyPr>
+          <a:lstStyle/>
+          <a:p>
+            <a:r>
+              <a:rPr lang="en-US" sz="2400" spc="-70" dirty="0" smtClean="0">
+                <a:solidFill>
+                  <a:srgbClr val="002060"/>
+                </a:solidFill>
+              </a:rPr>
+              <a:t>SharePoint</a:t>
+            </a:r>
+          </a:p>
+        </p:txBody>
+      </p:sp>
+      <p:sp>
+        <p:nvSpPr>
+          <p:cNvPr id="15" name="TextBox 14"/>
+          <p:cNvSpPr txBox="1"/>
+          <p:nvPr/>
+        </p:nvSpPr>
+        <p:spPr>
+          <a:xfrm>
+            <a:off x="6114381" y="4832551"/>
+            <a:ext cx="1946495" cy="276999"/>
+          </a:xfrm>
+          <a:prstGeom prst="rect">
+            <a:avLst/>
+          </a:prstGeom>
+          <a:noFill/>
+        </p:spPr>
+        <p:txBody>
+          <a:bodyPr wrap="none" lIns="0" tIns="0" rIns="0" bIns="0" rtlCol="0">
+            <a:spAutoFit/>
+          </a:bodyPr>
+          <a:lstStyle/>
+          <a:p>
+            <a:r>
+              <a:rPr lang="en-US" spc="-70" dirty="0" smtClean="0"/>
+              <a:t>SP.RequestExecutor.js</a:t>
+            </a:r>
+          </a:p>
+        </p:txBody>
+      </p:sp>
+      <p:sp>
+        <p:nvSpPr>
+          <p:cNvPr id="16" name="TextBox 15"/>
+          <p:cNvSpPr txBox="1"/>
+          <p:nvPr/>
+        </p:nvSpPr>
+        <p:spPr>
+          <a:xfrm>
+            <a:off x="5582625" y="3294600"/>
+            <a:ext cx="730008" cy="276999"/>
+          </a:xfrm>
+          <a:prstGeom prst="rect">
+            <a:avLst/>
+          </a:prstGeom>
+          <a:noFill/>
+        </p:spPr>
+        <p:txBody>
+          <a:bodyPr wrap="none" lIns="0" tIns="0" rIns="0" bIns="0" rtlCol="0">
+            <a:spAutoFit/>
+          </a:bodyPr>
+          <a:lstStyle/>
+          <a:p>
+            <a:r>
+              <a:rPr lang="en-US" spc="-70" dirty="0" smtClean="0"/>
+              <a:t>IFRAME</a:t>
+            </a:r>
+          </a:p>
+        </p:txBody>
+      </p:sp>
+      <p:sp>
+        <p:nvSpPr>
+          <p:cNvPr id="17" name="TextBox 16"/>
+          <p:cNvSpPr txBox="1"/>
+          <p:nvPr/>
+        </p:nvSpPr>
+        <p:spPr>
+          <a:xfrm>
+            <a:off x="4063892" y="2428335"/>
+            <a:ext cx="888641" cy="276999"/>
+          </a:xfrm>
+          <a:prstGeom prst="rect">
+            <a:avLst/>
+          </a:prstGeom>
+          <a:noFill/>
+        </p:spPr>
+        <p:txBody>
+          <a:bodyPr wrap="none" lIns="0" tIns="0" rIns="0" bIns="0" rtlCol="0">
+            <a:spAutoFit/>
+          </a:bodyPr>
+          <a:lstStyle/>
+          <a:p>
+            <a:r>
+              <a:rPr lang="en-US" spc="-70" dirty="0" smtClean="0"/>
+              <a:t>App Web</a:t>
+            </a:r>
+          </a:p>
+        </p:txBody>
+      </p:sp>
+      <p:sp>
+        <p:nvSpPr>
+          <p:cNvPr id="18" name="TextBox 17"/>
+          <p:cNvSpPr txBox="1"/>
+          <p:nvPr/>
+        </p:nvSpPr>
+        <p:spPr>
+          <a:xfrm>
+            <a:off x="4019710" y="4795127"/>
+            <a:ext cx="1791581" cy="276999"/>
+          </a:xfrm>
+          <a:prstGeom prst="rect">
+            <a:avLst/>
+          </a:prstGeom>
+          <a:noFill/>
+        </p:spPr>
+        <p:txBody>
+          <a:bodyPr wrap="none" lIns="0" tIns="0" rIns="0" bIns="0" rtlCol="0">
+            <a:spAutoFit/>
+          </a:bodyPr>
+          <a:lstStyle/>
+          <a:p>
+            <a:r>
+              <a:rPr lang="en-US" spc="-70" dirty="0" smtClean="0"/>
+              <a:t>AppWebProxy.aspx</a:t>
+            </a:r>
+          </a:p>
+        </p:txBody>
+      </p:sp>
+      <p:cxnSp>
+        <p:nvCxnSpPr>
+          <p:cNvPr id="20" name="Elbow Connector 19"/>
+          <p:cNvCxnSpPr>
+            <a:stCxn id="10" idx="0"/>
+            <a:endCxn id="7" idx="2"/>
+          </p:cNvCxnSpPr>
+          <p:nvPr/>
+        </p:nvCxnSpPr>
+        <p:spPr>
+          <a:xfrm rot="5400000" flipH="1" flipV="1">
+            <a:off x="5039404" y="3728934"/>
+            <a:ext cx="788135" cy="1035939"/>
+          </a:xfrm>
+          <a:prstGeom prst="bentConnector3">
+            <a:avLst>
+              <a:gd name="adj1" fmla="val 50000"/>
+            </a:avLst>
+          </a:prstGeom>
+          <a:ln w="19050">
+            <a:solidFill>
+              <a:schemeClr val="tx1"/>
+            </a:solidFill>
+            <a:headEnd type="none"/>
+            <a:tailEnd type="triangle"/>
+          </a:ln>
+        </p:spPr>
+        <p:style>
+          <a:lnRef idx="1">
+            <a:schemeClr val="accent1"/>
+          </a:lnRef>
+          <a:fillRef idx="0">
+            <a:schemeClr val="accent1"/>
+          </a:fillRef>
+          <a:effectRef idx="0">
+            <a:schemeClr val="accent1"/>
+          </a:effectRef>
+          <a:fontRef idx="minor">
+            <a:schemeClr val="tx1"/>
+          </a:fontRef>
+        </p:style>
+      </p:cxnSp>
+      <p:sp>
+        <p:nvSpPr>
+          <p:cNvPr id="23" name="Up Arrow 22"/>
+          <p:cNvSpPr/>
+          <p:nvPr/>
+        </p:nvSpPr>
+        <p:spPr bwMode="auto">
+          <a:xfrm>
+            <a:off x="6893790" y="4267066"/>
+            <a:ext cx="250249" cy="356717"/>
+          </a:xfrm>
+          <a:prstGeom prst="upArrow">
+            <a:avLst/>
+          </a:prstGeom>
+          <a:solidFill>
+            <a:schemeClr val="tx1"/>
+          </a:solidFill>
+          <a:ln>
+            <a:noFill/>
+            <a:headEnd type="none" w="med" len="med"/>
+            <a:tailEnd type="none" w="med" len="med"/>
+          </a:ln>
+          <a:effectLst/>
+        </p:spPr>
+        <p:style>
+          <a:lnRef idx="1">
+            <a:schemeClr val="accent2"/>
+          </a:lnRef>
+          <a:fillRef idx="3">
+            <a:schemeClr val="accent2"/>
+          </a:fillRef>
+          <a:effectRef idx="2">
+            <a:schemeClr val="accent2"/>
+          </a:effectRef>
+          <a:fontRef idx="minor">
+            <a:schemeClr val="lt1"/>
+          </a:fontRef>
+        </p:style>
+        <p:txBody>
+          <a:bodyPr rot="0" spcFirstLastPara="0" vertOverflow="overflow" horzOverflow="overflow" vert="horz" wrap="square" lIns="45720" tIns="45720" rIns="45720" bIns="45720" numCol="1" spcCol="0" rtlCol="0" fromWordArt="0" anchor="ctr" anchorCtr="0" forceAA="0" compatLnSpc="1">
+            <a:prstTxWarp prst="textNoShape">
+              <a:avLst/>
+            </a:prstTxWarp>
+            <a:noAutofit/>
+          </a:bodyPr>
+          <a:lstStyle/>
+          <a:p>
+            <a:pPr algn="ctr" defTabSz="914099" fontAlgn="base">
+              <a:spcBef>
+                <a:spcPct val="0"/>
+              </a:spcBef>
+              <a:spcAft>
+                <a:spcPct val="0"/>
+              </a:spcAft>
+            </a:pPr>
+            <a:endParaRPr lang="en-US" sz="2200" dirty="0" smtClean="0">
+              <a:gradFill>
+                <a:gsLst>
+                  <a:gs pos="0">
+                    <a:srgbClr val="FFFFFF"/>
+                  </a:gs>
+                  <a:gs pos="100000">
+                    <a:srgbClr val="FFFFFF"/>
+                  </a:gs>
+                </a:gsLst>
+                <a:lin ang="5400000" scaled="0"/>
+              </a:gradFill>
+              <a:ea typeface="Segoe UI" pitchFamily="34" charset="0"/>
+              <a:cs typeface="Segoe UI" pitchFamily="34" charset="0"/>
+            </a:endParaRPr>
+          </a:p>
+        </p:txBody>
+      </p:sp>
+      <p:sp>
+        <p:nvSpPr>
+          <p:cNvPr id="33" name="Rounded Rectangle 32"/>
+          <p:cNvSpPr/>
+          <p:nvPr/>
+        </p:nvSpPr>
+        <p:spPr bwMode="auto">
+          <a:xfrm>
+            <a:off x="3930086" y="1358888"/>
+            <a:ext cx="4130790" cy="723410"/>
+          </a:xfrm>
+          <a:prstGeom prst="roundRect">
+            <a:avLst/>
+          </a:prstGeom>
+          <a:solidFill>
+            <a:schemeClr val="accent3">
+              <a:lumMod val="60000"/>
+              <a:lumOff val="40000"/>
+            </a:schemeClr>
+          </a:solidFill>
+          <a:ln>
+            <a:noFill/>
+            <a:headEnd type="none" w="med" len="med"/>
+            <a:tailEnd type="none" w="med" len="med"/>
+          </a:ln>
+          <a:effectLst/>
+        </p:spPr>
+        <p:style>
+          <a:lnRef idx="1">
+            <a:schemeClr val="accent2"/>
+          </a:lnRef>
+          <a:fillRef idx="3">
+            <a:schemeClr val="accent2"/>
+          </a:fillRef>
+          <a:effectRef idx="2">
+            <a:schemeClr val="accent2"/>
+          </a:effectRef>
+          <a:fontRef idx="minor">
+            <a:schemeClr val="lt1"/>
+          </a:fontRef>
+        </p:style>
+        <p:txBody>
+          <a:bodyPr rot="0" spcFirstLastPara="0" vertOverflow="overflow" horzOverflow="overflow" vert="horz" wrap="square" lIns="45720" tIns="45720" rIns="45720" bIns="45720" numCol="1" spcCol="0" rtlCol="0" fromWordArt="0" anchor="ctr" anchorCtr="0" forceAA="0" compatLnSpc="1">
+            <a:prstTxWarp prst="textNoShape">
+              <a:avLst/>
+            </a:prstTxWarp>
+            <a:noAutofit/>
+          </a:bodyPr>
+          <a:lstStyle/>
+          <a:p>
+            <a:pPr algn="ctr" defTabSz="914099" fontAlgn="base">
+              <a:spcBef>
+                <a:spcPct val="0"/>
+              </a:spcBef>
+              <a:spcAft>
+                <a:spcPct val="0"/>
+              </a:spcAft>
+            </a:pPr>
+            <a:endParaRPr lang="en-US" sz="2200" dirty="0" smtClean="0">
+              <a:gradFill>
+                <a:gsLst>
+                  <a:gs pos="0">
+                    <a:srgbClr val="FFFFFF"/>
+                  </a:gs>
+                  <a:gs pos="100000">
+                    <a:srgbClr val="FFFFFF"/>
+                  </a:gs>
+                </a:gsLst>
+                <a:lin ang="5400000" scaled="0"/>
+              </a:gradFill>
+              <a:ea typeface="Segoe UI" pitchFamily="34" charset="0"/>
+              <a:cs typeface="Segoe UI" pitchFamily="34" charset="0"/>
+            </a:endParaRPr>
+          </a:p>
+        </p:txBody>
+      </p:sp>
+      <p:sp>
+        <p:nvSpPr>
+          <p:cNvPr id="34" name="TextBox 33"/>
+          <p:cNvSpPr txBox="1"/>
+          <p:nvPr/>
+        </p:nvSpPr>
+        <p:spPr>
+          <a:xfrm>
+            <a:off x="5418417" y="1529363"/>
+            <a:ext cx="932563" cy="276999"/>
+          </a:xfrm>
+          <a:prstGeom prst="rect">
+            <a:avLst/>
+          </a:prstGeom>
+          <a:noFill/>
+        </p:spPr>
+        <p:txBody>
+          <a:bodyPr wrap="none" lIns="0" tIns="0" rIns="0" bIns="0" rtlCol="0">
+            <a:spAutoFit/>
+          </a:bodyPr>
+          <a:lstStyle/>
+          <a:p>
+            <a:r>
+              <a:rPr lang="en-US" spc="-70" dirty="0" smtClean="0"/>
+              <a:t>Host Web</a:t>
+            </a:r>
+            <a:endParaRPr lang="en-US" spc="-70" dirty="0" smtClean="0"/>
+          </a:p>
+        </p:txBody>
+      </p:sp>
+      <p:sp>
+        <p:nvSpPr>
+          <p:cNvPr id="22" name="Left-Right Arrow 21"/>
+          <p:cNvSpPr/>
+          <p:nvPr/>
+        </p:nvSpPr>
+        <p:spPr bwMode="auto">
+          <a:xfrm rot="5400000">
+            <a:off x="5480693" y="2303076"/>
+            <a:ext cx="933869" cy="220718"/>
+          </a:xfrm>
+          <a:prstGeom prst="leftRightArrow">
+            <a:avLst/>
+          </a:prstGeom>
+          <a:solidFill>
+            <a:schemeClr val="tx1"/>
+          </a:solidFill>
+          <a:ln>
+            <a:noFill/>
+            <a:headEnd type="none" w="med" len="med"/>
+            <a:tailEnd type="none" w="med" len="med"/>
+          </a:ln>
+          <a:effectLst/>
+        </p:spPr>
+        <p:style>
+          <a:lnRef idx="1">
+            <a:schemeClr val="accent2"/>
+          </a:lnRef>
+          <a:fillRef idx="3">
+            <a:schemeClr val="accent2"/>
+          </a:fillRef>
+          <a:effectRef idx="2">
+            <a:schemeClr val="accent2"/>
+          </a:effectRef>
+          <a:fontRef idx="minor">
+            <a:schemeClr val="lt1"/>
+          </a:fontRef>
+        </p:style>
+        <p:txBody>
+          <a:bodyPr rot="0" spcFirstLastPara="0" vertOverflow="overflow" horzOverflow="overflow" vert="horz" wrap="square" lIns="45720" tIns="45720" rIns="45720" bIns="45720" numCol="1" spcCol="0" rtlCol="0" fromWordArt="0" anchor="ctr" anchorCtr="0" forceAA="0" compatLnSpc="1">
+            <a:prstTxWarp prst="textNoShape">
+              <a:avLst/>
+            </a:prstTxWarp>
+            <a:noAutofit/>
+          </a:bodyPr>
+          <a:lstStyle/>
+          <a:p>
+            <a:pPr algn="ctr" defTabSz="914099" fontAlgn="base">
+              <a:spcBef>
+                <a:spcPct val="0"/>
+              </a:spcBef>
+              <a:spcAft>
+                <a:spcPct val="0"/>
+              </a:spcAft>
+            </a:pPr>
+            <a:endParaRPr lang="en-US" sz="2200" dirty="0" smtClean="0">
+              <a:gradFill>
+                <a:gsLst>
+                  <a:gs pos="0">
+                    <a:srgbClr val="FFFFFF"/>
+                  </a:gs>
+                  <a:gs pos="100000">
+                    <a:srgbClr val="FFFFFF"/>
+                  </a:gs>
+                </a:gsLst>
+                <a:lin ang="5400000" scaled="0"/>
+              </a:gradFill>
+              <a:ea typeface="Segoe UI" pitchFamily="34" charset="0"/>
+              <a:cs typeface="Segoe UI" pitchFamily="34" charset="0"/>
+            </a:endParaRPr>
+          </a:p>
+        </p:txBody>
+      </p:sp>
+      <p:sp>
+        <p:nvSpPr>
+          <p:cNvPr id="39" name="Flowchart: Alternate Process 38"/>
+          <p:cNvSpPr/>
+          <p:nvPr/>
+        </p:nvSpPr>
+        <p:spPr bwMode="auto">
+          <a:xfrm>
+            <a:off x="5258969" y="2848082"/>
+            <a:ext cx="1384944" cy="411949"/>
+          </a:xfrm>
+          <a:prstGeom prst="flowChartAlternateProcess">
+            <a:avLst/>
+          </a:prstGeom>
+          <a:solidFill>
+            <a:schemeClr val="accent1">
+              <a:lumMod val="60000"/>
+              <a:lumOff val="40000"/>
+            </a:schemeClr>
+          </a:solidFill>
+          <a:ln>
+            <a:noFill/>
+            <a:headEnd type="none" w="med" len="med"/>
+            <a:tailEnd type="none" w="med" len="med"/>
+          </a:ln>
+          <a:effectLst/>
+        </p:spPr>
+        <p:style>
+          <a:lnRef idx="1">
+            <a:schemeClr val="accent2"/>
+          </a:lnRef>
+          <a:fillRef idx="3">
+            <a:schemeClr val="accent2"/>
+          </a:fillRef>
+          <a:effectRef idx="2">
+            <a:schemeClr val="accent2"/>
+          </a:effectRef>
+          <a:fontRef idx="minor">
+            <a:schemeClr val="lt1"/>
+          </a:fontRef>
+        </p:style>
+        <p:txBody>
+          <a:bodyPr rot="0" spcFirstLastPara="0" vertOverflow="overflow" horzOverflow="overflow" vert="horz" wrap="square" lIns="45720" tIns="45720" rIns="45720" bIns="45720" numCol="1" spcCol="0" rtlCol="0" fromWordArt="0" anchor="ctr" anchorCtr="0" forceAA="0" compatLnSpc="1">
+            <a:prstTxWarp prst="textNoShape">
+              <a:avLst/>
+            </a:prstTxWarp>
+            <a:noAutofit/>
+          </a:bodyPr>
+          <a:lstStyle/>
+          <a:p>
+            <a:pPr algn="ctr" defTabSz="914099" fontAlgn="base">
+              <a:spcBef>
+                <a:spcPct val="0"/>
+              </a:spcBef>
+              <a:spcAft>
+                <a:spcPct val="0"/>
+              </a:spcAft>
+            </a:pPr>
+            <a:endParaRPr lang="en-US" sz="2200" dirty="0" smtClean="0">
+              <a:gradFill>
+                <a:gsLst>
+                  <a:gs pos="0">
+                    <a:srgbClr val="FFFFFF"/>
+                  </a:gs>
+                  <a:gs pos="100000">
+                    <a:srgbClr val="FFFFFF"/>
+                  </a:gs>
+                </a:gsLst>
+                <a:lin ang="5400000" scaled="0"/>
+              </a:gradFill>
+              <a:ea typeface="Segoe UI" pitchFamily="34" charset="0"/>
+              <a:cs typeface="Segoe UI" pitchFamily="34" charset="0"/>
+            </a:endParaRPr>
+          </a:p>
+        </p:txBody>
+      </p:sp>
+      <p:sp>
+        <p:nvSpPr>
+          <p:cNvPr id="40" name="TextBox 39"/>
+          <p:cNvSpPr txBox="1"/>
+          <p:nvPr/>
+        </p:nvSpPr>
+        <p:spPr>
+          <a:xfrm>
+            <a:off x="5399116" y="3002239"/>
+            <a:ext cx="1057021" cy="169277"/>
+          </a:xfrm>
+          <a:prstGeom prst="rect">
+            <a:avLst/>
+          </a:prstGeom>
+          <a:noFill/>
+        </p:spPr>
+        <p:txBody>
+          <a:bodyPr wrap="none" lIns="0" tIns="0" rIns="0" bIns="0" rtlCol="0">
+            <a:spAutoFit/>
+          </a:bodyPr>
+          <a:lstStyle/>
+          <a:p>
+            <a:r>
+              <a:rPr lang="en-US" sz="1100" spc="-70" dirty="0" smtClean="0">
+                <a:solidFill>
+                  <a:schemeClr val="bg1">
+                    <a:lumMod val="50000"/>
+                  </a:schemeClr>
+                </a:solidFill>
+              </a:rPr>
+              <a:t>AppWebProxy.aspx</a:t>
+            </a:r>
+          </a:p>
+        </p:txBody>
+      </p:sp>
     </p:spTree>
     <p:extLst>
       <p:ext uri="{BB962C8B-B14F-4D97-AF65-F5344CB8AC3E}">
-        <p14:creationId xmlns:p14="http://schemas.microsoft.com/office/powerpoint/2010/main" val="3282804106"/>
+        <p14:creationId xmlns:p14="http://schemas.microsoft.com/office/powerpoint/2010/main" val="3269097627"/>
       </p:ext>
     </p:extLst>
   </p:cSld>
@@ -19109,7 +18793,7 @@
       </p:grpSpPr>
       <p:sp>
         <p:nvSpPr>
-          <p:cNvPr id="3" name="Title 2"/>
+          <p:cNvPr id="2" name="Title 1"/>
           <p:cNvSpPr>
             <a:spLocks noGrp="1"/>
           </p:cNvSpPr>
@@ -19124,7 +18808,7 @@
           <a:p>
             <a:r>
               <a:rPr lang="en-US" dirty="0" smtClean="0"/>
-              <a:t>Chrome Control (Declaratively)</a:t>
+              <a:t>Cross-Domain REST Calls</a:t>
             </a:r>
             <a:endParaRPr lang="en-US" dirty="0"/>
           </a:p>
@@ -19132,7 +18816,7 @@
       </p:sp>
       <p:sp>
         <p:nvSpPr>
-          <p:cNvPr id="4" name="Slide Number Placeholder 3"/>
+          <p:cNvPr id="3" name="Slide Number Placeholder 2"/>
           <p:cNvSpPr>
             <a:spLocks noGrp="1"/>
           </p:cNvSpPr>
@@ -19156,7 +18840,7 @@
       </p:sp>
       <p:pic>
         <p:nvPicPr>
-          <p:cNvPr id="6" name="Picture 5"/>
+          <p:cNvPr id="7" name="Picture 6"/>
           <p:cNvPicPr>
             <a:picLocks noChangeAspect="1"/>
           </p:cNvPicPr>
@@ -19176,18 +18860,21 @@
         </p:blipFill>
         <p:spPr>
           <a:xfrm>
-            <a:off x="982207" y="1243059"/>
-            <a:ext cx="6084637" cy="4554719"/>
+            <a:off x="1250719" y="1454521"/>
+            <a:ext cx="8132151" cy="3896412"/>
           </a:xfrm>
           <a:prstGeom prst="rect">
             <a:avLst/>
           </a:prstGeom>
+          <a:ln>
+            <a:noFill/>
+          </a:ln>
         </p:spPr>
       </p:pic>
     </p:spTree>
     <p:extLst>
       <p:ext uri="{BB962C8B-B14F-4D97-AF65-F5344CB8AC3E}">
-        <p14:creationId xmlns:p14="http://schemas.microsoft.com/office/powerpoint/2010/main" val="2328808430"/>
+        <p14:creationId xmlns:p14="http://schemas.microsoft.com/office/powerpoint/2010/main" val="2826727306"/>
       </p:ext>
     </p:extLst>
   </p:cSld>
@@ -19241,7 +18928,7 @@
           <a:p>
             <a:r>
               <a:rPr lang="en-US" dirty="0" smtClean="0"/>
-              <a:t>Chrome Control (Programmatically)</a:t>
+              <a:t>Cross-Domain CSOM Calls</a:t>
             </a:r>
             <a:endParaRPr lang="en-US" dirty="0"/>
           </a:p>
@@ -19293,18 +18980,21 @@
         </p:blipFill>
         <p:spPr>
           <a:xfrm>
-            <a:off x="1081386" y="1282389"/>
-            <a:ext cx="5770970" cy="4813834"/>
+            <a:off x="1196445" y="1429810"/>
+            <a:ext cx="7812089" cy="2052023"/>
           </a:xfrm>
           <a:prstGeom prst="rect">
             <a:avLst/>
           </a:prstGeom>
+          <a:ln>
+            <a:noFill/>
+          </a:ln>
         </p:spPr>
       </p:pic>
     </p:spTree>
     <p:extLst>
       <p:ext uri="{BB962C8B-B14F-4D97-AF65-F5344CB8AC3E}">
-        <p14:creationId xmlns:p14="http://schemas.microsoft.com/office/powerpoint/2010/main" val="2925896164"/>
+        <p14:creationId xmlns:p14="http://schemas.microsoft.com/office/powerpoint/2010/main" val="125047627"/>
       </p:ext>
     </p:extLst>
   </p:cSld>
@@ -19358,7 +19048,11 @@
           <a:p>
             <a:r>
               <a:rPr lang="en-US" dirty="0" smtClean="0"/>
-              <a:t>The Chrome Control</a:t>
+              <a:t>CRUD operations </a:t>
+            </a:r>
+            <a:r>
+              <a:rPr lang="en-US" dirty="0" smtClean="0"/>
+              <a:t>against the host web</a:t>
             </a:r>
             <a:endParaRPr lang="en-US" dirty="0"/>
           </a:p>
@@ -19393,7 +19087,7 @@
     </p:spTree>
     <p:extLst>
       <p:ext uri="{BB962C8B-B14F-4D97-AF65-F5344CB8AC3E}">
-        <p14:creationId xmlns:p14="http://schemas.microsoft.com/office/powerpoint/2010/main" val="2074332500"/>
+        <p14:creationId xmlns:p14="http://schemas.microsoft.com/office/powerpoint/2010/main" val="1012438977"/>
       </p:ext>
     </p:extLst>
   </p:cSld>
@@ -19447,7 +19141,7 @@
           <a:p>
             <a:r>
               <a:rPr lang="en-US" dirty="0" smtClean="0"/>
-              <a:t>Remote Event Receivers</a:t>
+              <a:t>App Parts</a:t>
             </a:r>
             <a:endParaRPr lang="en-US" dirty="0"/>
           </a:p>
@@ -19476,7 +19170,7 @@
     </p:spTree>
     <p:extLst>
       <p:ext uri="{BB962C8B-B14F-4D97-AF65-F5344CB8AC3E}">
-        <p14:creationId xmlns:p14="http://schemas.microsoft.com/office/powerpoint/2010/main" val="45870958"/>
+        <p14:creationId xmlns:p14="http://schemas.microsoft.com/office/powerpoint/2010/main" val="2489371940"/>
       </p:ext>
     </p:extLst>
   </p:cSld>
@@ -19525,8 +19219,8 @@
         </p:nvSpPr>
         <p:spPr>
           <a:xfrm>
-            <a:off x="519112" y="1212147"/>
-            <a:ext cx="11149013" cy="5187410"/>
+            <a:off x="519112" y="1447798"/>
+            <a:ext cx="11149013" cy="4794957"/>
           </a:xfrm>
         </p:spPr>
         <p:txBody>
@@ -19535,83 +19229,33 @@
           <a:p>
             <a:r>
               <a:rPr lang="en-US" dirty="0" smtClean="0"/>
-              <a:t>Event Handler code runs in remote web</a:t>
+              <a:t>Allow functionality to be added to pages in the host web in a manner similar to web parts</a:t>
             </a:r>
           </a:p>
           <a:p>
             <a:r>
               <a:rPr lang="en-US" dirty="0" smtClean="0"/>
-              <a:t>Deployed as web service in remote web</a:t>
-            </a:r>
-          </a:p>
-          <a:p>
+              <a:t>App part is rendered through an </a:t>
+            </a:r>
+            <a:r>
+              <a:rPr lang="en-US" dirty="0" err="1" smtClean="0"/>
+              <a:t>IFrame</a:t>
+            </a:r>
             <a:r>
               <a:rPr lang="en-US" dirty="0" smtClean="0"/>
-              <a:t>Two-way events</a:t>
-            </a:r>
-          </a:p>
-          <a:p>
-            <a:pPr lvl="1"/>
+              <a:t> on the host web</a:t>
+            </a:r>
+          </a:p>
+          <a:p>
             <a:r>
               <a:rPr lang="en-US" dirty="0" smtClean="0"/>
-              <a:t>“Before” events (</a:t>
-            </a:r>
-            <a:r>
-              <a:rPr lang="en-US" dirty="0" err="1" smtClean="0"/>
-              <a:t>a.k.a</a:t>
-            </a:r>
+              <a:t>App part is defined using the Client Web Part</a:t>
+            </a:r>
+          </a:p>
+          <a:p>
             <a:r>
               <a:rPr lang="en-US" dirty="0" smtClean="0"/>
-              <a:t>, “ING” events)</a:t>
-            </a:r>
-          </a:p>
-          <a:p>
-            <a:pPr lvl="1"/>
-            <a:r>
-              <a:rPr lang="en-US" dirty="0" smtClean="0"/>
-              <a:t>Synchronous call</a:t>
-            </a:r>
-          </a:p>
-          <a:p>
-            <a:pPr lvl="1"/>
-            <a:r>
-              <a:rPr lang="en-US" dirty="0" smtClean="0"/>
-              <a:t>Supports a return value</a:t>
-            </a:r>
-          </a:p>
-          <a:p>
-            <a:r>
-              <a:rPr lang="en-US" dirty="0" smtClean="0"/>
-              <a:t>One-way events</a:t>
-            </a:r>
-          </a:p>
-          <a:p>
-            <a:pPr lvl="1"/>
-            <a:r>
-              <a:rPr lang="en-US" dirty="0" smtClean="0"/>
-              <a:t>“After” events (</a:t>
-            </a:r>
-            <a:r>
-              <a:rPr lang="en-US" dirty="0" err="1" smtClean="0"/>
-              <a:t>a.k.a</a:t>
-            </a:r>
-            <a:r>
-              <a:rPr lang="en-US" dirty="0" smtClean="0"/>
-              <a:t>, “ED” events)</a:t>
-            </a:r>
-          </a:p>
-          <a:p>
-            <a:pPr lvl="1"/>
-            <a:r>
-              <a:rPr lang="en-US" dirty="0" smtClean="0"/>
-              <a:t>Asynchronous call</a:t>
-            </a:r>
-          </a:p>
-          <a:p>
-            <a:pPr lvl="1"/>
-            <a:r>
-              <a:rPr lang="en-US" dirty="0" smtClean="0"/>
-              <a:t>No return value</a:t>
+              <a:t>Supported in both SharePoint-hosted and Provider-hosted apps</a:t>
             </a:r>
             <a:endParaRPr lang="en-US" dirty="0"/>
           </a:p>
@@ -19634,7 +19278,7 @@
           <a:p>
             <a:r>
               <a:rPr lang="en-US" dirty="0" smtClean="0"/>
-              <a:t>Remote Event Handlers</a:t>
+              <a:t>App Parts</a:t>
             </a:r>
             <a:endParaRPr lang="en-US" dirty="0"/>
           </a:p>
@@ -19667,7 +19311,7 @@
     </p:spTree>
     <p:extLst>
       <p:ext uri="{BB962C8B-B14F-4D97-AF65-F5344CB8AC3E}">
-        <p14:creationId xmlns:p14="http://schemas.microsoft.com/office/powerpoint/2010/main" val="1561279109"/>
+        <p14:creationId xmlns:p14="http://schemas.microsoft.com/office/powerpoint/2010/main" val="4232234099"/>
       </p:ext>
     </p:extLst>
   </p:cSld>
@@ -19677,13 +19321,6 @@
   <p:transition>
     <p:fade/>
   </p:transition>
-  <p:timing>
-    <p:tnLst>
-      <p:par>
-        <p:cTn id="1" dur="indefinite" restart="never" nodeType="tmRoot"/>
-      </p:par>
-    </p:tnLst>
-  </p:timing>
 </p:sld>
 </file>
 
@@ -19706,22 +19343,38 @@
       </p:grpSpPr>
       <p:sp>
         <p:nvSpPr>
-          <p:cNvPr id="2" name="Title 1"/>
-          <p:cNvSpPr>
-            <a:spLocks noGrp="1"/>
-          </p:cNvSpPr>
-          <p:nvPr>
-            <p:ph type="title"/>
-          </p:nvPr>
-        </p:nvSpPr>
-        <p:spPr/>
+          <p:cNvPr id="2" name="Text Placeholder 1"/>
+          <p:cNvSpPr>
+            <a:spLocks noGrp="1"/>
+          </p:cNvSpPr>
+          <p:nvPr>
+            <p:ph type="body" sz="quarter" idx="10"/>
+          </p:nvPr>
+        </p:nvSpPr>
+        <p:spPr>
+          <a:xfrm>
+            <a:off x="519112" y="1447799"/>
+            <a:ext cx="11149013" cy="4715934"/>
+          </a:xfrm>
+        </p:spPr>
         <p:txBody>
           <a:bodyPr/>
           <a:lstStyle/>
           <a:p>
             <a:r>
               <a:rPr lang="en-US" dirty="0" smtClean="0"/>
-              <a:t>Supported Events</a:t>
+              <a:t>References the page that should display in the </a:t>
+            </a:r>
+            <a:r>
+              <a:rPr lang="en-US" dirty="0" err="1" smtClean="0"/>
+              <a:t>Iframe</a:t>
+            </a:r>
+            <a:endParaRPr lang="en-US" dirty="0" smtClean="0"/>
+          </a:p>
+          <a:p>
+            <a:r>
+              <a:rPr lang="en-US" dirty="0" smtClean="0"/>
+              <a:t>Supports the creation of properties that appear in the property pane when the app part is added to a page in the host web</a:t>
             </a:r>
             <a:endParaRPr lang="en-US" dirty="0"/>
           </a:p>
@@ -19729,7 +19382,30 @@
       </p:sp>
       <p:sp>
         <p:nvSpPr>
-          <p:cNvPr id="3" name="Slide Number Placeholder 2"/>
+          <p:cNvPr id="3" name="Title 2"/>
+          <p:cNvSpPr>
+            <a:spLocks noGrp="1"/>
+          </p:cNvSpPr>
+          <p:nvPr>
+            <p:ph type="title"/>
+          </p:nvPr>
+        </p:nvSpPr>
+        <p:spPr/>
+        <p:txBody>
+          <a:bodyPr/>
+          <a:lstStyle/>
+          <a:p>
+            <a:r>
+              <a:rPr lang="en-US" dirty="0" smtClean="0"/>
+              <a:t>Client Web Part</a:t>
+            </a:r>
+            <a:endParaRPr lang="en-US" dirty="0"/>
+          </a:p>
+        </p:txBody>
+      </p:sp>
+      <p:sp>
+        <p:nvSpPr>
+          <p:cNvPr id="4" name="Slide Number Placeholder 3"/>
           <p:cNvSpPr>
             <a:spLocks noGrp="1"/>
           </p:cNvSpPr>
@@ -19751,1014 +19427,10 @@
           </a:p>
         </p:txBody>
       </p:sp>
-      <p:graphicFrame>
-        <p:nvGraphicFramePr>
-          <p:cNvPr id="4" name="Table 3"/>
-          <p:cNvGraphicFramePr>
-            <a:graphicFrameLocks noGrp="1"/>
-          </p:cNvGraphicFramePr>
-          <p:nvPr>
-            <p:extLst>
-              <p:ext uri="{D42A27DB-BD31-4B8C-83A1-F6EECF244321}">
-                <p14:modId xmlns:p14="http://schemas.microsoft.com/office/powerpoint/2010/main" val="2889867390"/>
-              </p:ext>
-            </p:extLst>
-          </p:nvPr>
-        </p:nvGraphicFramePr>
-        <p:xfrm>
-          <a:off x="1860317" y="1205794"/>
-          <a:ext cx="7622351" cy="5090160"/>
-        </p:xfrm>
-        <a:graphic>
-          <a:graphicData uri="http://schemas.openxmlformats.org/drawingml/2006/table">
-            <a:tbl>
-              <a:tblPr firstRow="1" bandRow="1">
-                <a:tableStyleId>{5C22544A-7EE6-4342-B048-85BDC9FD1C3A}</a:tableStyleId>
-              </a:tblPr>
-              <a:tblGrid>
-                <a:gridCol w="2484456"/>
-                <a:gridCol w="1043297"/>
-                <a:gridCol w="932793"/>
-                <a:gridCol w="1049678"/>
-                <a:gridCol w="971949"/>
-                <a:gridCol w="1140178"/>
-              </a:tblGrid>
-              <a:tr h="370840">
-                <a:tc>
-                  <a:txBody>
-                    <a:bodyPr/>
-                    <a:lstStyle/>
-                    <a:p>
-                      <a:endParaRPr lang="en-US" dirty="0"/>
-                    </a:p>
-                  </a:txBody>
-                  <a:tcPr/>
-                </a:tc>
-                <a:tc>
-                  <a:txBody>
-                    <a:bodyPr/>
-                    <a:lstStyle/>
-                    <a:p>
-                      <a:r>
-                        <a:rPr lang="en-US" dirty="0" smtClean="0"/>
-                        <a:t>Site</a:t>
-                      </a:r>
-                      <a:endParaRPr lang="en-US" dirty="0"/>
-                    </a:p>
-                  </a:txBody>
-                  <a:tcPr/>
-                </a:tc>
-                <a:tc>
-                  <a:txBody>
-                    <a:bodyPr/>
-                    <a:lstStyle/>
-                    <a:p>
-                      <a:r>
-                        <a:rPr lang="en-US" dirty="0" smtClean="0"/>
-                        <a:t>List</a:t>
-                      </a:r>
-                      <a:endParaRPr lang="en-US" dirty="0"/>
-                    </a:p>
-                  </a:txBody>
-                  <a:tcPr/>
-                </a:tc>
-                <a:tc>
-                  <a:txBody>
-                    <a:bodyPr/>
-                    <a:lstStyle/>
-                    <a:p>
-                      <a:r>
-                        <a:rPr lang="en-US" dirty="0" smtClean="0"/>
-                        <a:t>List </a:t>
-                      </a:r>
-                      <a:br>
-                        <a:rPr lang="en-US" dirty="0" smtClean="0"/>
-                      </a:br>
-                      <a:r>
-                        <a:rPr lang="en-US" dirty="0" smtClean="0"/>
-                        <a:t>Schema</a:t>
-                      </a:r>
-                      <a:endParaRPr lang="en-US" dirty="0"/>
-                    </a:p>
-                  </a:txBody>
-                  <a:tcPr/>
-                </a:tc>
-                <a:tc>
-                  <a:txBody>
-                    <a:bodyPr/>
-                    <a:lstStyle/>
-                    <a:p>
-                      <a:r>
-                        <a:rPr lang="en-US" dirty="0" smtClean="0"/>
-                        <a:t>List</a:t>
-                      </a:r>
-                      <a:br>
-                        <a:rPr lang="en-US" dirty="0" smtClean="0"/>
-                      </a:br>
-                      <a:r>
-                        <a:rPr lang="en-US" dirty="0" smtClean="0"/>
-                        <a:t>Item</a:t>
-                      </a:r>
-                      <a:endParaRPr lang="en-US" dirty="0"/>
-                    </a:p>
-                  </a:txBody>
-                  <a:tcPr/>
-                </a:tc>
-                <a:tc>
-                  <a:txBody>
-                    <a:bodyPr/>
-                    <a:lstStyle/>
-                    <a:p>
-                      <a:r>
-                        <a:rPr lang="en-US" dirty="0" smtClean="0"/>
-                        <a:t>App</a:t>
-                      </a:r>
-                      <a:endParaRPr lang="en-US" dirty="0"/>
-                    </a:p>
-                  </a:txBody>
-                  <a:tcPr/>
-                </a:tc>
-              </a:tr>
-              <a:tr h="370840">
-                <a:tc>
-                  <a:txBody>
-                    <a:bodyPr/>
-                    <a:lstStyle/>
-                    <a:p>
-                      <a:r>
-                        <a:rPr lang="en-US" dirty="0" smtClean="0"/>
-                        <a:t>Create</a:t>
-                      </a:r>
-                      <a:endParaRPr lang="en-US" dirty="0"/>
-                    </a:p>
-                  </a:txBody>
-                  <a:tcPr/>
-                </a:tc>
-                <a:tc>
-                  <a:txBody>
-                    <a:bodyPr/>
-                    <a:lstStyle/>
-                    <a:p>
-                      <a:r>
-                        <a:rPr lang="en-US" dirty="0" smtClean="0"/>
-                        <a:t>X</a:t>
-                      </a:r>
-                      <a:endParaRPr lang="en-US" dirty="0"/>
-                    </a:p>
-                  </a:txBody>
-                  <a:tcPr/>
-                </a:tc>
-                <a:tc>
-                  <a:txBody>
-                    <a:bodyPr/>
-                    <a:lstStyle/>
-                    <a:p>
-                      <a:r>
-                        <a:rPr lang="en-US" dirty="0" smtClean="0"/>
-                        <a:t>X</a:t>
-                      </a:r>
-                      <a:endParaRPr lang="en-US" dirty="0"/>
-                    </a:p>
-                  </a:txBody>
-                  <a:tcPr/>
-                </a:tc>
-                <a:tc>
-                  <a:txBody>
-                    <a:bodyPr/>
-                    <a:lstStyle/>
-                    <a:p>
-                      <a:r>
-                        <a:rPr lang="en-US" dirty="0" smtClean="0"/>
-                        <a:t>X</a:t>
-                      </a:r>
-                      <a:endParaRPr lang="en-US" dirty="0"/>
-                    </a:p>
-                  </a:txBody>
-                  <a:tcPr/>
-                </a:tc>
-                <a:tc>
-                  <a:txBody>
-                    <a:bodyPr/>
-                    <a:lstStyle/>
-                    <a:p>
-                      <a:r>
-                        <a:rPr lang="en-US" dirty="0" smtClean="0"/>
-                        <a:t>X</a:t>
-                      </a:r>
-                      <a:endParaRPr lang="en-US" dirty="0"/>
-                    </a:p>
-                  </a:txBody>
-                  <a:tcPr/>
-                </a:tc>
-                <a:tc>
-                  <a:txBody>
-                    <a:bodyPr/>
-                    <a:lstStyle/>
-                    <a:p>
-                      <a:endParaRPr lang="en-US" dirty="0"/>
-                    </a:p>
-                  </a:txBody>
-                  <a:tcPr/>
-                </a:tc>
-              </a:tr>
-              <a:tr h="370840">
-                <a:tc>
-                  <a:txBody>
-                    <a:bodyPr/>
-                    <a:lstStyle/>
-                    <a:p>
-                      <a:r>
-                        <a:rPr lang="en-US" dirty="0" smtClean="0"/>
-                        <a:t>Update</a:t>
-                      </a:r>
-                      <a:endParaRPr lang="en-US" dirty="0"/>
-                    </a:p>
-                  </a:txBody>
-                  <a:tcPr/>
-                </a:tc>
-                <a:tc>
-                  <a:txBody>
-                    <a:bodyPr/>
-                    <a:lstStyle/>
-                    <a:p>
-                      <a:endParaRPr lang="en-US" dirty="0"/>
-                    </a:p>
-                  </a:txBody>
-                  <a:tcPr/>
-                </a:tc>
-                <a:tc>
-                  <a:txBody>
-                    <a:bodyPr/>
-                    <a:lstStyle/>
-                    <a:p>
-                      <a:endParaRPr lang="en-US" dirty="0"/>
-                    </a:p>
-                  </a:txBody>
-                  <a:tcPr/>
-                </a:tc>
-                <a:tc>
-                  <a:txBody>
-                    <a:bodyPr/>
-                    <a:lstStyle/>
-                    <a:p>
-                      <a:r>
-                        <a:rPr lang="en-US" dirty="0" smtClean="0"/>
-                        <a:t>X</a:t>
-                      </a:r>
-                      <a:endParaRPr lang="en-US" dirty="0"/>
-                    </a:p>
-                  </a:txBody>
-                  <a:tcPr/>
-                </a:tc>
-                <a:tc>
-                  <a:txBody>
-                    <a:bodyPr/>
-                    <a:lstStyle/>
-                    <a:p>
-                      <a:r>
-                        <a:rPr lang="en-US" dirty="0" smtClean="0"/>
-                        <a:t>X</a:t>
-                      </a:r>
-                      <a:endParaRPr lang="en-US" dirty="0"/>
-                    </a:p>
-                  </a:txBody>
-                  <a:tcPr/>
-                </a:tc>
-                <a:tc>
-                  <a:txBody>
-                    <a:bodyPr/>
-                    <a:lstStyle/>
-                    <a:p>
-                      <a:endParaRPr lang="en-US" dirty="0"/>
-                    </a:p>
-                  </a:txBody>
-                  <a:tcPr/>
-                </a:tc>
-              </a:tr>
-              <a:tr h="370840">
-                <a:tc>
-                  <a:txBody>
-                    <a:bodyPr/>
-                    <a:lstStyle/>
-                    <a:p>
-                      <a:r>
-                        <a:rPr lang="en-US" dirty="0" smtClean="0"/>
-                        <a:t>Delete</a:t>
-                      </a:r>
-                      <a:endParaRPr lang="en-US" dirty="0"/>
-                    </a:p>
-                  </a:txBody>
-                  <a:tcPr/>
-                </a:tc>
-                <a:tc>
-                  <a:txBody>
-                    <a:bodyPr/>
-                    <a:lstStyle/>
-                    <a:p>
-                      <a:r>
-                        <a:rPr lang="en-US" dirty="0" smtClean="0"/>
-                        <a:t>X</a:t>
-                      </a:r>
-                      <a:endParaRPr lang="en-US" dirty="0"/>
-                    </a:p>
-                  </a:txBody>
-                  <a:tcPr/>
-                </a:tc>
-                <a:tc>
-                  <a:txBody>
-                    <a:bodyPr/>
-                    <a:lstStyle/>
-                    <a:p>
-                      <a:r>
-                        <a:rPr lang="en-US" dirty="0" smtClean="0"/>
-                        <a:t>X</a:t>
-                      </a:r>
-                      <a:endParaRPr lang="en-US" dirty="0"/>
-                    </a:p>
-                  </a:txBody>
-                  <a:tcPr/>
-                </a:tc>
-                <a:tc>
-                  <a:txBody>
-                    <a:bodyPr/>
-                    <a:lstStyle/>
-                    <a:p>
-                      <a:r>
-                        <a:rPr lang="en-US" dirty="0" smtClean="0"/>
-                        <a:t>X</a:t>
-                      </a:r>
-                      <a:endParaRPr lang="en-US" dirty="0"/>
-                    </a:p>
-                  </a:txBody>
-                  <a:tcPr/>
-                </a:tc>
-                <a:tc>
-                  <a:txBody>
-                    <a:bodyPr/>
-                    <a:lstStyle/>
-                    <a:p>
-                      <a:r>
-                        <a:rPr lang="en-US" dirty="0" smtClean="0"/>
-                        <a:t>X</a:t>
-                      </a:r>
-                      <a:endParaRPr lang="en-US" dirty="0"/>
-                    </a:p>
-                  </a:txBody>
-                  <a:tcPr/>
-                </a:tc>
-                <a:tc>
-                  <a:txBody>
-                    <a:bodyPr/>
-                    <a:lstStyle/>
-                    <a:p>
-                      <a:endParaRPr lang="en-US" dirty="0"/>
-                    </a:p>
-                  </a:txBody>
-                  <a:tcPr/>
-                </a:tc>
-              </a:tr>
-              <a:tr h="370840">
-                <a:tc>
-                  <a:txBody>
-                    <a:bodyPr/>
-                    <a:lstStyle/>
-                    <a:p>
-                      <a:r>
-                        <a:rPr lang="en-US" dirty="0" smtClean="0"/>
-                        <a:t>Move</a:t>
-                      </a:r>
-                      <a:endParaRPr lang="en-US" dirty="0"/>
-                    </a:p>
-                  </a:txBody>
-                  <a:tcPr/>
-                </a:tc>
-                <a:tc>
-                  <a:txBody>
-                    <a:bodyPr/>
-                    <a:lstStyle/>
-                    <a:p>
-                      <a:r>
-                        <a:rPr lang="en-US" dirty="0" smtClean="0"/>
-                        <a:t>X</a:t>
-                      </a:r>
-                      <a:endParaRPr lang="en-US" dirty="0"/>
-                    </a:p>
-                  </a:txBody>
-                  <a:tcPr/>
-                </a:tc>
-                <a:tc>
-                  <a:txBody>
-                    <a:bodyPr/>
-                    <a:lstStyle/>
-                    <a:p>
-                      <a:endParaRPr lang="en-US" dirty="0"/>
-                    </a:p>
-                  </a:txBody>
-                  <a:tcPr/>
-                </a:tc>
-                <a:tc>
-                  <a:txBody>
-                    <a:bodyPr/>
-                    <a:lstStyle/>
-                    <a:p>
-                      <a:endParaRPr lang="en-US" dirty="0"/>
-                    </a:p>
-                  </a:txBody>
-                  <a:tcPr/>
-                </a:tc>
-                <a:tc>
-                  <a:txBody>
-                    <a:bodyPr/>
-                    <a:lstStyle/>
-                    <a:p>
-                      <a:r>
-                        <a:rPr lang="en-US" dirty="0" smtClean="0"/>
-                        <a:t>X</a:t>
-                      </a:r>
-                      <a:endParaRPr lang="en-US" dirty="0"/>
-                    </a:p>
-                  </a:txBody>
-                  <a:tcPr/>
-                </a:tc>
-                <a:tc>
-                  <a:txBody>
-                    <a:bodyPr/>
-                    <a:lstStyle/>
-                    <a:p>
-                      <a:endParaRPr lang="en-US" dirty="0"/>
-                    </a:p>
-                  </a:txBody>
-                  <a:tcPr/>
-                </a:tc>
-              </a:tr>
-              <a:tr h="370840">
-                <a:tc>
-                  <a:txBody>
-                    <a:bodyPr/>
-                    <a:lstStyle/>
-                    <a:p>
-                      <a:r>
-                        <a:rPr lang="en-US" dirty="0" smtClean="0"/>
-                        <a:t>Check-In</a:t>
-                      </a:r>
-                      <a:endParaRPr lang="en-US" dirty="0"/>
-                    </a:p>
-                  </a:txBody>
-                  <a:tcPr/>
-                </a:tc>
-                <a:tc>
-                  <a:txBody>
-                    <a:bodyPr/>
-                    <a:lstStyle/>
-                    <a:p>
-                      <a:endParaRPr lang="en-US" dirty="0"/>
-                    </a:p>
-                  </a:txBody>
-                  <a:tcPr/>
-                </a:tc>
-                <a:tc>
-                  <a:txBody>
-                    <a:bodyPr/>
-                    <a:lstStyle/>
-                    <a:p>
-                      <a:endParaRPr lang="en-US" dirty="0"/>
-                    </a:p>
-                  </a:txBody>
-                  <a:tcPr/>
-                </a:tc>
-                <a:tc>
-                  <a:txBody>
-                    <a:bodyPr/>
-                    <a:lstStyle/>
-                    <a:p>
-                      <a:endParaRPr lang="en-US" dirty="0"/>
-                    </a:p>
-                  </a:txBody>
-                  <a:tcPr/>
-                </a:tc>
-                <a:tc>
-                  <a:txBody>
-                    <a:bodyPr/>
-                    <a:lstStyle/>
-                    <a:p>
-                      <a:r>
-                        <a:rPr lang="en-US" dirty="0" smtClean="0"/>
-                        <a:t>X</a:t>
-                      </a:r>
-                      <a:endParaRPr lang="en-US" dirty="0"/>
-                    </a:p>
-                  </a:txBody>
-                  <a:tcPr/>
-                </a:tc>
-                <a:tc>
-                  <a:txBody>
-                    <a:bodyPr/>
-                    <a:lstStyle/>
-                    <a:p>
-                      <a:endParaRPr lang="en-US" dirty="0"/>
-                    </a:p>
-                  </a:txBody>
-                  <a:tcPr/>
-                </a:tc>
-              </a:tr>
-              <a:tr h="370840">
-                <a:tc>
-                  <a:txBody>
-                    <a:bodyPr/>
-                    <a:lstStyle/>
-                    <a:p>
-                      <a:r>
-                        <a:rPr lang="en-US" dirty="0" smtClean="0"/>
-                        <a:t>Uncheck-In</a:t>
-                      </a:r>
-                      <a:endParaRPr lang="en-US" dirty="0"/>
-                    </a:p>
-                  </a:txBody>
-                  <a:tcPr/>
-                </a:tc>
-                <a:tc>
-                  <a:txBody>
-                    <a:bodyPr/>
-                    <a:lstStyle/>
-                    <a:p>
-                      <a:endParaRPr lang="en-US" dirty="0"/>
-                    </a:p>
-                  </a:txBody>
-                  <a:tcPr/>
-                </a:tc>
-                <a:tc>
-                  <a:txBody>
-                    <a:bodyPr/>
-                    <a:lstStyle/>
-                    <a:p>
-                      <a:endParaRPr lang="en-US" dirty="0"/>
-                    </a:p>
-                  </a:txBody>
-                  <a:tcPr/>
-                </a:tc>
-                <a:tc>
-                  <a:txBody>
-                    <a:bodyPr/>
-                    <a:lstStyle/>
-                    <a:p>
-                      <a:endParaRPr lang="en-US" dirty="0"/>
-                    </a:p>
-                  </a:txBody>
-                  <a:tcPr/>
-                </a:tc>
-                <a:tc>
-                  <a:txBody>
-                    <a:bodyPr/>
-                    <a:lstStyle/>
-                    <a:p>
-                      <a:r>
-                        <a:rPr lang="en-US" dirty="0" smtClean="0"/>
-                        <a:t>X</a:t>
-                      </a:r>
-                      <a:endParaRPr lang="en-US" dirty="0"/>
-                    </a:p>
-                  </a:txBody>
-                  <a:tcPr/>
-                </a:tc>
-                <a:tc>
-                  <a:txBody>
-                    <a:bodyPr/>
-                    <a:lstStyle/>
-                    <a:p>
-                      <a:endParaRPr lang="en-US" dirty="0"/>
-                    </a:p>
-                  </a:txBody>
-                  <a:tcPr/>
-                </a:tc>
-              </a:tr>
-              <a:tr h="370840">
-                <a:tc>
-                  <a:txBody>
-                    <a:bodyPr/>
-                    <a:lstStyle/>
-                    <a:p>
-                      <a:r>
-                        <a:rPr lang="en-US" dirty="0" smtClean="0"/>
-                        <a:t>Check-out</a:t>
-                      </a:r>
-                      <a:endParaRPr lang="en-US" dirty="0"/>
-                    </a:p>
-                  </a:txBody>
-                  <a:tcPr/>
-                </a:tc>
-                <a:tc>
-                  <a:txBody>
-                    <a:bodyPr/>
-                    <a:lstStyle/>
-                    <a:p>
-                      <a:endParaRPr lang="en-US" dirty="0"/>
-                    </a:p>
-                  </a:txBody>
-                  <a:tcPr/>
-                </a:tc>
-                <a:tc>
-                  <a:txBody>
-                    <a:bodyPr/>
-                    <a:lstStyle/>
-                    <a:p>
-                      <a:endParaRPr lang="en-US" dirty="0"/>
-                    </a:p>
-                  </a:txBody>
-                  <a:tcPr/>
-                </a:tc>
-                <a:tc>
-                  <a:txBody>
-                    <a:bodyPr/>
-                    <a:lstStyle/>
-                    <a:p>
-                      <a:endParaRPr lang="en-US" dirty="0"/>
-                    </a:p>
-                  </a:txBody>
-                  <a:tcPr/>
-                </a:tc>
-                <a:tc>
-                  <a:txBody>
-                    <a:bodyPr/>
-                    <a:lstStyle/>
-                    <a:p>
-                      <a:r>
-                        <a:rPr lang="en-US" dirty="0" smtClean="0"/>
-                        <a:t>X</a:t>
-                      </a:r>
-                      <a:endParaRPr lang="en-US" dirty="0"/>
-                    </a:p>
-                  </a:txBody>
-                  <a:tcPr/>
-                </a:tc>
-                <a:tc>
-                  <a:txBody>
-                    <a:bodyPr/>
-                    <a:lstStyle/>
-                    <a:p>
-                      <a:endParaRPr lang="en-US" dirty="0"/>
-                    </a:p>
-                  </a:txBody>
-                  <a:tcPr/>
-                </a:tc>
-              </a:tr>
-              <a:tr h="370840">
-                <a:tc>
-                  <a:txBody>
-                    <a:bodyPr/>
-                    <a:lstStyle/>
-                    <a:p>
-                      <a:r>
-                        <a:rPr lang="en-US" dirty="0" smtClean="0"/>
-                        <a:t>Attachments</a:t>
-                      </a:r>
-                      <a:endParaRPr lang="en-US" dirty="0"/>
-                    </a:p>
-                  </a:txBody>
-                  <a:tcPr/>
-                </a:tc>
-                <a:tc>
-                  <a:txBody>
-                    <a:bodyPr/>
-                    <a:lstStyle/>
-                    <a:p>
-                      <a:endParaRPr lang="en-US" dirty="0"/>
-                    </a:p>
-                  </a:txBody>
-                  <a:tcPr/>
-                </a:tc>
-                <a:tc>
-                  <a:txBody>
-                    <a:bodyPr/>
-                    <a:lstStyle/>
-                    <a:p>
-                      <a:endParaRPr lang="en-US" dirty="0"/>
-                    </a:p>
-                  </a:txBody>
-                  <a:tcPr/>
-                </a:tc>
-                <a:tc>
-                  <a:txBody>
-                    <a:bodyPr/>
-                    <a:lstStyle/>
-                    <a:p>
-                      <a:endParaRPr lang="en-US" dirty="0"/>
-                    </a:p>
-                  </a:txBody>
-                  <a:tcPr/>
-                </a:tc>
-                <a:tc>
-                  <a:txBody>
-                    <a:bodyPr/>
-                    <a:lstStyle/>
-                    <a:p>
-                      <a:r>
-                        <a:rPr lang="en-US" dirty="0" smtClean="0"/>
-                        <a:t>X</a:t>
-                      </a:r>
-                      <a:endParaRPr lang="en-US" dirty="0"/>
-                    </a:p>
-                  </a:txBody>
-                  <a:tcPr/>
-                </a:tc>
-                <a:tc>
-                  <a:txBody>
-                    <a:bodyPr/>
-                    <a:lstStyle/>
-                    <a:p>
-                      <a:endParaRPr lang="en-US" dirty="0"/>
-                    </a:p>
-                  </a:txBody>
-                  <a:tcPr/>
-                </a:tc>
-              </a:tr>
-              <a:tr h="370840">
-                <a:tc>
-                  <a:txBody>
-                    <a:bodyPr/>
-                    <a:lstStyle/>
-                    <a:p>
-                      <a:r>
-                        <a:rPr lang="en-US" dirty="0" smtClean="0"/>
-                        <a:t>File Move/Convert</a:t>
-                      </a:r>
-                      <a:endParaRPr lang="en-US" dirty="0"/>
-                    </a:p>
-                  </a:txBody>
-                  <a:tcPr/>
-                </a:tc>
-                <a:tc>
-                  <a:txBody>
-                    <a:bodyPr/>
-                    <a:lstStyle/>
-                    <a:p>
-                      <a:endParaRPr lang="en-US" dirty="0"/>
-                    </a:p>
-                  </a:txBody>
-                  <a:tcPr/>
-                </a:tc>
-                <a:tc>
-                  <a:txBody>
-                    <a:bodyPr/>
-                    <a:lstStyle/>
-                    <a:p>
-                      <a:endParaRPr lang="en-US" dirty="0"/>
-                    </a:p>
-                  </a:txBody>
-                  <a:tcPr/>
-                </a:tc>
-                <a:tc>
-                  <a:txBody>
-                    <a:bodyPr/>
-                    <a:lstStyle/>
-                    <a:p>
-                      <a:endParaRPr lang="en-US" dirty="0"/>
-                    </a:p>
-                  </a:txBody>
-                  <a:tcPr/>
-                </a:tc>
-                <a:tc>
-                  <a:txBody>
-                    <a:bodyPr/>
-                    <a:lstStyle/>
-                    <a:p>
-                      <a:r>
-                        <a:rPr lang="en-US" dirty="0" smtClean="0"/>
-                        <a:t>X</a:t>
-                      </a:r>
-                      <a:endParaRPr lang="en-US" dirty="0"/>
-                    </a:p>
-                  </a:txBody>
-                  <a:tcPr/>
-                </a:tc>
-                <a:tc>
-                  <a:txBody>
-                    <a:bodyPr/>
-                    <a:lstStyle/>
-                    <a:p>
-                      <a:endParaRPr lang="en-US" dirty="0"/>
-                    </a:p>
-                  </a:txBody>
-                  <a:tcPr/>
-                </a:tc>
-              </a:tr>
-              <a:tr h="370840">
-                <a:tc>
-                  <a:txBody>
-                    <a:bodyPr/>
-                    <a:lstStyle/>
-                    <a:p>
-                      <a:r>
-                        <a:rPr lang="en-US" dirty="0" smtClean="0"/>
-                        <a:t>Install</a:t>
-                      </a:r>
-                      <a:endParaRPr lang="en-US" dirty="0"/>
-                    </a:p>
-                  </a:txBody>
-                  <a:tcPr/>
-                </a:tc>
-                <a:tc>
-                  <a:txBody>
-                    <a:bodyPr/>
-                    <a:lstStyle/>
-                    <a:p>
-                      <a:endParaRPr lang="en-US" dirty="0"/>
-                    </a:p>
-                  </a:txBody>
-                  <a:tcPr/>
-                </a:tc>
-                <a:tc>
-                  <a:txBody>
-                    <a:bodyPr/>
-                    <a:lstStyle/>
-                    <a:p>
-                      <a:endParaRPr lang="en-US" dirty="0"/>
-                    </a:p>
-                  </a:txBody>
-                  <a:tcPr/>
-                </a:tc>
-                <a:tc>
-                  <a:txBody>
-                    <a:bodyPr/>
-                    <a:lstStyle/>
-                    <a:p>
-                      <a:endParaRPr lang="en-US" dirty="0"/>
-                    </a:p>
-                  </a:txBody>
-                  <a:tcPr/>
-                </a:tc>
-                <a:tc>
-                  <a:txBody>
-                    <a:bodyPr/>
-                    <a:lstStyle/>
-                    <a:p>
-                      <a:endParaRPr lang="en-US" dirty="0"/>
-                    </a:p>
-                  </a:txBody>
-                  <a:tcPr/>
-                </a:tc>
-                <a:tc>
-                  <a:txBody>
-                    <a:bodyPr/>
-                    <a:lstStyle/>
-                    <a:p>
-                      <a:r>
-                        <a:rPr lang="en-US" dirty="0" smtClean="0"/>
-                        <a:t>X</a:t>
-                      </a:r>
-                      <a:endParaRPr lang="en-US" dirty="0"/>
-                    </a:p>
-                  </a:txBody>
-                  <a:tcPr/>
-                </a:tc>
-              </a:tr>
-              <a:tr h="370840">
-                <a:tc>
-                  <a:txBody>
-                    <a:bodyPr/>
-                    <a:lstStyle/>
-                    <a:p>
-                      <a:r>
-                        <a:rPr lang="en-US" dirty="0" smtClean="0"/>
-                        <a:t>Uninstall</a:t>
-                      </a:r>
-                      <a:endParaRPr lang="en-US" dirty="0"/>
-                    </a:p>
-                  </a:txBody>
-                  <a:tcPr/>
-                </a:tc>
-                <a:tc>
-                  <a:txBody>
-                    <a:bodyPr/>
-                    <a:lstStyle/>
-                    <a:p>
-                      <a:endParaRPr lang="en-US" dirty="0"/>
-                    </a:p>
-                  </a:txBody>
-                  <a:tcPr/>
-                </a:tc>
-                <a:tc>
-                  <a:txBody>
-                    <a:bodyPr/>
-                    <a:lstStyle/>
-                    <a:p>
-                      <a:endParaRPr lang="en-US" dirty="0"/>
-                    </a:p>
-                  </a:txBody>
-                  <a:tcPr/>
-                </a:tc>
-                <a:tc>
-                  <a:txBody>
-                    <a:bodyPr/>
-                    <a:lstStyle/>
-                    <a:p>
-                      <a:endParaRPr lang="en-US" dirty="0"/>
-                    </a:p>
-                  </a:txBody>
-                  <a:tcPr/>
-                </a:tc>
-                <a:tc>
-                  <a:txBody>
-                    <a:bodyPr/>
-                    <a:lstStyle/>
-                    <a:p>
-                      <a:endParaRPr lang="en-US" dirty="0"/>
-                    </a:p>
-                  </a:txBody>
-                  <a:tcPr/>
-                </a:tc>
-                <a:tc>
-                  <a:txBody>
-                    <a:bodyPr/>
-                    <a:lstStyle/>
-                    <a:p>
-                      <a:r>
-                        <a:rPr lang="en-US" dirty="0" smtClean="0"/>
-                        <a:t>X</a:t>
-                      </a:r>
-                      <a:endParaRPr lang="en-US" dirty="0"/>
-                    </a:p>
-                  </a:txBody>
-                  <a:tcPr/>
-                </a:tc>
-              </a:tr>
-              <a:tr h="370840">
-                <a:tc>
-                  <a:txBody>
-                    <a:bodyPr/>
-                    <a:lstStyle/>
-                    <a:p>
-                      <a:r>
-                        <a:rPr lang="en-US" dirty="0" smtClean="0"/>
-                        <a:t>Update</a:t>
-                      </a:r>
-                      <a:endParaRPr lang="en-US" dirty="0"/>
-                    </a:p>
-                  </a:txBody>
-                  <a:tcPr/>
-                </a:tc>
-                <a:tc>
-                  <a:txBody>
-                    <a:bodyPr/>
-                    <a:lstStyle/>
-                    <a:p>
-                      <a:endParaRPr lang="en-US" dirty="0"/>
-                    </a:p>
-                  </a:txBody>
-                  <a:tcPr/>
-                </a:tc>
-                <a:tc>
-                  <a:txBody>
-                    <a:bodyPr/>
-                    <a:lstStyle/>
-                    <a:p>
-                      <a:endParaRPr lang="en-US" dirty="0"/>
-                    </a:p>
-                  </a:txBody>
-                  <a:tcPr/>
-                </a:tc>
-                <a:tc>
-                  <a:txBody>
-                    <a:bodyPr/>
-                    <a:lstStyle/>
-                    <a:p>
-                      <a:endParaRPr lang="en-US" dirty="0"/>
-                    </a:p>
-                  </a:txBody>
-                  <a:tcPr/>
-                </a:tc>
-                <a:tc>
-                  <a:txBody>
-                    <a:bodyPr/>
-                    <a:lstStyle/>
-                    <a:p>
-                      <a:endParaRPr lang="en-US" dirty="0"/>
-                    </a:p>
-                  </a:txBody>
-                  <a:tcPr/>
-                </a:tc>
-                <a:tc>
-                  <a:txBody>
-                    <a:bodyPr/>
-                    <a:lstStyle/>
-                    <a:p>
-                      <a:r>
-                        <a:rPr lang="en-US" dirty="0" smtClean="0"/>
-                        <a:t>X</a:t>
-                      </a:r>
-                      <a:endParaRPr lang="en-US" dirty="0"/>
-                    </a:p>
-                  </a:txBody>
-                  <a:tcPr/>
-                </a:tc>
-              </a:tr>
-            </a:tbl>
-          </a:graphicData>
-        </a:graphic>
-      </p:graphicFrame>
     </p:spTree>
     <p:extLst>
       <p:ext uri="{BB962C8B-B14F-4D97-AF65-F5344CB8AC3E}">
-        <p14:creationId xmlns:p14="http://schemas.microsoft.com/office/powerpoint/2010/main" val="2662204492"/>
+        <p14:creationId xmlns:p14="http://schemas.microsoft.com/office/powerpoint/2010/main" val="1561790300"/>
       </p:ext>
     </p:extLst>
   </p:cSld>
@@ -20768,13 +19440,6 @@
   <p:transition>
     <p:fade/>
   </p:transition>
-  <p:timing>
-    <p:tnLst>
-      <p:par>
-        <p:cTn id="1" dur="indefinite" restart="never" nodeType="tmRoot"/>
-      </p:par>
-    </p:tnLst>
-  </p:timing>
 </p:sld>
 </file>
 
@@ -20923,8 +19588,11 @@
           <a:p>
             <a:r>
               <a:rPr lang="en-US" dirty="0" smtClean="0"/>
-              <a:t>Adding a Remote Event Receiver</a:t>
-            </a:r>
+              <a:t>Client Web Part CAML</a:t>
+            </a:r>
+            <a:br>
+              <a:rPr lang="en-US" dirty="0" smtClean="0"/>
+            </a:br>
             <a:endParaRPr lang="en-US" dirty="0"/>
           </a:p>
         </p:txBody>
@@ -20956,36 +19624,6 @@
       <p:pic>
         <p:nvPicPr>
           <p:cNvPr id="4" name="Picture 3"/>
-          <p:cNvPicPr>
-            <a:picLocks noChangeAspect="1"/>
-          </p:cNvPicPr>
-          <p:nvPr/>
-        </p:nvPicPr>
-        <p:blipFill>
-          <a:blip r:embed="rId2">
-            <a:extLst>
-              <a:ext uri="{28A0092B-C50C-407E-A947-70E740481C1C}">
-                <a14:useLocalDpi xmlns:a14="http://schemas.microsoft.com/office/drawing/2010/main" val="0"/>
-              </a:ext>
-            </a:extLst>
-          </a:blip>
-          <a:stretch>
-            <a:fillRect/>
-          </a:stretch>
-        </p:blipFill>
-        <p:spPr>
-          <a:xfrm>
-            <a:off x="1081386" y="1331871"/>
-            <a:ext cx="3682525" cy="2544991"/>
-          </a:xfrm>
-          <a:prstGeom prst="rect">
-            <a:avLst/>
-          </a:prstGeom>
-        </p:spPr>
-      </p:pic>
-      <p:pic>
-        <p:nvPicPr>
-          <p:cNvPr id="5" name="Picture 4"/>
           <p:cNvPicPr>
             <a:picLocks noChangeAspect="1"/>
           </p:cNvPicPr>
@@ -21005,170 +19643,18 @@
         </p:blipFill>
         <p:spPr>
           <a:xfrm>
-            <a:off x="1081386" y="4247773"/>
-            <a:ext cx="3125736" cy="1780872"/>
+            <a:off x="1460303" y="1073363"/>
+            <a:ext cx="7672407" cy="5338786"/>
           </a:xfrm>
           <a:prstGeom prst="rect">
             <a:avLst/>
           </a:prstGeom>
         </p:spPr>
       </p:pic>
-      <p:sp>
-        <p:nvSpPr>
-          <p:cNvPr id="6" name="TextBox 5"/>
-          <p:cNvSpPr txBox="1"/>
-          <p:nvPr/>
-        </p:nvSpPr>
-        <p:spPr>
-          <a:xfrm>
-            <a:off x="6366933" y="1964267"/>
-            <a:ext cx="3365473" cy="1107996"/>
-          </a:xfrm>
-          <a:prstGeom prst="rect">
-            <a:avLst/>
-          </a:prstGeom>
-          <a:noFill/>
-        </p:spPr>
-        <p:txBody>
-          <a:bodyPr wrap="none" lIns="0" tIns="0" rIns="0" bIns="0" rtlCol="0">
-            <a:spAutoFit/>
-          </a:bodyPr>
-          <a:lstStyle/>
-          <a:p>
-            <a:r>
-              <a:rPr lang="en-US" sz="2400" spc="-70" dirty="0" smtClean="0">
-                <a:gradFill>
-                  <a:gsLst>
-                    <a:gs pos="2917">
-                      <a:schemeClr val="bg2"/>
-                    </a:gs>
-                    <a:gs pos="95000">
-                      <a:schemeClr val="bg2"/>
-                    </a:gs>
-                  </a:gsLst>
-                  <a:lin ang="5400000" scaled="0"/>
-                </a:gradFill>
-              </a:rPr>
-              <a:t>Use the “Add New” dialog </a:t>
-            </a:r>
-          </a:p>
-          <a:p>
-            <a:r>
-              <a:rPr lang="en-US" sz="2400" spc="-70" dirty="0" smtClean="0">
-                <a:gradFill>
-                  <a:gsLst>
-                    <a:gs pos="2917">
-                      <a:schemeClr val="bg2"/>
-                    </a:gs>
-                    <a:gs pos="95000">
-                      <a:schemeClr val="bg2"/>
-                    </a:gs>
-                  </a:gsLst>
-                  <a:lin ang="5400000" scaled="0"/>
-                </a:gradFill>
-              </a:rPr>
-              <a:t>For Site, List, Item, and </a:t>
-            </a:r>
-          </a:p>
-          <a:p>
-            <a:r>
-              <a:rPr lang="en-US" sz="2400" spc="-70" dirty="0" smtClean="0">
-                <a:gradFill>
-                  <a:gsLst>
-                    <a:gs pos="2917">
-                      <a:schemeClr val="bg2"/>
-                    </a:gs>
-                    <a:gs pos="95000">
-                      <a:schemeClr val="bg2"/>
-                    </a:gs>
-                  </a:gsLst>
-                  <a:lin ang="5400000" scaled="0"/>
-                </a:gradFill>
-              </a:rPr>
-              <a:t>Schema events</a:t>
-            </a:r>
-          </a:p>
-        </p:txBody>
-      </p:sp>
-      <p:sp>
-        <p:nvSpPr>
-          <p:cNvPr id="7" name="TextBox 6"/>
-          <p:cNvSpPr txBox="1"/>
-          <p:nvPr/>
-        </p:nvSpPr>
-        <p:spPr>
-          <a:xfrm>
-            <a:off x="6366933" y="4549422"/>
-            <a:ext cx="3420488" cy="738664"/>
-          </a:xfrm>
-          <a:prstGeom prst="rect">
-            <a:avLst/>
-          </a:prstGeom>
-          <a:noFill/>
-        </p:spPr>
-        <p:txBody>
-          <a:bodyPr wrap="none" lIns="0" tIns="0" rIns="0" bIns="0" rtlCol="0">
-            <a:spAutoFit/>
-          </a:bodyPr>
-          <a:lstStyle/>
-          <a:p>
-            <a:r>
-              <a:rPr lang="en-US" sz="2400" spc="-70" dirty="0" smtClean="0">
-                <a:gradFill>
-                  <a:gsLst>
-                    <a:gs pos="2917">
-                      <a:schemeClr val="bg2"/>
-                    </a:gs>
-                    <a:gs pos="95000">
-                      <a:schemeClr val="bg2"/>
-                    </a:gs>
-                  </a:gsLst>
-                  <a:lin ang="5400000" scaled="0"/>
-                </a:gradFill>
-              </a:rPr>
-              <a:t>Use the “Properties” dialog</a:t>
-            </a:r>
-          </a:p>
-          <a:p>
-            <a:r>
-              <a:rPr lang="en-US" sz="2400" spc="-70" dirty="0">
-                <a:gradFill>
-                  <a:gsLst>
-                    <a:gs pos="2917">
-                      <a:schemeClr val="bg2"/>
-                    </a:gs>
-                    <a:gs pos="95000">
-                      <a:schemeClr val="bg2"/>
-                    </a:gs>
-                  </a:gsLst>
-                  <a:lin ang="5400000" scaled="0"/>
-                </a:gradFill>
-              </a:rPr>
-              <a:t>f</a:t>
-            </a:r>
-            <a:r>
-              <a:rPr lang="en-US" sz="2400" spc="-70" dirty="0" smtClean="0">
-                <a:gradFill>
-                  <a:gsLst>
-                    <a:gs pos="2917">
-                      <a:schemeClr val="bg2"/>
-                    </a:gs>
-                    <a:gs pos="95000">
-                      <a:schemeClr val="bg2"/>
-                    </a:gs>
-                  </a:gsLst>
-                  <a:lin ang="5400000" scaled="0"/>
-                </a:gradFill>
-              </a:rPr>
-              <a:t>or App events</a:t>
-            </a:r>
-          </a:p>
-        </p:txBody>
-      </p:sp>
     </p:spTree>
     <p:extLst>
       <p:ext uri="{BB962C8B-B14F-4D97-AF65-F5344CB8AC3E}">
-        <p14:creationId xmlns:p14="http://schemas.microsoft.com/office/powerpoint/2010/main" val="3778853372"/>
+        <p14:creationId xmlns:p14="http://schemas.microsoft.com/office/powerpoint/2010/main" val="2307956546"/>
       </p:ext>
     </p:extLst>
   </p:cSld>
@@ -21178,13 +19664,6 @@
   <p:transition>
     <p:fade/>
   </p:transition>
-  <p:timing>
-    <p:tnLst>
-      <p:par>
-        <p:cTn id="1" dur="indefinite" restart="never" nodeType="tmRoot"/>
-      </p:par>
-    </p:tnLst>
-  </p:timing>
 </p:sld>
 </file>
 
@@ -21207,39 +19686,35 @@
       </p:grpSpPr>
       <p:sp>
         <p:nvSpPr>
-          <p:cNvPr id="2" name="Text Placeholder 1"/>
-          <p:cNvSpPr>
-            <a:spLocks noGrp="1"/>
-          </p:cNvSpPr>
-          <p:nvPr>
-            <p:ph type="body" sz="quarter" idx="10"/>
-          </p:nvPr>
-        </p:nvSpPr>
-        <p:spPr>
-          <a:xfrm>
-            <a:off x="519112" y="1447799"/>
-            <a:ext cx="11149013" cy="674512"/>
-          </a:xfrm>
-        </p:spPr>
+          <p:cNvPr id="4" name="Subtitle 3"/>
+          <p:cNvSpPr>
+            <a:spLocks noGrp="1"/>
+          </p:cNvSpPr>
+          <p:nvPr>
+            <p:ph type="subTitle" idx="1"/>
+          </p:nvPr>
+        </p:nvSpPr>
+        <p:spPr/>
         <p:txBody>
           <a:bodyPr/>
           <a:lstStyle/>
           <a:p>
             <a:r>
               <a:rPr lang="en-US" dirty="0" smtClean="0"/>
-              <a:t>Must be implemented by the remote web service</a:t>
-            </a:r>
-          </a:p>
-        </p:txBody>
-      </p:sp>
-      <p:sp>
-        <p:nvSpPr>
-          <p:cNvPr id="3" name="Title 2"/>
-          <p:cNvSpPr>
-            <a:spLocks noGrp="1"/>
-          </p:cNvSpPr>
-          <p:nvPr>
-            <p:ph type="title"/>
+              <a:t>App Parts</a:t>
+            </a:r>
+            <a:endParaRPr lang="en-US" dirty="0"/>
+          </a:p>
+        </p:txBody>
+      </p:sp>
+      <p:sp>
+        <p:nvSpPr>
+          <p:cNvPr id="2" name="Text Placeholder 1"/>
+          <p:cNvSpPr>
+            <a:spLocks noGrp="1"/>
+          </p:cNvSpPr>
+          <p:nvPr>
+            <p:ph type="body" sz="quarter" idx="10"/>
           </p:nvPr>
         </p:nvSpPr>
         <p:spPr/>
@@ -21247,72 +19722,21 @@
           <a:bodyPr/>
           <a:lstStyle/>
           <a:p>
-            <a:r>
-              <a:rPr lang="en-US" dirty="0" err="1" smtClean="0"/>
-              <a:t>IRemoteEventService</a:t>
+            <a:pPr marL="0" indent="0">
+              <a:buNone/>
+            </a:pPr>
+            <a:r>
+              <a:rPr lang="en-US" dirty="0" smtClean="0"/>
+              <a:t>demo</a:t>
             </a:r>
             <a:endParaRPr lang="en-US" dirty="0"/>
           </a:p>
         </p:txBody>
       </p:sp>
-      <p:sp>
-        <p:nvSpPr>
-          <p:cNvPr id="4" name="Slide Number Placeholder 3"/>
-          <p:cNvSpPr>
-            <a:spLocks noGrp="1"/>
-          </p:cNvSpPr>
-          <p:nvPr>
-            <p:ph type="sldNum" sz="quarter" idx="12"/>
-          </p:nvPr>
-        </p:nvSpPr>
-        <p:spPr/>
-        <p:txBody>
-          <a:bodyPr/>
-          <a:lstStyle/>
-          <a:p>
-            <a:fld id="{727B4C2D-45E2-4621-8491-2995EB46A674}" type="slidenum">
-              <a:rPr lang="en-US" smtClean="0"/>
-              <a:pPr/>
-              <a:t>31</a:t>
-            </a:fld>
-            <a:endParaRPr lang="en-US" dirty="0"/>
-          </a:p>
-        </p:txBody>
-      </p:sp>
-      <p:pic>
-        <p:nvPicPr>
-          <p:cNvPr id="5" name="Picture 4"/>
-          <p:cNvPicPr>
-            <a:picLocks noChangeAspect="1"/>
-          </p:cNvPicPr>
-          <p:nvPr/>
-        </p:nvPicPr>
-        <p:blipFill>
-          <a:blip r:embed="rId2">
-            <a:extLst>
-              <a:ext uri="{28A0092B-C50C-407E-A947-70E740481C1C}">
-                <a14:useLocalDpi xmlns:a14="http://schemas.microsoft.com/office/drawing/2010/main" val="0"/>
-              </a:ext>
-            </a:extLst>
-          </a:blip>
-          <a:stretch>
-            <a:fillRect/>
-          </a:stretch>
-        </p:blipFill>
-        <p:spPr>
-          <a:xfrm>
-            <a:off x="1426464" y="2122311"/>
-            <a:ext cx="7148838" cy="4191585"/>
-          </a:xfrm>
-          <a:prstGeom prst="rect">
-            <a:avLst/>
-          </a:prstGeom>
-        </p:spPr>
-      </p:pic>
     </p:spTree>
     <p:extLst>
       <p:ext uri="{BB962C8B-B14F-4D97-AF65-F5344CB8AC3E}">
-        <p14:creationId xmlns:p14="http://schemas.microsoft.com/office/powerpoint/2010/main" val="3276438487"/>
+        <p14:creationId xmlns:p14="http://schemas.microsoft.com/office/powerpoint/2010/main" val="2074332500"/>
       </p:ext>
     </p:extLst>
   </p:cSld>
@@ -21351,45 +19775,22 @@
       </p:grpSpPr>
       <p:sp>
         <p:nvSpPr>
-          <p:cNvPr id="2" name="Text Placeholder 1"/>
-          <p:cNvSpPr>
-            <a:spLocks noGrp="1"/>
-          </p:cNvSpPr>
-          <p:nvPr>
-            <p:ph type="body" sz="quarter" idx="10"/>
-          </p:nvPr>
-        </p:nvSpPr>
-        <p:spPr>
-          <a:xfrm>
-            <a:off x="519112" y="1447799"/>
-            <a:ext cx="11149013" cy="4309534"/>
-          </a:xfrm>
-        </p:spPr>
+          <p:cNvPr id="4" name="Title 3"/>
+          <p:cNvSpPr>
+            <a:spLocks noGrp="1"/>
+          </p:cNvSpPr>
+          <p:nvPr>
+            <p:ph type="ctrTitle"/>
+          </p:nvPr>
+        </p:nvSpPr>
+        <p:spPr/>
         <p:txBody>
           <a:bodyPr/>
           <a:lstStyle/>
           <a:p>
             <a:r>
               <a:rPr lang="en-US" dirty="0" smtClean="0"/>
-              <a:t>Passed to web service in response to event</a:t>
-            </a:r>
-          </a:p>
-          <a:p>
-            <a:r>
-              <a:rPr lang="en-US" dirty="0" smtClean="0"/>
-              <a:t>Provides contextual information</a:t>
-            </a:r>
-          </a:p>
-          <a:p>
-            <a:r>
-              <a:rPr lang="en-US" dirty="0" smtClean="0"/>
-              <a:t>Supports reading and updating user inputs</a:t>
-            </a:r>
-          </a:p>
-          <a:p>
-            <a:r>
-              <a:rPr lang="en-US" dirty="0" smtClean="0"/>
-              <a:t>Allows for data validation</a:t>
+              <a:t>UI Custom Actions</a:t>
             </a:r>
             <a:endParaRPr lang="en-US" dirty="0"/>
           </a:p>
@@ -21397,12 +19798,12 @@
       </p:sp>
       <p:sp>
         <p:nvSpPr>
-          <p:cNvPr id="3" name="Title 2"/>
-          <p:cNvSpPr>
-            <a:spLocks noGrp="1"/>
-          </p:cNvSpPr>
-          <p:nvPr>
-            <p:ph type="title"/>
+          <p:cNvPr id="9" name="Subtitle 4"/>
+          <p:cNvSpPr>
+            <a:spLocks noGrp="1"/>
+          </p:cNvSpPr>
+          <p:nvPr>
+            <p:ph type="subTitle" idx="1"/>
           </p:nvPr>
         </p:nvSpPr>
         <p:spPr/>
@@ -21410,34 +19811,7 @@
           <a:bodyPr/>
           <a:lstStyle/>
           <a:p>
-            <a:r>
-              <a:rPr lang="en-US" dirty="0" err="1" smtClean="0"/>
-              <a:t>SPRemoteEventProperties</a:t>
-            </a:r>
-            <a:endParaRPr lang="en-US" dirty="0"/>
-          </a:p>
-        </p:txBody>
-      </p:sp>
-      <p:sp>
-        <p:nvSpPr>
-          <p:cNvPr id="4" name="Slide Number Placeholder 3"/>
-          <p:cNvSpPr>
-            <a:spLocks noGrp="1"/>
-          </p:cNvSpPr>
-          <p:nvPr>
-            <p:ph type="sldNum" sz="quarter" idx="12"/>
-          </p:nvPr>
-        </p:nvSpPr>
-        <p:spPr/>
-        <p:txBody>
-          <a:bodyPr/>
-          <a:lstStyle/>
-          <a:p>
-            <a:fld id="{727B4C2D-45E2-4621-8491-2995EB46A674}" type="slidenum">
-              <a:rPr lang="en-US" smtClean="0"/>
-              <a:pPr/>
-              <a:t>32</a:t>
-            </a:fld>
+            <a:pPr lvl="0"/>
             <a:endParaRPr lang="en-US" dirty="0"/>
           </a:p>
         </p:txBody>
@@ -21445,7 +19819,7 @@
     </p:spTree>
     <p:extLst>
       <p:ext uri="{BB962C8B-B14F-4D97-AF65-F5344CB8AC3E}">
-        <p14:creationId xmlns:p14="http://schemas.microsoft.com/office/powerpoint/2010/main" val="1890585580"/>
+        <p14:creationId xmlns:p14="http://schemas.microsoft.com/office/powerpoint/2010/main" val="45870958"/>
       </p:ext>
     </p:extLst>
   </p:cSld>
@@ -21495,7 +19869,7 @@
         <p:spPr>
           <a:xfrm>
             <a:off x="519112" y="1447799"/>
-            <a:ext cx="11149013" cy="4354690"/>
+            <a:ext cx="11149013" cy="3869268"/>
           </a:xfrm>
         </p:spPr>
         <p:txBody>
@@ -21504,19 +19878,19 @@
           <a:p>
             <a:r>
               <a:rPr lang="en-US" dirty="0" smtClean="0"/>
-              <a:t>Returns by two-way events</a:t>
+              <a:t>Can extend the Ribbon or Edit Control Block (ECB) in the host web</a:t>
             </a:r>
           </a:p>
           <a:p>
             <a:r>
               <a:rPr lang="en-US" dirty="0" smtClean="0"/>
-              <a:t>Allows events to be cancelled</a:t>
+              <a:t>Launches a target page in your app</a:t>
             </a:r>
           </a:p>
           <a:p>
             <a:r>
               <a:rPr lang="en-US" dirty="0" smtClean="0"/>
-              <a:t>Allows status to be returned</a:t>
+              <a:t>Supports the addition of tokens to pass information to the app</a:t>
             </a:r>
             <a:endParaRPr lang="en-US" dirty="0"/>
           </a:p>
@@ -21538,8 +19912,8 @@
           <a:lstStyle/>
           <a:p>
             <a:r>
-              <a:rPr lang="en-US" dirty="0" err="1" smtClean="0"/>
-              <a:t>SPRemoteEventResult</a:t>
+              <a:rPr lang="en-US" dirty="0" smtClean="0"/>
+              <a:t>UI Custom Actions</a:t>
             </a:r>
             <a:endParaRPr lang="en-US" dirty="0"/>
           </a:p>
@@ -21572,7 +19946,7 @@
     </p:spTree>
     <p:extLst>
       <p:ext uri="{BB962C8B-B14F-4D97-AF65-F5344CB8AC3E}">
-        <p14:creationId xmlns:p14="http://schemas.microsoft.com/office/powerpoint/2010/main" val="3779567332"/>
+        <p14:creationId xmlns:p14="http://schemas.microsoft.com/office/powerpoint/2010/main" val="2956598"/>
       </p:ext>
     </p:extLst>
   </p:cSld>
@@ -21582,13 +19956,6 @@
   <p:transition>
     <p:fade/>
   </p:transition>
-  <p:timing>
-    <p:tnLst>
-      <p:par>
-        <p:cTn id="1" dur="indefinite" restart="never" nodeType="tmRoot"/>
-      </p:par>
-    </p:tnLst>
-  </p:timing>
 </p:sld>
 </file>
 
@@ -21626,7 +19993,7 @@
           <a:p>
             <a:r>
               <a:rPr lang="en-US" dirty="0" smtClean="0"/>
-              <a:t>Registering Events Receivers</a:t>
+              <a:t>Custom Action CAML</a:t>
             </a:r>
             <a:endParaRPr lang="en-US" dirty="0"/>
           </a:p>
@@ -21658,7 +20025,7 @@
       </p:sp>
       <p:pic>
         <p:nvPicPr>
-          <p:cNvPr id="6" name="Picture 5"/>
+          <p:cNvPr id="4" name="Picture 3"/>
           <p:cNvPicPr>
             <a:picLocks noChangeAspect="1"/>
           </p:cNvPicPr>
@@ -21678,158 +20045,18 @@
         </p:blipFill>
         <p:spPr>
           <a:xfrm>
-            <a:off x="1081386" y="1561856"/>
-            <a:ext cx="4861981" cy="1828958"/>
+            <a:off x="1518428" y="1329432"/>
+            <a:ext cx="7300593" cy="4717189"/>
           </a:xfrm>
           <a:prstGeom prst="rect">
             <a:avLst/>
           </a:prstGeom>
-          <a:ln>
-            <a:solidFill>
-              <a:schemeClr val="tx1"/>
-            </a:solidFill>
-          </a:ln>
-        </p:spPr>
-      </p:pic>
-      <p:sp>
-        <p:nvSpPr>
-          <p:cNvPr id="7" name="TextBox 6"/>
-          <p:cNvSpPr txBox="1"/>
-          <p:nvPr/>
-        </p:nvSpPr>
-        <p:spPr>
-          <a:xfrm>
-            <a:off x="6624863" y="1879071"/>
-            <a:ext cx="2867378" cy="1107996"/>
-          </a:xfrm>
-          <a:prstGeom prst="rect">
-            <a:avLst/>
-          </a:prstGeom>
-          <a:noFill/>
-        </p:spPr>
-        <p:txBody>
-          <a:bodyPr wrap="square" lIns="0" tIns="0" rIns="0" bIns="0" rtlCol="0">
-            <a:spAutoFit/>
-          </a:bodyPr>
-          <a:lstStyle/>
-          <a:p>
-            <a:r>
-              <a:rPr lang="en-US" sz="2400" spc="-70" dirty="0" smtClean="0">
-                <a:gradFill>
-                  <a:gsLst>
-                    <a:gs pos="2917">
-                      <a:schemeClr val="bg2"/>
-                    </a:gs>
-                    <a:gs pos="95000">
-                      <a:schemeClr val="bg2"/>
-                    </a:gs>
-                  </a:gsLst>
-                  <a:lin ang="5400000" scaled="0"/>
-                </a:gradFill>
-              </a:rPr>
-              <a:t>CAML Element for Lists, Items, Sites, Schema events</a:t>
-            </a:r>
-          </a:p>
-        </p:txBody>
-      </p:sp>
-      <p:sp>
-        <p:nvSpPr>
-          <p:cNvPr id="8" name="TextBox 7"/>
-          <p:cNvSpPr txBox="1"/>
-          <p:nvPr/>
-        </p:nvSpPr>
-        <p:spPr>
-          <a:xfrm>
-            <a:off x="9337197" y="4029562"/>
-            <a:ext cx="2221442" cy="738664"/>
-          </a:xfrm>
-          <a:prstGeom prst="rect">
-            <a:avLst/>
-          </a:prstGeom>
-          <a:noFill/>
-        </p:spPr>
-        <p:txBody>
-          <a:bodyPr wrap="none" lIns="0" tIns="0" rIns="0" bIns="0" rtlCol="0">
-            <a:spAutoFit/>
-          </a:bodyPr>
-          <a:lstStyle/>
-          <a:p>
-            <a:r>
-              <a:rPr lang="en-US" sz="2400" spc="-70" dirty="0" smtClean="0">
-                <a:gradFill>
-                  <a:gsLst>
-                    <a:gs pos="2917">
-                      <a:schemeClr val="bg2"/>
-                    </a:gs>
-                    <a:gs pos="95000">
-                      <a:schemeClr val="bg2"/>
-                    </a:gs>
-                  </a:gsLst>
-                  <a:lin ang="5400000" scaled="0"/>
-                </a:gradFill>
-              </a:rPr>
-              <a:t>App Manifest for </a:t>
-            </a:r>
-          </a:p>
-          <a:p>
-            <a:r>
-              <a:rPr lang="en-US" sz="2400" spc="-70" dirty="0" smtClean="0">
-                <a:gradFill>
-                  <a:gsLst>
-                    <a:gs pos="2917">
-                      <a:schemeClr val="bg2"/>
-                    </a:gs>
-                    <a:gs pos="95000">
-                      <a:schemeClr val="bg2"/>
-                    </a:gs>
-                  </a:gsLst>
-                  <a:lin ang="5400000" scaled="0"/>
-                </a:gradFill>
-              </a:rPr>
-              <a:t>App events</a:t>
-            </a:r>
-          </a:p>
-        </p:txBody>
-      </p:sp>
-      <p:pic>
-        <p:nvPicPr>
-          <p:cNvPr id="9" name="Picture 8"/>
-          <p:cNvPicPr>
-            <a:picLocks noChangeAspect="1"/>
-          </p:cNvPicPr>
-          <p:nvPr/>
-        </p:nvPicPr>
-        <p:blipFill>
-          <a:blip r:embed="rId3">
-            <a:extLst>
-              <a:ext uri="{28A0092B-C50C-407E-A947-70E740481C1C}">
-                <a14:useLocalDpi xmlns:a14="http://schemas.microsoft.com/office/drawing/2010/main" val="0"/>
-              </a:ext>
-            </a:extLst>
-          </a:blip>
-          <a:stretch>
-            <a:fillRect/>
-          </a:stretch>
-        </p:blipFill>
-        <p:spPr>
-          <a:xfrm>
-            <a:off x="1081386" y="3754948"/>
-            <a:ext cx="7948349" cy="1287892"/>
-          </a:xfrm>
-          <a:prstGeom prst="rect">
-            <a:avLst/>
-          </a:prstGeom>
-          <a:ln>
-            <a:solidFill>
-              <a:schemeClr val="tx1"/>
-            </a:solidFill>
-          </a:ln>
         </p:spPr>
       </p:pic>
     </p:spTree>
     <p:extLst>
       <p:ext uri="{BB962C8B-B14F-4D97-AF65-F5344CB8AC3E}">
-        <p14:creationId xmlns:p14="http://schemas.microsoft.com/office/powerpoint/2010/main" val="736091034"/>
+        <p14:creationId xmlns:p14="http://schemas.microsoft.com/office/powerpoint/2010/main" val="3142977424"/>
       </p:ext>
     </p:extLst>
   </p:cSld>
@@ -21839,13 +20066,6 @@
   <p:transition>
     <p:fade/>
   </p:transition>
-  <p:timing>
-    <p:tnLst>
-      <p:par>
-        <p:cTn id="1" dur="indefinite" restart="never" nodeType="tmRoot"/>
-      </p:par>
-    </p:tnLst>
-  </p:timing>
 </p:sld>
 </file>
 
@@ -21868,277 +20088,22 @@
       </p:grpSpPr>
       <p:sp>
         <p:nvSpPr>
-          <p:cNvPr id="2" name="Text Placeholder 1"/>
-          <p:cNvSpPr>
-            <a:spLocks noGrp="1"/>
-          </p:cNvSpPr>
-          <p:nvPr>
-            <p:ph type="body" sz="quarter" idx="10"/>
-          </p:nvPr>
-        </p:nvSpPr>
-        <p:spPr>
-          <a:xfrm>
-            <a:off x="519112" y="1447799"/>
-            <a:ext cx="11149013" cy="1080912"/>
-          </a:xfrm>
-        </p:spPr>
+          <p:cNvPr id="4" name="Subtitle 3"/>
+          <p:cNvSpPr>
+            <a:spLocks noGrp="1"/>
+          </p:cNvSpPr>
+          <p:nvPr>
+            <p:ph type="subTitle" idx="1"/>
+          </p:nvPr>
+        </p:nvSpPr>
+        <p:spPr/>
         <p:txBody>
           <a:bodyPr/>
           <a:lstStyle/>
           <a:p>
             <a:r>
               <a:rPr lang="en-US" dirty="0" smtClean="0"/>
-              <a:t>Remote Event Receivers require Azure Service Bus to support debugging</a:t>
-            </a:r>
-          </a:p>
-          <a:p>
-            <a:pPr lvl="1"/>
-            <a:r>
-              <a:rPr lang="en-US" dirty="0" smtClean="0"/>
-              <a:t>Create a Service Bus Namespace</a:t>
-            </a:r>
-          </a:p>
-          <a:p>
-            <a:pPr lvl="1"/>
-            <a:r>
-              <a:rPr lang="en-US" dirty="0" smtClean="0"/>
-              <a:t>Copy the Connection String into the SharePoint Project Properties</a:t>
-            </a:r>
-            <a:endParaRPr lang="en-US" dirty="0"/>
-          </a:p>
-        </p:txBody>
-      </p:sp>
-      <p:sp>
-        <p:nvSpPr>
-          <p:cNvPr id="3" name="Title 2"/>
-          <p:cNvSpPr>
-            <a:spLocks noGrp="1"/>
-          </p:cNvSpPr>
-          <p:nvPr>
-            <p:ph type="title"/>
-          </p:nvPr>
-        </p:nvSpPr>
-        <p:spPr/>
-        <p:txBody>
-          <a:bodyPr/>
-          <a:lstStyle/>
-          <a:p>
-            <a:r>
-              <a:rPr lang="en-US" dirty="0" smtClean="0"/>
-              <a:t>Debugging Considerations</a:t>
-            </a:r>
-            <a:endParaRPr lang="en-US" dirty="0"/>
-          </a:p>
-        </p:txBody>
-      </p:sp>
-      <p:sp>
-        <p:nvSpPr>
-          <p:cNvPr id="4" name="Slide Number Placeholder 3"/>
-          <p:cNvSpPr>
-            <a:spLocks noGrp="1"/>
-          </p:cNvSpPr>
-          <p:nvPr>
-            <p:ph type="sldNum" sz="quarter" idx="12"/>
-          </p:nvPr>
-        </p:nvSpPr>
-        <p:spPr/>
-        <p:txBody>
-          <a:bodyPr/>
-          <a:lstStyle/>
-          <a:p>
-            <a:fld id="{727B4C2D-45E2-4621-8491-2995EB46A674}" type="slidenum">
-              <a:rPr lang="en-US" smtClean="0"/>
-              <a:pPr/>
-              <a:t>35</a:t>
-            </a:fld>
-            <a:endParaRPr lang="en-US" dirty="0"/>
-          </a:p>
-        </p:txBody>
-      </p:sp>
-      <p:pic>
-        <p:nvPicPr>
-          <p:cNvPr id="5" name="Picture 4"/>
-          <p:cNvPicPr>
-            <a:picLocks noChangeAspect="1"/>
-          </p:cNvPicPr>
-          <p:nvPr/>
-        </p:nvPicPr>
-        <p:blipFill>
-          <a:blip r:embed="rId2">
-            <a:extLst>
-              <a:ext uri="{28A0092B-C50C-407E-A947-70E740481C1C}">
-                <a14:useLocalDpi xmlns:a14="http://schemas.microsoft.com/office/drawing/2010/main" val="0"/>
-              </a:ext>
-            </a:extLst>
-          </a:blip>
-          <a:stretch>
-            <a:fillRect/>
-          </a:stretch>
-        </p:blipFill>
-        <p:spPr>
-          <a:xfrm>
-            <a:off x="435803" y="3400462"/>
-            <a:ext cx="7727350" cy="1783235"/>
-          </a:xfrm>
-          <a:prstGeom prst="rect">
-            <a:avLst/>
-          </a:prstGeom>
-        </p:spPr>
-      </p:pic>
-      <p:pic>
-        <p:nvPicPr>
-          <p:cNvPr id="6" name="Picture 5"/>
-          <p:cNvPicPr>
-            <a:picLocks noChangeAspect="1"/>
-          </p:cNvPicPr>
-          <p:nvPr/>
-        </p:nvPicPr>
-        <p:blipFill>
-          <a:blip r:embed="rId3">
-            <a:extLst>
-              <a:ext uri="{28A0092B-C50C-407E-A947-70E740481C1C}">
-                <a14:useLocalDpi xmlns:a14="http://schemas.microsoft.com/office/drawing/2010/main" val="0"/>
-              </a:ext>
-            </a:extLst>
-          </a:blip>
-          <a:stretch>
-            <a:fillRect/>
-          </a:stretch>
-        </p:blipFill>
-        <p:spPr>
-          <a:xfrm>
-            <a:off x="1636869" y="5303978"/>
-            <a:ext cx="6526284" cy="975297"/>
-          </a:xfrm>
-          <a:prstGeom prst="rect">
-            <a:avLst/>
-          </a:prstGeom>
-        </p:spPr>
-      </p:pic>
-      <p:sp>
-        <p:nvSpPr>
-          <p:cNvPr id="8" name="Curved Left Arrow 7"/>
-          <p:cNvSpPr/>
-          <p:nvPr/>
-        </p:nvSpPr>
-        <p:spPr bwMode="auto">
-          <a:xfrm>
-            <a:off x="8163153" y="4064000"/>
-            <a:ext cx="1014714" cy="1991448"/>
-          </a:xfrm>
-          <a:prstGeom prst="curvedLeftArrow">
-            <a:avLst/>
-          </a:prstGeom>
-          <a:solidFill>
-            <a:schemeClr val="accent1"/>
-          </a:solidFill>
-          <a:ln>
-            <a:noFill/>
-            <a:headEnd type="none" w="med" len="med"/>
-            <a:tailEnd type="none" w="med" len="med"/>
-          </a:ln>
-          <a:effectLst/>
-        </p:spPr>
-        <p:style>
-          <a:lnRef idx="1">
-            <a:schemeClr val="accent2"/>
-          </a:lnRef>
-          <a:fillRef idx="3">
-            <a:schemeClr val="accent2"/>
-          </a:fillRef>
-          <a:effectRef idx="2">
-            <a:schemeClr val="accent2"/>
-          </a:effectRef>
-          <a:fontRef idx="minor">
-            <a:schemeClr val="lt1"/>
-          </a:fontRef>
-        </p:style>
-        <p:txBody>
-          <a:bodyPr rot="0" spcFirstLastPara="0" vertOverflow="overflow" horzOverflow="overflow" vert="horz" wrap="square" lIns="45720" tIns="45720" rIns="45720" bIns="45720" numCol="1" spcCol="0" rtlCol="0" fromWordArt="0" anchor="ctr" anchorCtr="0" forceAA="0" compatLnSpc="1">
-            <a:prstTxWarp prst="textNoShape">
-              <a:avLst/>
-            </a:prstTxWarp>
-            <a:noAutofit/>
-          </a:bodyPr>
-          <a:lstStyle/>
-          <a:p>
-            <a:pPr algn="ctr" defTabSz="914099" fontAlgn="base">
-              <a:spcBef>
-                <a:spcPct val="0"/>
-              </a:spcBef>
-              <a:spcAft>
-                <a:spcPct val="0"/>
-              </a:spcAft>
-            </a:pPr>
-            <a:endParaRPr lang="en-US" sz="2200" dirty="0" smtClean="0">
-              <a:gradFill>
-                <a:gsLst>
-                  <a:gs pos="0">
-                    <a:srgbClr val="FFFFFF"/>
-                  </a:gs>
-                  <a:gs pos="100000">
-                    <a:srgbClr val="FFFFFF"/>
-                  </a:gs>
-                </a:gsLst>
-                <a:lin ang="5400000" scaled="0"/>
-              </a:gradFill>
-              <a:ea typeface="Segoe UI" pitchFamily="34" charset="0"/>
-              <a:cs typeface="Segoe UI" pitchFamily="34" charset="0"/>
-            </a:endParaRPr>
-          </a:p>
-        </p:txBody>
-      </p:sp>
-    </p:spTree>
-    <p:extLst>
-      <p:ext uri="{BB962C8B-B14F-4D97-AF65-F5344CB8AC3E}">
-        <p14:creationId xmlns:p14="http://schemas.microsoft.com/office/powerpoint/2010/main" val="4007477202"/>
-      </p:ext>
-    </p:extLst>
-  </p:cSld>
-  <p:clrMapOvr>
-    <a:masterClrMapping/>
-  </p:clrMapOvr>
-  <p:transition>
-    <p:fade/>
-  </p:transition>
-</p:sld>
-</file>
-
-<file path=ppt/slides/slide36.xml><?xml version="1.0" encoding="utf-8"?>
-<p:sld xmlns:a="http://schemas.openxmlformats.org/drawingml/2006/main" xmlns:r="http://schemas.openxmlformats.org/officeDocument/2006/relationships" xmlns:p="http://schemas.openxmlformats.org/presentationml/2006/main">
-  <p:cSld>
-    <p:spTree>
-      <p:nvGrpSpPr>
-        <p:cNvPr id="1" name=""/>
-        <p:cNvGrpSpPr/>
-        <p:nvPr/>
-      </p:nvGrpSpPr>
-      <p:grpSpPr>
-        <a:xfrm>
-          <a:off x="0" y="0"/>
-          <a:ext cx="0" cy="0"/>
-          <a:chOff x="0" y="0"/>
-          <a:chExt cx="0" cy="0"/>
-        </a:xfrm>
-      </p:grpSpPr>
-      <p:sp>
-        <p:nvSpPr>
-          <p:cNvPr id="4" name="Subtitle 3"/>
-          <p:cNvSpPr>
-            <a:spLocks noGrp="1"/>
-          </p:cNvSpPr>
-          <p:nvPr>
-            <p:ph type="subTitle" idx="1"/>
-          </p:nvPr>
-        </p:nvSpPr>
-        <p:spPr/>
-        <p:txBody>
-          <a:bodyPr/>
-          <a:lstStyle/>
-          <a:p>
-            <a:r>
-              <a:rPr lang="en-US" dirty="0" smtClean="0"/>
-              <a:t>Remote Event Receivers</a:t>
+              <a:t>UI Custom actions</a:t>
             </a:r>
             <a:endParaRPr lang="en-US" dirty="0"/>
           </a:p>
@@ -22193,7 +20158,7 @@
 </p:sld>
 </file>
 
-<file path=ppt/slides/slide37.xml><?xml version="1.0" encoding="utf-8"?>
+<file path=ppt/slides/slide36.xml><?xml version="1.0" encoding="utf-8"?>
 <p:sld xmlns:a="http://schemas.openxmlformats.org/drawingml/2006/main" xmlns:r="http://schemas.openxmlformats.org/officeDocument/2006/relationships" xmlns:p="http://schemas.openxmlformats.org/presentationml/2006/main">
   <p:cSld>
     <p:spTree>
@@ -22299,7 +20264,7 @@
             <a:fld id="{727B4C2D-45E2-4621-8491-2995EB46A674}" type="slidenum">
               <a:rPr lang="en-US" smtClean="0"/>
               <a:pPr/>
-              <a:t>37</a:t>
+              <a:t>36</a:t>
             </a:fld>
             <a:endParaRPr lang="en-US" dirty="0"/>
           </a:p>
@@ -22321,7 +20286,7 @@
 </p:sld>
 </file>
 
-<file path=ppt/slides/slide38.xml><?xml version="1.0" encoding="utf-8"?>
+<file path=ppt/slides/slide37.xml><?xml version="1.0" encoding="utf-8"?>
 <p:sld xmlns:a="http://schemas.openxmlformats.org/drawingml/2006/main" xmlns:r="http://schemas.openxmlformats.org/officeDocument/2006/relationships" xmlns:p="http://schemas.openxmlformats.org/presentationml/2006/main">
   <p:cSld>
     <p:spTree>
@@ -22753,21 +20718,18 @@
               <a:rPr lang="en-US" dirty="0" smtClean="0"/>
               <a:t>Programming in JavaScript</a:t>
             </a:r>
-            <a:endParaRPr lang="en-US" dirty="0" smtClean="0"/>
           </a:p>
           <a:p>
             <a:r>
               <a:rPr lang="en-US" dirty="0" smtClean="0"/>
               <a:t>App Parts</a:t>
             </a:r>
-            <a:endParaRPr lang="en-US" dirty="0" smtClean="0"/>
           </a:p>
           <a:p>
             <a:r>
               <a:rPr lang="en-US" dirty="0" smtClean="0"/>
               <a:t>UI Custom Actions</a:t>
             </a:r>
-            <a:endParaRPr lang="en-US" dirty="0" smtClean="0"/>
           </a:p>
         </p:txBody>
       </p:sp>
@@ -23080,21 +21042,6 @@
               </a:rPr>
               <a:t>Web Services</a:t>
             </a:r>
-            <a:endParaRPr lang="en-US" sz="2200" dirty="0" smtClean="0">
-              <a:gradFill>
-                <a:gsLst>
-                  <a:gs pos="0">
-                    <a:srgbClr val="FFFFFF"/>
-                  </a:gs>
-                  <a:gs pos="100000">
-                    <a:srgbClr val="FFFFFF"/>
-                  </a:gs>
-                </a:gsLst>
-                <a:lin ang="5400000" scaled="0"/>
-              </a:gradFill>
-              <a:ea typeface="Segoe UI" pitchFamily="34" charset="0"/>
-              <a:cs typeface="Segoe UI" pitchFamily="34" charset="0"/>
-            </a:endParaRPr>
           </a:p>
         </p:txBody>
       </p:sp>
@@ -23304,15 +21251,6 @@
               </a:rPr>
               <a:t>Host Web</a:t>
             </a:r>
-            <a:endParaRPr lang="en-US" sz="2200" dirty="0" smtClean="0">
-              <a:solidFill>
-                <a:schemeClr val="bg1">
-                  <a:lumMod val="50000"/>
-                </a:schemeClr>
-              </a:solidFill>
-              <a:ea typeface="Segoe UI" pitchFamily="34" charset="0"/>
-              <a:cs typeface="Segoe UI" pitchFamily="34" charset="0"/>
-            </a:endParaRPr>
           </a:p>
         </p:txBody>
       </p:sp>
@@ -23386,15 +21324,6 @@
               </a:rPr>
               <a:t>App Web</a:t>
             </a:r>
-            <a:endParaRPr lang="en-US" sz="2200" dirty="0" smtClean="0">
-              <a:solidFill>
-                <a:schemeClr val="bg1">
-                  <a:lumMod val="50000"/>
-                </a:schemeClr>
-              </a:solidFill>
-              <a:ea typeface="Segoe UI" pitchFamily="34" charset="0"/>
-              <a:cs typeface="Segoe UI" pitchFamily="34" charset="0"/>
-            </a:endParaRPr>
           </a:p>
         </p:txBody>
       </p:sp>
@@ -23467,21 +21396,8 @@
                   <a:schemeClr val="bg1"/>
                 </a:solidFill>
               </a:rPr>
-              <a:t>SharePoint </a:t>
-            </a:r>
-            <a:r>
-              <a:rPr lang="en-US" sz="2400" spc="-70" dirty="0" smtClean="0">
-                <a:solidFill>
-                  <a:schemeClr val="bg1"/>
-                </a:solidFill>
-              </a:rPr>
-              <a:t>2013</a:t>
-            </a:r>
-            <a:endParaRPr lang="en-US" sz="2400" spc="-70" dirty="0" smtClean="0">
-              <a:solidFill>
-                <a:schemeClr val="bg1"/>
-              </a:solidFill>
-            </a:endParaRPr>
+              <a:t>SharePoint 2013</a:t>
+            </a:r>
           </a:p>
         </p:txBody>
       </p:sp>
@@ -24227,18 +22143,12 @@
               <a:rPr lang="en-US" dirty="0" smtClean="0"/>
               <a:t>Utilizes “Internal” Authentication</a:t>
             </a:r>
-            <a:endParaRPr lang="en-US" dirty="0" smtClean="0"/>
           </a:p>
           <a:p>
             <a:r>
               <a:rPr lang="en-US" dirty="0" smtClean="0"/>
-              <a:t>App permissions are the lesser of user and app permissions to the given </a:t>
-            </a:r>
-            <a:r>
-              <a:rPr lang="en-US" dirty="0" smtClean="0"/>
-              <a:t>resource</a:t>
-            </a:r>
-            <a:endParaRPr lang="en-US" dirty="0" smtClean="0"/>
+              <a:t>App permissions are the lesser of user and app permissions to the given resource</a:t>
+            </a:r>
           </a:p>
         </p:txBody>
       </p:sp>
@@ -25465,12 +23375,6 @@
 </file>
 
 <file path=customXml/item1.xml><?xml version="1.0" encoding="utf-8"?>
-<p:properties xmlns:p="http://schemas.microsoft.com/office/2006/metadata/properties" xmlns:xsi="http://www.w3.org/2001/XMLSchema-instance" xmlns:pc="http://schemas.microsoft.com/office/infopath/2007/PartnerControls">
-  <documentManagement/>
-</p:properties>
-</file>
-
-<file path=customXml/item2.xml><?xml version="1.0" encoding="utf-8"?>
 <ct:contentTypeSchema xmlns:ct="http://schemas.microsoft.com/office/2006/metadata/contentType" xmlns:ma="http://schemas.microsoft.com/office/2006/metadata/properties/metaAttributes" ct:_="" ma:_="" ma:contentTypeName="Document" ma:contentTypeID="0x010100A2E4C90AA7333249A7DBC8CC6F49919B" ma:contentTypeVersion="1" ma:contentTypeDescription="Create a new document." ma:contentTypeScope="" ma:versionID="e7b09f0f38d7ed30c7da14951e97abcc">
   <xsd:schema xmlns:xsd="http://www.w3.org/2001/XMLSchema" xmlns:xs="http://www.w3.org/2001/XMLSchema" xmlns:p="http://schemas.microsoft.com/office/2006/metadata/properties" xmlns:ns2="5fad15d0-477e-40da-a20d-40d4ca777cbd" targetNamespace="http://schemas.microsoft.com/office/2006/metadata/properties" ma:root="true" ma:fieldsID="0cee24db179c30c5ebec40b677cadf70" ns2:_="">
     <xsd:import namespace="5fad15d0-477e-40da-a20d-40d4ca777cbd"/>
@@ -25610,7 +23514,7 @@
 </ct:contentTypeSchema>
 </file>
 
-<file path=customXml/item3.xml><?xml version="1.0" encoding="utf-8"?>
+<file path=customXml/item2.xml><?xml version="1.0" encoding="utf-8"?>
 <?mso-contentType ?>
 <FormTemplates xmlns="http://schemas.microsoft.com/sharepoint/v3/contenttype/forms">
   <Display>DocumentLibraryForm</Display>
@@ -25619,23 +23523,13 @@
 </FormTemplates>
 </file>
 
-<file path=customXml/itemProps1.xml><?xml version="1.0" encoding="utf-8"?>
-<ds:datastoreItem xmlns:ds="http://schemas.openxmlformats.org/officeDocument/2006/customXml" ds:itemID="{DA593625-DB14-4FB0-B5A9-3269FA9C120B}">
-  <ds:schemaRefs>
-    <ds:schemaRef ds:uri="http://schemas.microsoft.com/office/2006/documentManagement/types"/>
-    <ds:schemaRef ds:uri="http://purl.org/dc/elements/1.1/"/>
-    <ds:schemaRef ds:uri="http://schemas.microsoft.com/office/2006/metadata/properties"/>
-    <ds:schemaRef ds:uri="5fad15d0-477e-40da-a20d-40d4ca777cbd"/>
-    <ds:schemaRef ds:uri="http://www.w3.org/XML/1998/namespace"/>
-    <ds:schemaRef ds:uri="http://schemas.microsoft.com/office/infopath/2007/PartnerControls"/>
-    <ds:schemaRef ds:uri="http://purl.org/dc/dcmitype/"/>
-    <ds:schemaRef ds:uri="http://schemas.openxmlformats.org/package/2006/metadata/core-properties"/>
-    <ds:schemaRef ds:uri="http://purl.org/dc/terms/"/>
-  </ds:schemaRefs>
-</ds:datastoreItem>
+<file path=customXml/item3.xml><?xml version="1.0" encoding="utf-8"?>
+<p:properties xmlns:p="http://schemas.microsoft.com/office/2006/metadata/properties" xmlns:xsi="http://www.w3.org/2001/XMLSchema-instance" xmlns:pc="http://schemas.microsoft.com/office/infopath/2007/PartnerControls">
+  <documentManagement/>
+</p:properties>
 </file>
 
-<file path=customXml/itemProps2.xml><?xml version="1.0" encoding="utf-8"?>
+<file path=customXml/itemProps1.xml><?xml version="1.0" encoding="utf-8"?>
 <ds:datastoreItem xmlns:ds="http://schemas.openxmlformats.org/officeDocument/2006/customXml" ds:itemID="{F17DCE38-6787-497B-B958-75817420EB1E}">
   <ds:schemaRefs>
     <ds:schemaRef ds:uri="http://schemas.microsoft.com/office/2006/metadata/contentType"/>
@@ -25653,10 +23547,26 @@
 </ds:datastoreItem>
 </file>
 
-<file path=customXml/itemProps3.xml><?xml version="1.0" encoding="utf-8"?>
+<file path=customXml/itemProps2.xml><?xml version="1.0" encoding="utf-8"?>
 <ds:datastoreItem xmlns:ds="http://schemas.openxmlformats.org/officeDocument/2006/customXml" ds:itemID="{E1E0CE18-CA03-4891-9CD8-3448778E3D53}">
   <ds:schemaRefs>
     <ds:schemaRef ds:uri="http://schemas.microsoft.com/sharepoint/v3/contenttype/forms"/>
   </ds:schemaRefs>
 </ds:datastoreItem>
+</file>
+
+<file path=customXml/itemProps3.xml><?xml version="1.0" encoding="utf-8"?>
+<ds:datastoreItem xmlns:ds="http://schemas.openxmlformats.org/officeDocument/2006/customXml" ds:itemID="{DA593625-DB14-4FB0-B5A9-3269FA9C120B}">
+  <ds:schemaRefs>
+    <ds:schemaRef ds:uri="http://schemas.microsoft.com/office/2006/documentManagement/types"/>
+    <ds:schemaRef ds:uri="http://purl.org/dc/elements/1.1/"/>
+    <ds:schemaRef ds:uri="http://schemas.microsoft.com/office/2006/metadata/properties"/>
+    <ds:schemaRef ds:uri="5fad15d0-477e-40da-a20d-40d4ca777cbd"/>
+    <ds:schemaRef ds:uri="http://www.w3.org/XML/1998/namespace"/>
+    <ds:schemaRef ds:uri="http://schemas.microsoft.com/office/infopath/2007/PartnerControls"/>
+    <ds:schemaRef ds:uri="http://purl.org/dc/dcmitype/"/>
+    <ds:schemaRef ds:uri="http://schemas.openxmlformats.org/package/2006/metadata/core-properties"/>
+    <ds:schemaRef ds:uri="http://purl.org/dc/terms/"/>
+  </ds:schemaRefs>
+</ds:datastoreItem>
 </file>
--- a/O3652-5 Deep Dive into SharePoint Hosted Apps/O3652-5 Deep Dive into SharePoint Hosted Apps.pptx
+++ b/O3652-5 Deep Dive into SharePoint Hosted Apps/O3652-5 Deep Dive into SharePoint Hosted Apps.pptx
@@ -351,7 +351,7 @@
           <a:p>
             <a:fld id="{DE219B1A-AE41-483B-A766-69B9363DDA6A}" type="datetimeFigureOut">
               <a:rPr lang="en-US" smtClean="0"/>
-              <a:t>8/8/2014</a:t>
+              <a:t>8/19/2014</a:t>
             </a:fld>
             <a:endParaRPr lang="en-US"/>
           </a:p>
@@ -633,7 +633,7 @@
           <a:p>
             <a:fld id="{D51B1278-D92B-4AF3-A9C1-71DD298190CE}" type="datetimeFigureOut">
               <a:rPr lang="en-US" smtClean="0"/>
-              <a:t>8/8/2014</a:t>
+              <a:t>8/19/2014</a:t>
             </a:fld>
             <a:endParaRPr lang="en-US"/>
           </a:p>
@@ -1242,7 +1242,7 @@
           <a:p>
             <a:fld id="{EA92B4C5-73A1-48BB-A9A5-32C9642907C3}" type="datetime1">
               <a:rPr lang="en-US" smtClean="0"/>
-              <a:t>8/8/2014</a:t>
+              <a:t>8/19/2014</a:t>
             </a:fld>
             <a:endParaRPr lang="en-US"/>
           </a:p>
@@ -1452,7 +1452,7 @@
           <a:p>
             <a:fld id="{4ADE35DD-7265-41C6-9E2A-205ADF0B08D5}" type="datetime1">
               <a:rPr lang="en-US" smtClean="0"/>
-              <a:t>8/8/2014</a:t>
+              <a:t>8/19/2014</a:t>
             </a:fld>
             <a:endParaRPr lang="en-US"/>
           </a:p>
@@ -1642,15 +1642,7 @@
             </a:pPr>
             <a:r>
               <a:rPr lang="en-US" dirty="0" smtClean="0"/>
-              <a:t>The </a:t>
-            </a:r>
-            <a:r>
-              <a:rPr lang="en-US" dirty="0" smtClean="0"/>
-              <a:t>app </a:t>
-            </a:r>
-            <a:r>
-              <a:rPr lang="en-US" dirty="0" smtClean="0"/>
-              <a:t>web loads the SPRequestExecutor.js library</a:t>
+              <a:t>The app web loads the SPRequestExecutor.js library</a:t>
             </a:r>
           </a:p>
           <a:p>
@@ -1659,15 +1651,7 @@
             </a:pPr>
             <a:r>
               <a:rPr lang="en-US" dirty="0" smtClean="0"/>
-              <a:t>The </a:t>
-            </a:r>
-            <a:r>
-              <a:rPr lang="en-US" dirty="0" smtClean="0"/>
-              <a:t>app web creates </a:t>
-            </a:r>
-            <a:r>
-              <a:rPr lang="en-US" dirty="0" smtClean="0"/>
-              <a:t>a new </a:t>
+              <a:t>The app web creates a new </a:t>
             </a:r>
             <a:r>
               <a:rPr lang="en-US" dirty="0" err="1" smtClean="0"/>
@@ -1750,7 +1734,7 @@
           <a:p>
             <a:fld id="{011330EA-3A2F-4AA6-9551-59328781FD06}" type="datetime1">
               <a:rPr lang="en-US" smtClean="0"/>
-              <a:t>8/8/2014</a:t>
+              <a:t>8/19/2014</a:t>
             </a:fld>
             <a:endParaRPr lang="en-US"/>
           </a:p>
@@ -1960,7 +1944,7 @@
           <a:p>
             <a:fld id="{64C927B8-48AC-4209-AA95-18D990AB88E8}" type="datetime1">
               <a:rPr lang="en-US" smtClean="0"/>
-              <a:t>8/8/2014</a:t>
+              <a:t>8/19/2014</a:t>
             </a:fld>
             <a:endParaRPr lang="en-US"/>
           </a:p>
@@ -2189,7 +2173,7 @@
           <a:p>
             <a:fld id="{BC8BD616-3C53-4769-B049-3FE930DDEF97}" type="datetime1">
               <a:rPr lang="en-US" smtClean="0"/>
-              <a:t>8/8/2014</a:t>
+              <a:t>8/19/2014</a:t>
             </a:fld>
             <a:endParaRPr lang="en-US"/>
           </a:p>
@@ -2395,7 +2379,7 @@
           <a:p>
             <a:fld id="{6DFBD1BE-6A4F-4D98-BF0B-ADDB5A85FBE3}" type="datetime1">
               <a:rPr lang="en-US" smtClean="0"/>
-              <a:t>8/8/2014</a:t>
+              <a:t>8/19/2014</a:t>
             </a:fld>
             <a:endParaRPr lang="en-US"/>
           </a:p>
@@ -2601,7 +2585,7 @@
           <a:p>
             <a:fld id="{5C086280-9E36-46F9-9D6E-28EEBD564A2F}" type="datetime1">
               <a:rPr lang="en-US" smtClean="0"/>
-              <a:t>8/8/2014</a:t>
+              <a:t>8/19/2014</a:t>
             </a:fld>
             <a:endParaRPr lang="en-US"/>
           </a:p>
@@ -2807,7 +2791,7 @@
           <a:p>
             <a:fld id="{9578095F-DAC2-48A6-9439-B5B16DDBB617}" type="datetime1">
               <a:rPr lang="en-US" smtClean="0"/>
-              <a:t>8/8/2014</a:t>
+              <a:t>8/19/2014</a:t>
             </a:fld>
             <a:endParaRPr lang="en-US"/>
           </a:p>
@@ -3013,7 +2997,7 @@
           <a:p>
             <a:fld id="{6DFBD1BE-6A4F-4D98-BF0B-ADDB5A85FBE3}" type="datetime1">
               <a:rPr lang="en-US" smtClean="0"/>
-              <a:t>8/8/2014</a:t>
+              <a:t>8/19/2014</a:t>
             </a:fld>
             <a:endParaRPr lang="en-US"/>
           </a:p>
@@ -3219,7 +3203,7 @@
           <a:p>
             <a:fld id="{6DFBD1BE-6A4F-4D98-BF0B-ADDB5A85FBE3}" type="datetime1">
               <a:rPr lang="en-US" smtClean="0"/>
-              <a:t>8/8/2014</a:t>
+              <a:t>8/19/2014</a:t>
             </a:fld>
             <a:endParaRPr lang="en-US"/>
           </a:p>
@@ -3479,7 +3463,7 @@
           <a:p>
             <a:fld id="{B079C3B8-7366-4A44-A34B-3977080C19E7}" type="datetime1">
               <a:rPr lang="en-US" smtClean="0"/>
-              <a:t>8/8/2014</a:t>
+              <a:t>8/19/2014</a:t>
             </a:fld>
             <a:endParaRPr lang="en-US" dirty="0"/>
           </a:p>
@@ -3610,7 +3594,7 @@
           <a:p>
             <a:fld id="{1EEDE84A-98EC-4D75-9A7A-DFF39A931950}" type="datetime1">
               <a:rPr lang="en-US" smtClean="0"/>
-              <a:t>8/8/2014</a:t>
+              <a:t>8/19/2014</a:t>
             </a:fld>
             <a:endParaRPr lang="en-US"/>
           </a:p>
@@ -3927,7 +3911,7 @@
           <a:p>
             <a:fld id="{0BB6559B-C68D-49B4-97AE-9BB74C417927}" type="datetime1">
               <a:rPr lang="en-US" smtClean="0"/>
-              <a:t>8/8/2014</a:t>
+              <a:t>8/19/2014</a:t>
             </a:fld>
             <a:endParaRPr lang="en-US"/>
           </a:p>
@@ -4074,7 +4058,7 @@
           <a:p>
             <a:fld id="{0C3C20F7-22CF-4B06-A2C4-710BBA74F6A5}" type="datetime1">
               <a:rPr lang="en-US" smtClean="0"/>
-              <a:t>8/8/2014</a:t>
+              <a:t>8/19/2014</a:t>
             </a:fld>
             <a:endParaRPr lang="en-US"/>
           </a:p>
@@ -4284,7 +4268,7 @@
           <a:p>
             <a:fld id="{70210F0F-1244-4C73-AF4A-4072D1118C71}" type="datetime1">
               <a:rPr lang="en-US" smtClean="0"/>
-              <a:t>8/8/2014</a:t>
+              <a:t>8/19/2014</a:t>
             </a:fld>
             <a:endParaRPr lang="en-US"/>
           </a:p>
@@ -4590,7 +4574,7 @@
           <a:p>
             <a:fld id="{AE9AEF2E-5E0F-470C-8AB5-948C2A6F0374}" type="datetime1">
               <a:rPr lang="en-US" smtClean="0"/>
-              <a:t>8/8/2014</a:t>
+              <a:t>8/19/2014</a:t>
             </a:fld>
             <a:endParaRPr lang="en-US"/>
           </a:p>
@@ -4808,7 +4792,7 @@
           <a:p>
             <a:fld id="{6E50E453-F0F1-4F28-9386-D0CC835A3436}" type="datetime1">
               <a:rPr lang="en-US" smtClean="0"/>
-              <a:t>8/8/2014</a:t>
+              <a:t>8/19/2014</a:t>
             </a:fld>
             <a:endParaRPr lang="en-US"/>
           </a:p>
@@ -5023,7 +5007,7 @@
           <a:p>
             <a:fld id="{F372C601-B3D4-4352-8812-691632D028CC}" type="datetime1">
               <a:rPr lang="en-US" smtClean="0"/>
-              <a:t>8/8/2014</a:t>
+              <a:t>8/19/2014</a:t>
             </a:fld>
             <a:endParaRPr lang="en-US"/>
           </a:p>
@@ -5271,7 +5255,7 @@
           <a:p>
             <a:fld id="{09D58FB4-9AD0-481B-8C84-A17E43C7859F}" type="datetime1">
               <a:rPr lang="en-US" smtClean="0"/>
-              <a:t>8/8/2014</a:t>
+              <a:t>8/19/2014</a:t>
             </a:fld>
             <a:endParaRPr lang="en-US"/>
           </a:p>
@@ -5485,7 +5469,7 @@
           <a:p>
             <a:fld id="{572172F6-25BB-44AC-BBEC-964D1D29CFE8}" type="datetime1">
               <a:rPr lang="en-US" smtClean="0"/>
-              <a:t>8/8/2014</a:t>
+              <a:t>8/19/2014</a:t>
             </a:fld>
             <a:endParaRPr lang="en-US"/>
           </a:p>
@@ -16992,7 +16976,7 @@
                 <a:gridCol w="11225057">
                   <a:extLst>
                     <a:ext uri="{9D8B030D-6E8A-4147-A177-3AD203B41FA5}">
-                      <a16:colId xmlns="" xmlns:a16="http://schemas.microsoft.com/office/drawing/2014/main" val="1253488153"/>
+                      <a16:colId xmlns:a16="http://schemas.microsoft.com/office/drawing/2014/main" xmlns="" val="1253488153"/>
                     </a:ext>
                   </a:extLst>
                 </a:gridCol>
@@ -17022,7 +17006,7 @@
                 </a:tc>
                 <a:extLst>
                   <a:ext uri="{0D108BD9-81ED-4DB2-BD59-A6C34878D82A}">
-                    <a16:rowId xmlns="" xmlns:a16="http://schemas.microsoft.com/office/drawing/2014/main" val="829859176"/>
+                    <a16:rowId xmlns:a16="http://schemas.microsoft.com/office/drawing/2014/main" xmlns="" val="829859176"/>
                   </a:ext>
                 </a:extLst>
               </a:tr>
@@ -17043,7 +17027,7 @@
                 </a:tc>
                 <a:extLst>
                   <a:ext uri="{0D108BD9-81ED-4DB2-BD59-A6C34878D82A}">
-                    <a16:rowId xmlns="" xmlns:a16="http://schemas.microsoft.com/office/drawing/2014/main" val="1946132611"/>
+                    <a16:rowId xmlns:a16="http://schemas.microsoft.com/office/drawing/2014/main" xmlns="" val="1946132611"/>
                   </a:ext>
                 </a:extLst>
               </a:tr>
@@ -17080,7 +17064,7 @@
                 </a:tc>
                 <a:extLst>
                   <a:ext uri="{0D108BD9-81ED-4DB2-BD59-A6C34878D82A}">
-                    <a16:rowId xmlns="" xmlns:a16="http://schemas.microsoft.com/office/drawing/2014/main" val="3204002662"/>
+                    <a16:rowId xmlns:a16="http://schemas.microsoft.com/office/drawing/2014/main" xmlns="" val="3204002662"/>
                   </a:ext>
                 </a:extLst>
               </a:tr>
@@ -17121,7 +17105,7 @@
                 </a:tc>
                 <a:extLst>
                   <a:ext uri="{0D108BD9-81ED-4DB2-BD59-A6C34878D82A}">
-                    <a16:rowId xmlns="" xmlns:a16="http://schemas.microsoft.com/office/drawing/2014/main" val="4266278162"/>
+                    <a16:rowId xmlns:a16="http://schemas.microsoft.com/office/drawing/2014/main" xmlns="" val="4266278162"/>
                   </a:ext>
                 </a:extLst>
               </a:tr>
@@ -18563,7 +18547,6 @@
               <a:rPr lang="en-US" spc="-70" dirty="0" smtClean="0"/>
               <a:t>Host Web</a:t>
             </a:r>
-            <a:endParaRPr lang="en-US" spc="-70" dirty="0" smtClean="0"/>
           </a:p>
         </p:txBody>
       </p:sp>
@@ -18960,7 +18943,7 @@
       </p:sp>
       <p:pic>
         <p:nvPicPr>
-          <p:cNvPr id="5" name="Picture 4"/>
+          <p:cNvPr id="4" name="Picture 3"/>
           <p:cNvPicPr>
             <a:picLocks noChangeAspect="1"/>
           </p:cNvPicPr>
@@ -18980,15 +18963,12 @@
         </p:blipFill>
         <p:spPr>
           <a:xfrm>
-            <a:off x="1196445" y="1429810"/>
-            <a:ext cx="7812089" cy="2052023"/>
+            <a:off x="1295676" y="1629299"/>
+            <a:ext cx="6891224" cy="3450702"/>
           </a:xfrm>
           <a:prstGeom prst="rect">
             <a:avLst/>
           </a:prstGeom>
-          <a:ln>
-            <a:noFill/>
-          </a:ln>
         </p:spPr>
       </p:pic>
     </p:spTree>
@@ -19048,11 +19028,7 @@
           <a:p>
             <a:r>
               <a:rPr lang="en-US" dirty="0" smtClean="0"/>
-              <a:t>CRUD operations </a:t>
-            </a:r>
-            <a:r>
-              <a:rPr lang="en-US" dirty="0" smtClean="0"/>
-              <a:t>against the host web</a:t>
+              <a:t>CRUD operations against the host web</a:t>
             </a:r>
             <a:endParaRPr lang="en-US" dirty="0"/>
           </a:p>
@@ -23375,6 +23351,15 @@
 </file>
 
 <file path=customXml/item1.xml><?xml version="1.0" encoding="utf-8"?>
+<?mso-contentType ?>
+<FormTemplates xmlns="http://schemas.microsoft.com/sharepoint/v3/contenttype/forms">
+  <Display>DocumentLibraryForm</Display>
+  <Edit>DocumentLibraryForm</Edit>
+  <New>DocumentLibraryForm</New>
+</FormTemplates>
+</file>
+
+<file path=customXml/item2.xml><?xml version="1.0" encoding="utf-8"?>
 <ct:contentTypeSchema xmlns:ct="http://schemas.microsoft.com/office/2006/metadata/contentType" xmlns:ma="http://schemas.microsoft.com/office/2006/metadata/properties/metaAttributes" ct:_="" ma:_="" ma:contentTypeName="Document" ma:contentTypeID="0x010100A2E4C90AA7333249A7DBC8CC6F49919B" ma:contentTypeVersion="1" ma:contentTypeDescription="Create a new document." ma:contentTypeScope="" ma:versionID="e7b09f0f38d7ed30c7da14951e97abcc">
   <xsd:schema xmlns:xsd="http://www.w3.org/2001/XMLSchema" xmlns:xs="http://www.w3.org/2001/XMLSchema" xmlns:p="http://schemas.microsoft.com/office/2006/metadata/properties" xmlns:ns2="5fad15d0-477e-40da-a20d-40d4ca777cbd" targetNamespace="http://schemas.microsoft.com/office/2006/metadata/properties" ma:root="true" ma:fieldsID="0cee24db179c30c5ebec40b677cadf70" ns2:_="">
     <xsd:import namespace="5fad15d0-477e-40da-a20d-40d4ca777cbd"/>
@@ -23514,15 +23499,6 @@
 </ct:contentTypeSchema>
 </file>
 
-<file path=customXml/item2.xml><?xml version="1.0" encoding="utf-8"?>
-<?mso-contentType ?>
-<FormTemplates xmlns="http://schemas.microsoft.com/sharepoint/v3/contenttype/forms">
-  <Display>DocumentLibraryForm</Display>
-  <Edit>DocumentLibraryForm</Edit>
-  <New>DocumentLibraryForm</New>
-</FormTemplates>
-</file>
-
 <file path=customXml/item3.xml><?xml version="1.0" encoding="utf-8"?>
 <p:properties xmlns:p="http://schemas.microsoft.com/office/2006/metadata/properties" xmlns:xsi="http://www.w3.org/2001/XMLSchema-instance" xmlns:pc="http://schemas.microsoft.com/office/infopath/2007/PartnerControls">
   <documentManagement/>
@@ -23530,6 +23506,14 @@
 </file>
 
 <file path=customXml/itemProps1.xml><?xml version="1.0" encoding="utf-8"?>
+<ds:datastoreItem xmlns:ds="http://schemas.openxmlformats.org/officeDocument/2006/customXml" ds:itemID="{E1E0CE18-CA03-4891-9CD8-3448778E3D53}">
+  <ds:schemaRefs>
+    <ds:schemaRef ds:uri="http://schemas.microsoft.com/sharepoint/v3/contenttype/forms"/>
+  </ds:schemaRefs>
+</ds:datastoreItem>
+</file>
+
+<file path=customXml/itemProps2.xml><?xml version="1.0" encoding="utf-8"?>
 <ds:datastoreItem xmlns:ds="http://schemas.openxmlformats.org/officeDocument/2006/customXml" ds:itemID="{F17DCE38-6787-497B-B958-75817420EB1E}">
   <ds:schemaRefs>
     <ds:schemaRef ds:uri="http://schemas.microsoft.com/office/2006/metadata/contentType"/>
@@ -23543,14 +23527,6 @@
     <ds:schemaRef ds:uri="http://purl.org/dc/elements/1.1/"/>
     <ds:schemaRef ds:uri="http://purl.org/dc/terms/"/>
     <ds:schemaRef ds:uri="http://schemas.microsoft.com/internal/obd"/>
-  </ds:schemaRefs>
-</ds:datastoreItem>
-</file>
-
-<file path=customXml/itemProps2.xml><?xml version="1.0" encoding="utf-8"?>
-<ds:datastoreItem xmlns:ds="http://schemas.openxmlformats.org/officeDocument/2006/customXml" ds:itemID="{E1E0CE18-CA03-4891-9CD8-3448778E3D53}">
-  <ds:schemaRefs>
-    <ds:schemaRef ds:uri="http://schemas.microsoft.com/sharepoint/v3/contenttype/forms"/>
   </ds:schemaRefs>
 </ds:datastoreItem>
 </file>

--- a/O3652-5 Deep Dive into SharePoint Hosted Apps/O3652-5 Deep Dive into SharePoint Hosted Apps.pptx
+++ b/O3652-5 Deep Dive into SharePoint Hosted Apps/O3652-5 Deep Dive into SharePoint Hosted Apps.pptx
@@ -17,7 +17,7 @@
     <p:sldId id="780" r:id="rId8"/>
     <p:sldId id="788" r:id="rId9"/>
     <p:sldId id="783" r:id="rId10"/>
-    <p:sldId id="854" r:id="rId11"/>
+    <p:sldId id="907" r:id="rId11"/>
     <p:sldId id="891" r:id="rId12"/>
     <p:sldId id="892" r:id="rId13"/>
     <p:sldId id="873" r:id="rId14"/>
@@ -351,7 +351,7 @@
           <a:p>
             <a:fld id="{DE219B1A-AE41-483B-A766-69B9363DDA6A}" type="datetimeFigureOut">
               <a:rPr lang="en-US" smtClean="0"/>
-              <a:t>8/19/2014</a:t>
+              <a:t>9/8/2014</a:t>
             </a:fld>
             <a:endParaRPr lang="en-US"/>
           </a:p>
@@ -633,7 +633,7 @@
           <a:p>
             <a:fld id="{D51B1278-D92B-4AF3-A9C1-71DD298190CE}" type="datetimeFigureOut">
               <a:rPr lang="en-US" smtClean="0"/>
-              <a:t>8/19/2014</a:t>
+              <a:t>9/8/2014</a:t>
             </a:fld>
             <a:endParaRPr lang="en-US"/>
           </a:p>
@@ -1242,7 +1242,7 @@
           <a:p>
             <a:fld id="{EA92B4C5-73A1-48BB-A9A5-32C9642907C3}" type="datetime1">
               <a:rPr lang="en-US" smtClean="0"/>
-              <a:t>8/19/2014</a:t>
+              <a:t>9/8/2014</a:t>
             </a:fld>
             <a:endParaRPr lang="en-US"/>
           </a:p>
@@ -1452,7 +1452,7 @@
           <a:p>
             <a:fld id="{4ADE35DD-7265-41C6-9E2A-205ADF0B08D5}" type="datetime1">
               <a:rPr lang="en-US" smtClean="0"/>
-              <a:t>8/19/2014</a:t>
+              <a:t>9/8/2014</a:t>
             </a:fld>
             <a:endParaRPr lang="en-US"/>
           </a:p>
@@ -1734,7 +1734,7 @@
           <a:p>
             <a:fld id="{011330EA-3A2F-4AA6-9551-59328781FD06}" type="datetime1">
               <a:rPr lang="en-US" smtClean="0"/>
-              <a:t>8/19/2014</a:t>
+              <a:t>9/8/2014</a:t>
             </a:fld>
             <a:endParaRPr lang="en-US"/>
           </a:p>
@@ -1944,7 +1944,7 @@
           <a:p>
             <a:fld id="{64C927B8-48AC-4209-AA95-18D990AB88E8}" type="datetime1">
               <a:rPr lang="en-US" smtClean="0"/>
-              <a:t>8/19/2014</a:t>
+              <a:t>9/8/2014</a:t>
             </a:fld>
             <a:endParaRPr lang="en-US"/>
           </a:p>
@@ -2173,7 +2173,7 @@
           <a:p>
             <a:fld id="{BC8BD616-3C53-4769-B049-3FE930DDEF97}" type="datetime1">
               <a:rPr lang="en-US" smtClean="0"/>
-              <a:t>8/19/2014</a:t>
+              <a:t>9/8/2014</a:t>
             </a:fld>
             <a:endParaRPr lang="en-US"/>
           </a:p>
@@ -2379,7 +2379,7 @@
           <a:p>
             <a:fld id="{6DFBD1BE-6A4F-4D98-BF0B-ADDB5A85FBE3}" type="datetime1">
               <a:rPr lang="en-US" smtClean="0"/>
-              <a:t>8/19/2014</a:t>
+              <a:t>9/8/2014</a:t>
             </a:fld>
             <a:endParaRPr lang="en-US"/>
           </a:p>
@@ -2585,7 +2585,7 @@
           <a:p>
             <a:fld id="{5C086280-9E36-46F9-9D6E-28EEBD564A2F}" type="datetime1">
               <a:rPr lang="en-US" smtClean="0"/>
-              <a:t>8/19/2014</a:t>
+              <a:t>9/8/2014</a:t>
             </a:fld>
             <a:endParaRPr lang="en-US"/>
           </a:p>
@@ -2791,7 +2791,7 @@
           <a:p>
             <a:fld id="{9578095F-DAC2-48A6-9439-B5B16DDBB617}" type="datetime1">
               <a:rPr lang="en-US" smtClean="0"/>
-              <a:t>8/19/2014</a:t>
+              <a:t>9/8/2014</a:t>
             </a:fld>
             <a:endParaRPr lang="en-US"/>
           </a:p>
@@ -2997,7 +2997,7 @@
           <a:p>
             <a:fld id="{6DFBD1BE-6A4F-4D98-BF0B-ADDB5A85FBE3}" type="datetime1">
               <a:rPr lang="en-US" smtClean="0"/>
-              <a:t>8/19/2014</a:t>
+              <a:t>9/8/2014</a:t>
             </a:fld>
             <a:endParaRPr lang="en-US"/>
           </a:p>
@@ -3203,7 +3203,7 @@
           <a:p>
             <a:fld id="{6DFBD1BE-6A4F-4D98-BF0B-ADDB5A85FBE3}" type="datetime1">
               <a:rPr lang="en-US" smtClean="0"/>
-              <a:t>8/19/2014</a:t>
+              <a:t>9/8/2014</a:t>
             </a:fld>
             <a:endParaRPr lang="en-US"/>
           </a:p>
@@ -3463,7 +3463,7 @@
           <a:p>
             <a:fld id="{B079C3B8-7366-4A44-A34B-3977080C19E7}" type="datetime1">
               <a:rPr lang="en-US" smtClean="0"/>
-              <a:t>8/19/2014</a:t>
+              <a:t>9/8/2014</a:t>
             </a:fld>
             <a:endParaRPr lang="en-US" dirty="0"/>
           </a:p>
@@ -3594,7 +3594,7 @@
           <a:p>
             <a:fld id="{1EEDE84A-98EC-4D75-9A7A-DFF39A931950}" type="datetime1">
               <a:rPr lang="en-US" smtClean="0"/>
-              <a:t>8/19/2014</a:t>
+              <a:t>9/8/2014</a:t>
             </a:fld>
             <a:endParaRPr lang="en-US"/>
           </a:p>
@@ -3911,7 +3911,7 @@
           <a:p>
             <a:fld id="{0BB6559B-C68D-49B4-97AE-9BB74C417927}" type="datetime1">
               <a:rPr lang="en-US" smtClean="0"/>
-              <a:t>8/19/2014</a:t>
+              <a:t>9/8/2014</a:t>
             </a:fld>
             <a:endParaRPr lang="en-US"/>
           </a:p>
@@ -4037,6 +4037,8 @@
               <a:rPr lang="en-US" dirty="0" smtClean="0"/>
               <a:t>May call to other cross-domain resources using appropriate techniques such as cross-origin resource sharing (CORS) or a web proxy</a:t>
             </a:r>
+          </a:p>
+          <a:p>
             <a:endParaRPr lang="en-US" dirty="0"/>
           </a:p>
         </p:txBody>
@@ -4056,9 +4058,9 @@
           <a:bodyPr/>
           <a:lstStyle/>
           <a:p>
-            <a:fld id="{0C3C20F7-22CF-4B06-A2C4-710BBA74F6A5}" type="datetime1">
+            <a:fld id="{78BBBD37-D011-4FCC-962E-2470062DE670}" type="datetime1">
               <a:rPr lang="en-US" smtClean="0"/>
-              <a:t>8/19/2014</a:t>
+              <a:t>9/8/2014</a:t>
             </a:fld>
             <a:endParaRPr lang="en-US"/>
           </a:p>
@@ -4189,7 +4191,7 @@
     </p:spTree>
     <p:extLst>
       <p:ext uri="{BB962C8B-B14F-4D97-AF65-F5344CB8AC3E}">
-        <p14:creationId xmlns:p14="http://schemas.microsoft.com/office/powerpoint/2010/main" val="1537191079"/>
+        <p14:creationId xmlns:p14="http://schemas.microsoft.com/office/powerpoint/2010/main" val="1741906993"/>
       </p:ext>
     </p:extLst>
   </p:cSld>
@@ -4268,7 +4270,7 @@
           <a:p>
             <a:fld id="{70210F0F-1244-4C73-AF4A-4072D1118C71}" type="datetime1">
               <a:rPr lang="en-US" smtClean="0"/>
-              <a:t>8/19/2014</a:t>
+              <a:t>9/8/2014</a:t>
             </a:fld>
             <a:endParaRPr lang="en-US"/>
           </a:p>
@@ -4574,7 +4576,7 @@
           <a:p>
             <a:fld id="{AE9AEF2E-5E0F-470C-8AB5-948C2A6F0374}" type="datetime1">
               <a:rPr lang="en-US" smtClean="0"/>
-              <a:t>8/19/2014</a:t>
+              <a:t>9/8/2014</a:t>
             </a:fld>
             <a:endParaRPr lang="en-US"/>
           </a:p>
@@ -4792,7 +4794,7 @@
           <a:p>
             <a:fld id="{6E50E453-F0F1-4F28-9386-D0CC835A3436}" type="datetime1">
               <a:rPr lang="en-US" smtClean="0"/>
-              <a:t>8/19/2014</a:t>
+              <a:t>9/8/2014</a:t>
             </a:fld>
             <a:endParaRPr lang="en-US"/>
           </a:p>
@@ -5007,7 +5009,7 @@
           <a:p>
             <a:fld id="{F372C601-B3D4-4352-8812-691632D028CC}" type="datetime1">
               <a:rPr lang="en-US" smtClean="0"/>
-              <a:t>8/19/2014</a:t>
+              <a:t>9/8/2014</a:t>
             </a:fld>
             <a:endParaRPr lang="en-US"/>
           </a:p>
@@ -5255,7 +5257,7 @@
           <a:p>
             <a:fld id="{09D58FB4-9AD0-481B-8C84-A17E43C7859F}" type="datetime1">
               <a:rPr lang="en-US" smtClean="0"/>
-              <a:t>8/19/2014</a:t>
+              <a:t>9/8/2014</a:t>
             </a:fld>
             <a:endParaRPr lang="en-US"/>
           </a:p>
@@ -5469,7 +5471,7 @@
           <a:p>
             <a:fld id="{572172F6-25BB-44AC-BBEC-964D1D29CFE8}" type="datetime1">
               <a:rPr lang="en-US" smtClean="0"/>
-              <a:t>8/19/2014</a:t>
+              <a:t>9/8/2014</a:t>
             </a:fld>
             <a:endParaRPr lang="en-US"/>
           </a:p>
@@ -16976,7 +16978,7 @@
                 <a:gridCol w="11225057">
                   <a:extLst>
                     <a:ext uri="{9D8B030D-6E8A-4147-A177-3AD203B41FA5}">
-                      <a16:colId xmlns:a16="http://schemas.microsoft.com/office/drawing/2014/main" xmlns="" val="1253488153"/>
+                      <a16:colId xmlns="" xmlns:a16="http://schemas.microsoft.com/office/drawing/2014/main" val="1253488153"/>
                     </a:ext>
                   </a:extLst>
                 </a:gridCol>
@@ -17006,7 +17008,7 @@
                 </a:tc>
                 <a:extLst>
                   <a:ext uri="{0D108BD9-81ED-4DB2-BD59-A6C34878D82A}">
-                    <a16:rowId xmlns:a16="http://schemas.microsoft.com/office/drawing/2014/main" xmlns="" val="829859176"/>
+                    <a16:rowId xmlns="" xmlns:a16="http://schemas.microsoft.com/office/drawing/2014/main" val="829859176"/>
                   </a:ext>
                 </a:extLst>
               </a:tr>
@@ -17027,7 +17029,7 @@
                 </a:tc>
                 <a:extLst>
                   <a:ext uri="{0D108BD9-81ED-4DB2-BD59-A6C34878D82A}">
-                    <a16:rowId xmlns:a16="http://schemas.microsoft.com/office/drawing/2014/main" xmlns="" val="1946132611"/>
+                    <a16:rowId xmlns="" xmlns:a16="http://schemas.microsoft.com/office/drawing/2014/main" val="1946132611"/>
                   </a:ext>
                 </a:extLst>
               </a:tr>
@@ -17064,7 +17066,7 @@
                 </a:tc>
                 <a:extLst>
                   <a:ext uri="{0D108BD9-81ED-4DB2-BD59-A6C34878D82A}">
-                    <a16:rowId xmlns:a16="http://schemas.microsoft.com/office/drawing/2014/main" xmlns="" val="3204002662"/>
+                    <a16:rowId xmlns="" xmlns:a16="http://schemas.microsoft.com/office/drawing/2014/main" val="3204002662"/>
                   </a:ext>
                 </a:extLst>
               </a:tr>
@@ -17105,7 +17107,7 @@
                 </a:tc>
                 <a:extLst>
                   <a:ext uri="{0D108BD9-81ED-4DB2-BD59-A6C34878D82A}">
-                    <a16:rowId xmlns:a16="http://schemas.microsoft.com/office/drawing/2014/main" xmlns="" val="4266278162"/>
+                    <a16:rowId xmlns="" xmlns:a16="http://schemas.microsoft.com/office/drawing/2014/main" val="4266278162"/>
                   </a:ext>
                 </a:extLst>
               </a:tr>
@@ -20898,7 +20900,7 @@
       </p:grpSpPr>
       <p:sp>
         <p:nvSpPr>
-          <p:cNvPr id="2" name="Title 1"/>
+          <p:cNvPr id="3" name="Title 2"/>
           <p:cNvSpPr>
             <a:spLocks noGrp="1"/>
           </p:cNvSpPr>
@@ -20919,72 +20921,161 @@
           </a:p>
         </p:txBody>
       </p:sp>
-      <p:sp>
-        <p:nvSpPr>
-          <p:cNvPr id="3" name="Slide Number Placeholder 2"/>
-          <p:cNvSpPr>
-            <a:spLocks noGrp="1"/>
-          </p:cNvSpPr>
-          <p:nvPr>
-            <p:ph type="sldNum" sz="quarter" idx="12"/>
-          </p:nvPr>
-        </p:nvSpPr>
-        <p:spPr/>
-        <p:txBody>
-          <a:bodyPr/>
-          <a:lstStyle/>
-          <a:p>
-            <a:fld id="{727B4C2D-45E2-4621-8491-2995EB46A674}" type="slidenum">
-              <a:rPr lang="en-US" smtClean="0"/>
-              <a:pPr/>
-              <a:t>6</a:t>
-            </a:fld>
-            <a:endParaRPr lang="en-US" dirty="0"/>
-          </a:p>
-        </p:txBody>
-      </p:sp>
-      <p:sp>
-        <p:nvSpPr>
-          <p:cNvPr id="5" name="Flowchart: Magnetic Disk 4"/>
+      <p:grpSp>
+        <p:nvGrpSpPr>
+          <p:cNvPr id="4" name="Group 3"/>
+          <p:cNvGrpSpPr>
+            <a:grpSpLocks noChangeAspect="1"/>
+          </p:cNvGrpSpPr>
+          <p:nvPr/>
+        </p:nvGrpSpPr>
+        <p:grpSpPr>
+          <a:xfrm>
+            <a:off x="2073532" y="3438878"/>
+            <a:ext cx="1634531" cy="1514211"/>
+            <a:chOff x="1139868" y="4066586"/>
+            <a:chExt cx="2223910" cy="2060213"/>
+          </a:xfrm>
+        </p:grpSpPr>
+        <p:pic>
+          <p:nvPicPr>
+            <p:cNvPr id="5" name="Picture 4"/>
+            <p:cNvPicPr>
+              <a:picLocks noChangeAspect="1"/>
+            </p:cNvPicPr>
+            <p:nvPr/>
+          </p:nvPicPr>
+          <p:blipFill>
+            <a:blip r:embed="rId3"/>
+            <a:stretch>
+              <a:fillRect/>
+            </a:stretch>
+          </p:blipFill>
+          <p:spPr>
+            <a:xfrm>
+              <a:off x="1139868" y="4066586"/>
+              <a:ext cx="1334950" cy="1267414"/>
+            </a:xfrm>
+            <a:prstGeom prst="rect">
+              <a:avLst/>
+            </a:prstGeom>
+          </p:spPr>
+        </p:pic>
+        <p:pic>
+          <p:nvPicPr>
+            <p:cNvPr id="6" name="Picture 5"/>
+            <p:cNvPicPr>
+              <a:picLocks noChangeAspect="1"/>
+            </p:cNvPicPr>
+            <p:nvPr/>
+          </p:nvPicPr>
+          <p:blipFill>
+            <a:blip r:embed="rId4"/>
+            <a:stretch>
+              <a:fillRect/>
+            </a:stretch>
+          </p:blipFill>
+          <p:spPr>
+            <a:xfrm>
+              <a:off x="2722844" y="5169800"/>
+              <a:ext cx="640934" cy="956999"/>
+            </a:xfrm>
+            <a:prstGeom prst="rect">
+              <a:avLst/>
+            </a:prstGeom>
+          </p:spPr>
+        </p:pic>
+        <p:pic>
+          <p:nvPicPr>
+            <p:cNvPr id="7" name="Picture 6"/>
+            <p:cNvPicPr>
+              <a:picLocks noChangeAspect="1"/>
+            </p:cNvPicPr>
+            <p:nvPr/>
+          </p:nvPicPr>
+          <p:blipFill>
+            <a:blip r:embed="rId5"/>
+            <a:stretch>
+              <a:fillRect/>
+            </a:stretch>
+          </p:blipFill>
+          <p:spPr>
+            <a:xfrm>
+              <a:off x="1625422" y="5341440"/>
+              <a:ext cx="963439" cy="699247"/>
+            </a:xfrm>
+            <a:prstGeom prst="rect">
+              <a:avLst/>
+            </a:prstGeom>
+          </p:spPr>
+        </p:pic>
+        <p:pic>
+          <p:nvPicPr>
+            <p:cNvPr id="8" name="Picture 7"/>
+            <p:cNvPicPr>
+              <a:picLocks noChangeAspect="1"/>
+            </p:cNvPicPr>
+            <p:nvPr/>
+          </p:nvPicPr>
+          <p:blipFill>
+            <a:blip r:embed="rId6"/>
+            <a:stretch>
+              <a:fillRect/>
+            </a:stretch>
+          </p:blipFill>
+          <p:spPr>
+            <a:xfrm>
+              <a:off x="2087010" y="4919651"/>
+              <a:ext cx="907928" cy="658958"/>
+            </a:xfrm>
+            <a:prstGeom prst="rect">
+              <a:avLst/>
+            </a:prstGeom>
+          </p:spPr>
+        </p:pic>
+      </p:grpSp>
+      <p:sp>
+        <p:nvSpPr>
+          <p:cNvPr id="9" name="Rectangle 8"/>
           <p:cNvSpPr/>
           <p:nvPr/>
         </p:nvSpPr>
         <p:spPr bwMode="auto">
           <a:xfrm>
-            <a:off x="8595880" y="2538473"/>
-            <a:ext cx="2703008" cy="874207"/>
+            <a:off x="4655578" y="2181018"/>
+            <a:ext cx="3552214" cy="2857708"/>
           </a:xfrm>
-          <a:prstGeom prst="flowChartMagneticDisk">
+          <a:prstGeom prst="rect">
             <a:avLst/>
           </a:prstGeom>
           <a:solidFill>
-            <a:srgbClr val="0070C0"/>
+            <a:schemeClr val="bg2">
+              <a:lumMod val="20000"/>
+              <a:lumOff val="80000"/>
+              <a:alpha val="75000"/>
+            </a:schemeClr>
           </a:solidFill>
           <a:ln>
-            <a:solidFill>
-              <a:schemeClr val="tx1"/>
-            </a:solidFill>
             <a:headEnd type="none" w="med" len="med"/>
             <a:tailEnd type="none" w="med" len="med"/>
           </a:ln>
-          <a:effectLst/>
         </p:spPr>
         <p:style>
-          <a:lnRef idx="1">
-            <a:schemeClr val="accent2"/>
+          <a:lnRef idx="2">
+            <a:schemeClr val="accent5"/>
           </a:lnRef>
-          <a:fillRef idx="3">
-            <a:schemeClr val="accent2"/>
+          <a:fillRef idx="1">
+            <a:schemeClr val="lt1"/>
           </a:fillRef>
-          <a:effectRef idx="2">
-            <a:schemeClr val="accent2"/>
+          <a:effectRef idx="0">
+            <a:schemeClr val="accent5"/>
           </a:effectRef>
           <a:fontRef idx="minor">
-            <a:schemeClr val="lt1"/>
+            <a:schemeClr val="dk1"/>
           </a:fontRef>
         </p:style>
         <p:txBody>
-          <a:bodyPr rot="0" spcFirstLastPara="0" vertOverflow="overflow" horzOverflow="overflow" vert="horz" wrap="square" lIns="45720" tIns="45720" rIns="45720" bIns="45720" numCol="1" spcCol="0" rtlCol="0" fromWordArt="0" anchor="ctr" anchorCtr="0" forceAA="0" compatLnSpc="1">
+          <a:bodyPr rot="0" spcFirstLastPara="0" vertOverflow="overflow" horzOverflow="overflow" vert="horz" wrap="square" lIns="108000" tIns="45720" rIns="45720" bIns="45720" numCol="1" spcCol="0" rtlCol="0" fromWordArt="0" anchor="t" anchorCtr="0" forceAA="0" compatLnSpc="1">
             <a:prstTxWarp prst="textNoShape">
               <a:avLst/>
             </a:prstTxWarp>
@@ -20992,7 +21083,7 @@
           </a:bodyPr>
           <a:lstStyle/>
           <a:p>
-            <a:pPr algn="ctr" defTabSz="914099" fontAlgn="base">
+            <a:pPr defTabSz="914099" fontAlgn="base">
               <a:spcBef>
                 <a:spcPct val="0"/>
               </a:spcBef>
@@ -21001,404 +21092,515 @@
               </a:spcAft>
             </a:pPr>
             <a:r>
-              <a:rPr lang="en-US" sz="2200" dirty="0" smtClean="0">
-                <a:gradFill>
-                  <a:gsLst>
-                    <a:gs pos="0">
-                      <a:srgbClr val="FFFFFF"/>
-                    </a:gs>
-                    <a:gs pos="100000">
-                      <a:srgbClr val="FFFFFF"/>
-                    </a:gs>
-                  </a:gsLst>
-                  <a:lin ang="5400000" scaled="0"/>
-                </a:gradFill>
-                <a:ea typeface="Segoe UI" pitchFamily="34" charset="0"/>
-                <a:cs typeface="Segoe UI" pitchFamily="34" charset="0"/>
-              </a:rPr>
-              <a:t>Web Services</a:t>
-            </a:r>
-          </a:p>
-        </p:txBody>
-      </p:sp>
-      <p:pic>
-        <p:nvPicPr>
-          <p:cNvPr id="7" name="Picture 6"/>
-          <p:cNvPicPr>
-            <a:picLocks noChangeAspect="1"/>
-          </p:cNvPicPr>
-          <p:nvPr/>
-        </p:nvPicPr>
-        <p:blipFill>
-          <a:blip r:embed="rId3">
-            <a:extLst>
-              <a:ext uri="{28A0092B-C50C-407E-A947-70E740481C1C}">
-                <a14:useLocalDpi xmlns:a14="http://schemas.microsoft.com/office/drawing/2010/main" val="0"/>
-              </a:ext>
-            </a:extLst>
-          </a:blip>
-          <a:stretch>
-            <a:fillRect/>
-          </a:stretch>
-        </p:blipFill>
-        <p:spPr>
-          <a:xfrm flipH="1">
-            <a:off x="1626134" y="4389406"/>
-            <a:ext cx="949687" cy="1029813"/>
-          </a:xfrm>
-          <a:prstGeom prst="rect">
-            <a:avLst/>
-          </a:prstGeom>
-        </p:spPr>
-      </p:pic>
-      <p:sp>
-        <p:nvSpPr>
-          <p:cNvPr id="28" name="TextBox 27"/>
-          <p:cNvSpPr txBox="1"/>
-          <p:nvPr/>
-        </p:nvSpPr>
-        <p:spPr>
-          <a:xfrm>
-            <a:off x="2610705" y="1504811"/>
-            <a:ext cx="2063642" cy="369332"/>
-          </a:xfrm>
-          <a:prstGeom prst="rect">
-            <a:avLst/>
-          </a:prstGeom>
-          <a:noFill/>
-        </p:spPr>
-        <p:txBody>
-          <a:bodyPr wrap="none" lIns="0" tIns="0" rIns="0" bIns="0" rtlCol="0">
-            <a:spAutoFit/>
-          </a:bodyPr>
-          <a:lstStyle/>
-          <a:p>
-            <a:r>
-              <a:rPr lang="en-US" sz="2400" spc="-70" dirty="0" smtClean="0">
+              <a:rPr lang="en-US" sz="2400" dirty="0" smtClean="0">
                 <a:solidFill>
-                  <a:schemeClr val="bg1"/>
-                </a:solidFill>
-              </a:rPr>
-              <a:t>Azure Web Sites</a:t>
-            </a:r>
-          </a:p>
-        </p:txBody>
-      </p:sp>
-      <p:sp>
-        <p:nvSpPr>
-          <p:cNvPr id="6" name="Rounded Rectangle 5"/>
-          <p:cNvSpPr/>
-          <p:nvPr/>
-        </p:nvSpPr>
-        <p:spPr bwMode="auto">
-          <a:xfrm>
-            <a:off x="2610704" y="1727200"/>
-            <a:ext cx="4354539" cy="2662207"/>
-          </a:xfrm>
-          <a:prstGeom prst="roundRect">
-            <a:avLst/>
-          </a:prstGeom>
-          <a:solidFill>
-            <a:srgbClr val="EB3C00"/>
-          </a:solidFill>
-          <a:ln>
-            <a:noFill/>
-            <a:headEnd type="none" w="med" len="med"/>
-            <a:tailEnd type="none" w="med" len="med"/>
-          </a:ln>
-          <a:effectLst/>
-        </p:spPr>
-        <p:style>
-          <a:lnRef idx="1">
-            <a:schemeClr val="accent2"/>
-          </a:lnRef>
-          <a:fillRef idx="3">
-            <a:schemeClr val="accent2"/>
-          </a:fillRef>
-          <a:effectRef idx="2">
-            <a:schemeClr val="accent2"/>
-          </a:effectRef>
-          <a:fontRef idx="minor">
-            <a:schemeClr val="lt1"/>
-          </a:fontRef>
-        </p:style>
-        <p:txBody>
-          <a:bodyPr rot="0" spcFirstLastPara="0" vertOverflow="overflow" horzOverflow="overflow" vert="horz" wrap="square" lIns="45720" tIns="45720" rIns="45720" bIns="45720" numCol="1" spcCol="0" rtlCol="0" fromWordArt="0" anchor="ctr" anchorCtr="0" forceAA="0" compatLnSpc="1">
-            <a:prstTxWarp prst="textNoShape">
-              <a:avLst/>
-            </a:prstTxWarp>
-            <a:noAutofit/>
-          </a:bodyPr>
-          <a:lstStyle/>
-          <a:p>
-            <a:pPr algn="ctr" defTabSz="914099" fontAlgn="base">
-              <a:spcBef>
-                <a:spcPct val="0"/>
-              </a:spcBef>
-              <a:spcAft>
-                <a:spcPct val="0"/>
-              </a:spcAft>
-            </a:pPr>
-            <a:endParaRPr lang="en-US" sz="2200" dirty="0" smtClean="0">
-              <a:gradFill>
-                <a:gsLst>
-                  <a:gs pos="0">
-                    <a:srgbClr val="FFFFFF"/>
-                  </a:gs>
-                  <a:gs pos="100000">
-                    <a:srgbClr val="FFFFFF"/>
-                  </a:gs>
-                </a:gsLst>
-                <a:lin ang="5400000" scaled="0"/>
-              </a:gradFill>
-              <a:ea typeface="Segoe UI" pitchFamily="34" charset="0"/>
-              <a:cs typeface="Segoe UI" pitchFamily="34" charset="0"/>
-            </a:endParaRPr>
-          </a:p>
-        </p:txBody>
-      </p:sp>
-      <p:sp>
-        <p:nvSpPr>
-          <p:cNvPr id="29" name="Rounded Rectangle 28"/>
-          <p:cNvSpPr/>
-          <p:nvPr/>
-        </p:nvSpPr>
-        <p:spPr bwMode="auto">
-          <a:xfrm>
-            <a:off x="3010714" y="2130546"/>
-            <a:ext cx="1777259" cy="815854"/>
-          </a:xfrm>
-          <a:prstGeom prst="roundRect">
-            <a:avLst/>
-          </a:prstGeom>
-          <a:solidFill>
-            <a:schemeClr val="accent1">
-              <a:lumMod val="20000"/>
-              <a:lumOff val="80000"/>
-            </a:schemeClr>
-          </a:solidFill>
-          <a:ln>
-            <a:noFill/>
-            <a:headEnd type="none" w="med" len="med"/>
-            <a:tailEnd type="none" w="med" len="med"/>
-          </a:ln>
-          <a:effectLst/>
-        </p:spPr>
-        <p:style>
-          <a:lnRef idx="1">
-            <a:schemeClr val="accent2"/>
-          </a:lnRef>
-          <a:fillRef idx="3">
-            <a:schemeClr val="accent2"/>
-          </a:fillRef>
-          <a:effectRef idx="2">
-            <a:schemeClr val="accent2"/>
-          </a:effectRef>
-          <a:fontRef idx="minor">
-            <a:schemeClr val="lt1"/>
-          </a:fontRef>
-        </p:style>
-        <p:txBody>
-          <a:bodyPr rot="0" spcFirstLastPara="0" vertOverflow="overflow" horzOverflow="overflow" vert="horz" wrap="square" lIns="45720" tIns="45720" rIns="45720" bIns="45720" numCol="1" spcCol="0" rtlCol="0" fromWordArt="0" anchor="ctr" anchorCtr="0" forceAA="0" compatLnSpc="1">
-            <a:prstTxWarp prst="textNoShape">
-              <a:avLst/>
-            </a:prstTxWarp>
-            <a:noAutofit/>
-          </a:bodyPr>
-          <a:lstStyle/>
-          <a:p>
-            <a:pPr algn="ctr" defTabSz="914099" fontAlgn="base">
-              <a:spcBef>
-                <a:spcPct val="0"/>
-              </a:spcBef>
-              <a:spcAft>
-                <a:spcPct val="0"/>
-              </a:spcAft>
-            </a:pPr>
-            <a:r>
-              <a:rPr lang="en-US" sz="2200" dirty="0" smtClean="0">
-                <a:solidFill>
-                  <a:schemeClr val="bg1">
-                    <a:lumMod val="50000"/>
+                  <a:schemeClr val="tx1">
+                    <a:lumMod val="65000"/>
+                    <a:lumOff val="35000"/>
                   </a:schemeClr>
                 </a:solidFill>
                 <a:ea typeface="Segoe UI" pitchFamily="34" charset="0"/>
                 <a:cs typeface="Segoe UI" pitchFamily="34" charset="0"/>
               </a:rPr>
-              <a:t>Host Web</a:t>
-            </a:r>
-          </a:p>
-        </p:txBody>
-      </p:sp>
-      <p:sp>
-        <p:nvSpPr>
-          <p:cNvPr id="32" name="Rounded Rectangle 31"/>
-          <p:cNvSpPr/>
+              <a:t>SharePoint 2013</a:t>
+            </a:r>
+          </a:p>
+        </p:txBody>
+      </p:sp>
+      <p:grpSp>
+        <p:nvGrpSpPr>
+          <p:cNvPr id="10" name="Group 9"/>
+          <p:cNvGrpSpPr>
+            <a:grpSpLocks noChangeAspect="1"/>
+          </p:cNvGrpSpPr>
           <p:nvPr/>
-        </p:nvSpPr>
-        <p:spPr bwMode="auto">
+        </p:nvGrpSpPr>
+        <p:grpSpPr>
           <a:xfrm>
-            <a:off x="4193433" y="3207423"/>
-            <a:ext cx="1891278" cy="613384"/>
+            <a:off x="7172302" y="1929598"/>
+            <a:ext cx="1697226" cy="1530153"/>
+            <a:chOff x="784636" y="1642899"/>
+            <a:chExt cx="2274396" cy="2100062"/>
           </a:xfrm>
-          <a:prstGeom prst="roundRect">
-            <a:avLst/>
-          </a:prstGeom>
-          <a:solidFill>
-            <a:schemeClr val="accent1">
-              <a:lumMod val="20000"/>
-              <a:lumOff val="80000"/>
-            </a:schemeClr>
-          </a:solidFill>
-          <a:ln>
+        </p:grpSpPr>
+        <p:grpSp>
+          <p:nvGrpSpPr>
+            <p:cNvPr id="11" name="Group 10"/>
+            <p:cNvGrpSpPr/>
+            <p:nvPr/>
+          </p:nvGrpSpPr>
+          <p:grpSpPr>
+            <a:xfrm>
+              <a:off x="1584678" y="1642899"/>
+              <a:ext cx="1474354" cy="1159738"/>
+              <a:chOff x="3259173" y="2265001"/>
+              <a:chExt cx="1474354" cy="1159738"/>
+            </a:xfrm>
+          </p:grpSpPr>
+          <p:pic>
+            <p:nvPicPr>
+              <p:cNvPr id="18" name="Picture 17"/>
+              <p:cNvPicPr>
+                <a:picLocks noChangeAspect="1"/>
+              </p:cNvPicPr>
+              <p:nvPr/>
+            </p:nvPicPr>
+            <p:blipFill>
+              <a:blip r:embed="rId7"/>
+              <a:stretch>
+                <a:fillRect/>
+              </a:stretch>
+            </p:blipFill>
+            <p:spPr>
+              <a:xfrm>
+                <a:off x="3259173" y="2493797"/>
+                <a:ext cx="465830" cy="863861"/>
+              </a:xfrm>
+              <a:prstGeom prst="rect">
+                <a:avLst/>
+              </a:prstGeom>
+            </p:spPr>
+          </p:pic>
+          <p:pic>
+            <p:nvPicPr>
+              <p:cNvPr id="19" name="Picture 18"/>
+              <p:cNvPicPr>
+                <a:picLocks noChangeAspect="1"/>
+              </p:cNvPicPr>
+              <p:nvPr/>
+            </p:nvPicPr>
+            <p:blipFill>
+              <a:blip r:embed="rId7"/>
+              <a:stretch>
+                <a:fillRect/>
+              </a:stretch>
+            </p:blipFill>
+            <p:spPr>
+              <a:xfrm>
+                <a:off x="3584595" y="2265001"/>
+                <a:ext cx="465830" cy="863861"/>
+              </a:xfrm>
+              <a:prstGeom prst="rect">
+                <a:avLst/>
+              </a:prstGeom>
+            </p:spPr>
+          </p:pic>
+          <p:pic>
+            <p:nvPicPr>
+              <p:cNvPr id="20" name="Picture 19"/>
+              <p:cNvPicPr>
+                <a:picLocks noChangeAspect="1"/>
+              </p:cNvPicPr>
+              <p:nvPr/>
+            </p:nvPicPr>
+            <p:blipFill>
+              <a:blip r:embed="rId8"/>
+              <a:stretch>
+                <a:fillRect/>
+              </a:stretch>
+            </p:blipFill>
+            <p:spPr>
+              <a:xfrm>
+                <a:off x="3829702" y="2547779"/>
+                <a:ext cx="903825" cy="876960"/>
+              </a:xfrm>
+              <a:prstGeom prst="rect">
+                <a:avLst/>
+              </a:prstGeom>
+            </p:spPr>
+          </p:pic>
+        </p:grpSp>
+        <p:grpSp>
+          <p:nvGrpSpPr>
+            <p:cNvPr id="12" name="Group 11"/>
+            <p:cNvGrpSpPr/>
+            <p:nvPr/>
+          </p:nvGrpSpPr>
+          <p:grpSpPr>
+            <a:xfrm>
+              <a:off x="1351763" y="2761698"/>
+              <a:ext cx="1110204" cy="981263"/>
+              <a:chOff x="2552214" y="4019392"/>
+              <a:chExt cx="1110204" cy="981263"/>
+            </a:xfrm>
+          </p:grpSpPr>
+          <p:pic>
+            <p:nvPicPr>
+              <p:cNvPr id="16" name="Picture 15"/>
+              <p:cNvPicPr>
+                <a:picLocks noChangeAspect="1"/>
+              </p:cNvPicPr>
+              <p:nvPr/>
+            </p:nvPicPr>
+            <p:blipFill>
+              <a:blip r:embed="rId7"/>
+              <a:stretch>
+                <a:fillRect/>
+              </a:stretch>
+            </p:blipFill>
+            <p:spPr>
+              <a:xfrm>
+                <a:off x="2552214" y="4136794"/>
+                <a:ext cx="465830" cy="863861"/>
+              </a:xfrm>
+              <a:prstGeom prst="rect">
+                <a:avLst/>
+              </a:prstGeom>
+            </p:spPr>
+          </p:pic>
+          <p:pic>
+            <p:nvPicPr>
+              <p:cNvPr id="17" name="Picture 16"/>
+              <p:cNvPicPr>
+                <a:picLocks noChangeAspect="1"/>
+              </p:cNvPicPr>
+              <p:nvPr/>
+            </p:nvPicPr>
+            <p:blipFill>
+              <a:blip r:embed="rId9"/>
+              <a:stretch>
+                <a:fillRect/>
+              </a:stretch>
+            </p:blipFill>
+            <p:spPr>
+              <a:xfrm>
+                <a:off x="2855928" y="4019392"/>
+                <a:ext cx="806490" cy="904800"/>
+              </a:xfrm>
+              <a:prstGeom prst="rect">
+                <a:avLst/>
+              </a:prstGeom>
+            </p:spPr>
+          </p:pic>
+        </p:grpSp>
+        <p:grpSp>
+          <p:nvGrpSpPr>
+            <p:cNvPr id="13" name="Group 12"/>
+            <p:cNvGrpSpPr/>
+            <p:nvPr/>
+          </p:nvGrpSpPr>
+          <p:grpSpPr>
+            <a:xfrm>
+              <a:off x="784636" y="2008184"/>
+              <a:ext cx="949310" cy="1066996"/>
+              <a:chOff x="1637814" y="2493797"/>
+              <a:chExt cx="949310" cy="1066996"/>
+            </a:xfrm>
+          </p:grpSpPr>
+          <p:pic>
+            <p:nvPicPr>
+              <p:cNvPr id="14" name="Picture 13"/>
+              <p:cNvPicPr>
+                <a:picLocks noChangeAspect="1"/>
+              </p:cNvPicPr>
+              <p:nvPr/>
+            </p:nvPicPr>
+            <p:blipFill>
+              <a:blip r:embed="rId7"/>
+              <a:stretch>
+                <a:fillRect/>
+              </a:stretch>
+            </p:blipFill>
+            <p:spPr>
+              <a:xfrm>
+                <a:off x="1637814" y="2696932"/>
+                <a:ext cx="465830" cy="863861"/>
+              </a:xfrm>
+              <a:prstGeom prst="rect">
+                <a:avLst/>
+              </a:prstGeom>
+            </p:spPr>
+          </p:pic>
+          <p:pic>
+            <p:nvPicPr>
+              <p:cNvPr id="15" name="Picture 14"/>
+              <p:cNvPicPr>
+                <a:picLocks noChangeAspect="1"/>
+              </p:cNvPicPr>
+              <p:nvPr/>
+            </p:nvPicPr>
+            <p:blipFill>
+              <a:blip r:embed="rId10"/>
+              <a:stretch>
+                <a:fillRect/>
+              </a:stretch>
+            </p:blipFill>
+            <p:spPr>
+              <a:xfrm>
+                <a:off x="1857111" y="2493797"/>
+                <a:ext cx="730013" cy="911760"/>
+              </a:xfrm>
+              <a:prstGeom prst="rect">
+                <a:avLst/>
+              </a:prstGeom>
+            </p:spPr>
+          </p:pic>
+        </p:grpSp>
+      </p:grpSp>
+      <p:grpSp>
+        <p:nvGrpSpPr>
+          <p:cNvPr id="21" name="Group 20"/>
+          <p:cNvGrpSpPr/>
+          <p:nvPr/>
+        </p:nvGrpSpPr>
+        <p:grpSpPr>
+          <a:xfrm>
+            <a:off x="9130220" y="3841714"/>
+            <a:ext cx="1399999" cy="878915"/>
+            <a:chOff x="10169960" y="3361847"/>
+            <a:chExt cx="1399999" cy="878915"/>
+          </a:xfrm>
+        </p:grpSpPr>
+        <p:pic>
+          <p:nvPicPr>
+            <p:cNvPr id="22" name="Picture 21"/>
+            <p:cNvPicPr>
+              <a:picLocks noChangeAspect="1"/>
+            </p:cNvPicPr>
+            <p:nvPr/>
+          </p:nvPicPr>
+          <p:blipFill>
+            <a:blip r:embed="rId11"/>
+            <a:stretch>
+              <a:fillRect/>
+            </a:stretch>
+          </p:blipFill>
+          <p:spPr>
+            <a:xfrm>
+              <a:off x="10571003" y="3361847"/>
+              <a:ext cx="597915" cy="598560"/>
+            </a:xfrm>
+            <a:prstGeom prst="rect">
+              <a:avLst/>
+            </a:prstGeom>
+          </p:spPr>
+        </p:pic>
+        <p:sp>
+          <p:nvSpPr>
+            <p:cNvPr id="23" name="TextBox 22"/>
+            <p:cNvSpPr txBox="1"/>
+            <p:nvPr/>
+          </p:nvSpPr>
+          <p:spPr>
+            <a:xfrm>
+              <a:off x="10169960" y="3932985"/>
+              <a:ext cx="1399999" cy="307777"/>
+            </a:xfrm>
+            <a:prstGeom prst="rect">
+              <a:avLst/>
+            </a:prstGeom>
             <a:noFill/>
-            <a:headEnd type="none" w="med" len="med"/>
-            <a:tailEnd type="none" w="med" len="med"/>
-          </a:ln>
-          <a:effectLst/>
-        </p:spPr>
-        <p:style>
-          <a:lnRef idx="1">
-            <a:schemeClr val="accent2"/>
-          </a:lnRef>
-          <a:fillRef idx="3">
-            <a:schemeClr val="accent2"/>
-          </a:fillRef>
-          <a:effectRef idx="2">
-            <a:schemeClr val="accent2"/>
-          </a:effectRef>
-          <a:fontRef idx="minor">
-            <a:schemeClr val="lt1"/>
-          </a:fontRef>
-        </p:style>
-        <p:txBody>
-          <a:bodyPr rot="0" spcFirstLastPara="0" vertOverflow="overflow" horzOverflow="overflow" vert="horz" wrap="square" lIns="45720" tIns="45720" rIns="45720" bIns="45720" numCol="1" spcCol="0" rtlCol="0" fromWordArt="0" anchor="ctr" anchorCtr="0" forceAA="0" compatLnSpc="1">
-            <a:prstTxWarp prst="textNoShape">
+          </p:spPr>
+          <p:txBody>
+            <a:bodyPr wrap="none" lIns="0" tIns="0" rIns="0" bIns="0" rtlCol="0">
+              <a:spAutoFit/>
+            </a:bodyPr>
+            <a:lstStyle/>
+            <a:p>
+              <a:r>
+                <a:rPr lang="en-US" sz="2000" spc="-70" dirty="0" smtClean="0">
+                  <a:gradFill>
+                    <a:gsLst>
+                      <a:gs pos="2917">
+                        <a:schemeClr val="bg2"/>
+                      </a:gs>
+                      <a:gs pos="95000">
+                        <a:schemeClr val="bg2"/>
+                      </a:gs>
+                    </a:gsLst>
+                    <a:lin ang="5400000" scaled="0"/>
+                  </a:gradFill>
+                </a:rPr>
+                <a:t>Web Services</a:t>
+              </a:r>
+            </a:p>
+          </p:txBody>
+        </p:sp>
+      </p:grpSp>
+      <p:grpSp>
+        <p:nvGrpSpPr>
+          <p:cNvPr id="24" name="Group 23"/>
+          <p:cNvGrpSpPr/>
+          <p:nvPr/>
+        </p:nvGrpSpPr>
+        <p:grpSpPr>
+          <a:xfrm>
+            <a:off x="5041841" y="2840028"/>
+            <a:ext cx="1045735" cy="1089953"/>
+            <a:chOff x="9484578" y="1148235"/>
+            <a:chExt cx="1045735" cy="1089953"/>
+          </a:xfrm>
+        </p:grpSpPr>
+        <p:pic>
+          <p:nvPicPr>
+            <p:cNvPr id="25" name="Picture 24"/>
+            <p:cNvPicPr>
+              <a:picLocks noChangeAspect="1"/>
+            </p:cNvPicPr>
+            <p:nvPr/>
+          </p:nvPicPr>
+          <p:blipFill>
+            <a:blip r:embed="rId12"/>
+            <a:stretch>
+              <a:fillRect/>
+            </a:stretch>
+          </p:blipFill>
+          <p:spPr>
+            <a:xfrm>
+              <a:off x="9586780" y="1148235"/>
+              <a:ext cx="841328" cy="775240"/>
+            </a:xfrm>
+            <a:prstGeom prst="rect">
               <a:avLst/>
-            </a:prstTxWarp>
-            <a:noAutofit/>
-          </a:bodyPr>
-          <a:lstStyle/>
-          <a:p>
-            <a:pPr algn="ctr" defTabSz="914099" fontAlgn="base">
-              <a:spcBef>
-                <a:spcPct val="0"/>
-              </a:spcBef>
-              <a:spcAft>
-                <a:spcPct val="0"/>
-              </a:spcAft>
-            </a:pPr>
-            <a:r>
-              <a:rPr lang="en-US" sz="2200" dirty="0" smtClean="0">
-                <a:solidFill>
-                  <a:schemeClr val="bg1">
-                    <a:lumMod val="50000"/>
-                  </a:schemeClr>
-                </a:solidFill>
-                <a:ea typeface="Segoe UI" pitchFamily="34" charset="0"/>
-                <a:cs typeface="Segoe UI" pitchFamily="34" charset="0"/>
-              </a:rPr>
-              <a:t>App Web</a:t>
-            </a:r>
-          </a:p>
-        </p:txBody>
-      </p:sp>
+            </a:prstGeom>
+          </p:spPr>
+        </p:pic>
+        <p:sp>
+          <p:nvSpPr>
+            <p:cNvPr id="26" name="TextBox 25"/>
+            <p:cNvSpPr txBox="1"/>
+            <p:nvPr/>
+          </p:nvSpPr>
+          <p:spPr>
+            <a:xfrm>
+              <a:off x="9484578" y="1930411"/>
+              <a:ext cx="1045735" cy="307777"/>
+            </a:xfrm>
+            <a:prstGeom prst="rect">
+              <a:avLst/>
+            </a:prstGeom>
+            <a:noFill/>
+          </p:spPr>
+          <p:txBody>
+            <a:bodyPr wrap="none" lIns="0" tIns="0" rIns="0" bIns="0" rtlCol="0">
+              <a:spAutoFit/>
+            </a:bodyPr>
+            <a:lstStyle/>
+            <a:p>
+              <a:pPr algn="ctr"/>
+              <a:r>
+                <a:rPr lang="en-US" sz="2000" spc="-70" dirty="0" smtClean="0">
+                  <a:gradFill>
+                    <a:gsLst>
+                      <a:gs pos="2917">
+                        <a:schemeClr val="bg2"/>
+                      </a:gs>
+                      <a:gs pos="95000">
+                        <a:schemeClr val="bg2"/>
+                      </a:gs>
+                    </a:gsLst>
+                    <a:lin ang="5400000" scaled="0"/>
+                  </a:gradFill>
+                </a:rPr>
+                <a:t>Host Web</a:t>
+              </a:r>
+            </a:p>
+          </p:txBody>
+        </p:sp>
+      </p:grpSp>
+      <p:grpSp>
+        <p:nvGrpSpPr>
+          <p:cNvPr id="27" name="Group 26"/>
+          <p:cNvGrpSpPr/>
+          <p:nvPr/>
+        </p:nvGrpSpPr>
+        <p:grpSpPr>
+          <a:xfrm>
+            <a:off x="6246536" y="3952715"/>
+            <a:ext cx="992196" cy="767914"/>
+            <a:chOff x="9742211" y="2768131"/>
+            <a:chExt cx="992196" cy="767914"/>
+          </a:xfrm>
+        </p:grpSpPr>
+        <p:pic>
+          <p:nvPicPr>
+            <p:cNvPr id="28" name="Picture 27"/>
+            <p:cNvPicPr>
+              <a:picLocks noChangeAspect="1"/>
+            </p:cNvPicPr>
+            <p:nvPr/>
+          </p:nvPicPr>
+          <p:blipFill>
+            <a:blip r:embed="rId13"/>
+            <a:stretch>
+              <a:fillRect/>
+            </a:stretch>
+          </p:blipFill>
+          <p:spPr>
+            <a:xfrm>
+              <a:off x="9946303" y="2768131"/>
+              <a:ext cx="584010" cy="487200"/>
+            </a:xfrm>
+            <a:prstGeom prst="rect">
+              <a:avLst/>
+            </a:prstGeom>
+          </p:spPr>
+        </p:pic>
+        <p:sp>
+          <p:nvSpPr>
+            <p:cNvPr id="29" name="TextBox 28"/>
+            <p:cNvSpPr txBox="1"/>
+            <p:nvPr/>
+          </p:nvSpPr>
+          <p:spPr>
+            <a:xfrm>
+              <a:off x="9742211" y="3228268"/>
+              <a:ext cx="992196" cy="307777"/>
+            </a:xfrm>
+            <a:prstGeom prst="rect">
+              <a:avLst/>
+            </a:prstGeom>
+            <a:noFill/>
+          </p:spPr>
+          <p:txBody>
+            <a:bodyPr wrap="none" lIns="0" tIns="0" rIns="0" bIns="0" rtlCol="0">
+              <a:spAutoFit/>
+            </a:bodyPr>
+            <a:lstStyle/>
+            <a:p>
+              <a:pPr algn="ctr"/>
+              <a:r>
+                <a:rPr lang="en-US" sz="2000" spc="-70" dirty="0" smtClean="0">
+                  <a:gradFill>
+                    <a:gsLst>
+                      <a:gs pos="2917">
+                        <a:schemeClr val="bg2"/>
+                      </a:gs>
+                      <a:gs pos="95000">
+                        <a:schemeClr val="bg2"/>
+                      </a:gs>
+                    </a:gsLst>
+                    <a:lin ang="5400000" scaled="0"/>
+                  </a:gradFill>
+                </a:rPr>
+                <a:t>App Web</a:t>
+              </a:r>
+            </a:p>
+          </p:txBody>
+        </p:sp>
+      </p:grpSp>
       <p:cxnSp>
         <p:nvCxnSpPr>
-          <p:cNvPr id="40" name="Elbow Connector 39"/>
-          <p:cNvCxnSpPr>
-            <a:stCxn id="29" idx="2"/>
-            <a:endCxn id="32" idx="1"/>
-          </p:cNvCxnSpPr>
+          <p:cNvPr id="30" name="Straight Arrow Connector 29"/>
+          <p:cNvCxnSpPr/>
           <p:nvPr/>
         </p:nvCxnSpPr>
         <p:spPr>
-          <a:xfrm rot="16200000" flipH="1">
-            <a:off x="3762531" y="3083212"/>
-            <a:ext cx="567715" cy="294089"/>
+          <a:xfrm flipV="1">
+            <a:off x="3194441" y="3227649"/>
+            <a:ext cx="1843415" cy="590230"/>
           </a:xfrm>
-          <a:prstGeom prst="bentConnector2">
+          <a:prstGeom prst="straightConnector1">
             <a:avLst/>
           </a:prstGeom>
-          <a:ln>
+          <a:ln w="44450">
             <a:solidFill>
-              <a:schemeClr val="tx1"/>
+              <a:schemeClr val="tx1">
+                <a:alpha val="60000"/>
+              </a:schemeClr>
             </a:solidFill>
-            <a:headEnd type="triangle"/>
-            <a:tailEnd type="triangle"/>
-          </a:ln>
-        </p:spPr>
-        <p:style>
-          <a:lnRef idx="1">
-            <a:schemeClr val="accent1"/>
-          </a:lnRef>
-          <a:fillRef idx="0">
-            <a:schemeClr val="accent1"/>
-          </a:fillRef>
-          <a:effectRef idx="0">
-            <a:schemeClr val="accent1"/>
-          </a:effectRef>
-          <a:fontRef idx="minor">
-            <a:schemeClr val="tx1"/>
-          </a:fontRef>
-        </p:style>
-      </p:cxnSp>
-      <p:sp>
-        <p:nvSpPr>
-          <p:cNvPr id="42" name="TextBox 41"/>
-          <p:cNvSpPr txBox="1"/>
-          <p:nvPr/>
-        </p:nvSpPr>
-        <p:spPr>
-          <a:xfrm>
-            <a:off x="4872628" y="2093923"/>
-            <a:ext cx="1537399" cy="738664"/>
-          </a:xfrm>
-          <a:prstGeom prst="rect">
-            <a:avLst/>
-          </a:prstGeom>
-          <a:noFill/>
-        </p:spPr>
-        <p:txBody>
-          <a:bodyPr wrap="square" lIns="0" tIns="0" rIns="0" bIns="0" rtlCol="0">
-            <a:spAutoFit/>
-          </a:bodyPr>
-          <a:lstStyle/>
-          <a:p>
-            <a:pPr algn="r"/>
-            <a:r>
-              <a:rPr lang="en-US" sz="2400" spc="-70" dirty="0" smtClean="0">
-                <a:solidFill>
-                  <a:schemeClr val="bg1"/>
-                </a:solidFill>
-              </a:rPr>
-              <a:t>SharePoint 2013</a:t>
-            </a:r>
-          </a:p>
-        </p:txBody>
-      </p:sp>
-      <p:cxnSp>
-        <p:nvCxnSpPr>
-          <p:cNvPr id="55" name="Elbow Connector 54"/>
-          <p:cNvCxnSpPr>
-            <a:stCxn id="29" idx="1"/>
-          </p:cNvCxnSpPr>
-          <p:nvPr/>
-        </p:nvCxnSpPr>
-        <p:spPr>
-          <a:xfrm rot="10800000" flipV="1">
-            <a:off x="1883646" y="2538473"/>
-            <a:ext cx="1127068" cy="1917742"/>
-          </a:xfrm>
-          <a:prstGeom prst="bentConnector2">
-            <a:avLst/>
-          </a:prstGeom>
-          <a:ln>
-            <a:solidFill>
-              <a:schemeClr val="tx1"/>
-            </a:solidFill>
-            <a:headEnd type="triangle"/>
-            <a:tailEnd type="triangle"/>
+            <a:headEnd type="stealth" w="lg" len="lg"/>
+            <a:tailEnd type="stealth" w="lg" len="lg"/>
           </a:ln>
         </p:spPr>
         <p:style>
@@ -21418,26 +21620,26 @@
       </p:cxnSp>
       <p:cxnSp>
         <p:nvCxnSpPr>
-          <p:cNvPr id="57" name="Elbow Connector 56"/>
-          <p:cNvCxnSpPr>
-            <a:stCxn id="32" idx="2"/>
-          </p:cNvCxnSpPr>
+          <p:cNvPr id="31" name="Straight Arrow Connector 30"/>
+          <p:cNvCxnSpPr/>
           <p:nvPr/>
         </p:nvCxnSpPr>
         <p:spPr>
-          <a:xfrm rot="5400000">
-            <a:off x="3321508" y="3086749"/>
-            <a:ext cx="1083506" cy="2551622"/>
+          <a:xfrm>
+            <a:off x="3179595" y="3859900"/>
+            <a:ext cx="3119049" cy="336084"/>
           </a:xfrm>
-          <a:prstGeom prst="bentConnector2">
+          <a:prstGeom prst="straightConnector1">
             <a:avLst/>
           </a:prstGeom>
-          <a:ln>
+          <a:ln w="44450">
             <a:solidFill>
-              <a:schemeClr val="tx1"/>
+              <a:schemeClr val="tx1">
+                <a:alpha val="60000"/>
+              </a:schemeClr>
             </a:solidFill>
-            <a:headEnd type="triangle"/>
-            <a:tailEnd type="triangle"/>
+            <a:headEnd type="stealth" w="lg" len="lg"/>
+            <a:tailEnd type="stealth" w="lg" len="lg"/>
           </a:ln>
         </p:spPr>
         <p:style>
@@ -21457,27 +21659,67 @@
       </p:cxnSp>
       <p:cxnSp>
         <p:nvCxnSpPr>
-          <p:cNvPr id="21" name="Elbow Connector 20"/>
+          <p:cNvPr id="32" name="Straight Arrow Connector 31"/>
+          <p:cNvCxnSpPr/>
+          <p:nvPr/>
+        </p:nvCxnSpPr>
+        <p:spPr>
+          <a:xfrm>
+            <a:off x="7117189" y="4145385"/>
+            <a:ext cx="2245886" cy="0"/>
+          </a:xfrm>
+          <a:prstGeom prst="straightConnector1">
+            <a:avLst/>
+          </a:prstGeom>
+          <a:ln w="44450">
+            <a:solidFill>
+              <a:schemeClr val="tx1">
+                <a:alpha val="60000"/>
+              </a:schemeClr>
+            </a:solidFill>
+            <a:headEnd type="stealth" w="lg" len="lg"/>
+            <a:tailEnd type="stealth" w="lg" len="lg"/>
+          </a:ln>
+        </p:spPr>
+        <p:style>
+          <a:lnRef idx="1">
+            <a:schemeClr val="accent1"/>
+          </a:lnRef>
+          <a:fillRef idx="0">
+            <a:schemeClr val="accent1"/>
+          </a:fillRef>
+          <a:effectRef idx="0">
+            <a:schemeClr val="accent1"/>
+          </a:effectRef>
+          <a:fontRef idx="minor">
+            <a:schemeClr val="tx1"/>
+          </a:fontRef>
+        </p:style>
+      </p:cxnSp>
+      <p:cxnSp>
+        <p:nvCxnSpPr>
+          <p:cNvPr id="33" name="Elbow Connector 32"/>
           <p:cNvCxnSpPr>
-            <a:stCxn id="5" idx="2"/>
-            <a:endCxn id="32" idx="3"/>
+            <a:endCxn id="28" idx="0"/>
           </p:cNvCxnSpPr>
           <p:nvPr/>
         </p:nvCxnSpPr>
         <p:spPr>
-          <a:xfrm rot="10800000" flipV="1">
-            <a:off x="6084712" y="2975577"/>
-            <a:ext cx="2511169" cy="538538"/>
+          <a:xfrm>
+            <a:off x="5985371" y="3227648"/>
+            <a:ext cx="757262" cy="725067"/>
           </a:xfrm>
-          <a:prstGeom prst="bentConnector3">
+          <a:prstGeom prst="bentConnector2">
             <a:avLst/>
           </a:prstGeom>
-          <a:ln>
+          <a:ln w="44450">
             <a:solidFill>
-              <a:schemeClr val="tx1"/>
+              <a:schemeClr val="tx1">
+                <a:alpha val="60000"/>
+              </a:schemeClr>
             </a:solidFill>
-            <a:headEnd type="triangle"/>
-            <a:tailEnd type="triangle"/>
+            <a:headEnd type="stealth" w="lg" len="lg"/>
+            <a:tailEnd type="stealth" w="lg" len="lg"/>
           </a:ln>
         </p:spPr>
         <p:style>
@@ -21498,7 +21740,7 @@
     </p:spTree>
     <p:extLst>
       <p:ext uri="{BB962C8B-B14F-4D97-AF65-F5344CB8AC3E}">
-        <p14:creationId xmlns:p14="http://schemas.microsoft.com/office/powerpoint/2010/main" val="3699519801"/>
+        <p14:creationId xmlns:p14="http://schemas.microsoft.com/office/powerpoint/2010/main" val="1983543670"/>
       </p:ext>
     </p:extLst>
   </p:cSld>
@@ -21508,13 +21750,6 @@
   <p:transition>
     <p:fade/>
   </p:transition>
-  <p:timing>
-    <p:tnLst>
-      <p:par>
-        <p:cTn id="1" dur="indefinite" restart="never" nodeType="tmRoot"/>
-      </p:par>
-    </p:tnLst>
-  </p:timing>
 </p:sld>
 </file>
 
@@ -23351,12 +23586,9 @@
 </file>
 
 <file path=customXml/item1.xml><?xml version="1.0" encoding="utf-8"?>
-<?mso-contentType ?>
-<FormTemplates xmlns="http://schemas.microsoft.com/sharepoint/v3/contenttype/forms">
-  <Display>DocumentLibraryForm</Display>
-  <Edit>DocumentLibraryForm</Edit>
-  <New>DocumentLibraryForm</New>
-</FormTemplates>
+<p:properties xmlns:p="http://schemas.microsoft.com/office/2006/metadata/properties" xmlns:xsi="http://www.w3.org/2001/XMLSchema-instance" xmlns:pc="http://schemas.microsoft.com/office/infopath/2007/PartnerControls">
+  <documentManagement/>
+</p:properties>
 </file>
 
 <file path=customXml/item2.xml><?xml version="1.0" encoding="utf-8"?>
@@ -23500,15 +23732,26 @@
 </file>
 
 <file path=customXml/item3.xml><?xml version="1.0" encoding="utf-8"?>
-<p:properties xmlns:p="http://schemas.microsoft.com/office/2006/metadata/properties" xmlns:xsi="http://www.w3.org/2001/XMLSchema-instance" xmlns:pc="http://schemas.microsoft.com/office/infopath/2007/PartnerControls">
-  <documentManagement/>
-</p:properties>
+<?mso-contentType ?>
+<FormTemplates xmlns="http://schemas.microsoft.com/sharepoint/v3/contenttype/forms">
+  <Display>DocumentLibraryForm</Display>
+  <Edit>DocumentLibraryForm</Edit>
+  <New>DocumentLibraryForm</New>
+</FormTemplates>
 </file>
 
 <file path=customXml/itemProps1.xml><?xml version="1.0" encoding="utf-8"?>
-<ds:datastoreItem xmlns:ds="http://schemas.openxmlformats.org/officeDocument/2006/customXml" ds:itemID="{E1E0CE18-CA03-4891-9CD8-3448778E3D53}">
+<ds:datastoreItem xmlns:ds="http://schemas.openxmlformats.org/officeDocument/2006/customXml" ds:itemID="{DA593625-DB14-4FB0-B5A9-3269FA9C120B}">
   <ds:schemaRefs>
-    <ds:schemaRef ds:uri="http://schemas.microsoft.com/sharepoint/v3/contenttype/forms"/>
+    <ds:schemaRef ds:uri="http://schemas.microsoft.com/office/2006/documentManagement/types"/>
+    <ds:schemaRef ds:uri="http://purl.org/dc/elements/1.1/"/>
+    <ds:schemaRef ds:uri="http://schemas.microsoft.com/office/2006/metadata/properties"/>
+    <ds:schemaRef ds:uri="5fad15d0-477e-40da-a20d-40d4ca777cbd"/>
+    <ds:schemaRef ds:uri="http://www.w3.org/XML/1998/namespace"/>
+    <ds:schemaRef ds:uri="http://schemas.microsoft.com/office/infopath/2007/PartnerControls"/>
+    <ds:schemaRef ds:uri="http://purl.org/dc/dcmitype/"/>
+    <ds:schemaRef ds:uri="http://schemas.openxmlformats.org/package/2006/metadata/core-properties"/>
+    <ds:schemaRef ds:uri="http://purl.org/dc/terms/"/>
   </ds:schemaRefs>
 </ds:datastoreItem>
 </file>
@@ -23532,17 +23775,9 @@
 </file>
 
 <file path=customXml/itemProps3.xml><?xml version="1.0" encoding="utf-8"?>
-<ds:datastoreItem xmlns:ds="http://schemas.openxmlformats.org/officeDocument/2006/customXml" ds:itemID="{DA593625-DB14-4FB0-B5A9-3269FA9C120B}">
+<ds:datastoreItem xmlns:ds="http://schemas.openxmlformats.org/officeDocument/2006/customXml" ds:itemID="{E1E0CE18-CA03-4891-9CD8-3448778E3D53}">
   <ds:schemaRefs>
-    <ds:schemaRef ds:uri="http://schemas.microsoft.com/office/2006/documentManagement/types"/>
-    <ds:schemaRef ds:uri="http://purl.org/dc/elements/1.1/"/>
-    <ds:schemaRef ds:uri="http://schemas.microsoft.com/office/2006/metadata/properties"/>
-    <ds:schemaRef ds:uri="5fad15d0-477e-40da-a20d-40d4ca777cbd"/>
-    <ds:schemaRef ds:uri="http://www.w3.org/XML/1998/namespace"/>
-    <ds:schemaRef ds:uri="http://schemas.microsoft.com/office/infopath/2007/PartnerControls"/>
-    <ds:schemaRef ds:uri="http://purl.org/dc/dcmitype/"/>
-    <ds:schemaRef ds:uri="http://schemas.openxmlformats.org/package/2006/metadata/core-properties"/>
-    <ds:schemaRef ds:uri="http://purl.org/dc/terms/"/>
+    <ds:schemaRef ds:uri="http://schemas.microsoft.com/sharepoint/v3/contenttype/forms"/>
   </ds:schemaRefs>
 </ds:datastoreItem>
 </file>
--- a/O3652-5 Deep Dive into SharePoint Hosted Apps/O3652-5 Deep Dive into SharePoint Hosted Apps.pptx
+++ b/O3652-5 Deep Dive into SharePoint Hosted Apps/O3652-5 Deep Dive into SharePoint Hosted Apps.pptx
@@ -351,7 +351,7 @@
           <a:p>
             <a:fld id="{DE219B1A-AE41-483B-A766-69B9363DDA6A}" type="datetimeFigureOut">
               <a:rPr lang="en-US" smtClean="0"/>
-              <a:t>9/8/2014</a:t>
+              <a:t>9/12/2014</a:t>
             </a:fld>
             <a:endParaRPr lang="en-US"/>
           </a:p>
@@ -633,7 +633,7 @@
           <a:p>
             <a:fld id="{D51B1278-D92B-4AF3-A9C1-71DD298190CE}" type="datetimeFigureOut">
               <a:rPr lang="en-US" smtClean="0"/>
-              <a:t>9/8/2014</a:t>
+              <a:t>9/12/2014</a:t>
             </a:fld>
             <a:endParaRPr lang="en-US"/>
           </a:p>
@@ -1242,7 +1242,7 @@
           <a:p>
             <a:fld id="{EA92B4C5-73A1-48BB-A9A5-32C9642907C3}" type="datetime1">
               <a:rPr lang="en-US" smtClean="0"/>
-              <a:t>9/8/2014</a:t>
+              <a:t>9/12/2014</a:t>
             </a:fld>
             <a:endParaRPr lang="en-US"/>
           </a:p>
@@ -1452,7 +1452,7 @@
           <a:p>
             <a:fld id="{4ADE35DD-7265-41C6-9E2A-205ADF0B08D5}" type="datetime1">
               <a:rPr lang="en-US" smtClean="0"/>
-              <a:t>9/8/2014</a:t>
+              <a:t>9/12/2014</a:t>
             </a:fld>
             <a:endParaRPr lang="en-US"/>
           </a:p>
@@ -1734,7 +1734,7 @@
           <a:p>
             <a:fld id="{011330EA-3A2F-4AA6-9551-59328781FD06}" type="datetime1">
               <a:rPr lang="en-US" smtClean="0"/>
-              <a:t>9/8/2014</a:t>
+              <a:t>9/12/2014</a:t>
             </a:fld>
             <a:endParaRPr lang="en-US"/>
           </a:p>
@@ -1944,7 +1944,7 @@
           <a:p>
             <a:fld id="{64C927B8-48AC-4209-AA95-18D990AB88E8}" type="datetime1">
               <a:rPr lang="en-US" smtClean="0"/>
-              <a:t>9/8/2014</a:t>
+              <a:t>9/12/2014</a:t>
             </a:fld>
             <a:endParaRPr lang="en-US"/>
           </a:p>
@@ -2173,7 +2173,7 @@
           <a:p>
             <a:fld id="{BC8BD616-3C53-4769-B049-3FE930DDEF97}" type="datetime1">
               <a:rPr lang="en-US" smtClean="0"/>
-              <a:t>9/8/2014</a:t>
+              <a:t>9/12/2014</a:t>
             </a:fld>
             <a:endParaRPr lang="en-US"/>
           </a:p>
@@ -2379,7 +2379,7 @@
           <a:p>
             <a:fld id="{6DFBD1BE-6A4F-4D98-BF0B-ADDB5A85FBE3}" type="datetime1">
               <a:rPr lang="en-US" smtClean="0"/>
-              <a:t>9/8/2014</a:t>
+              <a:t>9/12/2014</a:t>
             </a:fld>
             <a:endParaRPr lang="en-US"/>
           </a:p>
@@ -2585,7 +2585,7 @@
           <a:p>
             <a:fld id="{5C086280-9E36-46F9-9D6E-28EEBD564A2F}" type="datetime1">
               <a:rPr lang="en-US" smtClean="0"/>
-              <a:t>9/8/2014</a:t>
+              <a:t>9/12/2014</a:t>
             </a:fld>
             <a:endParaRPr lang="en-US"/>
           </a:p>
@@ -2791,7 +2791,7 @@
           <a:p>
             <a:fld id="{9578095F-DAC2-48A6-9439-B5B16DDBB617}" type="datetime1">
               <a:rPr lang="en-US" smtClean="0"/>
-              <a:t>9/8/2014</a:t>
+              <a:t>9/12/2014</a:t>
             </a:fld>
             <a:endParaRPr lang="en-US"/>
           </a:p>
@@ -2997,7 +2997,7 @@
           <a:p>
             <a:fld id="{6DFBD1BE-6A4F-4D98-BF0B-ADDB5A85FBE3}" type="datetime1">
               <a:rPr lang="en-US" smtClean="0"/>
-              <a:t>9/8/2014</a:t>
+              <a:t>9/12/2014</a:t>
             </a:fld>
             <a:endParaRPr lang="en-US"/>
           </a:p>
@@ -3203,7 +3203,7 @@
           <a:p>
             <a:fld id="{6DFBD1BE-6A4F-4D98-BF0B-ADDB5A85FBE3}" type="datetime1">
               <a:rPr lang="en-US" smtClean="0"/>
-              <a:t>9/8/2014</a:t>
+              <a:t>9/12/2014</a:t>
             </a:fld>
             <a:endParaRPr lang="en-US"/>
           </a:p>
@@ -3463,7 +3463,7 @@
           <a:p>
             <a:fld id="{B079C3B8-7366-4A44-A34B-3977080C19E7}" type="datetime1">
               <a:rPr lang="en-US" smtClean="0"/>
-              <a:t>9/8/2014</a:t>
+              <a:t>9/12/2014</a:t>
             </a:fld>
             <a:endParaRPr lang="en-US" dirty="0"/>
           </a:p>
@@ -3594,7 +3594,7 @@
           <a:p>
             <a:fld id="{1EEDE84A-98EC-4D75-9A7A-DFF39A931950}" type="datetime1">
               <a:rPr lang="en-US" smtClean="0"/>
-              <a:t>9/8/2014</a:t>
+              <a:t>9/12/2014</a:t>
             </a:fld>
             <a:endParaRPr lang="en-US"/>
           </a:p>
@@ -3911,7 +3911,7 @@
           <a:p>
             <a:fld id="{0BB6559B-C68D-49B4-97AE-9BB74C417927}" type="datetime1">
               <a:rPr lang="en-US" smtClean="0"/>
-              <a:t>9/8/2014</a:t>
+              <a:t>9/12/2014</a:t>
             </a:fld>
             <a:endParaRPr lang="en-US"/>
           </a:p>
@@ -4060,7 +4060,7 @@
           <a:p>
             <a:fld id="{78BBBD37-D011-4FCC-962E-2470062DE670}" type="datetime1">
               <a:rPr lang="en-US" smtClean="0"/>
-              <a:t>9/8/2014</a:t>
+              <a:t>9/12/2014</a:t>
             </a:fld>
             <a:endParaRPr lang="en-US"/>
           </a:p>
@@ -4270,7 +4270,7 @@
           <a:p>
             <a:fld id="{70210F0F-1244-4C73-AF4A-4072D1118C71}" type="datetime1">
               <a:rPr lang="en-US" smtClean="0"/>
-              <a:t>9/8/2014</a:t>
+              <a:t>9/12/2014</a:t>
             </a:fld>
             <a:endParaRPr lang="en-US"/>
           </a:p>
@@ -4576,7 +4576,7 @@
           <a:p>
             <a:fld id="{AE9AEF2E-5E0F-470C-8AB5-948C2A6F0374}" type="datetime1">
               <a:rPr lang="en-US" smtClean="0"/>
-              <a:t>9/8/2014</a:t>
+              <a:t>9/12/2014</a:t>
             </a:fld>
             <a:endParaRPr lang="en-US"/>
           </a:p>
@@ -4794,7 +4794,7 @@
           <a:p>
             <a:fld id="{6E50E453-F0F1-4F28-9386-D0CC835A3436}" type="datetime1">
               <a:rPr lang="en-US" smtClean="0"/>
-              <a:t>9/8/2014</a:t>
+              <a:t>9/12/2014</a:t>
             </a:fld>
             <a:endParaRPr lang="en-US"/>
           </a:p>
@@ -5009,7 +5009,7 @@
           <a:p>
             <a:fld id="{F372C601-B3D4-4352-8812-691632D028CC}" type="datetime1">
               <a:rPr lang="en-US" smtClean="0"/>
-              <a:t>9/8/2014</a:t>
+              <a:t>9/12/2014</a:t>
             </a:fld>
             <a:endParaRPr lang="en-US"/>
           </a:p>
@@ -5257,7 +5257,7 @@
           <a:p>
             <a:fld id="{09D58FB4-9AD0-481B-8C84-A17E43C7859F}" type="datetime1">
               <a:rPr lang="en-US" smtClean="0"/>
-              <a:t>9/8/2014</a:t>
+              <a:t>9/12/2014</a:t>
             </a:fld>
             <a:endParaRPr lang="en-US"/>
           </a:p>
@@ -5471,7 +5471,7 @@
           <a:p>
             <a:fld id="{572172F6-25BB-44AC-BBEC-964D1D29CFE8}" type="datetime1">
               <a:rPr lang="en-US" smtClean="0"/>
-              <a:t>9/8/2014</a:t>
+              <a:t>9/12/2014</a:t>
             </a:fld>
             <a:endParaRPr lang="en-US"/>
           </a:p>
@@ -16978,7 +16978,7 @@
                 <a:gridCol w="11225057">
                   <a:extLst>
                     <a:ext uri="{9D8B030D-6E8A-4147-A177-3AD203B41FA5}">
-                      <a16:colId xmlns="" xmlns:a16="http://schemas.microsoft.com/office/drawing/2014/main" val="1253488153"/>
+                      <a16:colId xmlns:a16="http://schemas.microsoft.com/office/drawing/2014/main" xmlns="" val="1253488153"/>
                     </a:ext>
                   </a:extLst>
                 </a:gridCol>
@@ -17008,7 +17008,7 @@
                 </a:tc>
                 <a:extLst>
                   <a:ext uri="{0D108BD9-81ED-4DB2-BD59-A6C34878D82A}">
-                    <a16:rowId xmlns="" xmlns:a16="http://schemas.microsoft.com/office/drawing/2014/main" val="829859176"/>
+                    <a16:rowId xmlns:a16="http://schemas.microsoft.com/office/drawing/2014/main" xmlns="" val="829859176"/>
                   </a:ext>
                 </a:extLst>
               </a:tr>
@@ -17029,7 +17029,7 @@
                 </a:tc>
                 <a:extLst>
                   <a:ext uri="{0D108BD9-81ED-4DB2-BD59-A6C34878D82A}">
-                    <a16:rowId xmlns="" xmlns:a16="http://schemas.microsoft.com/office/drawing/2014/main" val="1946132611"/>
+                    <a16:rowId xmlns:a16="http://schemas.microsoft.com/office/drawing/2014/main" xmlns="" val="1946132611"/>
                   </a:ext>
                 </a:extLst>
               </a:tr>
@@ -17066,7 +17066,7 @@
                 </a:tc>
                 <a:extLst>
                   <a:ext uri="{0D108BD9-81ED-4DB2-BD59-A6C34878D82A}">
-                    <a16:rowId xmlns="" xmlns:a16="http://schemas.microsoft.com/office/drawing/2014/main" val="3204002662"/>
+                    <a16:rowId xmlns:a16="http://schemas.microsoft.com/office/drawing/2014/main" xmlns="" val="3204002662"/>
                   </a:ext>
                 </a:extLst>
               </a:tr>
@@ -17107,7 +17107,7 @@
                 </a:tc>
                 <a:extLst>
                   <a:ext uri="{0D108BD9-81ED-4DB2-BD59-A6C34878D82A}">
-                    <a16:rowId xmlns="" xmlns:a16="http://schemas.microsoft.com/office/drawing/2014/main" val="4266278162"/>
+                    <a16:rowId xmlns:a16="http://schemas.microsoft.com/office/drawing/2014/main" xmlns="" val="4266278162"/>
                   </a:ext>
                 </a:extLst>
               </a:tr>
@@ -19856,13 +19856,22 @@
           <a:p>
             <a:r>
               <a:rPr lang="en-US" dirty="0" smtClean="0"/>
-              <a:t>Can extend the Ribbon or Edit Control Block (ECB) in the host web</a:t>
-            </a:r>
-          </a:p>
-          <a:p>
+              <a:t>Can extend the Ribbon or Edit Control Block (ECB</a:t>
+            </a:r>
+            <a:r>
+              <a:rPr lang="en-US" smtClean="0"/>
+              <a:t>) </a:t>
+            </a:r>
+            <a:endParaRPr lang="en-US" smtClean="0"/>
+          </a:p>
+          <a:p>
+            <a:r>
+              <a:rPr lang="en-US" smtClean="0"/>
+              <a:t>Launches </a:t>
+            </a:r>
             <a:r>
               <a:rPr lang="en-US" dirty="0" smtClean="0"/>
-              <a:t>Launches a target page in your app</a:t>
+              <a:t>a target page in your app</a:t>
             </a:r>
           </a:p>
           <a:p>
@@ -23586,12 +23595,6 @@
 </file>
 
 <file path=customXml/item1.xml><?xml version="1.0" encoding="utf-8"?>
-<p:properties xmlns:p="http://schemas.microsoft.com/office/2006/metadata/properties" xmlns:xsi="http://www.w3.org/2001/XMLSchema-instance" xmlns:pc="http://schemas.microsoft.com/office/infopath/2007/PartnerControls">
-  <documentManagement/>
-</p:properties>
-</file>
-
-<file path=customXml/item2.xml><?xml version="1.0" encoding="utf-8"?>
 <ct:contentTypeSchema xmlns:ct="http://schemas.microsoft.com/office/2006/metadata/contentType" xmlns:ma="http://schemas.microsoft.com/office/2006/metadata/properties/metaAttributes" ct:_="" ma:_="" ma:contentTypeName="Document" ma:contentTypeID="0x010100A2E4C90AA7333249A7DBC8CC6F49919B" ma:contentTypeVersion="1" ma:contentTypeDescription="Create a new document." ma:contentTypeScope="" ma:versionID="e7b09f0f38d7ed30c7da14951e97abcc">
   <xsd:schema xmlns:xsd="http://www.w3.org/2001/XMLSchema" xmlns:xs="http://www.w3.org/2001/XMLSchema" xmlns:p="http://schemas.microsoft.com/office/2006/metadata/properties" xmlns:ns2="5fad15d0-477e-40da-a20d-40d4ca777cbd" targetNamespace="http://schemas.microsoft.com/office/2006/metadata/properties" ma:root="true" ma:fieldsID="0cee24db179c30c5ebec40b677cadf70" ns2:_="">
     <xsd:import namespace="5fad15d0-477e-40da-a20d-40d4ca777cbd"/>
@@ -23731,6 +23734,12 @@
 </ct:contentTypeSchema>
 </file>
 
+<file path=customXml/item2.xml><?xml version="1.0" encoding="utf-8"?>
+<p:properties xmlns:p="http://schemas.microsoft.com/office/2006/metadata/properties" xmlns:xsi="http://www.w3.org/2001/XMLSchema-instance" xmlns:pc="http://schemas.microsoft.com/office/infopath/2007/PartnerControls">
+  <documentManagement/>
+</p:properties>
+</file>
+
 <file path=customXml/item3.xml><?xml version="1.0" encoding="utf-8"?>
 <?mso-contentType ?>
 <FormTemplates xmlns="http://schemas.microsoft.com/sharepoint/v3/contenttype/forms">
@@ -23741,22 +23750,6 @@
 </file>
 
 <file path=customXml/itemProps1.xml><?xml version="1.0" encoding="utf-8"?>
-<ds:datastoreItem xmlns:ds="http://schemas.openxmlformats.org/officeDocument/2006/customXml" ds:itemID="{DA593625-DB14-4FB0-B5A9-3269FA9C120B}">
-  <ds:schemaRefs>
-    <ds:schemaRef ds:uri="http://schemas.microsoft.com/office/2006/documentManagement/types"/>
-    <ds:schemaRef ds:uri="http://purl.org/dc/elements/1.1/"/>
-    <ds:schemaRef ds:uri="http://schemas.microsoft.com/office/2006/metadata/properties"/>
-    <ds:schemaRef ds:uri="5fad15d0-477e-40da-a20d-40d4ca777cbd"/>
-    <ds:schemaRef ds:uri="http://www.w3.org/XML/1998/namespace"/>
-    <ds:schemaRef ds:uri="http://schemas.microsoft.com/office/infopath/2007/PartnerControls"/>
-    <ds:schemaRef ds:uri="http://purl.org/dc/dcmitype/"/>
-    <ds:schemaRef ds:uri="http://schemas.openxmlformats.org/package/2006/metadata/core-properties"/>
-    <ds:schemaRef ds:uri="http://purl.org/dc/terms/"/>
-  </ds:schemaRefs>
-</ds:datastoreItem>
-</file>
-
-<file path=customXml/itemProps2.xml><?xml version="1.0" encoding="utf-8"?>
 <ds:datastoreItem xmlns:ds="http://schemas.openxmlformats.org/officeDocument/2006/customXml" ds:itemID="{F17DCE38-6787-497B-B958-75817420EB1E}">
   <ds:schemaRefs>
     <ds:schemaRef ds:uri="http://schemas.microsoft.com/office/2006/metadata/contentType"/>
@@ -23774,6 +23767,22 @@
 </ds:datastoreItem>
 </file>
 
+<file path=customXml/itemProps2.xml><?xml version="1.0" encoding="utf-8"?>
+<ds:datastoreItem xmlns:ds="http://schemas.openxmlformats.org/officeDocument/2006/customXml" ds:itemID="{DA593625-DB14-4FB0-B5A9-3269FA9C120B}">
+  <ds:schemaRefs>
+    <ds:schemaRef ds:uri="http://schemas.microsoft.com/office/2006/documentManagement/types"/>
+    <ds:schemaRef ds:uri="http://purl.org/dc/elements/1.1/"/>
+    <ds:schemaRef ds:uri="http://schemas.microsoft.com/office/2006/metadata/properties"/>
+    <ds:schemaRef ds:uri="5fad15d0-477e-40da-a20d-40d4ca777cbd"/>
+    <ds:schemaRef ds:uri="http://www.w3.org/XML/1998/namespace"/>
+    <ds:schemaRef ds:uri="http://schemas.microsoft.com/office/infopath/2007/PartnerControls"/>
+    <ds:schemaRef ds:uri="http://purl.org/dc/dcmitype/"/>
+    <ds:schemaRef ds:uri="http://schemas.openxmlformats.org/package/2006/metadata/core-properties"/>
+    <ds:schemaRef ds:uri="http://purl.org/dc/terms/"/>
+  </ds:schemaRefs>
+</ds:datastoreItem>
+</file>
+
 <file path=customXml/itemProps3.xml><?xml version="1.0" encoding="utf-8"?>
 <ds:datastoreItem xmlns:ds="http://schemas.openxmlformats.org/officeDocument/2006/customXml" ds:itemID="{E1E0CE18-CA03-4891-9CD8-3448778E3D53}">
   <ds:schemaRefs>
